--- a/assets/ppt/lex/lex8-lexical-analyzer.pptx
+++ b/assets/ppt/lex/lex8-lexical-analyzer.pptx
@@ -2,7 +2,7 @@
 <file path=ppt/presentation.xml><?xml version="1.0" encoding="utf-8"?>
 <p:presentation xmlns:a="http://schemas.openxmlformats.org/drawingml/2006/main" xmlns:r="http://schemas.openxmlformats.org/officeDocument/2006/relationships" xmlns:p="http://schemas.openxmlformats.org/presentationml/2006/main" strictFirstAndLastChars="0" saveSubsetFonts="1" autoCompressPictures="0">
   <p:sldMasterIdLst>
-    <p:sldMasterId id="2147483648" r:id="rId1"/>
+    <p:sldMasterId id="2147483661" r:id="rId1"/>
   </p:sldMasterIdLst>
   <p:notesMasterIdLst>
     <p:notesMasterId r:id="rId11"/>
@@ -21,7 +21,7 @@
     <p:sldId id="399" r:id="rId9"/>
     <p:sldId id="405" r:id="rId10"/>
   </p:sldIdLst>
-  <p:sldSz cx="9144000" cy="6858000" type="screen4x3"/>
+  <p:sldSz cx="9144000" cy="5143500" type="screen16x9"/>
   <p:notesSz cx="6858000" cy="9144000"/>
   <p:defaultTextStyle>
     <a:defPPr>
@@ -148,6 +148,22 @@
       </a:defRPr>
     </a:lvl9pPr>
   </p:defaultTextStyle>
+  <p:extLst>
+    <p:ext uri="{EFAFB233-063F-42B5-8137-9DF3F51BA10A}">
+      <p15:sldGuideLst xmlns:p15="http://schemas.microsoft.com/office/powerpoint/2012/main">
+        <p15:guide id="1" orient="horz" pos="1620" userDrawn="1">
+          <p15:clr>
+            <a:srgbClr val="A4A3A4"/>
+          </p15:clr>
+        </p15:guide>
+        <p15:guide id="2" pos="2880" userDrawn="1">
+          <p15:clr>
+            <a:srgbClr val="A4A3A4"/>
+          </p15:clr>
+        </p15:guide>
+      </p15:sldGuideLst>
+    </p:ext>
+  </p:extLst>
 </p:presentation>
 </file>
 
@@ -487,8 +503,8 @@
         </p:nvSpPr>
         <p:spPr bwMode="auto">
           <a:xfrm>
-            <a:off x="1143000" y="685800"/>
-            <a:ext cx="4572000" cy="3429000"/>
+            <a:off x="381000" y="685800"/>
+            <a:ext cx="6096000" cy="3429000"/>
           </a:xfrm>
           <a:prstGeom prst="rect">
             <a:avLst/>
@@ -864,8 +880,8 @@
         </p:nvSpPr>
         <p:spPr>
           <a:xfrm>
-            <a:off x="1143000" y="685800"/>
-            <a:ext cx="4572000" cy="3429000"/>
+            <a:off x="381000" y="685800"/>
+            <a:ext cx="6096000" cy="3429000"/>
           </a:xfrm>
           <a:custGeom>
             <a:avLst/>
@@ -956,8 +972,8 @@
         </p:nvSpPr>
         <p:spPr bwMode="auto">
           <a:xfrm>
-            <a:off x="1143000" y="685800"/>
-            <a:ext cx="4572000" cy="3429000"/>
+            <a:off x="381000" y="685800"/>
+            <a:ext cx="6096000" cy="3429000"/>
           </a:xfrm>
           <a:prstGeom prst="rect">
             <a:avLst/>
@@ -1079,6 +1095,10 @@
           </p:nvPr>
         </p:nvSpPr>
         <p:spPr>
+          <a:xfrm>
+            <a:off x="381000" y="685800"/>
+            <a:ext cx="6096000" cy="3429000"/>
+          </a:xfrm>
           <a:ln/>
         </p:spPr>
       </p:sp>
@@ -1163,6 +1183,10 @@
           </p:nvPr>
         </p:nvSpPr>
         <p:spPr>
+          <a:xfrm>
+            <a:off x="381000" y="685800"/>
+            <a:ext cx="6096000" cy="3429000"/>
+          </a:xfrm>
           <a:ln/>
         </p:spPr>
       </p:sp>
@@ -1247,6 +1271,10 @@
           </p:nvPr>
         </p:nvSpPr>
         <p:spPr>
+          <a:xfrm>
+            <a:off x="381000" y="685800"/>
+            <a:ext cx="6096000" cy="3429000"/>
+          </a:xfrm>
           <a:ln/>
         </p:spPr>
       </p:sp>
@@ -1332,8 +1360,8 @@
         </p:nvSpPr>
         <p:spPr bwMode="auto">
           <a:xfrm>
-            <a:off x="1143000" y="685800"/>
-            <a:ext cx="4572000" cy="3429000"/>
+            <a:off x="381000" y="685800"/>
+            <a:ext cx="6096000" cy="3429000"/>
           </a:xfrm>
           <a:prstGeom prst="rect">
             <a:avLst/>
@@ -1456,8 +1484,8 @@
         </p:nvSpPr>
         <p:spPr bwMode="auto">
           <a:xfrm>
-            <a:off x="1143000" y="685800"/>
-            <a:ext cx="4572000" cy="3429000"/>
+            <a:off x="381000" y="685800"/>
+            <a:ext cx="6096000" cy="3429000"/>
           </a:xfrm>
           <a:prstGeom prst="rect">
             <a:avLst/>
@@ -1579,6 +1607,10 @@
           </p:nvPr>
         </p:nvSpPr>
         <p:spPr>
+          <a:xfrm>
+            <a:off x="381000" y="685800"/>
+            <a:ext cx="6096000" cy="3429000"/>
+          </a:xfrm>
           <a:ln/>
         </p:spPr>
       </p:sp>
@@ -1664,8 +1696,8 @@
         </p:nvSpPr>
         <p:spPr bwMode="auto">
           <a:xfrm>
-            <a:off x="1143000" y="685800"/>
-            <a:ext cx="4572000" cy="3429000"/>
+            <a:off x="381000" y="685800"/>
+            <a:ext cx="6096000" cy="3429000"/>
           </a:xfrm>
           <a:prstGeom prst="rect">
             <a:avLst/>
@@ -1752,7 +1784,13 @@
       </p:grpSpPr>
       <p:sp>
         <p:nvSpPr>
-          <p:cNvPr id="2" name="Title 1"/>
+          <p:cNvPr id="2" name="Title 1">
+            <a:extLst>
+              <a:ext uri="{FF2B5EF4-FFF2-40B4-BE49-F238E27FC236}">
+                <a16:creationId xmlns:a16="http://schemas.microsoft.com/office/drawing/2014/main" id="{A54806C3-0D37-1E4B-AB06-F67F2304BA48}"/>
+              </a:ext>
+            </a:extLst>
+          </p:cNvPr>
           <p:cNvSpPr>
             <a:spLocks noGrp="1"/>
           </p:cNvSpPr>
@@ -1762,25 +1800,34 @@
         </p:nvSpPr>
         <p:spPr>
           <a:xfrm>
-            <a:off x="685800" y="2130425"/>
-            <a:ext cx="7772400" cy="1470025"/>
+            <a:off x="1143000" y="841772"/>
+            <a:ext cx="6858000" cy="1790700"/>
           </a:xfrm>
         </p:spPr>
         <p:txBody>
-          <a:bodyPr/>
-          <a:lstStyle/>
-          <a:p>
-            <a:r>
-              <a:rPr lang="en-US" smtClean="0"/>
+          <a:bodyPr anchor="b"/>
+          <a:lstStyle>
+            <a:lvl1pPr algn="ctr">
+              <a:defRPr sz="4500"/>
+            </a:lvl1pPr>
+          </a:lstStyle>
+          <a:p>
+            <a:r>
+              <a:rPr lang="en-US"/>
               <a:t>Click to edit Master title style</a:t>
             </a:r>
-            <a:endParaRPr lang="en-US"/>
           </a:p>
         </p:txBody>
       </p:sp>
       <p:sp>
         <p:nvSpPr>
-          <p:cNvPr id="3" name="Subtitle 2"/>
+          <p:cNvPr id="3" name="Subtitle 2">
+            <a:extLst>
+              <a:ext uri="{FF2B5EF4-FFF2-40B4-BE49-F238E27FC236}">
+                <a16:creationId xmlns:a16="http://schemas.microsoft.com/office/drawing/2014/main" id="{74474DE2-44F0-154B-9FE6-BCB6D1E865D0}"/>
+              </a:ext>
+            </a:extLst>
+          </p:cNvPr>
           <p:cNvSpPr>
             <a:spLocks noGrp="1"/>
           </p:cNvSpPr>
@@ -1790,8 +1837,8 @@
         </p:nvSpPr>
         <p:spPr>
           <a:xfrm>
-            <a:off x="1371600" y="3886200"/>
-            <a:ext cx="6400800" cy="1752600"/>
+            <a:off x="1143000" y="2701528"/>
+            <a:ext cx="6858000" cy="1241822"/>
           </a:xfrm>
         </p:spPr>
         <p:txBody>
@@ -1799,53 +1846,58 @@
           <a:lstStyle>
             <a:lvl1pPr marL="0" indent="0" algn="ctr">
               <a:buNone/>
-              <a:defRPr/>
+              <a:defRPr sz="1800"/>
             </a:lvl1pPr>
-            <a:lvl2pPr marL="457200" indent="0" algn="ctr">
+            <a:lvl2pPr marL="342900" indent="0" algn="ctr">
               <a:buNone/>
-              <a:defRPr/>
+              <a:defRPr sz="1500"/>
             </a:lvl2pPr>
-            <a:lvl3pPr marL="914400" indent="0" algn="ctr">
+            <a:lvl3pPr marL="685800" indent="0" algn="ctr">
               <a:buNone/>
-              <a:defRPr/>
+              <a:defRPr sz="1350"/>
             </a:lvl3pPr>
-            <a:lvl4pPr marL="1371600" indent="0" algn="ctr">
+            <a:lvl4pPr marL="1028700" indent="0" algn="ctr">
               <a:buNone/>
-              <a:defRPr/>
+              <a:defRPr sz="1200"/>
             </a:lvl4pPr>
-            <a:lvl5pPr marL="1828800" indent="0" algn="ctr">
+            <a:lvl5pPr marL="1371600" indent="0" algn="ctr">
               <a:buNone/>
-              <a:defRPr/>
+              <a:defRPr sz="1200"/>
             </a:lvl5pPr>
-            <a:lvl6pPr marL="2286000" indent="0" algn="ctr">
+            <a:lvl6pPr marL="1714500" indent="0" algn="ctr">
               <a:buNone/>
-              <a:defRPr/>
+              <a:defRPr sz="1200"/>
             </a:lvl6pPr>
-            <a:lvl7pPr marL="2743200" indent="0" algn="ctr">
+            <a:lvl7pPr marL="2057400" indent="0" algn="ctr">
               <a:buNone/>
-              <a:defRPr/>
+              <a:defRPr sz="1200"/>
             </a:lvl7pPr>
-            <a:lvl8pPr marL="3200400" indent="0" algn="ctr">
+            <a:lvl8pPr marL="2400300" indent="0" algn="ctr">
               <a:buNone/>
-              <a:defRPr/>
+              <a:defRPr sz="1200"/>
             </a:lvl8pPr>
-            <a:lvl9pPr marL="3657600" indent="0" algn="ctr">
+            <a:lvl9pPr marL="2743200" indent="0" algn="ctr">
               <a:buNone/>
-              <a:defRPr/>
+              <a:defRPr sz="1200"/>
             </a:lvl9pPr>
           </a:lstStyle>
           <a:p>
             <a:r>
-              <a:rPr lang="en-US" smtClean="0"/>
+              <a:rPr lang="en-US"/>
               <a:t>Click to edit Master subtitle style</a:t>
             </a:r>
-            <a:endParaRPr lang="en-US"/>
           </a:p>
         </p:txBody>
       </p:sp>
       <p:sp>
         <p:nvSpPr>
-          <p:cNvPr id="4" name="Date Placeholder 3"/>
+          <p:cNvPr id="4" name="Date Placeholder 3">
+            <a:extLst>
+              <a:ext uri="{FF2B5EF4-FFF2-40B4-BE49-F238E27FC236}">
+                <a16:creationId xmlns:a16="http://schemas.microsoft.com/office/drawing/2014/main" id="{844E33B0-B879-9D40-9953-106C0922B8D7}"/>
+              </a:ext>
+            </a:extLst>
+          </p:cNvPr>
           <p:cNvSpPr>
             <a:spLocks noGrp="1"/>
           </p:cNvSpPr>
@@ -1856,16 +1908,11 @@
         <p:spPr/>
         <p:txBody>
           <a:bodyPr/>
-          <a:lstStyle>
-            <a:lvl1pPr>
-              <a:defRPr smtClean="0"/>
-            </a:lvl1pPr>
-          </a:lstStyle>
-          <a:p>
-            <a:fld id="{5355DB87-3383-184D-99B0-93890237E891}" type="datetime1">
-              <a:rPr lang="en-US"/>
-              <a:pPr/>
-              <a:t>16-06-14</a:t>
+          <a:lstStyle/>
+          <a:p>
+            <a:fld id="{3C0679B9-4DA6-4E45-855B-59F13A1B7473}" type="datetime1">
+              <a:rPr lang="en-CA" smtClean="0"/>
+              <a:t>2020-09-17</a:t>
             </a:fld>
             <a:endParaRPr lang="en-US"/>
           </a:p>
@@ -1873,7 +1920,13 @@
       </p:sp>
       <p:sp>
         <p:nvSpPr>
-          <p:cNvPr id="5" name="Footer Placeholder 4"/>
+          <p:cNvPr id="5" name="Footer Placeholder 4">
+            <a:extLst>
+              <a:ext uri="{FF2B5EF4-FFF2-40B4-BE49-F238E27FC236}">
+                <a16:creationId xmlns:a16="http://schemas.microsoft.com/office/drawing/2014/main" id="{8801F4B7-24D8-504D-91CD-3E8202E86F5F}"/>
+              </a:ext>
+            </a:extLst>
+          </p:cNvPr>
           <p:cNvSpPr>
             <a:spLocks noGrp="1"/>
           </p:cNvSpPr>
@@ -1884,11 +1937,7 @@
         <p:spPr/>
         <p:txBody>
           <a:bodyPr/>
-          <a:lstStyle>
-            <a:lvl1pPr>
-              <a:defRPr/>
-            </a:lvl1pPr>
-          </a:lstStyle>
+          <a:lstStyle/>
           <a:p>
             <a:endParaRPr lang="en-US"/>
           </a:p>
@@ -1896,7 +1945,13 @@
       </p:sp>
       <p:sp>
         <p:nvSpPr>
-          <p:cNvPr id="6" name="Slide Number Placeholder 5"/>
+          <p:cNvPr id="6" name="Slide Number Placeholder 5">
+            <a:extLst>
+              <a:ext uri="{FF2B5EF4-FFF2-40B4-BE49-F238E27FC236}">
+                <a16:creationId xmlns:a16="http://schemas.microsoft.com/office/drawing/2014/main" id="{F3891076-2E3A-CF41-96E4-D4E77A0CF892}"/>
+              </a:ext>
+            </a:extLst>
+          </p:cNvPr>
           <p:cNvSpPr>
             <a:spLocks noGrp="1"/>
           </p:cNvSpPr>
@@ -1907,15 +1962,10 @@
         <p:spPr/>
         <p:txBody>
           <a:bodyPr/>
-          <a:lstStyle>
-            <a:lvl1pPr>
-              <a:defRPr smtClean="0"/>
-            </a:lvl1pPr>
-          </a:lstStyle>
-          <a:p>
-            <a:fld id="{8526B564-AD12-AA4F-A926-F7DFA4D40334}" type="slidenum">
-              <a:rPr lang="en-US"/>
-              <a:pPr/>
+          <a:lstStyle/>
+          <a:p>
+            <a:fld id="{7B252BF6-6A9C-D04A-BBE8-37A07D64A1C3}" type="slidenum">
+              <a:rPr lang="en-US" smtClean="0"/>
               <a:t>‹#›</a:t>
             </a:fld>
             <a:endParaRPr lang="en-US"/>
@@ -1923,6 +1973,11 @@
         </p:txBody>
       </p:sp>
     </p:spTree>
+    <p:extLst>
+      <p:ext uri="{BB962C8B-B14F-4D97-AF65-F5344CB8AC3E}">
+        <p14:creationId xmlns:p14="http://schemas.microsoft.com/office/powerpoint/2010/main" val="463208216"/>
+      </p:ext>
+    </p:extLst>
   </p:cSld>
   <p:clrMapOvr>
     <a:masterClrMapping/>
@@ -1949,7 +2004,13 @@
       </p:grpSpPr>
       <p:sp>
         <p:nvSpPr>
-          <p:cNvPr id="2" name="Title 1"/>
+          <p:cNvPr id="2" name="Title 1">
+            <a:extLst>
+              <a:ext uri="{FF2B5EF4-FFF2-40B4-BE49-F238E27FC236}">
+                <a16:creationId xmlns:a16="http://schemas.microsoft.com/office/drawing/2014/main" id="{02B4CE0D-89FC-894E-837F-75025627F131}"/>
+              </a:ext>
+            </a:extLst>
+          </p:cNvPr>
           <p:cNvSpPr>
             <a:spLocks noGrp="1"/>
           </p:cNvSpPr>
@@ -1963,16 +2024,21 @@
           <a:lstStyle/>
           <a:p>
             <a:r>
-              <a:rPr lang="en-US" smtClean="0"/>
+              <a:rPr lang="en-US"/>
               <a:t>Click to edit Master title style</a:t>
             </a:r>
-            <a:endParaRPr lang="en-US"/>
           </a:p>
         </p:txBody>
       </p:sp>
       <p:sp>
         <p:nvSpPr>
-          <p:cNvPr id="3" name="Vertical Text Placeholder 2"/>
+          <p:cNvPr id="3" name="Vertical Text Placeholder 2">
+            <a:extLst>
+              <a:ext uri="{FF2B5EF4-FFF2-40B4-BE49-F238E27FC236}">
+                <a16:creationId xmlns:a16="http://schemas.microsoft.com/office/drawing/2014/main" id="{9380ACAA-2C0A-304E-83F1-4EB51F17E25D}"/>
+              </a:ext>
+            </a:extLst>
+          </p:cNvPr>
           <p:cNvSpPr>
             <a:spLocks noGrp="1"/>
           </p:cNvSpPr>
@@ -1987,44 +2053,49 @@
           <a:p>
             <a:pPr lvl="0"/>
             <a:r>
-              <a:rPr lang="en-US" smtClean="0"/>
+              <a:rPr lang="en-US"/>
               <a:t>Click to edit Master text styles</a:t>
             </a:r>
           </a:p>
           <a:p>
             <a:pPr lvl="1"/>
             <a:r>
-              <a:rPr lang="en-US" smtClean="0"/>
+              <a:rPr lang="en-US"/>
               <a:t>Second level</a:t>
             </a:r>
           </a:p>
           <a:p>
             <a:pPr lvl="2"/>
             <a:r>
-              <a:rPr lang="en-US" smtClean="0"/>
+              <a:rPr lang="en-US"/>
               <a:t>Third level</a:t>
             </a:r>
           </a:p>
           <a:p>
             <a:pPr lvl="3"/>
             <a:r>
-              <a:rPr lang="en-US" smtClean="0"/>
+              <a:rPr lang="en-US"/>
               <a:t>Fourth level</a:t>
             </a:r>
           </a:p>
           <a:p>
             <a:pPr lvl="4"/>
             <a:r>
-              <a:rPr lang="en-US" smtClean="0"/>
+              <a:rPr lang="en-US"/>
               <a:t>Fifth level</a:t>
             </a:r>
-            <a:endParaRPr lang="en-US"/>
           </a:p>
         </p:txBody>
       </p:sp>
       <p:sp>
         <p:nvSpPr>
-          <p:cNvPr id="4" name="Date Placeholder 3"/>
+          <p:cNvPr id="4" name="Date Placeholder 3">
+            <a:extLst>
+              <a:ext uri="{FF2B5EF4-FFF2-40B4-BE49-F238E27FC236}">
+                <a16:creationId xmlns:a16="http://schemas.microsoft.com/office/drawing/2014/main" id="{F7F2CE1A-ECCD-7C45-9EC1-935CBB996133}"/>
+              </a:ext>
+            </a:extLst>
+          </p:cNvPr>
           <p:cNvSpPr>
             <a:spLocks noGrp="1"/>
           </p:cNvSpPr>
@@ -2035,16 +2106,11 @@
         <p:spPr/>
         <p:txBody>
           <a:bodyPr/>
-          <a:lstStyle>
-            <a:lvl1pPr>
-              <a:defRPr smtClean="0"/>
-            </a:lvl1pPr>
-          </a:lstStyle>
-          <a:p>
-            <a:fld id="{7BFECBF0-E244-6241-A456-9FB5F565B79C}" type="datetime1">
-              <a:rPr lang="en-US"/>
-              <a:pPr/>
-              <a:t>16-06-14</a:t>
+          <a:lstStyle/>
+          <a:p>
+            <a:fld id="{F2D3159D-461F-2247-85AA-C390F00A6570}" type="datetime1">
+              <a:rPr lang="en-CA" smtClean="0"/>
+              <a:t>2020-09-17</a:t>
             </a:fld>
             <a:endParaRPr lang="en-US"/>
           </a:p>
@@ -2052,7 +2118,13 @@
       </p:sp>
       <p:sp>
         <p:nvSpPr>
-          <p:cNvPr id="5" name="Footer Placeholder 4"/>
+          <p:cNvPr id="5" name="Footer Placeholder 4">
+            <a:extLst>
+              <a:ext uri="{FF2B5EF4-FFF2-40B4-BE49-F238E27FC236}">
+                <a16:creationId xmlns:a16="http://schemas.microsoft.com/office/drawing/2014/main" id="{61CB26C1-B795-194B-A2F7-B95309E54F38}"/>
+              </a:ext>
+            </a:extLst>
+          </p:cNvPr>
           <p:cNvSpPr>
             <a:spLocks noGrp="1"/>
           </p:cNvSpPr>
@@ -2063,11 +2135,7 @@
         <p:spPr/>
         <p:txBody>
           <a:bodyPr/>
-          <a:lstStyle>
-            <a:lvl1pPr>
-              <a:defRPr/>
-            </a:lvl1pPr>
-          </a:lstStyle>
+          <a:lstStyle/>
           <a:p>
             <a:endParaRPr lang="en-US"/>
           </a:p>
@@ -2075,7 +2143,13 @@
       </p:sp>
       <p:sp>
         <p:nvSpPr>
-          <p:cNvPr id="6" name="Slide Number Placeholder 5"/>
+          <p:cNvPr id="6" name="Slide Number Placeholder 5">
+            <a:extLst>
+              <a:ext uri="{FF2B5EF4-FFF2-40B4-BE49-F238E27FC236}">
+                <a16:creationId xmlns:a16="http://schemas.microsoft.com/office/drawing/2014/main" id="{44243C09-DCC3-4E4C-AE13-B0962DDB7B7A}"/>
+              </a:ext>
+            </a:extLst>
+          </p:cNvPr>
           <p:cNvSpPr>
             <a:spLocks noGrp="1"/>
           </p:cNvSpPr>
@@ -2086,15 +2160,10 @@
         <p:spPr/>
         <p:txBody>
           <a:bodyPr/>
-          <a:lstStyle>
-            <a:lvl1pPr>
-              <a:defRPr smtClean="0"/>
-            </a:lvl1pPr>
-          </a:lstStyle>
-          <a:p>
-            <a:fld id="{E01088D1-93E3-004E-85DB-5B3615C0AB20}" type="slidenum">
-              <a:rPr lang="en-US"/>
-              <a:pPr/>
+          <a:lstStyle/>
+          <a:p>
+            <a:fld id="{7B252BF6-6A9C-D04A-BBE8-37A07D64A1C3}" type="slidenum">
+              <a:rPr lang="en-US" smtClean="0"/>
               <a:t>‹#›</a:t>
             </a:fld>
             <a:endParaRPr lang="en-US"/>
@@ -2102,6 +2171,11 @@
         </p:txBody>
       </p:sp>
     </p:spTree>
+    <p:extLst>
+      <p:ext uri="{BB962C8B-B14F-4D97-AF65-F5344CB8AC3E}">
+        <p14:creationId xmlns:p14="http://schemas.microsoft.com/office/powerpoint/2010/main" val="1130611651"/>
+      </p:ext>
+    </p:extLst>
   </p:cSld>
   <p:clrMapOvr>
     <a:masterClrMapping/>
@@ -2128,7 +2202,13 @@
       </p:grpSpPr>
       <p:sp>
         <p:nvSpPr>
-          <p:cNvPr id="2" name="Vertical Title 1"/>
+          <p:cNvPr id="2" name="Vertical Title 1">
+            <a:extLst>
+              <a:ext uri="{FF2B5EF4-FFF2-40B4-BE49-F238E27FC236}">
+                <a16:creationId xmlns:a16="http://schemas.microsoft.com/office/drawing/2014/main" id="{E7684669-9A93-654D-9A2F-8081C8778423}"/>
+              </a:ext>
+            </a:extLst>
+          </p:cNvPr>
           <p:cNvSpPr>
             <a:spLocks noGrp="1"/>
           </p:cNvSpPr>
@@ -2138,8 +2218,8 @@
         </p:nvSpPr>
         <p:spPr>
           <a:xfrm>
-            <a:off x="6515100" y="609600"/>
-            <a:ext cx="1943100" cy="5486400"/>
+            <a:off x="6543675" y="273844"/>
+            <a:ext cx="1971675" cy="4358879"/>
           </a:xfrm>
         </p:spPr>
         <p:txBody>
@@ -2147,16 +2227,21 @@
           <a:lstStyle/>
           <a:p>
             <a:r>
-              <a:rPr lang="en-US" smtClean="0"/>
+              <a:rPr lang="en-US"/>
               <a:t>Click to edit Master title style</a:t>
             </a:r>
-            <a:endParaRPr lang="en-US"/>
           </a:p>
         </p:txBody>
       </p:sp>
       <p:sp>
         <p:nvSpPr>
-          <p:cNvPr id="3" name="Vertical Text Placeholder 2"/>
+          <p:cNvPr id="3" name="Vertical Text Placeholder 2">
+            <a:extLst>
+              <a:ext uri="{FF2B5EF4-FFF2-40B4-BE49-F238E27FC236}">
+                <a16:creationId xmlns:a16="http://schemas.microsoft.com/office/drawing/2014/main" id="{0AAB22E1-C8CF-4B47-B5A2-1EE8384A2CFB}"/>
+              </a:ext>
+            </a:extLst>
+          </p:cNvPr>
           <p:cNvSpPr>
             <a:spLocks noGrp="1"/>
           </p:cNvSpPr>
@@ -2166,8 +2251,8 @@
         </p:nvSpPr>
         <p:spPr>
           <a:xfrm>
-            <a:off x="685800" y="609600"/>
-            <a:ext cx="5676900" cy="5486400"/>
+            <a:off x="628650" y="273844"/>
+            <a:ext cx="5800725" cy="4358879"/>
           </a:xfrm>
         </p:spPr>
         <p:txBody>
@@ -2176,44 +2261,49 @@
           <a:p>
             <a:pPr lvl="0"/>
             <a:r>
-              <a:rPr lang="en-US" smtClean="0"/>
+              <a:rPr lang="en-US"/>
               <a:t>Click to edit Master text styles</a:t>
             </a:r>
           </a:p>
           <a:p>
             <a:pPr lvl="1"/>
             <a:r>
-              <a:rPr lang="en-US" smtClean="0"/>
+              <a:rPr lang="en-US"/>
               <a:t>Second level</a:t>
             </a:r>
           </a:p>
           <a:p>
             <a:pPr lvl="2"/>
             <a:r>
-              <a:rPr lang="en-US" smtClean="0"/>
+              <a:rPr lang="en-US"/>
               <a:t>Third level</a:t>
             </a:r>
           </a:p>
           <a:p>
             <a:pPr lvl="3"/>
             <a:r>
-              <a:rPr lang="en-US" smtClean="0"/>
+              <a:rPr lang="en-US"/>
               <a:t>Fourth level</a:t>
             </a:r>
           </a:p>
           <a:p>
             <a:pPr lvl="4"/>
             <a:r>
-              <a:rPr lang="en-US" smtClean="0"/>
+              <a:rPr lang="en-US"/>
               <a:t>Fifth level</a:t>
             </a:r>
-            <a:endParaRPr lang="en-US"/>
           </a:p>
         </p:txBody>
       </p:sp>
       <p:sp>
         <p:nvSpPr>
-          <p:cNvPr id="4" name="Date Placeholder 3"/>
+          <p:cNvPr id="4" name="Date Placeholder 3">
+            <a:extLst>
+              <a:ext uri="{FF2B5EF4-FFF2-40B4-BE49-F238E27FC236}">
+                <a16:creationId xmlns:a16="http://schemas.microsoft.com/office/drawing/2014/main" id="{C80452BC-8E3F-AD42-BB94-46241CB0D03E}"/>
+              </a:ext>
+            </a:extLst>
+          </p:cNvPr>
           <p:cNvSpPr>
             <a:spLocks noGrp="1"/>
           </p:cNvSpPr>
@@ -2224,16 +2314,11 @@
         <p:spPr/>
         <p:txBody>
           <a:bodyPr/>
-          <a:lstStyle>
-            <a:lvl1pPr>
-              <a:defRPr smtClean="0"/>
-            </a:lvl1pPr>
-          </a:lstStyle>
-          <a:p>
-            <a:fld id="{5D24053D-19EC-DA4D-BFD1-8DEB43608E93}" type="datetime1">
-              <a:rPr lang="en-US"/>
-              <a:pPr/>
-              <a:t>16-06-14</a:t>
+          <a:lstStyle/>
+          <a:p>
+            <a:fld id="{B614B57E-8019-7F4C-A6A4-81AD5BADA0B8}" type="datetime1">
+              <a:rPr lang="en-CA" smtClean="0"/>
+              <a:t>2020-09-17</a:t>
             </a:fld>
             <a:endParaRPr lang="en-US"/>
           </a:p>
@@ -2241,7 +2326,13 @@
       </p:sp>
       <p:sp>
         <p:nvSpPr>
-          <p:cNvPr id="5" name="Footer Placeholder 4"/>
+          <p:cNvPr id="5" name="Footer Placeholder 4">
+            <a:extLst>
+              <a:ext uri="{FF2B5EF4-FFF2-40B4-BE49-F238E27FC236}">
+                <a16:creationId xmlns:a16="http://schemas.microsoft.com/office/drawing/2014/main" id="{3C62FCD2-719C-FC4A-8ADE-C7C90A064A41}"/>
+              </a:ext>
+            </a:extLst>
+          </p:cNvPr>
           <p:cNvSpPr>
             <a:spLocks noGrp="1"/>
           </p:cNvSpPr>
@@ -2252,11 +2343,7 @@
         <p:spPr/>
         <p:txBody>
           <a:bodyPr/>
-          <a:lstStyle>
-            <a:lvl1pPr>
-              <a:defRPr/>
-            </a:lvl1pPr>
-          </a:lstStyle>
+          <a:lstStyle/>
           <a:p>
             <a:endParaRPr lang="en-US"/>
           </a:p>
@@ -2264,7 +2351,13 @@
       </p:sp>
       <p:sp>
         <p:nvSpPr>
-          <p:cNvPr id="6" name="Slide Number Placeholder 5"/>
+          <p:cNvPr id="6" name="Slide Number Placeholder 5">
+            <a:extLst>
+              <a:ext uri="{FF2B5EF4-FFF2-40B4-BE49-F238E27FC236}">
+                <a16:creationId xmlns:a16="http://schemas.microsoft.com/office/drawing/2014/main" id="{A291E3A0-1E32-BB4E-B406-C124789314DA}"/>
+              </a:ext>
+            </a:extLst>
+          </p:cNvPr>
           <p:cNvSpPr>
             <a:spLocks noGrp="1"/>
           </p:cNvSpPr>
@@ -2275,15 +2368,10 @@
         <p:spPr/>
         <p:txBody>
           <a:bodyPr/>
-          <a:lstStyle>
-            <a:lvl1pPr>
-              <a:defRPr smtClean="0"/>
-            </a:lvl1pPr>
-          </a:lstStyle>
-          <a:p>
-            <a:fld id="{1E0C5572-F8B0-6640-9615-F1B5B6EF5ED6}" type="slidenum">
-              <a:rPr lang="en-US"/>
-              <a:pPr/>
+          <a:lstStyle/>
+          <a:p>
+            <a:fld id="{7B252BF6-6A9C-D04A-BBE8-37A07D64A1C3}" type="slidenum">
+              <a:rPr lang="en-US" smtClean="0"/>
               <a:t>‹#›</a:t>
             </a:fld>
             <a:endParaRPr lang="en-US"/>
@@ -2291,6 +2379,11 @@
         </p:txBody>
       </p:sp>
     </p:spTree>
+    <p:extLst>
+      <p:ext uri="{BB962C8B-B14F-4D97-AF65-F5344CB8AC3E}">
+        <p14:creationId xmlns:p14="http://schemas.microsoft.com/office/powerpoint/2010/main" val="2798921113"/>
+      </p:ext>
+    </p:extLst>
   </p:cSld>
   <p:clrMapOvr>
     <a:masterClrMapping/>
@@ -2299,11 +2392,11 @@
 </file>
 
 <file path=ppt/slideLayouts/slideLayout12.xml><?xml version="1.0" encoding="utf-8"?>
-<p:sldLayout xmlns:a="http://schemas.openxmlformats.org/drawingml/2006/main" xmlns:r="http://schemas.openxmlformats.org/officeDocument/2006/relationships" xmlns:p="http://schemas.openxmlformats.org/presentationml/2006/main" type="txAndObj" preserve="1">
-  <p:cSld name="Title, Text, and Content">
+<p:sldLayout xmlns:a="http://schemas.openxmlformats.org/drawingml/2006/main" xmlns:r="http://schemas.openxmlformats.org/officeDocument/2006/relationships" xmlns:p="http://schemas.openxmlformats.org/presentationml/2006/main" type="secHead" preserve="1">
+  <p:cSld name="1_Section header">
     <p:spTree>
       <p:nvGrpSpPr>
-        <p:cNvPr id="1" name=""/>
+        <p:cNvPr id="1" name="Shape 17"/>
         <p:cNvGrpSpPr/>
         <p:nvPr/>
       </p:nvGrpSpPr>
@@ -2317,8 +2410,8 @@
       </p:grpSpPr>
       <p:sp>
         <p:nvSpPr>
-          <p:cNvPr id="2" name="Title 1"/>
-          <p:cNvSpPr>
+          <p:cNvPr id="18" name="Shape 18"/>
+          <p:cNvSpPr txBox="1">
             <a:spLocks noGrp="1"/>
           </p:cNvSpPr>
           <p:nvPr>
@@ -2327,231 +2420,1220 @@
         </p:nvSpPr>
         <p:spPr>
           <a:xfrm>
-            <a:off x="685800" y="609600"/>
-            <a:ext cx="7772400" cy="1143000"/>
+            <a:off x="311700" y="2150850"/>
+            <a:ext cx="8520600" cy="841725"/>
           </a:xfrm>
+          <a:prstGeom prst="rect">
+            <a:avLst/>
+          </a:prstGeom>
         </p:spPr>
         <p:txBody>
-          <a:bodyPr/>
-          <a:lstStyle/>
-          <a:p>
-            <a:r>
-              <a:rPr lang="en-US" smtClean="0"/>
-              <a:t>Click to edit Master title style</a:t>
-            </a:r>
-            <a:endParaRPr lang="en-US"/>
+          <a:bodyPr lIns="91425" tIns="91425" rIns="91425" bIns="91425" anchor="ctr" anchorCtr="0"/>
+          <a:lstStyle>
+            <a:lvl1pPr lvl="0" algn="ctr">
+              <a:spcBef>
+                <a:spcPts val="0"/>
+              </a:spcBef>
+              <a:buSzPct val="100000"/>
+              <a:defRPr sz="2700"/>
+            </a:lvl1pPr>
+            <a:lvl2pPr lvl="1" algn="ctr">
+              <a:spcBef>
+                <a:spcPts val="0"/>
+              </a:spcBef>
+              <a:buSzPct val="100000"/>
+              <a:defRPr sz="2700"/>
+            </a:lvl2pPr>
+            <a:lvl3pPr lvl="2" algn="ctr">
+              <a:spcBef>
+                <a:spcPts val="0"/>
+              </a:spcBef>
+              <a:buSzPct val="100000"/>
+              <a:defRPr sz="2700"/>
+            </a:lvl3pPr>
+            <a:lvl4pPr lvl="3" algn="ctr">
+              <a:spcBef>
+                <a:spcPts val="0"/>
+              </a:spcBef>
+              <a:buSzPct val="100000"/>
+              <a:defRPr sz="2700"/>
+            </a:lvl4pPr>
+            <a:lvl5pPr lvl="4" algn="ctr">
+              <a:spcBef>
+                <a:spcPts val="0"/>
+              </a:spcBef>
+              <a:buSzPct val="100000"/>
+              <a:defRPr sz="2700"/>
+            </a:lvl5pPr>
+            <a:lvl6pPr lvl="5" algn="ctr">
+              <a:spcBef>
+                <a:spcPts val="0"/>
+              </a:spcBef>
+              <a:buSzPct val="100000"/>
+              <a:defRPr sz="2700"/>
+            </a:lvl6pPr>
+            <a:lvl7pPr lvl="6" algn="ctr">
+              <a:spcBef>
+                <a:spcPts val="0"/>
+              </a:spcBef>
+              <a:buSzPct val="100000"/>
+              <a:defRPr sz="2700"/>
+            </a:lvl7pPr>
+            <a:lvl8pPr lvl="7" algn="ctr">
+              <a:spcBef>
+                <a:spcPts val="0"/>
+              </a:spcBef>
+              <a:buSzPct val="100000"/>
+              <a:defRPr sz="2700"/>
+            </a:lvl8pPr>
+            <a:lvl9pPr lvl="8" algn="ctr">
+              <a:spcBef>
+                <a:spcPts val="0"/>
+              </a:spcBef>
+              <a:buSzPct val="100000"/>
+              <a:defRPr sz="2700"/>
+            </a:lvl9pPr>
+          </a:lstStyle>
+          <a:p>
+            <a:endParaRPr/>
+          </a:p>
+        </p:txBody>
+      </p:sp>
+    </p:spTree>
+    <p:extLst>
+      <p:ext uri="{BB962C8B-B14F-4D97-AF65-F5344CB8AC3E}">
+        <p14:creationId xmlns:p14="http://schemas.microsoft.com/office/powerpoint/2010/main" val="2957112661"/>
+      </p:ext>
+    </p:extLst>
+  </p:cSld>
+  <p:clrMapOvr>
+    <a:masterClrMapping/>
+  </p:clrMapOvr>
+</p:sldLayout>
+</file>
+
+<file path=ppt/slideLayouts/slideLayout13.xml><?xml version="1.0" encoding="utf-8"?>
+<p:sldLayout xmlns:a="http://schemas.openxmlformats.org/drawingml/2006/main" xmlns:r="http://schemas.openxmlformats.org/officeDocument/2006/relationships" xmlns:p="http://schemas.openxmlformats.org/presentationml/2006/main" type="txAndObj" preserve="1">
+  <p:cSld name="Title, Text, and Content">
+    <p:spTree>
+      <p:nvGrpSpPr>
+        <p:cNvPr id="1" name="Shape 32"/>
+        <p:cNvGrpSpPr/>
+        <p:nvPr/>
+      </p:nvGrpSpPr>
+      <p:grpSpPr>
+        <a:xfrm>
+          <a:off x="0" y="0"/>
+          <a:ext cx="0" cy="0"/>
+          <a:chOff x="0" y="0"/>
+          <a:chExt cx="0" cy="0"/>
+        </a:xfrm>
+      </p:grpSpPr>
+      <p:sp>
+        <p:nvSpPr>
+          <p:cNvPr id="33" name="Shape 33"/>
+          <p:cNvSpPr txBox="1">
+            <a:spLocks noGrp="1"/>
+          </p:cNvSpPr>
+          <p:nvPr>
+            <p:ph type="title"/>
+          </p:nvPr>
+        </p:nvSpPr>
+        <p:spPr>
+          <a:xfrm>
+            <a:off x="685800" y="457200"/>
+            <a:ext cx="7772400" cy="857250"/>
+          </a:xfrm>
+          <a:prstGeom prst="rect">
+            <a:avLst/>
+          </a:prstGeom>
+          <a:noFill/>
+          <a:ln>
+            <a:noFill/>
+          </a:ln>
+        </p:spPr>
+        <p:txBody>
+          <a:bodyPr lIns="91425" tIns="91425" rIns="91425" bIns="91425" anchor="ctr" anchorCtr="0"/>
+          <a:lstStyle>
+            <a:lvl1pPr marL="0" marR="0" lvl="0" indent="0" algn="ctr" rtl="0">
+              <a:spcBef>
+                <a:spcPts val="0"/>
+              </a:spcBef>
+              <a:spcAft>
+                <a:spcPts val="0"/>
+              </a:spcAft>
+              <a:buNone/>
+              <a:defRPr sz="3300" b="0" i="0" u="none" strike="noStrike" cap="none">
+                <a:solidFill>
+                  <a:schemeClr val="dk2"/>
+                </a:solidFill>
+                <a:latin typeface="Calibri"/>
+                <a:ea typeface="Calibri"/>
+                <a:cs typeface="Calibri"/>
+                <a:sym typeface="Calibri"/>
+              </a:defRPr>
+            </a:lvl1pPr>
+            <a:lvl2pPr marL="0" marR="0" lvl="1" indent="0" algn="ctr" rtl="0">
+              <a:spcBef>
+                <a:spcPts val="0"/>
+              </a:spcBef>
+              <a:spcAft>
+                <a:spcPts val="0"/>
+              </a:spcAft>
+              <a:buNone/>
+              <a:defRPr sz="3300" b="0" i="0" u="none" strike="noStrike" cap="none">
+                <a:solidFill>
+                  <a:schemeClr val="dk2"/>
+                </a:solidFill>
+                <a:latin typeface="Times New Roman"/>
+                <a:ea typeface="Times New Roman"/>
+                <a:cs typeface="Times New Roman"/>
+                <a:sym typeface="Times New Roman"/>
+              </a:defRPr>
+            </a:lvl2pPr>
+            <a:lvl3pPr marL="0" marR="0" lvl="2" indent="0" algn="ctr" rtl="0">
+              <a:spcBef>
+                <a:spcPts val="0"/>
+              </a:spcBef>
+              <a:spcAft>
+                <a:spcPts val="0"/>
+              </a:spcAft>
+              <a:buNone/>
+              <a:defRPr sz="3300" b="0" i="0" u="none" strike="noStrike" cap="none">
+                <a:solidFill>
+                  <a:schemeClr val="dk2"/>
+                </a:solidFill>
+                <a:latin typeface="Times New Roman"/>
+                <a:ea typeface="Times New Roman"/>
+                <a:cs typeface="Times New Roman"/>
+                <a:sym typeface="Times New Roman"/>
+              </a:defRPr>
+            </a:lvl3pPr>
+            <a:lvl4pPr marL="0" marR="0" lvl="3" indent="0" algn="ctr" rtl="0">
+              <a:spcBef>
+                <a:spcPts val="0"/>
+              </a:spcBef>
+              <a:spcAft>
+                <a:spcPts val="0"/>
+              </a:spcAft>
+              <a:buNone/>
+              <a:defRPr sz="3300" b="0" i="0" u="none" strike="noStrike" cap="none">
+                <a:solidFill>
+                  <a:schemeClr val="dk2"/>
+                </a:solidFill>
+                <a:latin typeface="Times New Roman"/>
+                <a:ea typeface="Times New Roman"/>
+                <a:cs typeface="Times New Roman"/>
+                <a:sym typeface="Times New Roman"/>
+              </a:defRPr>
+            </a:lvl4pPr>
+            <a:lvl5pPr marL="0" marR="0" lvl="4" indent="0" algn="ctr" rtl="0">
+              <a:spcBef>
+                <a:spcPts val="0"/>
+              </a:spcBef>
+              <a:spcAft>
+                <a:spcPts val="0"/>
+              </a:spcAft>
+              <a:buNone/>
+              <a:defRPr sz="3300" b="0" i="0" u="none" strike="noStrike" cap="none">
+                <a:solidFill>
+                  <a:schemeClr val="dk2"/>
+                </a:solidFill>
+                <a:latin typeface="Times New Roman"/>
+                <a:ea typeface="Times New Roman"/>
+                <a:cs typeface="Times New Roman"/>
+                <a:sym typeface="Times New Roman"/>
+              </a:defRPr>
+            </a:lvl5pPr>
+            <a:lvl6pPr marL="342900" marR="0" lvl="5" indent="0" algn="ctr" rtl="0">
+              <a:spcBef>
+                <a:spcPts val="0"/>
+              </a:spcBef>
+              <a:spcAft>
+                <a:spcPts val="0"/>
+              </a:spcAft>
+              <a:buNone/>
+              <a:defRPr sz="3300" b="0" i="0" u="none" strike="noStrike" cap="none">
+                <a:solidFill>
+                  <a:schemeClr val="dk2"/>
+                </a:solidFill>
+                <a:latin typeface="Times New Roman"/>
+                <a:ea typeface="Times New Roman"/>
+                <a:cs typeface="Times New Roman"/>
+                <a:sym typeface="Times New Roman"/>
+              </a:defRPr>
+            </a:lvl6pPr>
+            <a:lvl7pPr marL="685800" marR="0" lvl="6" indent="0" algn="ctr" rtl="0">
+              <a:spcBef>
+                <a:spcPts val="0"/>
+              </a:spcBef>
+              <a:spcAft>
+                <a:spcPts val="0"/>
+              </a:spcAft>
+              <a:buNone/>
+              <a:defRPr sz="3300" b="0" i="0" u="none" strike="noStrike" cap="none">
+                <a:solidFill>
+                  <a:schemeClr val="dk2"/>
+                </a:solidFill>
+                <a:latin typeface="Times New Roman"/>
+                <a:ea typeface="Times New Roman"/>
+                <a:cs typeface="Times New Roman"/>
+                <a:sym typeface="Times New Roman"/>
+              </a:defRPr>
+            </a:lvl7pPr>
+            <a:lvl8pPr marL="1028700" marR="0" lvl="7" indent="0" algn="ctr" rtl="0">
+              <a:spcBef>
+                <a:spcPts val="0"/>
+              </a:spcBef>
+              <a:spcAft>
+                <a:spcPts val="0"/>
+              </a:spcAft>
+              <a:buNone/>
+              <a:defRPr sz="3300" b="0" i="0" u="none" strike="noStrike" cap="none">
+                <a:solidFill>
+                  <a:schemeClr val="dk2"/>
+                </a:solidFill>
+                <a:latin typeface="Times New Roman"/>
+                <a:ea typeface="Times New Roman"/>
+                <a:cs typeface="Times New Roman"/>
+                <a:sym typeface="Times New Roman"/>
+              </a:defRPr>
+            </a:lvl8pPr>
+            <a:lvl9pPr marL="1371600" marR="0" lvl="8" indent="0" algn="ctr" rtl="0">
+              <a:spcBef>
+                <a:spcPts val="0"/>
+              </a:spcBef>
+              <a:spcAft>
+                <a:spcPts val="0"/>
+              </a:spcAft>
+              <a:buNone/>
+              <a:defRPr sz="3300" b="0" i="0" u="none" strike="noStrike" cap="none">
+                <a:solidFill>
+                  <a:schemeClr val="dk2"/>
+                </a:solidFill>
+                <a:latin typeface="Times New Roman"/>
+                <a:ea typeface="Times New Roman"/>
+                <a:cs typeface="Times New Roman"/>
+                <a:sym typeface="Times New Roman"/>
+              </a:defRPr>
+            </a:lvl9pPr>
+          </a:lstStyle>
+          <a:p>
+            <a:endParaRPr/>
           </a:p>
         </p:txBody>
       </p:sp>
       <p:sp>
         <p:nvSpPr>
-          <p:cNvPr id="3" name="Text Placeholder 2"/>
-          <p:cNvSpPr>
+          <p:cNvPr id="34" name="Shape 34"/>
+          <p:cNvSpPr txBox="1">
             <a:spLocks noGrp="1"/>
           </p:cNvSpPr>
           <p:nvPr>
-            <p:ph type="body" sz="half" idx="1"/>
+            <p:ph type="body" idx="1"/>
           </p:nvPr>
         </p:nvSpPr>
         <p:spPr>
           <a:xfrm>
-            <a:off x="685800" y="1981200"/>
-            <a:ext cx="3810000" cy="4114800"/>
+            <a:off x="685801" y="1485900"/>
+            <a:ext cx="3809999" cy="3086100"/>
           </a:xfrm>
+          <a:prstGeom prst="rect">
+            <a:avLst/>
+          </a:prstGeom>
+          <a:noFill/>
+          <a:ln>
+            <a:noFill/>
+          </a:ln>
         </p:spPr>
         <p:txBody>
-          <a:bodyPr/>
-          <a:lstStyle/>
-          <a:p>
-            <a:pPr lvl="0"/>
-            <a:r>
-              <a:rPr lang="en-US" smtClean="0"/>
-              <a:t>Click to edit Master text styles</a:t>
-            </a:r>
-          </a:p>
-          <a:p>
-            <a:pPr lvl="1"/>
-            <a:r>
-              <a:rPr lang="en-US" smtClean="0"/>
-              <a:t>Second level</a:t>
-            </a:r>
-          </a:p>
-          <a:p>
-            <a:pPr lvl="2"/>
-            <a:r>
-              <a:rPr lang="en-US" smtClean="0"/>
-              <a:t>Third level</a:t>
-            </a:r>
-          </a:p>
-          <a:p>
-            <a:pPr lvl="3"/>
-            <a:r>
-              <a:rPr lang="en-US" smtClean="0"/>
-              <a:t>Fourth level</a:t>
-            </a:r>
-          </a:p>
-          <a:p>
-            <a:pPr lvl="4"/>
-            <a:r>
-              <a:rPr lang="en-US" smtClean="0"/>
-              <a:t>Fifth level</a:t>
-            </a:r>
-            <a:endParaRPr lang="en-US"/>
+          <a:bodyPr lIns="91425" tIns="91425" rIns="91425" bIns="91425" anchor="t" anchorCtr="0"/>
+          <a:lstStyle>
+            <a:lvl1pPr marL="257175" marR="0" lvl="0" indent="-104775" algn="l" rtl="0">
+              <a:spcBef>
+                <a:spcPts val="480"/>
+              </a:spcBef>
+              <a:spcAft>
+                <a:spcPts val="0"/>
+              </a:spcAft>
+              <a:buClr>
+                <a:schemeClr val="dk1"/>
+              </a:buClr>
+              <a:buSzPct val="100000"/>
+              <a:buFont typeface="Calibri"/>
+              <a:buChar char="•"/>
+              <a:defRPr sz="2400" b="0" i="0" u="none" strike="noStrike" cap="none">
+                <a:solidFill>
+                  <a:schemeClr val="dk1"/>
+                </a:solidFill>
+                <a:latin typeface="Calibri"/>
+                <a:ea typeface="Calibri"/>
+                <a:cs typeface="Calibri"/>
+                <a:sym typeface="Calibri"/>
+              </a:defRPr>
+            </a:lvl1pPr>
+            <a:lvl2pPr marL="557213" marR="0" lvl="1" indent="-80963" algn="l" rtl="0">
+              <a:spcBef>
+                <a:spcPts val="420"/>
+              </a:spcBef>
+              <a:spcAft>
+                <a:spcPts val="0"/>
+              </a:spcAft>
+              <a:buClr>
+                <a:schemeClr val="dk1"/>
+              </a:buClr>
+              <a:buSzPct val="100000"/>
+              <a:buFont typeface="Calibri"/>
+              <a:buChar char="–"/>
+              <a:defRPr sz="2100" b="0" i="0" u="none" strike="noStrike" cap="none">
+                <a:solidFill>
+                  <a:schemeClr val="dk1"/>
+                </a:solidFill>
+                <a:latin typeface="Calibri"/>
+                <a:ea typeface="Calibri"/>
+                <a:cs typeface="Calibri"/>
+                <a:sym typeface="Calibri"/>
+              </a:defRPr>
+            </a:lvl2pPr>
+            <a:lvl3pPr marL="857250" marR="0" lvl="2" indent="-57150" algn="l" rtl="0">
+              <a:spcBef>
+                <a:spcPts val="360"/>
+              </a:spcBef>
+              <a:spcAft>
+                <a:spcPts val="0"/>
+              </a:spcAft>
+              <a:buClr>
+                <a:schemeClr val="dk1"/>
+              </a:buClr>
+              <a:buSzPct val="100000"/>
+              <a:buFont typeface="Calibri"/>
+              <a:buChar char="•"/>
+              <a:defRPr sz="1800" b="0" i="0" u="none" strike="noStrike" cap="none">
+                <a:solidFill>
+                  <a:schemeClr val="dk1"/>
+                </a:solidFill>
+                <a:latin typeface="Calibri"/>
+                <a:ea typeface="Calibri"/>
+                <a:cs typeface="Calibri"/>
+                <a:sym typeface="Calibri"/>
+              </a:defRPr>
+            </a:lvl3pPr>
+            <a:lvl4pPr marL="1200150" marR="0" lvl="3" indent="-76200" algn="l" rtl="0">
+              <a:spcBef>
+                <a:spcPts val="300"/>
+              </a:spcBef>
+              <a:spcAft>
+                <a:spcPts val="0"/>
+              </a:spcAft>
+              <a:buClr>
+                <a:schemeClr val="dk1"/>
+              </a:buClr>
+              <a:buSzPct val="100000"/>
+              <a:buFont typeface="Calibri"/>
+              <a:buChar char="–"/>
+              <a:defRPr sz="1500" b="0" i="0" u="none" strike="noStrike" cap="none">
+                <a:solidFill>
+                  <a:schemeClr val="dk1"/>
+                </a:solidFill>
+                <a:latin typeface="Calibri"/>
+                <a:ea typeface="Calibri"/>
+                <a:cs typeface="Calibri"/>
+                <a:sym typeface="Calibri"/>
+              </a:defRPr>
+            </a:lvl4pPr>
+            <a:lvl5pPr marL="1543050" marR="0" lvl="4" indent="-76200" algn="l" rtl="0">
+              <a:spcBef>
+                <a:spcPts val="300"/>
+              </a:spcBef>
+              <a:spcAft>
+                <a:spcPts val="0"/>
+              </a:spcAft>
+              <a:buClr>
+                <a:schemeClr val="dk1"/>
+              </a:buClr>
+              <a:buSzPct val="100000"/>
+              <a:buFont typeface="Calibri"/>
+              <a:buChar char="»"/>
+              <a:defRPr sz="1500" b="0" i="0" u="none" strike="noStrike" cap="none">
+                <a:solidFill>
+                  <a:schemeClr val="dk1"/>
+                </a:solidFill>
+                <a:latin typeface="Calibri"/>
+                <a:ea typeface="Calibri"/>
+                <a:cs typeface="Calibri"/>
+                <a:sym typeface="Calibri"/>
+              </a:defRPr>
+            </a:lvl5pPr>
+            <a:lvl6pPr marL="1885950" marR="0" lvl="5" indent="-76200" algn="l" rtl="0">
+              <a:spcBef>
+                <a:spcPts val="300"/>
+              </a:spcBef>
+              <a:spcAft>
+                <a:spcPts val="0"/>
+              </a:spcAft>
+              <a:buClr>
+                <a:schemeClr val="dk1"/>
+              </a:buClr>
+              <a:buSzPct val="100000"/>
+              <a:buFont typeface="Times New Roman"/>
+              <a:buChar char="»"/>
+              <a:defRPr sz="1500" b="0" i="0" u="none" strike="noStrike" cap="none">
+                <a:solidFill>
+                  <a:schemeClr val="dk1"/>
+                </a:solidFill>
+                <a:latin typeface="Times New Roman"/>
+                <a:ea typeface="Times New Roman"/>
+                <a:cs typeface="Times New Roman"/>
+                <a:sym typeface="Times New Roman"/>
+              </a:defRPr>
+            </a:lvl6pPr>
+            <a:lvl7pPr marL="2228850" marR="0" lvl="6" indent="-76200" algn="l" rtl="0">
+              <a:spcBef>
+                <a:spcPts val="300"/>
+              </a:spcBef>
+              <a:spcAft>
+                <a:spcPts val="0"/>
+              </a:spcAft>
+              <a:buClr>
+                <a:schemeClr val="dk1"/>
+              </a:buClr>
+              <a:buSzPct val="100000"/>
+              <a:buFont typeface="Times New Roman"/>
+              <a:buChar char="»"/>
+              <a:defRPr sz="1500" b="0" i="0" u="none" strike="noStrike" cap="none">
+                <a:solidFill>
+                  <a:schemeClr val="dk1"/>
+                </a:solidFill>
+                <a:latin typeface="Times New Roman"/>
+                <a:ea typeface="Times New Roman"/>
+                <a:cs typeface="Times New Roman"/>
+                <a:sym typeface="Times New Roman"/>
+              </a:defRPr>
+            </a:lvl7pPr>
+            <a:lvl8pPr marL="2571750" marR="0" lvl="7" indent="-76200" algn="l" rtl="0">
+              <a:spcBef>
+                <a:spcPts val="300"/>
+              </a:spcBef>
+              <a:spcAft>
+                <a:spcPts val="0"/>
+              </a:spcAft>
+              <a:buClr>
+                <a:schemeClr val="dk1"/>
+              </a:buClr>
+              <a:buSzPct val="100000"/>
+              <a:buFont typeface="Times New Roman"/>
+              <a:buChar char="»"/>
+              <a:defRPr sz="1500" b="0" i="0" u="none" strike="noStrike" cap="none">
+                <a:solidFill>
+                  <a:schemeClr val="dk1"/>
+                </a:solidFill>
+                <a:latin typeface="Times New Roman"/>
+                <a:ea typeface="Times New Roman"/>
+                <a:cs typeface="Times New Roman"/>
+                <a:sym typeface="Times New Roman"/>
+              </a:defRPr>
+            </a:lvl8pPr>
+            <a:lvl9pPr marL="2914650" marR="0" lvl="8" indent="-76200" algn="l" rtl="0">
+              <a:spcBef>
+                <a:spcPts val="300"/>
+              </a:spcBef>
+              <a:spcAft>
+                <a:spcPts val="0"/>
+              </a:spcAft>
+              <a:buClr>
+                <a:schemeClr val="dk1"/>
+              </a:buClr>
+              <a:buSzPct val="100000"/>
+              <a:buFont typeface="Times New Roman"/>
+              <a:buChar char="»"/>
+              <a:defRPr sz="1500" b="0" i="0" u="none" strike="noStrike" cap="none">
+                <a:solidFill>
+                  <a:schemeClr val="dk1"/>
+                </a:solidFill>
+                <a:latin typeface="Times New Roman"/>
+                <a:ea typeface="Times New Roman"/>
+                <a:cs typeface="Times New Roman"/>
+                <a:sym typeface="Times New Roman"/>
+              </a:defRPr>
+            </a:lvl9pPr>
+          </a:lstStyle>
+          <a:p>
+            <a:endParaRPr/>
           </a:p>
         </p:txBody>
       </p:sp>
       <p:sp>
         <p:nvSpPr>
-          <p:cNvPr id="4" name="Content Placeholder 3"/>
-          <p:cNvSpPr>
+          <p:cNvPr id="35" name="Shape 35"/>
+          <p:cNvSpPr txBox="1">
             <a:spLocks noGrp="1"/>
           </p:cNvSpPr>
           <p:nvPr>
-            <p:ph sz="half" idx="2"/>
+            <p:ph type="body" idx="2"/>
           </p:nvPr>
         </p:nvSpPr>
         <p:spPr>
           <a:xfrm>
-            <a:off x="4648200" y="1981200"/>
-            <a:ext cx="3810000" cy="4114800"/>
+            <a:off x="4648201" y="1485900"/>
+            <a:ext cx="3809999" cy="3086100"/>
           </a:xfrm>
+          <a:prstGeom prst="rect">
+            <a:avLst/>
+          </a:prstGeom>
+          <a:noFill/>
+          <a:ln>
+            <a:noFill/>
+          </a:ln>
         </p:spPr>
         <p:txBody>
-          <a:bodyPr/>
-          <a:lstStyle/>
-          <a:p>
-            <a:pPr lvl="0"/>
-            <a:r>
-              <a:rPr lang="en-US" smtClean="0"/>
-              <a:t>Click to edit Master text styles</a:t>
-            </a:r>
-          </a:p>
-          <a:p>
-            <a:pPr lvl="1"/>
-            <a:r>
-              <a:rPr lang="en-US" smtClean="0"/>
-              <a:t>Second level</a:t>
-            </a:r>
-          </a:p>
-          <a:p>
-            <a:pPr lvl="2"/>
-            <a:r>
-              <a:rPr lang="en-US" smtClean="0"/>
-              <a:t>Third level</a:t>
-            </a:r>
-          </a:p>
-          <a:p>
-            <a:pPr lvl="3"/>
-            <a:r>
-              <a:rPr lang="en-US" smtClean="0"/>
-              <a:t>Fourth level</a:t>
-            </a:r>
-          </a:p>
-          <a:p>
-            <a:pPr lvl="4"/>
-            <a:r>
-              <a:rPr lang="en-US" smtClean="0"/>
-              <a:t>Fifth level</a:t>
-            </a:r>
-            <a:endParaRPr lang="en-US"/>
+          <a:bodyPr lIns="91425" tIns="91425" rIns="91425" bIns="91425" anchor="t" anchorCtr="0"/>
+          <a:lstStyle>
+            <a:lvl1pPr marL="257175" marR="0" lvl="0" indent="-104775" algn="l" rtl="0">
+              <a:spcBef>
+                <a:spcPts val="480"/>
+              </a:spcBef>
+              <a:spcAft>
+                <a:spcPts val="0"/>
+              </a:spcAft>
+              <a:buClr>
+                <a:schemeClr val="dk1"/>
+              </a:buClr>
+              <a:buSzPct val="100000"/>
+              <a:buFont typeface="Calibri"/>
+              <a:buChar char="•"/>
+              <a:defRPr sz="2400" b="0" i="0" u="none" strike="noStrike" cap="none">
+                <a:solidFill>
+                  <a:schemeClr val="dk1"/>
+                </a:solidFill>
+                <a:latin typeface="Calibri"/>
+                <a:ea typeface="Calibri"/>
+                <a:cs typeface="Calibri"/>
+                <a:sym typeface="Calibri"/>
+              </a:defRPr>
+            </a:lvl1pPr>
+            <a:lvl2pPr marL="557213" marR="0" lvl="1" indent="-80963" algn="l" rtl="0">
+              <a:spcBef>
+                <a:spcPts val="420"/>
+              </a:spcBef>
+              <a:spcAft>
+                <a:spcPts val="0"/>
+              </a:spcAft>
+              <a:buClr>
+                <a:schemeClr val="dk1"/>
+              </a:buClr>
+              <a:buSzPct val="100000"/>
+              <a:buFont typeface="Calibri"/>
+              <a:buChar char="–"/>
+              <a:defRPr sz="2100" b="0" i="0" u="none" strike="noStrike" cap="none">
+                <a:solidFill>
+                  <a:schemeClr val="dk1"/>
+                </a:solidFill>
+                <a:latin typeface="Calibri"/>
+                <a:ea typeface="Calibri"/>
+                <a:cs typeface="Calibri"/>
+                <a:sym typeface="Calibri"/>
+              </a:defRPr>
+            </a:lvl2pPr>
+            <a:lvl3pPr marL="857250" marR="0" lvl="2" indent="-57150" algn="l" rtl="0">
+              <a:spcBef>
+                <a:spcPts val="360"/>
+              </a:spcBef>
+              <a:spcAft>
+                <a:spcPts val="0"/>
+              </a:spcAft>
+              <a:buClr>
+                <a:schemeClr val="dk1"/>
+              </a:buClr>
+              <a:buSzPct val="100000"/>
+              <a:buFont typeface="Calibri"/>
+              <a:buChar char="•"/>
+              <a:defRPr sz="1800" b="0" i="0" u="none" strike="noStrike" cap="none">
+                <a:solidFill>
+                  <a:schemeClr val="dk1"/>
+                </a:solidFill>
+                <a:latin typeface="Calibri"/>
+                <a:ea typeface="Calibri"/>
+                <a:cs typeface="Calibri"/>
+                <a:sym typeface="Calibri"/>
+              </a:defRPr>
+            </a:lvl3pPr>
+            <a:lvl4pPr marL="1200150" marR="0" lvl="3" indent="-76200" algn="l" rtl="0">
+              <a:spcBef>
+                <a:spcPts val="300"/>
+              </a:spcBef>
+              <a:spcAft>
+                <a:spcPts val="0"/>
+              </a:spcAft>
+              <a:buClr>
+                <a:schemeClr val="dk1"/>
+              </a:buClr>
+              <a:buSzPct val="100000"/>
+              <a:buFont typeface="Calibri"/>
+              <a:buChar char="–"/>
+              <a:defRPr sz="1500" b="0" i="0" u="none" strike="noStrike" cap="none">
+                <a:solidFill>
+                  <a:schemeClr val="dk1"/>
+                </a:solidFill>
+                <a:latin typeface="Calibri"/>
+                <a:ea typeface="Calibri"/>
+                <a:cs typeface="Calibri"/>
+                <a:sym typeface="Calibri"/>
+              </a:defRPr>
+            </a:lvl4pPr>
+            <a:lvl5pPr marL="1543050" marR="0" lvl="4" indent="-76200" algn="l" rtl="0">
+              <a:spcBef>
+                <a:spcPts val="300"/>
+              </a:spcBef>
+              <a:spcAft>
+                <a:spcPts val="0"/>
+              </a:spcAft>
+              <a:buClr>
+                <a:schemeClr val="dk1"/>
+              </a:buClr>
+              <a:buSzPct val="100000"/>
+              <a:buFont typeface="Calibri"/>
+              <a:buChar char="»"/>
+              <a:defRPr sz="1500" b="0" i="0" u="none" strike="noStrike" cap="none">
+                <a:solidFill>
+                  <a:schemeClr val="dk1"/>
+                </a:solidFill>
+                <a:latin typeface="Calibri"/>
+                <a:ea typeface="Calibri"/>
+                <a:cs typeface="Calibri"/>
+                <a:sym typeface="Calibri"/>
+              </a:defRPr>
+            </a:lvl5pPr>
+            <a:lvl6pPr marL="1885950" marR="0" lvl="5" indent="-76200" algn="l" rtl="0">
+              <a:spcBef>
+                <a:spcPts val="300"/>
+              </a:spcBef>
+              <a:spcAft>
+                <a:spcPts val="0"/>
+              </a:spcAft>
+              <a:buClr>
+                <a:schemeClr val="dk1"/>
+              </a:buClr>
+              <a:buSzPct val="100000"/>
+              <a:buFont typeface="Times New Roman"/>
+              <a:buChar char="»"/>
+              <a:defRPr sz="1500" b="0" i="0" u="none" strike="noStrike" cap="none">
+                <a:solidFill>
+                  <a:schemeClr val="dk1"/>
+                </a:solidFill>
+                <a:latin typeface="Times New Roman"/>
+                <a:ea typeface="Times New Roman"/>
+                <a:cs typeface="Times New Roman"/>
+                <a:sym typeface="Times New Roman"/>
+              </a:defRPr>
+            </a:lvl6pPr>
+            <a:lvl7pPr marL="2228850" marR="0" lvl="6" indent="-76200" algn="l" rtl="0">
+              <a:spcBef>
+                <a:spcPts val="300"/>
+              </a:spcBef>
+              <a:spcAft>
+                <a:spcPts val="0"/>
+              </a:spcAft>
+              <a:buClr>
+                <a:schemeClr val="dk1"/>
+              </a:buClr>
+              <a:buSzPct val="100000"/>
+              <a:buFont typeface="Times New Roman"/>
+              <a:buChar char="»"/>
+              <a:defRPr sz="1500" b="0" i="0" u="none" strike="noStrike" cap="none">
+                <a:solidFill>
+                  <a:schemeClr val="dk1"/>
+                </a:solidFill>
+                <a:latin typeface="Times New Roman"/>
+                <a:ea typeface="Times New Roman"/>
+                <a:cs typeface="Times New Roman"/>
+                <a:sym typeface="Times New Roman"/>
+              </a:defRPr>
+            </a:lvl7pPr>
+            <a:lvl8pPr marL="2571750" marR="0" lvl="7" indent="-76200" algn="l" rtl="0">
+              <a:spcBef>
+                <a:spcPts val="300"/>
+              </a:spcBef>
+              <a:spcAft>
+                <a:spcPts val="0"/>
+              </a:spcAft>
+              <a:buClr>
+                <a:schemeClr val="dk1"/>
+              </a:buClr>
+              <a:buSzPct val="100000"/>
+              <a:buFont typeface="Times New Roman"/>
+              <a:buChar char="»"/>
+              <a:defRPr sz="1500" b="0" i="0" u="none" strike="noStrike" cap="none">
+                <a:solidFill>
+                  <a:schemeClr val="dk1"/>
+                </a:solidFill>
+                <a:latin typeface="Times New Roman"/>
+                <a:ea typeface="Times New Roman"/>
+                <a:cs typeface="Times New Roman"/>
+                <a:sym typeface="Times New Roman"/>
+              </a:defRPr>
+            </a:lvl8pPr>
+            <a:lvl9pPr marL="2914650" marR="0" lvl="8" indent="-76200" algn="l" rtl="0">
+              <a:spcBef>
+                <a:spcPts val="300"/>
+              </a:spcBef>
+              <a:spcAft>
+                <a:spcPts val="0"/>
+              </a:spcAft>
+              <a:buClr>
+                <a:schemeClr val="dk1"/>
+              </a:buClr>
+              <a:buSzPct val="100000"/>
+              <a:buFont typeface="Times New Roman"/>
+              <a:buChar char="»"/>
+              <a:defRPr sz="1500" b="0" i="0" u="none" strike="noStrike" cap="none">
+                <a:solidFill>
+                  <a:schemeClr val="dk1"/>
+                </a:solidFill>
+                <a:latin typeface="Times New Roman"/>
+                <a:ea typeface="Times New Roman"/>
+                <a:cs typeface="Times New Roman"/>
+                <a:sym typeface="Times New Roman"/>
+              </a:defRPr>
+            </a:lvl9pPr>
+          </a:lstStyle>
+          <a:p>
+            <a:endParaRPr/>
           </a:p>
         </p:txBody>
       </p:sp>
       <p:sp>
         <p:nvSpPr>
-          <p:cNvPr id="5" name="Date Placeholder 4"/>
-          <p:cNvSpPr>
+          <p:cNvPr id="36" name="Shape 36"/>
+          <p:cNvSpPr txBox="1">
             <a:spLocks noGrp="1"/>
           </p:cNvSpPr>
           <p:nvPr>
-            <p:ph type="dt" sz="half" idx="10"/>
+            <p:ph type="dt" idx="10"/>
           </p:nvPr>
         </p:nvSpPr>
         <p:spPr>
           <a:xfrm>
-            <a:off x="685800" y="6248400"/>
-            <a:ext cx="1905000" cy="457200"/>
+            <a:off x="685801" y="4686300"/>
+            <a:ext cx="1904999" cy="342900"/>
           </a:xfrm>
+          <a:prstGeom prst="rect">
+            <a:avLst/>
+          </a:prstGeom>
+          <a:noFill/>
+          <a:ln>
+            <a:noFill/>
+          </a:ln>
         </p:spPr>
         <p:txBody>
-          <a:bodyPr/>
+          <a:bodyPr lIns="91425" tIns="91425" rIns="91425" bIns="91425" anchor="t" anchorCtr="0"/>
           <a:lstStyle>
-            <a:lvl1pPr>
-              <a:defRPr smtClean="0"/>
+            <a:lvl1pPr marL="0" marR="0" lvl="0" indent="0" algn="l" rtl="0">
+              <a:spcBef>
+                <a:spcPts val="0"/>
+              </a:spcBef>
+              <a:spcAft>
+                <a:spcPts val="0"/>
+              </a:spcAft>
+              <a:buNone/>
+              <a:defRPr sz="1050" b="0" i="0" u="none" strike="noStrike" cap="none">
+                <a:solidFill>
+                  <a:schemeClr val="dk1"/>
+                </a:solidFill>
+                <a:latin typeface="Calibri"/>
+                <a:ea typeface="Calibri"/>
+                <a:cs typeface="Calibri"/>
+                <a:sym typeface="Calibri"/>
+              </a:defRPr>
             </a:lvl1pPr>
+            <a:lvl2pPr marL="342900" marR="0" lvl="1" indent="0" algn="l" rtl="0">
+              <a:spcBef>
+                <a:spcPts val="0"/>
+              </a:spcBef>
+              <a:spcAft>
+                <a:spcPts val="0"/>
+              </a:spcAft>
+              <a:buNone/>
+              <a:defRPr sz="1800" b="0" i="0" u="none" strike="noStrike" cap="none">
+                <a:solidFill>
+                  <a:schemeClr val="dk1"/>
+                </a:solidFill>
+                <a:latin typeface="Times New Roman"/>
+                <a:ea typeface="Times New Roman"/>
+                <a:cs typeface="Times New Roman"/>
+                <a:sym typeface="Times New Roman"/>
+              </a:defRPr>
+            </a:lvl2pPr>
+            <a:lvl3pPr marL="685800" marR="0" lvl="2" indent="0" algn="l" rtl="0">
+              <a:spcBef>
+                <a:spcPts val="0"/>
+              </a:spcBef>
+              <a:spcAft>
+                <a:spcPts val="0"/>
+              </a:spcAft>
+              <a:buNone/>
+              <a:defRPr sz="1800" b="0" i="0" u="none" strike="noStrike" cap="none">
+                <a:solidFill>
+                  <a:schemeClr val="dk1"/>
+                </a:solidFill>
+                <a:latin typeface="Times New Roman"/>
+                <a:ea typeface="Times New Roman"/>
+                <a:cs typeface="Times New Roman"/>
+                <a:sym typeface="Times New Roman"/>
+              </a:defRPr>
+            </a:lvl3pPr>
+            <a:lvl4pPr marL="1028700" marR="0" lvl="3" indent="0" algn="l" rtl="0">
+              <a:spcBef>
+                <a:spcPts val="0"/>
+              </a:spcBef>
+              <a:spcAft>
+                <a:spcPts val="0"/>
+              </a:spcAft>
+              <a:buNone/>
+              <a:defRPr sz="1800" b="0" i="0" u="none" strike="noStrike" cap="none">
+                <a:solidFill>
+                  <a:schemeClr val="dk1"/>
+                </a:solidFill>
+                <a:latin typeface="Times New Roman"/>
+                <a:ea typeface="Times New Roman"/>
+                <a:cs typeface="Times New Roman"/>
+                <a:sym typeface="Times New Roman"/>
+              </a:defRPr>
+            </a:lvl4pPr>
+            <a:lvl5pPr marL="1371600" marR="0" lvl="4" indent="0" algn="l" rtl="0">
+              <a:spcBef>
+                <a:spcPts val="0"/>
+              </a:spcBef>
+              <a:spcAft>
+                <a:spcPts val="0"/>
+              </a:spcAft>
+              <a:buNone/>
+              <a:defRPr sz="1800" b="0" i="0" u="none" strike="noStrike" cap="none">
+                <a:solidFill>
+                  <a:schemeClr val="dk1"/>
+                </a:solidFill>
+                <a:latin typeface="Times New Roman"/>
+                <a:ea typeface="Times New Roman"/>
+                <a:cs typeface="Times New Roman"/>
+                <a:sym typeface="Times New Roman"/>
+              </a:defRPr>
+            </a:lvl5pPr>
+            <a:lvl6pPr marL="1714500" marR="0" lvl="5" indent="0" algn="l" rtl="0">
+              <a:spcBef>
+                <a:spcPts val="0"/>
+              </a:spcBef>
+              <a:buNone/>
+              <a:defRPr sz="1800" b="0" i="0" u="none" strike="noStrike" cap="none">
+                <a:solidFill>
+                  <a:schemeClr val="dk1"/>
+                </a:solidFill>
+                <a:latin typeface="Times New Roman"/>
+                <a:ea typeface="Times New Roman"/>
+                <a:cs typeface="Times New Roman"/>
+                <a:sym typeface="Times New Roman"/>
+              </a:defRPr>
+            </a:lvl6pPr>
+            <a:lvl7pPr marL="2057400" marR="0" lvl="6" indent="0" algn="l" rtl="0">
+              <a:spcBef>
+                <a:spcPts val="0"/>
+              </a:spcBef>
+              <a:buNone/>
+              <a:defRPr sz="1800" b="0" i="0" u="none" strike="noStrike" cap="none">
+                <a:solidFill>
+                  <a:schemeClr val="dk1"/>
+                </a:solidFill>
+                <a:latin typeface="Times New Roman"/>
+                <a:ea typeface="Times New Roman"/>
+                <a:cs typeface="Times New Roman"/>
+                <a:sym typeface="Times New Roman"/>
+              </a:defRPr>
+            </a:lvl7pPr>
+            <a:lvl8pPr marL="2400300" marR="0" lvl="7" indent="0" algn="l" rtl="0">
+              <a:spcBef>
+                <a:spcPts val="0"/>
+              </a:spcBef>
+              <a:buNone/>
+              <a:defRPr sz="1800" b="0" i="0" u="none" strike="noStrike" cap="none">
+                <a:solidFill>
+                  <a:schemeClr val="dk1"/>
+                </a:solidFill>
+                <a:latin typeface="Times New Roman"/>
+                <a:ea typeface="Times New Roman"/>
+                <a:cs typeface="Times New Roman"/>
+                <a:sym typeface="Times New Roman"/>
+              </a:defRPr>
+            </a:lvl8pPr>
+            <a:lvl9pPr marL="2743200" marR="0" lvl="8" indent="0" algn="l" rtl="0">
+              <a:spcBef>
+                <a:spcPts val="0"/>
+              </a:spcBef>
+              <a:buNone/>
+              <a:defRPr sz="1800" b="0" i="0" u="none" strike="noStrike" cap="none">
+                <a:solidFill>
+                  <a:schemeClr val="dk1"/>
+                </a:solidFill>
+                <a:latin typeface="Times New Roman"/>
+                <a:ea typeface="Times New Roman"/>
+                <a:cs typeface="Times New Roman"/>
+                <a:sym typeface="Times New Roman"/>
+              </a:defRPr>
+            </a:lvl9pPr>
           </a:lstStyle>
           <a:p>
-            <a:fld id="{EA088449-4D03-0843-84D7-B4A0EF767E6C}" type="datetime1">
-              <a:rPr lang="en-US"/>
-              <a:pPr/>
-              <a:t>16-06-14</a:t>
+            <a:fld id="{928B75D4-12CD-F643-ADF1-0075E919921C}" type="datetime1">
+              <a:rPr lang="en-CA" smtClean="0"/>
+              <a:t>2020-09-17</a:t>
             </a:fld>
-            <a:endParaRPr lang="en-US"/>
+            <a:endParaRPr/>
           </a:p>
         </p:txBody>
       </p:sp>
       <p:sp>
         <p:nvSpPr>
-          <p:cNvPr id="6" name="Footer Placeholder 5"/>
-          <p:cNvSpPr>
+          <p:cNvPr id="37" name="Shape 37"/>
+          <p:cNvSpPr txBox="1">
             <a:spLocks noGrp="1"/>
           </p:cNvSpPr>
           <p:nvPr>
-            <p:ph type="ftr" sz="quarter" idx="11"/>
+            <p:ph type="ftr" idx="11"/>
           </p:nvPr>
         </p:nvSpPr>
         <p:spPr>
           <a:xfrm>
-            <a:off x="3124200" y="6248400"/>
-            <a:ext cx="2895600" cy="457200"/>
+            <a:off x="3124200" y="4686300"/>
+            <a:ext cx="2895600" cy="342900"/>
           </a:xfrm>
+          <a:prstGeom prst="rect">
+            <a:avLst/>
+          </a:prstGeom>
+          <a:noFill/>
+          <a:ln>
+            <a:noFill/>
+          </a:ln>
         </p:spPr>
         <p:txBody>
-          <a:bodyPr/>
+          <a:bodyPr lIns="91425" tIns="91425" rIns="91425" bIns="91425" anchor="t" anchorCtr="0"/>
           <a:lstStyle>
-            <a:lvl1pPr>
-              <a:defRPr/>
+            <a:lvl1pPr marL="0" marR="0" lvl="0" indent="0" algn="ctr" rtl="0">
+              <a:spcBef>
+                <a:spcPts val="0"/>
+              </a:spcBef>
+              <a:spcAft>
+                <a:spcPts val="0"/>
+              </a:spcAft>
+              <a:buNone/>
+              <a:defRPr sz="1050" b="0" i="0" u="none" strike="noStrike" cap="none">
+                <a:solidFill>
+                  <a:schemeClr val="dk1"/>
+                </a:solidFill>
+                <a:latin typeface="Calibri"/>
+                <a:ea typeface="Calibri"/>
+                <a:cs typeface="Calibri"/>
+                <a:sym typeface="Calibri"/>
+              </a:defRPr>
             </a:lvl1pPr>
+            <a:lvl2pPr marL="342900" marR="0" lvl="1" indent="0" algn="l" rtl="0">
+              <a:spcBef>
+                <a:spcPts val="0"/>
+              </a:spcBef>
+              <a:spcAft>
+                <a:spcPts val="0"/>
+              </a:spcAft>
+              <a:buNone/>
+              <a:defRPr sz="1800" b="0" i="0" u="none" strike="noStrike" cap="none">
+                <a:solidFill>
+                  <a:schemeClr val="dk1"/>
+                </a:solidFill>
+                <a:latin typeface="Times New Roman"/>
+                <a:ea typeface="Times New Roman"/>
+                <a:cs typeface="Times New Roman"/>
+                <a:sym typeface="Times New Roman"/>
+              </a:defRPr>
+            </a:lvl2pPr>
+            <a:lvl3pPr marL="685800" marR="0" lvl="2" indent="0" algn="l" rtl="0">
+              <a:spcBef>
+                <a:spcPts val="0"/>
+              </a:spcBef>
+              <a:spcAft>
+                <a:spcPts val="0"/>
+              </a:spcAft>
+              <a:buNone/>
+              <a:defRPr sz="1800" b="0" i="0" u="none" strike="noStrike" cap="none">
+                <a:solidFill>
+                  <a:schemeClr val="dk1"/>
+                </a:solidFill>
+                <a:latin typeface="Times New Roman"/>
+                <a:ea typeface="Times New Roman"/>
+                <a:cs typeface="Times New Roman"/>
+                <a:sym typeface="Times New Roman"/>
+              </a:defRPr>
+            </a:lvl3pPr>
+            <a:lvl4pPr marL="1028700" marR="0" lvl="3" indent="0" algn="l" rtl="0">
+              <a:spcBef>
+                <a:spcPts val="0"/>
+              </a:spcBef>
+              <a:spcAft>
+                <a:spcPts val="0"/>
+              </a:spcAft>
+              <a:buNone/>
+              <a:defRPr sz="1800" b="0" i="0" u="none" strike="noStrike" cap="none">
+                <a:solidFill>
+                  <a:schemeClr val="dk1"/>
+                </a:solidFill>
+                <a:latin typeface="Times New Roman"/>
+                <a:ea typeface="Times New Roman"/>
+                <a:cs typeface="Times New Roman"/>
+                <a:sym typeface="Times New Roman"/>
+              </a:defRPr>
+            </a:lvl4pPr>
+            <a:lvl5pPr marL="1371600" marR="0" lvl="4" indent="0" algn="l" rtl="0">
+              <a:spcBef>
+                <a:spcPts val="0"/>
+              </a:spcBef>
+              <a:spcAft>
+                <a:spcPts val="0"/>
+              </a:spcAft>
+              <a:buNone/>
+              <a:defRPr sz="1800" b="0" i="0" u="none" strike="noStrike" cap="none">
+                <a:solidFill>
+                  <a:schemeClr val="dk1"/>
+                </a:solidFill>
+                <a:latin typeface="Times New Roman"/>
+                <a:ea typeface="Times New Roman"/>
+                <a:cs typeface="Times New Roman"/>
+                <a:sym typeface="Times New Roman"/>
+              </a:defRPr>
+            </a:lvl5pPr>
+            <a:lvl6pPr marL="1714500" marR="0" lvl="5" indent="0" algn="l" rtl="0">
+              <a:spcBef>
+                <a:spcPts val="0"/>
+              </a:spcBef>
+              <a:buNone/>
+              <a:defRPr sz="1800" b="0" i="0" u="none" strike="noStrike" cap="none">
+                <a:solidFill>
+                  <a:schemeClr val="dk1"/>
+                </a:solidFill>
+                <a:latin typeface="Times New Roman"/>
+                <a:ea typeface="Times New Roman"/>
+                <a:cs typeface="Times New Roman"/>
+                <a:sym typeface="Times New Roman"/>
+              </a:defRPr>
+            </a:lvl6pPr>
+            <a:lvl7pPr marL="2057400" marR="0" lvl="6" indent="0" algn="l" rtl="0">
+              <a:spcBef>
+                <a:spcPts val="0"/>
+              </a:spcBef>
+              <a:buNone/>
+              <a:defRPr sz="1800" b="0" i="0" u="none" strike="noStrike" cap="none">
+                <a:solidFill>
+                  <a:schemeClr val="dk1"/>
+                </a:solidFill>
+                <a:latin typeface="Times New Roman"/>
+                <a:ea typeface="Times New Roman"/>
+                <a:cs typeface="Times New Roman"/>
+                <a:sym typeface="Times New Roman"/>
+              </a:defRPr>
+            </a:lvl7pPr>
+            <a:lvl8pPr marL="2400300" marR="0" lvl="7" indent="0" algn="l" rtl="0">
+              <a:spcBef>
+                <a:spcPts val="0"/>
+              </a:spcBef>
+              <a:buNone/>
+              <a:defRPr sz="1800" b="0" i="0" u="none" strike="noStrike" cap="none">
+                <a:solidFill>
+                  <a:schemeClr val="dk1"/>
+                </a:solidFill>
+                <a:latin typeface="Times New Roman"/>
+                <a:ea typeface="Times New Roman"/>
+                <a:cs typeface="Times New Roman"/>
+                <a:sym typeface="Times New Roman"/>
+              </a:defRPr>
+            </a:lvl8pPr>
+            <a:lvl9pPr marL="2743200" marR="0" lvl="8" indent="0" algn="l" rtl="0">
+              <a:spcBef>
+                <a:spcPts val="0"/>
+              </a:spcBef>
+              <a:buNone/>
+              <a:defRPr sz="1800" b="0" i="0" u="none" strike="noStrike" cap="none">
+                <a:solidFill>
+                  <a:schemeClr val="dk1"/>
+                </a:solidFill>
+                <a:latin typeface="Times New Roman"/>
+                <a:ea typeface="Times New Roman"/>
+                <a:cs typeface="Times New Roman"/>
+                <a:sym typeface="Times New Roman"/>
+              </a:defRPr>
+            </a:lvl9pPr>
           </a:lstStyle>
           <a:p>
-            <a:endParaRPr lang="en-US"/>
+            <a:endParaRPr/>
           </a:p>
         </p:txBody>
       </p:sp>
       <p:sp>
         <p:nvSpPr>
-          <p:cNvPr id="7" name="Slide Number Placeholder 6"/>
-          <p:cNvSpPr>
+          <p:cNvPr id="38" name="Shape 38"/>
+          <p:cNvSpPr txBox="1">
             <a:spLocks noGrp="1"/>
           </p:cNvSpPr>
           <p:nvPr>
-            <p:ph type="sldNum" sz="quarter" idx="12"/>
+            <p:ph type="sldNum" idx="12"/>
           </p:nvPr>
         </p:nvSpPr>
         <p:spPr>
           <a:xfrm>
-            <a:off x="6553200" y="6248400"/>
-            <a:ext cx="1905000" cy="457200"/>
+            <a:off x="6553201" y="4686300"/>
+            <a:ext cx="1904999" cy="342900"/>
           </a:xfrm>
+          <a:prstGeom prst="rect">
+            <a:avLst/>
+          </a:prstGeom>
+          <a:noFill/>
+          <a:ln>
+            <a:noFill/>
+          </a:ln>
         </p:spPr>
         <p:txBody>
-          <a:bodyPr/>
-          <a:lstStyle>
-            <a:lvl1pPr>
-              <a:defRPr smtClean="0"/>
-            </a:lvl1pPr>
-          </a:lstStyle>
-          <a:p>
-            <a:fld id="{F7C3DA44-7F16-F948-B8FF-9C50723EAF69}" type="slidenum">
-              <a:rPr lang="en-US"/>
-              <a:pPr/>
+          <a:bodyPr lIns="91425" tIns="45700" rIns="91425" bIns="45700" anchor="t" anchorCtr="0">
+            <a:noAutofit/>
+          </a:bodyPr>
+          <a:lstStyle/>
+          <a:p>
+            <a:pPr algn="r">
+              <a:buSzPct val="25000"/>
+            </a:pPr>
+            <a:fld id="{00000000-1234-1234-1234-123412341234}" type="slidenum">
+              <a:rPr lang="en-US" sz="1050" smtClean="0">
+                <a:solidFill>
+                  <a:schemeClr val="dk1"/>
+                </a:solidFill>
+                <a:latin typeface="Calibri"/>
+                <a:ea typeface="Calibri"/>
+                <a:cs typeface="Calibri"/>
+                <a:sym typeface="Calibri"/>
+              </a:rPr>
+              <a:pPr algn="r">
+                <a:buSzPct val="25000"/>
+              </a:pPr>
               <a:t>‹#›</a:t>
             </a:fld>
-            <a:endParaRPr lang="en-US"/>
+            <a:endParaRPr lang="en-US" sz="1050">
+              <a:solidFill>
+                <a:schemeClr val="dk1"/>
+              </a:solidFill>
+              <a:latin typeface="Calibri"/>
+              <a:ea typeface="Calibri"/>
+              <a:cs typeface="Calibri"/>
+              <a:sym typeface="Calibri"/>
+            </a:endParaRPr>
           </a:p>
         </p:txBody>
       </p:sp>
     </p:spTree>
+    <p:extLst>
+      <p:ext uri="{BB962C8B-B14F-4D97-AF65-F5344CB8AC3E}">
+        <p14:creationId xmlns:p14="http://schemas.microsoft.com/office/powerpoint/2010/main" val="321055303"/>
+      </p:ext>
+    </p:extLst>
   </p:cSld>
   <p:clrMapOvr>
     <a:masterClrMapping/>
@@ -2578,7 +3660,13 @@
       </p:grpSpPr>
       <p:sp>
         <p:nvSpPr>
-          <p:cNvPr id="2" name="Title 1"/>
+          <p:cNvPr id="2" name="Title 1">
+            <a:extLst>
+              <a:ext uri="{FF2B5EF4-FFF2-40B4-BE49-F238E27FC236}">
+                <a16:creationId xmlns:a16="http://schemas.microsoft.com/office/drawing/2014/main" id="{76D10978-DDE8-6144-A6B8-517FFF2E3CB7}"/>
+              </a:ext>
+            </a:extLst>
+          </p:cNvPr>
           <p:cNvSpPr>
             <a:spLocks noGrp="1"/>
           </p:cNvSpPr>
@@ -2592,16 +3680,21 @@
           <a:lstStyle/>
           <a:p>
             <a:r>
-              <a:rPr lang="en-US" smtClean="0"/>
+              <a:rPr lang="en-US"/>
               <a:t>Click to edit Master title style</a:t>
             </a:r>
-            <a:endParaRPr lang="en-US"/>
           </a:p>
         </p:txBody>
       </p:sp>
       <p:sp>
         <p:nvSpPr>
-          <p:cNvPr id="3" name="Content Placeholder 2"/>
+          <p:cNvPr id="3" name="Content Placeholder 2">
+            <a:extLst>
+              <a:ext uri="{FF2B5EF4-FFF2-40B4-BE49-F238E27FC236}">
+                <a16:creationId xmlns:a16="http://schemas.microsoft.com/office/drawing/2014/main" id="{C5A37744-5627-D646-9036-52ED7E568A44}"/>
+              </a:ext>
+            </a:extLst>
+          </p:cNvPr>
           <p:cNvSpPr>
             <a:spLocks noGrp="1"/>
           </p:cNvSpPr>
@@ -2612,48 +3705,84 @@
         <p:spPr/>
         <p:txBody>
           <a:bodyPr/>
-          <a:lstStyle/>
+          <a:lstStyle>
+            <a:lvl1pPr>
+              <a:spcAft>
+                <a:spcPts val="600"/>
+              </a:spcAft>
+              <a:defRPr/>
+            </a:lvl1pPr>
+            <a:lvl2pPr>
+              <a:spcAft>
+                <a:spcPts val="600"/>
+              </a:spcAft>
+              <a:defRPr/>
+            </a:lvl2pPr>
+            <a:lvl3pPr>
+              <a:spcAft>
+                <a:spcPts val="600"/>
+              </a:spcAft>
+              <a:defRPr/>
+            </a:lvl3pPr>
+            <a:lvl4pPr>
+              <a:spcAft>
+                <a:spcPts val="600"/>
+              </a:spcAft>
+              <a:defRPr/>
+            </a:lvl4pPr>
+            <a:lvl5pPr>
+              <a:spcAft>
+                <a:spcPts val="600"/>
+              </a:spcAft>
+              <a:defRPr/>
+            </a:lvl5pPr>
+          </a:lstStyle>
           <a:p>
             <a:pPr lvl="0"/>
             <a:r>
-              <a:rPr lang="en-US" smtClean="0"/>
+              <a:rPr lang="en-US" dirty="0"/>
               <a:t>Click to edit Master text styles</a:t>
             </a:r>
           </a:p>
           <a:p>
             <a:pPr lvl="1"/>
             <a:r>
-              <a:rPr lang="en-US" smtClean="0"/>
+              <a:rPr lang="en-US" dirty="0"/>
               <a:t>Second level</a:t>
             </a:r>
           </a:p>
           <a:p>
             <a:pPr lvl="2"/>
             <a:r>
-              <a:rPr lang="en-US" smtClean="0"/>
+              <a:rPr lang="en-US" dirty="0"/>
               <a:t>Third level</a:t>
             </a:r>
           </a:p>
           <a:p>
             <a:pPr lvl="3"/>
             <a:r>
-              <a:rPr lang="en-US" smtClean="0"/>
+              <a:rPr lang="en-US" dirty="0"/>
               <a:t>Fourth level</a:t>
             </a:r>
           </a:p>
           <a:p>
             <a:pPr lvl="4"/>
             <a:r>
-              <a:rPr lang="en-US" smtClean="0"/>
+              <a:rPr lang="en-US" dirty="0"/>
               <a:t>Fifth level</a:t>
             </a:r>
-            <a:endParaRPr lang="en-US"/>
           </a:p>
         </p:txBody>
       </p:sp>
       <p:sp>
         <p:nvSpPr>
-          <p:cNvPr id="4" name="Date Placeholder 3"/>
+          <p:cNvPr id="4" name="Date Placeholder 3">
+            <a:extLst>
+              <a:ext uri="{FF2B5EF4-FFF2-40B4-BE49-F238E27FC236}">
+                <a16:creationId xmlns:a16="http://schemas.microsoft.com/office/drawing/2014/main" id="{F7D0F3F8-FC0C-1B43-BB73-11800B42E6D9}"/>
+              </a:ext>
+            </a:extLst>
+          </p:cNvPr>
           <p:cNvSpPr>
             <a:spLocks noGrp="1"/>
           </p:cNvSpPr>
@@ -2664,27 +3793,25 @@
         <p:spPr/>
         <p:txBody>
           <a:bodyPr/>
-          <a:lstStyle>
-            <a:lvl1pPr>
-              <a:defRPr smtClean="0">
-                <a:latin typeface="Candara"/>
-                <a:cs typeface="Candara"/>
-              </a:defRPr>
-            </a:lvl1pPr>
-          </a:lstStyle>
-          <a:p>
-            <a:fld id="{CECB5EB0-A99D-574A-8771-16980A91CB72}" type="datetime1">
-              <a:rPr lang="en-US" smtClean="0"/>
-              <a:pPr/>
-              <a:t>16-06-14</a:t>
+          <a:lstStyle/>
+          <a:p>
+            <a:fld id="{6374075A-185D-6547-A5D9-CFEC8800EEB2}" type="datetime1">
+              <a:rPr lang="en-CA" smtClean="0"/>
+              <a:t>2020-09-17</a:t>
             </a:fld>
-            <a:endParaRPr lang="en-US" dirty="0"/>
+            <a:endParaRPr lang="en-US"/>
           </a:p>
         </p:txBody>
       </p:sp>
       <p:sp>
         <p:nvSpPr>
-          <p:cNvPr id="5" name="Footer Placeholder 4"/>
+          <p:cNvPr id="5" name="Footer Placeholder 4">
+            <a:extLst>
+              <a:ext uri="{FF2B5EF4-FFF2-40B4-BE49-F238E27FC236}">
+                <a16:creationId xmlns:a16="http://schemas.microsoft.com/office/drawing/2014/main" id="{8300E874-E612-CA46-B18E-0C8FA220608A}"/>
+              </a:ext>
+            </a:extLst>
+          </p:cNvPr>
           <p:cNvSpPr>
             <a:spLocks noGrp="1"/>
           </p:cNvSpPr>
@@ -2695,11 +3822,7 @@
         <p:spPr/>
         <p:txBody>
           <a:bodyPr/>
-          <a:lstStyle>
-            <a:lvl1pPr>
-              <a:defRPr/>
-            </a:lvl1pPr>
-          </a:lstStyle>
+          <a:lstStyle/>
           <a:p>
             <a:endParaRPr lang="en-US"/>
           </a:p>
@@ -2707,7 +3830,13 @@
       </p:sp>
       <p:sp>
         <p:nvSpPr>
-          <p:cNvPr id="6" name="Slide Number Placeholder 5"/>
+          <p:cNvPr id="6" name="Slide Number Placeholder 5">
+            <a:extLst>
+              <a:ext uri="{FF2B5EF4-FFF2-40B4-BE49-F238E27FC236}">
+                <a16:creationId xmlns:a16="http://schemas.microsoft.com/office/drawing/2014/main" id="{4F77269F-A49C-1948-BC2E-ABADCE191108}"/>
+              </a:ext>
+            </a:extLst>
+          </p:cNvPr>
           <p:cNvSpPr>
             <a:spLocks noGrp="1"/>
           </p:cNvSpPr>
@@ -2718,25 +3847,22 @@
         <p:spPr/>
         <p:txBody>
           <a:bodyPr/>
-          <a:lstStyle>
-            <a:lvl1pPr>
-              <a:defRPr smtClean="0">
-                <a:latin typeface="Candara"/>
-                <a:cs typeface="Candara"/>
-              </a:defRPr>
-            </a:lvl1pPr>
-          </a:lstStyle>
-          <a:p>
-            <a:fld id="{80B70B1B-9002-FB4A-9B01-AB0117187C58}" type="slidenum">
+          <a:lstStyle/>
+          <a:p>
+            <a:fld id="{7B252BF6-6A9C-D04A-BBE8-37A07D64A1C3}" type="slidenum">
               <a:rPr lang="en-US" smtClean="0"/>
-              <a:pPr/>
               <a:t>‹#›</a:t>
             </a:fld>
-            <a:endParaRPr lang="en-US" dirty="0"/>
+            <a:endParaRPr lang="en-US"/>
           </a:p>
         </p:txBody>
       </p:sp>
     </p:spTree>
+    <p:extLst>
+      <p:ext uri="{BB962C8B-B14F-4D97-AF65-F5344CB8AC3E}">
+        <p14:creationId xmlns:p14="http://schemas.microsoft.com/office/powerpoint/2010/main" val="3291639097"/>
+      </p:ext>
+    </p:extLst>
   </p:cSld>
   <p:clrMapOvr>
     <a:masterClrMapping/>
@@ -2763,7 +3889,13 @@
       </p:grpSpPr>
       <p:sp>
         <p:nvSpPr>
-          <p:cNvPr id="2" name="Title 1"/>
+          <p:cNvPr id="2" name="Title 1">
+            <a:extLst>
+              <a:ext uri="{FF2B5EF4-FFF2-40B4-BE49-F238E27FC236}">
+                <a16:creationId xmlns:a16="http://schemas.microsoft.com/office/drawing/2014/main" id="{146B0754-0214-DF47-9D67-A716F6494DC7}"/>
+              </a:ext>
+            </a:extLst>
+          </p:cNvPr>
           <p:cNvSpPr>
             <a:spLocks noGrp="1"/>
           </p:cNvSpPr>
@@ -2773,29 +3905,34 @@
         </p:nvSpPr>
         <p:spPr>
           <a:xfrm>
-            <a:off x="722313" y="4406900"/>
-            <a:ext cx="7772400" cy="1362075"/>
+            <a:off x="623888" y="1282304"/>
+            <a:ext cx="7886700" cy="2139553"/>
           </a:xfrm>
         </p:spPr>
         <p:txBody>
-          <a:bodyPr anchor="t"/>
+          <a:bodyPr anchor="b"/>
           <a:lstStyle>
-            <a:lvl1pPr algn="l">
-              <a:defRPr sz="4000" b="1" cap="all"/>
+            <a:lvl1pPr>
+              <a:defRPr sz="4500"/>
             </a:lvl1pPr>
           </a:lstStyle>
           <a:p>
             <a:r>
-              <a:rPr lang="en-US" smtClean="0"/>
+              <a:rPr lang="en-US"/>
               <a:t>Click to edit Master title style</a:t>
             </a:r>
-            <a:endParaRPr lang="en-US"/>
           </a:p>
         </p:txBody>
       </p:sp>
       <p:sp>
         <p:nvSpPr>
-          <p:cNvPr id="3" name="Text Placeholder 2"/>
+          <p:cNvPr id="3" name="Text Placeholder 2">
+            <a:extLst>
+              <a:ext uri="{FF2B5EF4-FFF2-40B4-BE49-F238E27FC236}">
+                <a16:creationId xmlns:a16="http://schemas.microsoft.com/office/drawing/2014/main" id="{50234BCA-78F6-F745-9EBE-EE525CDE7A5C}"/>
+              </a:ext>
+            </a:extLst>
+          </p:cNvPr>
           <p:cNvSpPr>
             <a:spLocks noGrp="1"/>
           </p:cNvSpPr>
@@ -2805,54 +3942,108 @@
         </p:nvSpPr>
         <p:spPr>
           <a:xfrm>
-            <a:off x="722313" y="2906713"/>
-            <a:ext cx="7772400" cy="1500187"/>
+            <a:off x="623888" y="3442098"/>
+            <a:ext cx="7886700" cy="1125140"/>
           </a:xfrm>
         </p:spPr>
         <p:txBody>
-          <a:bodyPr anchor="b"/>
+          <a:bodyPr/>
           <a:lstStyle>
             <a:lvl1pPr marL="0" indent="0">
               <a:buNone/>
-              <a:defRPr sz="2000"/>
+              <a:defRPr sz="1800">
+                <a:solidFill>
+                  <a:schemeClr val="tx1">
+                    <a:tint val="75000"/>
+                  </a:schemeClr>
+                </a:solidFill>
+              </a:defRPr>
             </a:lvl1pPr>
-            <a:lvl2pPr marL="457200" indent="0">
+            <a:lvl2pPr marL="342900" indent="0">
               <a:buNone/>
-              <a:defRPr sz="1800"/>
+              <a:defRPr sz="1500">
+                <a:solidFill>
+                  <a:schemeClr val="tx1">
+                    <a:tint val="75000"/>
+                  </a:schemeClr>
+                </a:solidFill>
+              </a:defRPr>
             </a:lvl2pPr>
-            <a:lvl3pPr marL="914400" indent="0">
+            <a:lvl3pPr marL="685800" indent="0">
               <a:buNone/>
-              <a:defRPr sz="1600"/>
+              <a:defRPr sz="1350">
+                <a:solidFill>
+                  <a:schemeClr val="tx1">
+                    <a:tint val="75000"/>
+                  </a:schemeClr>
+                </a:solidFill>
+              </a:defRPr>
             </a:lvl3pPr>
-            <a:lvl4pPr marL="1371600" indent="0">
+            <a:lvl4pPr marL="1028700" indent="0">
               <a:buNone/>
-              <a:defRPr sz="1400"/>
+              <a:defRPr sz="1200">
+                <a:solidFill>
+                  <a:schemeClr val="tx1">
+                    <a:tint val="75000"/>
+                  </a:schemeClr>
+                </a:solidFill>
+              </a:defRPr>
             </a:lvl4pPr>
-            <a:lvl5pPr marL="1828800" indent="0">
+            <a:lvl5pPr marL="1371600" indent="0">
               <a:buNone/>
-              <a:defRPr sz="1400"/>
+              <a:defRPr sz="1200">
+                <a:solidFill>
+                  <a:schemeClr val="tx1">
+                    <a:tint val="75000"/>
+                  </a:schemeClr>
+                </a:solidFill>
+              </a:defRPr>
             </a:lvl5pPr>
-            <a:lvl6pPr marL="2286000" indent="0">
+            <a:lvl6pPr marL="1714500" indent="0">
               <a:buNone/>
-              <a:defRPr sz="1400"/>
+              <a:defRPr sz="1200">
+                <a:solidFill>
+                  <a:schemeClr val="tx1">
+                    <a:tint val="75000"/>
+                  </a:schemeClr>
+                </a:solidFill>
+              </a:defRPr>
             </a:lvl6pPr>
-            <a:lvl7pPr marL="2743200" indent="0">
+            <a:lvl7pPr marL="2057400" indent="0">
               <a:buNone/>
-              <a:defRPr sz="1400"/>
+              <a:defRPr sz="1200">
+                <a:solidFill>
+                  <a:schemeClr val="tx1">
+                    <a:tint val="75000"/>
+                  </a:schemeClr>
+                </a:solidFill>
+              </a:defRPr>
             </a:lvl7pPr>
-            <a:lvl8pPr marL="3200400" indent="0">
+            <a:lvl8pPr marL="2400300" indent="0">
               <a:buNone/>
-              <a:defRPr sz="1400"/>
+              <a:defRPr sz="1200">
+                <a:solidFill>
+                  <a:schemeClr val="tx1">
+                    <a:tint val="75000"/>
+                  </a:schemeClr>
+                </a:solidFill>
+              </a:defRPr>
             </a:lvl8pPr>
-            <a:lvl9pPr marL="3657600" indent="0">
+            <a:lvl9pPr marL="2743200" indent="0">
               <a:buNone/>
-              <a:defRPr sz="1400"/>
+              <a:defRPr sz="1200">
+                <a:solidFill>
+                  <a:schemeClr val="tx1">
+                    <a:tint val="75000"/>
+                  </a:schemeClr>
+                </a:solidFill>
+              </a:defRPr>
             </a:lvl9pPr>
           </a:lstStyle>
           <a:p>
             <a:pPr lvl="0"/>
             <a:r>
-              <a:rPr lang="en-US" smtClean="0"/>
+              <a:rPr lang="en-US"/>
               <a:t>Click to edit Master text styles</a:t>
             </a:r>
           </a:p>
@@ -2860,7 +4051,13 @@
       </p:sp>
       <p:sp>
         <p:nvSpPr>
-          <p:cNvPr id="4" name="Date Placeholder 3"/>
+          <p:cNvPr id="4" name="Date Placeholder 3">
+            <a:extLst>
+              <a:ext uri="{FF2B5EF4-FFF2-40B4-BE49-F238E27FC236}">
+                <a16:creationId xmlns:a16="http://schemas.microsoft.com/office/drawing/2014/main" id="{10D707FE-6251-4E4B-BDFF-5C0B1706BE99}"/>
+              </a:ext>
+            </a:extLst>
+          </p:cNvPr>
           <p:cNvSpPr>
             <a:spLocks noGrp="1"/>
           </p:cNvSpPr>
@@ -2871,16 +4068,11 @@
         <p:spPr/>
         <p:txBody>
           <a:bodyPr/>
-          <a:lstStyle>
-            <a:lvl1pPr>
-              <a:defRPr smtClean="0"/>
-            </a:lvl1pPr>
-          </a:lstStyle>
-          <a:p>
-            <a:fld id="{5D42C9F8-F6B1-9842-87C9-C9DA1459C62F}" type="datetime1">
-              <a:rPr lang="en-US"/>
-              <a:pPr/>
-              <a:t>16-06-14</a:t>
+          <a:lstStyle/>
+          <a:p>
+            <a:fld id="{E22B8DA6-0F0B-2944-AE18-217EB722D717}" type="datetime1">
+              <a:rPr lang="en-CA" smtClean="0"/>
+              <a:t>2020-09-17</a:t>
             </a:fld>
             <a:endParaRPr lang="en-US"/>
           </a:p>
@@ -2888,7 +4080,13 @@
       </p:sp>
       <p:sp>
         <p:nvSpPr>
-          <p:cNvPr id="5" name="Footer Placeholder 4"/>
+          <p:cNvPr id="5" name="Footer Placeholder 4">
+            <a:extLst>
+              <a:ext uri="{FF2B5EF4-FFF2-40B4-BE49-F238E27FC236}">
+                <a16:creationId xmlns:a16="http://schemas.microsoft.com/office/drawing/2014/main" id="{112AF015-083F-9840-9A9E-9E31B7D7BE22}"/>
+              </a:ext>
+            </a:extLst>
+          </p:cNvPr>
           <p:cNvSpPr>
             <a:spLocks noGrp="1"/>
           </p:cNvSpPr>
@@ -2899,11 +4097,7 @@
         <p:spPr/>
         <p:txBody>
           <a:bodyPr/>
-          <a:lstStyle>
-            <a:lvl1pPr>
-              <a:defRPr/>
-            </a:lvl1pPr>
-          </a:lstStyle>
+          <a:lstStyle/>
           <a:p>
             <a:endParaRPr lang="en-US"/>
           </a:p>
@@ -2911,7 +4105,13 @@
       </p:sp>
       <p:sp>
         <p:nvSpPr>
-          <p:cNvPr id="6" name="Slide Number Placeholder 5"/>
+          <p:cNvPr id="6" name="Slide Number Placeholder 5">
+            <a:extLst>
+              <a:ext uri="{FF2B5EF4-FFF2-40B4-BE49-F238E27FC236}">
+                <a16:creationId xmlns:a16="http://schemas.microsoft.com/office/drawing/2014/main" id="{64A0E270-7D4E-DB45-B70B-D033519BA83D}"/>
+              </a:ext>
+            </a:extLst>
+          </p:cNvPr>
           <p:cNvSpPr>
             <a:spLocks noGrp="1"/>
           </p:cNvSpPr>
@@ -2922,15 +4122,10 @@
         <p:spPr/>
         <p:txBody>
           <a:bodyPr/>
-          <a:lstStyle>
-            <a:lvl1pPr>
-              <a:defRPr smtClean="0"/>
-            </a:lvl1pPr>
-          </a:lstStyle>
-          <a:p>
-            <a:fld id="{79AE11F6-D0DC-624B-9344-9E4FBC408619}" type="slidenum">
-              <a:rPr lang="en-US"/>
-              <a:pPr/>
+          <a:lstStyle/>
+          <a:p>
+            <a:fld id="{7B252BF6-6A9C-D04A-BBE8-37A07D64A1C3}" type="slidenum">
+              <a:rPr lang="en-US" smtClean="0"/>
               <a:t>‹#›</a:t>
             </a:fld>
             <a:endParaRPr lang="en-US"/>
@@ -2938,6 +4133,11 @@
         </p:txBody>
       </p:sp>
     </p:spTree>
+    <p:extLst>
+      <p:ext uri="{BB962C8B-B14F-4D97-AF65-F5344CB8AC3E}">
+        <p14:creationId xmlns:p14="http://schemas.microsoft.com/office/powerpoint/2010/main" val="1596601773"/>
+      </p:ext>
+    </p:extLst>
   </p:cSld>
   <p:clrMapOvr>
     <a:masterClrMapping/>
@@ -2964,7 +4164,13 @@
       </p:grpSpPr>
       <p:sp>
         <p:nvSpPr>
-          <p:cNvPr id="2" name="Title 1"/>
+          <p:cNvPr id="2" name="Title 1">
+            <a:extLst>
+              <a:ext uri="{FF2B5EF4-FFF2-40B4-BE49-F238E27FC236}">
+                <a16:creationId xmlns:a16="http://schemas.microsoft.com/office/drawing/2014/main" id="{1DE48785-840A-474A-B8BA-27207C013959}"/>
+              </a:ext>
+            </a:extLst>
+          </p:cNvPr>
           <p:cNvSpPr>
             <a:spLocks noGrp="1"/>
           </p:cNvSpPr>
@@ -2978,16 +4184,21 @@
           <a:lstStyle/>
           <a:p>
             <a:r>
-              <a:rPr lang="en-US" smtClean="0"/>
+              <a:rPr lang="en-US"/>
               <a:t>Click to edit Master title style</a:t>
             </a:r>
-            <a:endParaRPr lang="en-US"/>
           </a:p>
         </p:txBody>
       </p:sp>
       <p:sp>
         <p:nvSpPr>
-          <p:cNvPr id="3" name="Content Placeholder 2"/>
+          <p:cNvPr id="3" name="Content Placeholder 2">
+            <a:extLst>
+              <a:ext uri="{FF2B5EF4-FFF2-40B4-BE49-F238E27FC236}">
+                <a16:creationId xmlns:a16="http://schemas.microsoft.com/office/drawing/2014/main" id="{CE3C8B25-A9AD-F143-AD1A-17A95F44E09D}"/>
+              </a:ext>
+            </a:extLst>
+          </p:cNvPr>
           <p:cNvSpPr>
             <a:spLocks noGrp="1"/>
           </p:cNvSpPr>
@@ -2997,82 +4208,59 @@
         </p:nvSpPr>
         <p:spPr>
           <a:xfrm>
-            <a:off x="685800" y="1981200"/>
-            <a:ext cx="3810000" cy="4114800"/>
+            <a:off x="628650" y="1369219"/>
+            <a:ext cx="3886200" cy="3263504"/>
           </a:xfrm>
         </p:spPr>
         <p:txBody>
           <a:bodyPr/>
-          <a:lstStyle>
-            <a:lvl1pPr>
-              <a:defRPr sz="2800"/>
-            </a:lvl1pPr>
-            <a:lvl2pPr>
-              <a:defRPr sz="2400"/>
-            </a:lvl2pPr>
-            <a:lvl3pPr>
-              <a:defRPr sz="2000"/>
-            </a:lvl3pPr>
-            <a:lvl4pPr>
-              <a:defRPr sz="1800"/>
-            </a:lvl4pPr>
-            <a:lvl5pPr>
-              <a:defRPr sz="1800"/>
-            </a:lvl5pPr>
-            <a:lvl6pPr>
-              <a:defRPr sz="1800"/>
-            </a:lvl6pPr>
-            <a:lvl7pPr>
-              <a:defRPr sz="1800"/>
-            </a:lvl7pPr>
-            <a:lvl8pPr>
-              <a:defRPr sz="1800"/>
-            </a:lvl8pPr>
-            <a:lvl9pPr>
-              <a:defRPr sz="1800"/>
-            </a:lvl9pPr>
-          </a:lstStyle>
+          <a:lstStyle/>
           <a:p>
             <a:pPr lvl="0"/>
             <a:r>
-              <a:rPr lang="en-US" smtClean="0"/>
+              <a:rPr lang="en-US"/>
               <a:t>Click to edit Master text styles</a:t>
             </a:r>
           </a:p>
           <a:p>
             <a:pPr lvl="1"/>
             <a:r>
-              <a:rPr lang="en-US" smtClean="0"/>
+              <a:rPr lang="en-US"/>
               <a:t>Second level</a:t>
             </a:r>
           </a:p>
           <a:p>
             <a:pPr lvl="2"/>
             <a:r>
-              <a:rPr lang="en-US" smtClean="0"/>
+              <a:rPr lang="en-US"/>
               <a:t>Third level</a:t>
             </a:r>
           </a:p>
           <a:p>
             <a:pPr lvl="3"/>
             <a:r>
-              <a:rPr lang="en-US" smtClean="0"/>
+              <a:rPr lang="en-US"/>
               <a:t>Fourth level</a:t>
             </a:r>
           </a:p>
           <a:p>
             <a:pPr lvl="4"/>
             <a:r>
-              <a:rPr lang="en-US" smtClean="0"/>
+              <a:rPr lang="en-US"/>
               <a:t>Fifth level</a:t>
             </a:r>
-            <a:endParaRPr lang="en-US"/>
           </a:p>
         </p:txBody>
       </p:sp>
       <p:sp>
         <p:nvSpPr>
-          <p:cNvPr id="4" name="Content Placeholder 3"/>
+          <p:cNvPr id="4" name="Content Placeholder 3">
+            <a:extLst>
+              <a:ext uri="{FF2B5EF4-FFF2-40B4-BE49-F238E27FC236}">
+                <a16:creationId xmlns:a16="http://schemas.microsoft.com/office/drawing/2014/main" id="{174209DA-22E0-B146-A689-48B1E9D38312}"/>
+              </a:ext>
+            </a:extLst>
+          </p:cNvPr>
           <p:cNvSpPr>
             <a:spLocks noGrp="1"/>
           </p:cNvSpPr>
@@ -3082,82 +4270,59 @@
         </p:nvSpPr>
         <p:spPr>
           <a:xfrm>
-            <a:off x="4648200" y="1981200"/>
-            <a:ext cx="3810000" cy="4114800"/>
+            <a:off x="4629150" y="1369219"/>
+            <a:ext cx="3886200" cy="3263504"/>
           </a:xfrm>
         </p:spPr>
         <p:txBody>
           <a:bodyPr/>
-          <a:lstStyle>
-            <a:lvl1pPr>
-              <a:defRPr sz="2800"/>
-            </a:lvl1pPr>
-            <a:lvl2pPr>
-              <a:defRPr sz="2400"/>
-            </a:lvl2pPr>
-            <a:lvl3pPr>
-              <a:defRPr sz="2000"/>
-            </a:lvl3pPr>
-            <a:lvl4pPr>
-              <a:defRPr sz="1800"/>
-            </a:lvl4pPr>
-            <a:lvl5pPr>
-              <a:defRPr sz="1800"/>
-            </a:lvl5pPr>
-            <a:lvl6pPr>
-              <a:defRPr sz="1800"/>
-            </a:lvl6pPr>
-            <a:lvl7pPr>
-              <a:defRPr sz="1800"/>
-            </a:lvl7pPr>
-            <a:lvl8pPr>
-              <a:defRPr sz="1800"/>
-            </a:lvl8pPr>
-            <a:lvl9pPr>
-              <a:defRPr sz="1800"/>
-            </a:lvl9pPr>
-          </a:lstStyle>
+          <a:lstStyle/>
           <a:p>
             <a:pPr lvl="0"/>
             <a:r>
-              <a:rPr lang="en-US" smtClean="0"/>
+              <a:rPr lang="en-US"/>
               <a:t>Click to edit Master text styles</a:t>
             </a:r>
           </a:p>
           <a:p>
             <a:pPr lvl="1"/>
             <a:r>
-              <a:rPr lang="en-US" smtClean="0"/>
+              <a:rPr lang="en-US"/>
               <a:t>Second level</a:t>
             </a:r>
           </a:p>
           <a:p>
             <a:pPr lvl="2"/>
             <a:r>
-              <a:rPr lang="en-US" smtClean="0"/>
+              <a:rPr lang="en-US"/>
               <a:t>Third level</a:t>
             </a:r>
           </a:p>
           <a:p>
             <a:pPr lvl="3"/>
             <a:r>
-              <a:rPr lang="en-US" smtClean="0"/>
+              <a:rPr lang="en-US"/>
               <a:t>Fourth level</a:t>
             </a:r>
           </a:p>
           <a:p>
             <a:pPr lvl="4"/>
             <a:r>
-              <a:rPr lang="en-US" smtClean="0"/>
+              <a:rPr lang="en-US"/>
               <a:t>Fifth level</a:t>
             </a:r>
-            <a:endParaRPr lang="en-US"/>
           </a:p>
         </p:txBody>
       </p:sp>
       <p:sp>
         <p:nvSpPr>
-          <p:cNvPr id="5" name="Date Placeholder 4"/>
+          <p:cNvPr id="5" name="Date Placeholder 4">
+            <a:extLst>
+              <a:ext uri="{FF2B5EF4-FFF2-40B4-BE49-F238E27FC236}">
+                <a16:creationId xmlns:a16="http://schemas.microsoft.com/office/drawing/2014/main" id="{52A82A87-E151-8641-8C5C-327C5209D63B}"/>
+              </a:ext>
+            </a:extLst>
+          </p:cNvPr>
           <p:cNvSpPr>
             <a:spLocks noGrp="1"/>
           </p:cNvSpPr>
@@ -3168,16 +4333,11 @@
         <p:spPr/>
         <p:txBody>
           <a:bodyPr/>
-          <a:lstStyle>
-            <a:lvl1pPr>
-              <a:defRPr smtClean="0"/>
-            </a:lvl1pPr>
-          </a:lstStyle>
-          <a:p>
-            <a:fld id="{EED31557-0663-4C4F-93C2-602683C5EFDD}" type="datetime1">
-              <a:rPr lang="en-US"/>
-              <a:pPr/>
-              <a:t>16-06-14</a:t>
+          <a:lstStyle/>
+          <a:p>
+            <a:fld id="{8D754B4B-7078-304B-B6B3-1076ED77DF84}" type="datetime1">
+              <a:rPr lang="en-CA" smtClean="0"/>
+              <a:t>2020-09-17</a:t>
             </a:fld>
             <a:endParaRPr lang="en-US"/>
           </a:p>
@@ -3185,7 +4345,13 @@
       </p:sp>
       <p:sp>
         <p:nvSpPr>
-          <p:cNvPr id="6" name="Footer Placeholder 5"/>
+          <p:cNvPr id="6" name="Footer Placeholder 5">
+            <a:extLst>
+              <a:ext uri="{FF2B5EF4-FFF2-40B4-BE49-F238E27FC236}">
+                <a16:creationId xmlns:a16="http://schemas.microsoft.com/office/drawing/2014/main" id="{54432E4D-CFE1-864C-892F-C0510CC3CFA4}"/>
+              </a:ext>
+            </a:extLst>
+          </p:cNvPr>
           <p:cNvSpPr>
             <a:spLocks noGrp="1"/>
           </p:cNvSpPr>
@@ -3196,11 +4362,7 @@
         <p:spPr/>
         <p:txBody>
           <a:bodyPr/>
-          <a:lstStyle>
-            <a:lvl1pPr>
-              <a:defRPr/>
-            </a:lvl1pPr>
-          </a:lstStyle>
+          <a:lstStyle/>
           <a:p>
             <a:endParaRPr lang="en-US"/>
           </a:p>
@@ -3208,7 +4370,13 @@
       </p:sp>
       <p:sp>
         <p:nvSpPr>
-          <p:cNvPr id="7" name="Slide Number Placeholder 6"/>
+          <p:cNvPr id="7" name="Slide Number Placeholder 6">
+            <a:extLst>
+              <a:ext uri="{FF2B5EF4-FFF2-40B4-BE49-F238E27FC236}">
+                <a16:creationId xmlns:a16="http://schemas.microsoft.com/office/drawing/2014/main" id="{BE737C13-4A25-3440-9E41-0DB773459711}"/>
+              </a:ext>
+            </a:extLst>
+          </p:cNvPr>
           <p:cNvSpPr>
             <a:spLocks noGrp="1"/>
           </p:cNvSpPr>
@@ -3219,15 +4387,10 @@
         <p:spPr/>
         <p:txBody>
           <a:bodyPr/>
-          <a:lstStyle>
-            <a:lvl1pPr>
-              <a:defRPr smtClean="0"/>
-            </a:lvl1pPr>
-          </a:lstStyle>
-          <a:p>
-            <a:fld id="{9F3028CA-2804-8248-8CF8-AEBC6818B103}" type="slidenum">
-              <a:rPr lang="en-US"/>
-              <a:pPr/>
+          <a:lstStyle/>
+          <a:p>
+            <a:fld id="{7B252BF6-6A9C-D04A-BBE8-37A07D64A1C3}" type="slidenum">
+              <a:rPr lang="en-US" smtClean="0"/>
               <a:t>‹#›</a:t>
             </a:fld>
             <a:endParaRPr lang="en-US"/>
@@ -3235,6 +4398,11 @@
         </p:txBody>
       </p:sp>
     </p:spTree>
+    <p:extLst>
+      <p:ext uri="{BB962C8B-B14F-4D97-AF65-F5344CB8AC3E}">
+        <p14:creationId xmlns:p14="http://schemas.microsoft.com/office/powerpoint/2010/main" val="1463272149"/>
+      </p:ext>
+    </p:extLst>
   </p:cSld>
   <p:clrMapOvr>
     <a:masterClrMapping/>
@@ -3261,7 +4429,13 @@
       </p:grpSpPr>
       <p:sp>
         <p:nvSpPr>
-          <p:cNvPr id="2" name="Title 1"/>
+          <p:cNvPr id="2" name="Title 1">
+            <a:extLst>
+              <a:ext uri="{FF2B5EF4-FFF2-40B4-BE49-F238E27FC236}">
+                <a16:creationId xmlns:a16="http://schemas.microsoft.com/office/drawing/2014/main" id="{135B1DBC-EEEB-1C44-A4C7-02D9BB9CB01B}"/>
+              </a:ext>
+            </a:extLst>
+          </p:cNvPr>
           <p:cNvSpPr>
             <a:spLocks noGrp="1"/>
           </p:cNvSpPr>
@@ -3271,29 +4445,30 @@
         </p:nvSpPr>
         <p:spPr>
           <a:xfrm>
-            <a:off x="457200" y="274638"/>
-            <a:ext cx="8229600" cy="1143000"/>
+            <a:off x="629841" y="273844"/>
+            <a:ext cx="7886700" cy="994172"/>
           </a:xfrm>
         </p:spPr>
         <p:txBody>
           <a:bodyPr/>
-          <a:lstStyle>
-            <a:lvl1pPr>
-              <a:defRPr/>
-            </a:lvl1pPr>
-          </a:lstStyle>
-          <a:p>
-            <a:r>
-              <a:rPr lang="en-US" smtClean="0"/>
+          <a:lstStyle/>
+          <a:p>
+            <a:r>
+              <a:rPr lang="en-US"/>
               <a:t>Click to edit Master title style</a:t>
             </a:r>
-            <a:endParaRPr lang="en-US"/>
           </a:p>
         </p:txBody>
       </p:sp>
       <p:sp>
         <p:nvSpPr>
-          <p:cNvPr id="3" name="Text Placeholder 2"/>
+          <p:cNvPr id="3" name="Text Placeholder 2">
+            <a:extLst>
+              <a:ext uri="{FF2B5EF4-FFF2-40B4-BE49-F238E27FC236}">
+                <a16:creationId xmlns:a16="http://schemas.microsoft.com/office/drawing/2014/main" id="{695D77D7-D2B1-0841-9C20-538058B42963}"/>
+              </a:ext>
+            </a:extLst>
+          </p:cNvPr>
           <p:cNvSpPr>
             <a:spLocks noGrp="1"/>
           </p:cNvSpPr>
@@ -3303,8 +4478,8 @@
         </p:nvSpPr>
         <p:spPr>
           <a:xfrm>
-            <a:off x="457200" y="1535113"/>
-            <a:ext cx="4040188" cy="639762"/>
+            <a:off x="629842" y="1260872"/>
+            <a:ext cx="3868340" cy="617934"/>
           </a:xfrm>
         </p:spPr>
         <p:txBody>
@@ -3312,45 +4487,45 @@
           <a:lstStyle>
             <a:lvl1pPr marL="0" indent="0">
               <a:buNone/>
-              <a:defRPr sz="2400" b="1"/>
+              <a:defRPr sz="1800" b="1"/>
             </a:lvl1pPr>
-            <a:lvl2pPr marL="457200" indent="0">
+            <a:lvl2pPr marL="342900" indent="0">
               <a:buNone/>
-              <a:defRPr sz="2000" b="1"/>
+              <a:defRPr sz="1500" b="1"/>
             </a:lvl2pPr>
-            <a:lvl3pPr marL="914400" indent="0">
+            <a:lvl3pPr marL="685800" indent="0">
               <a:buNone/>
-              <a:defRPr sz="1800" b="1"/>
+              <a:defRPr sz="1350" b="1"/>
             </a:lvl3pPr>
-            <a:lvl4pPr marL="1371600" indent="0">
+            <a:lvl4pPr marL="1028700" indent="0">
               <a:buNone/>
-              <a:defRPr sz="1600" b="1"/>
+              <a:defRPr sz="1200" b="1"/>
             </a:lvl4pPr>
-            <a:lvl5pPr marL="1828800" indent="0">
+            <a:lvl5pPr marL="1371600" indent="0">
               <a:buNone/>
-              <a:defRPr sz="1600" b="1"/>
+              <a:defRPr sz="1200" b="1"/>
             </a:lvl5pPr>
-            <a:lvl6pPr marL="2286000" indent="0">
+            <a:lvl6pPr marL="1714500" indent="0">
               <a:buNone/>
-              <a:defRPr sz="1600" b="1"/>
+              <a:defRPr sz="1200" b="1"/>
             </a:lvl6pPr>
-            <a:lvl7pPr marL="2743200" indent="0">
+            <a:lvl7pPr marL="2057400" indent="0">
               <a:buNone/>
-              <a:defRPr sz="1600" b="1"/>
+              <a:defRPr sz="1200" b="1"/>
             </a:lvl7pPr>
-            <a:lvl8pPr marL="3200400" indent="0">
+            <a:lvl8pPr marL="2400300" indent="0">
               <a:buNone/>
-              <a:defRPr sz="1600" b="1"/>
+              <a:defRPr sz="1200" b="1"/>
             </a:lvl8pPr>
-            <a:lvl9pPr marL="3657600" indent="0">
+            <a:lvl9pPr marL="2743200" indent="0">
               <a:buNone/>
-              <a:defRPr sz="1600" b="1"/>
+              <a:defRPr sz="1200" b="1"/>
             </a:lvl9pPr>
           </a:lstStyle>
           <a:p>
             <a:pPr lvl="0"/>
             <a:r>
-              <a:rPr lang="en-US" smtClean="0"/>
+              <a:rPr lang="en-US"/>
               <a:t>Click to edit Master text styles</a:t>
             </a:r>
           </a:p>
@@ -3358,7 +4533,13 @@
       </p:sp>
       <p:sp>
         <p:nvSpPr>
-          <p:cNvPr id="4" name="Content Placeholder 3"/>
+          <p:cNvPr id="4" name="Content Placeholder 3">
+            <a:extLst>
+              <a:ext uri="{FF2B5EF4-FFF2-40B4-BE49-F238E27FC236}">
+                <a16:creationId xmlns:a16="http://schemas.microsoft.com/office/drawing/2014/main" id="{A60D616F-C61F-5B43-8094-DFDD05AE6B47}"/>
+              </a:ext>
+            </a:extLst>
+          </p:cNvPr>
           <p:cNvSpPr>
             <a:spLocks noGrp="1"/>
           </p:cNvSpPr>
@@ -3368,82 +4549,59 @@
         </p:nvSpPr>
         <p:spPr>
           <a:xfrm>
-            <a:off x="457200" y="2174875"/>
-            <a:ext cx="4040188" cy="3951288"/>
+            <a:off x="629842" y="1878806"/>
+            <a:ext cx="3868340" cy="2763441"/>
           </a:xfrm>
         </p:spPr>
         <p:txBody>
           <a:bodyPr/>
-          <a:lstStyle>
-            <a:lvl1pPr>
-              <a:defRPr sz="2400"/>
-            </a:lvl1pPr>
-            <a:lvl2pPr>
-              <a:defRPr sz="2000"/>
-            </a:lvl2pPr>
-            <a:lvl3pPr>
-              <a:defRPr sz="1800"/>
-            </a:lvl3pPr>
-            <a:lvl4pPr>
-              <a:defRPr sz="1600"/>
-            </a:lvl4pPr>
-            <a:lvl5pPr>
-              <a:defRPr sz="1600"/>
-            </a:lvl5pPr>
-            <a:lvl6pPr>
-              <a:defRPr sz="1600"/>
-            </a:lvl6pPr>
-            <a:lvl7pPr>
-              <a:defRPr sz="1600"/>
-            </a:lvl7pPr>
-            <a:lvl8pPr>
-              <a:defRPr sz="1600"/>
-            </a:lvl8pPr>
-            <a:lvl9pPr>
-              <a:defRPr sz="1600"/>
-            </a:lvl9pPr>
-          </a:lstStyle>
+          <a:lstStyle/>
           <a:p>
             <a:pPr lvl="0"/>
             <a:r>
-              <a:rPr lang="en-US" smtClean="0"/>
+              <a:rPr lang="en-US"/>
               <a:t>Click to edit Master text styles</a:t>
             </a:r>
           </a:p>
           <a:p>
             <a:pPr lvl="1"/>
             <a:r>
-              <a:rPr lang="en-US" smtClean="0"/>
+              <a:rPr lang="en-US"/>
               <a:t>Second level</a:t>
             </a:r>
           </a:p>
           <a:p>
             <a:pPr lvl="2"/>
             <a:r>
-              <a:rPr lang="en-US" smtClean="0"/>
+              <a:rPr lang="en-US"/>
               <a:t>Third level</a:t>
             </a:r>
           </a:p>
           <a:p>
             <a:pPr lvl="3"/>
             <a:r>
-              <a:rPr lang="en-US" smtClean="0"/>
+              <a:rPr lang="en-US"/>
               <a:t>Fourth level</a:t>
             </a:r>
           </a:p>
           <a:p>
             <a:pPr lvl="4"/>
             <a:r>
-              <a:rPr lang="en-US" smtClean="0"/>
+              <a:rPr lang="en-US"/>
               <a:t>Fifth level</a:t>
             </a:r>
-            <a:endParaRPr lang="en-US"/>
           </a:p>
         </p:txBody>
       </p:sp>
       <p:sp>
         <p:nvSpPr>
-          <p:cNvPr id="5" name="Text Placeholder 4"/>
+          <p:cNvPr id="5" name="Text Placeholder 4">
+            <a:extLst>
+              <a:ext uri="{FF2B5EF4-FFF2-40B4-BE49-F238E27FC236}">
+                <a16:creationId xmlns:a16="http://schemas.microsoft.com/office/drawing/2014/main" id="{DCAAF8CD-147D-0A4A-BE13-69AAC57DB7FC}"/>
+              </a:ext>
+            </a:extLst>
+          </p:cNvPr>
           <p:cNvSpPr>
             <a:spLocks noGrp="1"/>
           </p:cNvSpPr>
@@ -3453,8 +4611,8 @@
         </p:nvSpPr>
         <p:spPr>
           <a:xfrm>
-            <a:off x="4645025" y="1535113"/>
-            <a:ext cx="4041775" cy="639762"/>
+            <a:off x="4629150" y="1260872"/>
+            <a:ext cx="3887391" cy="617934"/>
           </a:xfrm>
         </p:spPr>
         <p:txBody>
@@ -3462,45 +4620,45 @@
           <a:lstStyle>
             <a:lvl1pPr marL="0" indent="0">
               <a:buNone/>
-              <a:defRPr sz="2400" b="1"/>
+              <a:defRPr sz="1800" b="1"/>
             </a:lvl1pPr>
-            <a:lvl2pPr marL="457200" indent="0">
+            <a:lvl2pPr marL="342900" indent="0">
               <a:buNone/>
-              <a:defRPr sz="2000" b="1"/>
+              <a:defRPr sz="1500" b="1"/>
             </a:lvl2pPr>
-            <a:lvl3pPr marL="914400" indent="0">
+            <a:lvl3pPr marL="685800" indent="0">
               <a:buNone/>
-              <a:defRPr sz="1800" b="1"/>
+              <a:defRPr sz="1350" b="1"/>
             </a:lvl3pPr>
-            <a:lvl4pPr marL="1371600" indent="0">
+            <a:lvl4pPr marL="1028700" indent="0">
               <a:buNone/>
-              <a:defRPr sz="1600" b="1"/>
+              <a:defRPr sz="1200" b="1"/>
             </a:lvl4pPr>
-            <a:lvl5pPr marL="1828800" indent="0">
+            <a:lvl5pPr marL="1371600" indent="0">
               <a:buNone/>
-              <a:defRPr sz="1600" b="1"/>
+              <a:defRPr sz="1200" b="1"/>
             </a:lvl5pPr>
-            <a:lvl6pPr marL="2286000" indent="0">
+            <a:lvl6pPr marL="1714500" indent="0">
               <a:buNone/>
-              <a:defRPr sz="1600" b="1"/>
+              <a:defRPr sz="1200" b="1"/>
             </a:lvl6pPr>
-            <a:lvl7pPr marL="2743200" indent="0">
+            <a:lvl7pPr marL="2057400" indent="0">
               <a:buNone/>
-              <a:defRPr sz="1600" b="1"/>
+              <a:defRPr sz="1200" b="1"/>
             </a:lvl7pPr>
-            <a:lvl8pPr marL="3200400" indent="0">
+            <a:lvl8pPr marL="2400300" indent="0">
               <a:buNone/>
-              <a:defRPr sz="1600" b="1"/>
+              <a:defRPr sz="1200" b="1"/>
             </a:lvl8pPr>
-            <a:lvl9pPr marL="3657600" indent="0">
+            <a:lvl9pPr marL="2743200" indent="0">
               <a:buNone/>
-              <a:defRPr sz="1600" b="1"/>
+              <a:defRPr sz="1200" b="1"/>
             </a:lvl9pPr>
           </a:lstStyle>
           <a:p>
             <a:pPr lvl="0"/>
             <a:r>
-              <a:rPr lang="en-US" smtClean="0"/>
+              <a:rPr lang="en-US"/>
               <a:t>Click to edit Master text styles</a:t>
             </a:r>
           </a:p>
@@ -3508,7 +4666,13 @@
       </p:sp>
       <p:sp>
         <p:nvSpPr>
-          <p:cNvPr id="6" name="Content Placeholder 5"/>
+          <p:cNvPr id="6" name="Content Placeholder 5">
+            <a:extLst>
+              <a:ext uri="{FF2B5EF4-FFF2-40B4-BE49-F238E27FC236}">
+                <a16:creationId xmlns:a16="http://schemas.microsoft.com/office/drawing/2014/main" id="{22EBD089-7443-DF4A-B93B-FC32F414CA76}"/>
+              </a:ext>
+            </a:extLst>
+          </p:cNvPr>
           <p:cNvSpPr>
             <a:spLocks noGrp="1"/>
           </p:cNvSpPr>
@@ -3518,82 +4682,59 @@
         </p:nvSpPr>
         <p:spPr>
           <a:xfrm>
-            <a:off x="4645025" y="2174875"/>
-            <a:ext cx="4041775" cy="3951288"/>
+            <a:off x="4629150" y="1878806"/>
+            <a:ext cx="3887391" cy="2763441"/>
           </a:xfrm>
         </p:spPr>
         <p:txBody>
           <a:bodyPr/>
-          <a:lstStyle>
-            <a:lvl1pPr>
-              <a:defRPr sz="2400"/>
-            </a:lvl1pPr>
-            <a:lvl2pPr>
-              <a:defRPr sz="2000"/>
-            </a:lvl2pPr>
-            <a:lvl3pPr>
-              <a:defRPr sz="1800"/>
-            </a:lvl3pPr>
-            <a:lvl4pPr>
-              <a:defRPr sz="1600"/>
-            </a:lvl4pPr>
-            <a:lvl5pPr>
-              <a:defRPr sz="1600"/>
-            </a:lvl5pPr>
-            <a:lvl6pPr>
-              <a:defRPr sz="1600"/>
-            </a:lvl6pPr>
-            <a:lvl7pPr>
-              <a:defRPr sz="1600"/>
-            </a:lvl7pPr>
-            <a:lvl8pPr>
-              <a:defRPr sz="1600"/>
-            </a:lvl8pPr>
-            <a:lvl9pPr>
-              <a:defRPr sz="1600"/>
-            </a:lvl9pPr>
-          </a:lstStyle>
+          <a:lstStyle/>
           <a:p>
             <a:pPr lvl="0"/>
             <a:r>
-              <a:rPr lang="en-US" smtClean="0"/>
+              <a:rPr lang="en-US"/>
               <a:t>Click to edit Master text styles</a:t>
             </a:r>
           </a:p>
           <a:p>
             <a:pPr lvl="1"/>
             <a:r>
-              <a:rPr lang="en-US" smtClean="0"/>
+              <a:rPr lang="en-US"/>
               <a:t>Second level</a:t>
             </a:r>
           </a:p>
           <a:p>
             <a:pPr lvl="2"/>
             <a:r>
-              <a:rPr lang="en-US" smtClean="0"/>
+              <a:rPr lang="en-US"/>
               <a:t>Third level</a:t>
             </a:r>
           </a:p>
           <a:p>
             <a:pPr lvl="3"/>
             <a:r>
-              <a:rPr lang="en-US" smtClean="0"/>
+              <a:rPr lang="en-US"/>
               <a:t>Fourth level</a:t>
             </a:r>
           </a:p>
           <a:p>
             <a:pPr lvl="4"/>
             <a:r>
-              <a:rPr lang="en-US" smtClean="0"/>
+              <a:rPr lang="en-US"/>
               <a:t>Fifth level</a:t>
             </a:r>
-            <a:endParaRPr lang="en-US"/>
           </a:p>
         </p:txBody>
       </p:sp>
       <p:sp>
         <p:nvSpPr>
-          <p:cNvPr id="7" name="Date Placeholder 6"/>
+          <p:cNvPr id="7" name="Date Placeholder 6">
+            <a:extLst>
+              <a:ext uri="{FF2B5EF4-FFF2-40B4-BE49-F238E27FC236}">
+                <a16:creationId xmlns:a16="http://schemas.microsoft.com/office/drawing/2014/main" id="{D4C8830C-AD3A-A446-BF5B-7A77BA98B6EC}"/>
+              </a:ext>
+            </a:extLst>
+          </p:cNvPr>
           <p:cNvSpPr>
             <a:spLocks noGrp="1"/>
           </p:cNvSpPr>
@@ -3604,16 +4745,11 @@
         <p:spPr/>
         <p:txBody>
           <a:bodyPr/>
-          <a:lstStyle>
-            <a:lvl1pPr>
-              <a:defRPr smtClean="0"/>
-            </a:lvl1pPr>
-          </a:lstStyle>
-          <a:p>
-            <a:fld id="{685B0628-14D4-6A45-8A9F-D74C0423DABA}" type="datetime1">
-              <a:rPr lang="en-US"/>
-              <a:pPr/>
-              <a:t>16-06-14</a:t>
+          <a:lstStyle/>
+          <a:p>
+            <a:fld id="{07A1679B-08F1-614F-8F8C-B9F475DDC652}" type="datetime1">
+              <a:rPr lang="en-CA" smtClean="0"/>
+              <a:t>2020-09-17</a:t>
             </a:fld>
             <a:endParaRPr lang="en-US"/>
           </a:p>
@@ -3621,7 +4757,13 @@
       </p:sp>
       <p:sp>
         <p:nvSpPr>
-          <p:cNvPr id="8" name="Footer Placeholder 7"/>
+          <p:cNvPr id="8" name="Footer Placeholder 7">
+            <a:extLst>
+              <a:ext uri="{FF2B5EF4-FFF2-40B4-BE49-F238E27FC236}">
+                <a16:creationId xmlns:a16="http://schemas.microsoft.com/office/drawing/2014/main" id="{DEAAD4C6-8A32-E04D-85DA-373916480462}"/>
+              </a:ext>
+            </a:extLst>
+          </p:cNvPr>
           <p:cNvSpPr>
             <a:spLocks noGrp="1"/>
           </p:cNvSpPr>
@@ -3632,11 +4774,7 @@
         <p:spPr/>
         <p:txBody>
           <a:bodyPr/>
-          <a:lstStyle>
-            <a:lvl1pPr>
-              <a:defRPr/>
-            </a:lvl1pPr>
-          </a:lstStyle>
+          <a:lstStyle/>
           <a:p>
             <a:endParaRPr lang="en-US"/>
           </a:p>
@@ -3644,7 +4782,13 @@
       </p:sp>
       <p:sp>
         <p:nvSpPr>
-          <p:cNvPr id="9" name="Slide Number Placeholder 8"/>
+          <p:cNvPr id="9" name="Slide Number Placeholder 8">
+            <a:extLst>
+              <a:ext uri="{FF2B5EF4-FFF2-40B4-BE49-F238E27FC236}">
+                <a16:creationId xmlns:a16="http://schemas.microsoft.com/office/drawing/2014/main" id="{FF150648-37B9-F641-A809-40BEBE4CD124}"/>
+              </a:ext>
+            </a:extLst>
+          </p:cNvPr>
           <p:cNvSpPr>
             <a:spLocks noGrp="1"/>
           </p:cNvSpPr>
@@ -3655,15 +4799,10 @@
         <p:spPr/>
         <p:txBody>
           <a:bodyPr/>
-          <a:lstStyle>
-            <a:lvl1pPr>
-              <a:defRPr smtClean="0"/>
-            </a:lvl1pPr>
-          </a:lstStyle>
-          <a:p>
-            <a:fld id="{7FF846DC-5614-824A-91EA-D07A2B361501}" type="slidenum">
-              <a:rPr lang="en-US"/>
-              <a:pPr/>
+          <a:lstStyle/>
+          <a:p>
+            <a:fld id="{7B252BF6-6A9C-D04A-BBE8-37A07D64A1C3}" type="slidenum">
+              <a:rPr lang="en-US" smtClean="0"/>
               <a:t>‹#›</a:t>
             </a:fld>
             <a:endParaRPr lang="en-US"/>
@@ -3671,6 +4810,11 @@
         </p:txBody>
       </p:sp>
     </p:spTree>
+    <p:extLst>
+      <p:ext uri="{BB962C8B-B14F-4D97-AF65-F5344CB8AC3E}">
+        <p14:creationId xmlns:p14="http://schemas.microsoft.com/office/powerpoint/2010/main" val="520094156"/>
+      </p:ext>
+    </p:extLst>
   </p:cSld>
   <p:clrMapOvr>
     <a:masterClrMapping/>
@@ -3697,7 +4841,13 @@
       </p:grpSpPr>
       <p:sp>
         <p:nvSpPr>
-          <p:cNvPr id="2" name="Title 1"/>
+          <p:cNvPr id="2" name="Title 1">
+            <a:extLst>
+              <a:ext uri="{FF2B5EF4-FFF2-40B4-BE49-F238E27FC236}">
+                <a16:creationId xmlns:a16="http://schemas.microsoft.com/office/drawing/2014/main" id="{3302026B-B6A3-EF4D-842B-9C96C95EBC43}"/>
+              </a:ext>
+            </a:extLst>
+          </p:cNvPr>
           <p:cNvSpPr>
             <a:spLocks noGrp="1"/>
           </p:cNvSpPr>
@@ -3711,16 +4861,21 @@
           <a:lstStyle/>
           <a:p>
             <a:r>
-              <a:rPr lang="en-US" smtClean="0"/>
+              <a:rPr lang="en-US"/>
               <a:t>Click to edit Master title style</a:t>
             </a:r>
-            <a:endParaRPr lang="en-US"/>
           </a:p>
         </p:txBody>
       </p:sp>
       <p:sp>
         <p:nvSpPr>
-          <p:cNvPr id="3" name="Date Placeholder 2"/>
+          <p:cNvPr id="3" name="Date Placeholder 2">
+            <a:extLst>
+              <a:ext uri="{FF2B5EF4-FFF2-40B4-BE49-F238E27FC236}">
+                <a16:creationId xmlns:a16="http://schemas.microsoft.com/office/drawing/2014/main" id="{A9B243C6-3123-ED41-BC4A-2F8A58F1AD28}"/>
+              </a:ext>
+            </a:extLst>
+          </p:cNvPr>
           <p:cNvSpPr>
             <a:spLocks noGrp="1"/>
           </p:cNvSpPr>
@@ -3731,16 +4886,11 @@
         <p:spPr/>
         <p:txBody>
           <a:bodyPr/>
-          <a:lstStyle>
-            <a:lvl1pPr>
-              <a:defRPr smtClean="0"/>
-            </a:lvl1pPr>
-          </a:lstStyle>
-          <a:p>
-            <a:fld id="{861F69CC-5876-214A-94D1-E2F7EDDDCEE1}" type="datetime1">
-              <a:rPr lang="en-US"/>
-              <a:pPr/>
-              <a:t>16-06-14</a:t>
+          <a:lstStyle/>
+          <a:p>
+            <a:fld id="{05FDA25B-9B77-E845-8DAF-E7967F755354}" type="datetime1">
+              <a:rPr lang="en-CA" smtClean="0"/>
+              <a:t>2020-09-17</a:t>
             </a:fld>
             <a:endParaRPr lang="en-US"/>
           </a:p>
@@ -3748,7 +4898,13 @@
       </p:sp>
       <p:sp>
         <p:nvSpPr>
-          <p:cNvPr id="4" name="Footer Placeholder 3"/>
+          <p:cNvPr id="4" name="Footer Placeholder 3">
+            <a:extLst>
+              <a:ext uri="{FF2B5EF4-FFF2-40B4-BE49-F238E27FC236}">
+                <a16:creationId xmlns:a16="http://schemas.microsoft.com/office/drawing/2014/main" id="{688FF4D9-A959-C943-9751-31FDE7548C41}"/>
+              </a:ext>
+            </a:extLst>
+          </p:cNvPr>
           <p:cNvSpPr>
             <a:spLocks noGrp="1"/>
           </p:cNvSpPr>
@@ -3759,11 +4915,7 @@
         <p:spPr/>
         <p:txBody>
           <a:bodyPr/>
-          <a:lstStyle>
-            <a:lvl1pPr>
-              <a:defRPr/>
-            </a:lvl1pPr>
-          </a:lstStyle>
+          <a:lstStyle/>
           <a:p>
             <a:endParaRPr lang="en-US"/>
           </a:p>
@@ -3771,7 +4923,13 @@
       </p:sp>
       <p:sp>
         <p:nvSpPr>
-          <p:cNvPr id="5" name="Slide Number Placeholder 4"/>
+          <p:cNvPr id="5" name="Slide Number Placeholder 4">
+            <a:extLst>
+              <a:ext uri="{FF2B5EF4-FFF2-40B4-BE49-F238E27FC236}">
+                <a16:creationId xmlns:a16="http://schemas.microsoft.com/office/drawing/2014/main" id="{3908D117-E466-BD48-A108-6422DCF148CF}"/>
+              </a:ext>
+            </a:extLst>
+          </p:cNvPr>
           <p:cNvSpPr>
             <a:spLocks noGrp="1"/>
           </p:cNvSpPr>
@@ -3782,15 +4940,10 @@
         <p:spPr/>
         <p:txBody>
           <a:bodyPr/>
-          <a:lstStyle>
-            <a:lvl1pPr>
-              <a:defRPr smtClean="0"/>
-            </a:lvl1pPr>
-          </a:lstStyle>
-          <a:p>
-            <a:fld id="{C9BDC065-7827-A341-AD3F-BA162DB51C8B}" type="slidenum">
-              <a:rPr lang="en-US"/>
-              <a:pPr/>
+          <a:lstStyle/>
+          <a:p>
+            <a:fld id="{7B252BF6-6A9C-D04A-BBE8-37A07D64A1C3}" type="slidenum">
+              <a:rPr lang="en-US" smtClean="0"/>
               <a:t>‹#›</a:t>
             </a:fld>
             <a:endParaRPr lang="en-US"/>
@@ -3798,6 +4951,11 @@
         </p:txBody>
       </p:sp>
     </p:spTree>
+    <p:extLst>
+      <p:ext uri="{BB962C8B-B14F-4D97-AF65-F5344CB8AC3E}">
+        <p14:creationId xmlns:p14="http://schemas.microsoft.com/office/powerpoint/2010/main" val="3091301229"/>
+      </p:ext>
+    </p:extLst>
   </p:cSld>
   <p:clrMapOvr>
     <a:masterClrMapping/>
@@ -3824,7 +4982,13 @@
       </p:grpSpPr>
       <p:sp>
         <p:nvSpPr>
-          <p:cNvPr id="2" name="Date Placeholder 1"/>
+          <p:cNvPr id="2" name="Date Placeholder 1">
+            <a:extLst>
+              <a:ext uri="{FF2B5EF4-FFF2-40B4-BE49-F238E27FC236}">
+                <a16:creationId xmlns:a16="http://schemas.microsoft.com/office/drawing/2014/main" id="{161BBCE3-E514-D54F-B044-7DF10F00B6F0}"/>
+              </a:ext>
+            </a:extLst>
+          </p:cNvPr>
           <p:cNvSpPr>
             <a:spLocks noGrp="1"/>
           </p:cNvSpPr>
@@ -3835,16 +4999,11 @@
         <p:spPr/>
         <p:txBody>
           <a:bodyPr/>
-          <a:lstStyle>
-            <a:lvl1pPr>
-              <a:defRPr smtClean="0"/>
-            </a:lvl1pPr>
-          </a:lstStyle>
-          <a:p>
-            <a:fld id="{3955B703-03FB-174E-BFAC-55FF64EB9EB7}" type="datetime1">
-              <a:rPr lang="en-US"/>
-              <a:pPr/>
-              <a:t>16-06-14</a:t>
+          <a:lstStyle/>
+          <a:p>
+            <a:fld id="{BE1F8DDC-0DCB-644B-951B-B2ED14584CB6}" type="datetime1">
+              <a:rPr lang="en-CA" smtClean="0"/>
+              <a:t>2020-09-17</a:t>
             </a:fld>
             <a:endParaRPr lang="en-US"/>
           </a:p>
@@ -3852,7 +5011,13 @@
       </p:sp>
       <p:sp>
         <p:nvSpPr>
-          <p:cNvPr id="3" name="Footer Placeholder 2"/>
+          <p:cNvPr id="3" name="Footer Placeholder 2">
+            <a:extLst>
+              <a:ext uri="{FF2B5EF4-FFF2-40B4-BE49-F238E27FC236}">
+                <a16:creationId xmlns:a16="http://schemas.microsoft.com/office/drawing/2014/main" id="{FE219DF5-0E3C-2C40-BDE6-94E98A9F37A8}"/>
+              </a:ext>
+            </a:extLst>
+          </p:cNvPr>
           <p:cNvSpPr>
             <a:spLocks noGrp="1"/>
           </p:cNvSpPr>
@@ -3863,11 +5028,7 @@
         <p:spPr/>
         <p:txBody>
           <a:bodyPr/>
-          <a:lstStyle>
-            <a:lvl1pPr>
-              <a:defRPr/>
-            </a:lvl1pPr>
-          </a:lstStyle>
+          <a:lstStyle/>
           <a:p>
             <a:endParaRPr lang="en-US"/>
           </a:p>
@@ -3875,7 +5036,13 @@
       </p:sp>
       <p:sp>
         <p:nvSpPr>
-          <p:cNvPr id="4" name="Slide Number Placeholder 3"/>
+          <p:cNvPr id="4" name="Slide Number Placeholder 3">
+            <a:extLst>
+              <a:ext uri="{FF2B5EF4-FFF2-40B4-BE49-F238E27FC236}">
+                <a16:creationId xmlns:a16="http://schemas.microsoft.com/office/drawing/2014/main" id="{A275E4FB-2E36-024F-9776-AFED77F03E06}"/>
+              </a:ext>
+            </a:extLst>
+          </p:cNvPr>
           <p:cNvSpPr>
             <a:spLocks noGrp="1"/>
           </p:cNvSpPr>
@@ -3886,15 +5053,10 @@
         <p:spPr/>
         <p:txBody>
           <a:bodyPr/>
-          <a:lstStyle>
-            <a:lvl1pPr>
-              <a:defRPr smtClean="0"/>
-            </a:lvl1pPr>
-          </a:lstStyle>
-          <a:p>
-            <a:fld id="{29B8E3B9-CCCF-374E-ABDB-A6271EC3ACBF}" type="slidenum">
-              <a:rPr lang="en-US"/>
-              <a:pPr/>
+          <a:lstStyle/>
+          <a:p>
+            <a:fld id="{7B252BF6-6A9C-D04A-BBE8-37A07D64A1C3}" type="slidenum">
+              <a:rPr lang="en-US" smtClean="0"/>
               <a:t>‹#›</a:t>
             </a:fld>
             <a:endParaRPr lang="en-US"/>
@@ -3902,6 +5064,11 @@
         </p:txBody>
       </p:sp>
     </p:spTree>
+    <p:extLst>
+      <p:ext uri="{BB962C8B-B14F-4D97-AF65-F5344CB8AC3E}">
+        <p14:creationId xmlns:p14="http://schemas.microsoft.com/office/powerpoint/2010/main" val="2393044128"/>
+      </p:ext>
+    </p:extLst>
   </p:cSld>
   <p:clrMapOvr>
     <a:masterClrMapping/>
@@ -3928,7 +5095,13 @@
       </p:grpSpPr>
       <p:sp>
         <p:nvSpPr>
-          <p:cNvPr id="2" name="Title 1"/>
+          <p:cNvPr id="2" name="Title 1">
+            <a:extLst>
+              <a:ext uri="{FF2B5EF4-FFF2-40B4-BE49-F238E27FC236}">
+                <a16:creationId xmlns:a16="http://schemas.microsoft.com/office/drawing/2014/main" id="{EDB621DF-5A92-D94F-88C5-5DB1A968359D}"/>
+              </a:ext>
+            </a:extLst>
+          </p:cNvPr>
           <p:cNvSpPr>
             <a:spLocks noGrp="1"/>
           </p:cNvSpPr>
@@ -3938,29 +5111,34 @@
         </p:nvSpPr>
         <p:spPr>
           <a:xfrm>
-            <a:off x="457200" y="273050"/>
-            <a:ext cx="3008313" cy="1162050"/>
+            <a:off x="629841" y="342900"/>
+            <a:ext cx="2949178" cy="1200150"/>
           </a:xfrm>
         </p:spPr>
         <p:txBody>
           <a:bodyPr anchor="b"/>
           <a:lstStyle>
-            <a:lvl1pPr algn="l">
-              <a:defRPr sz="2000" b="1"/>
+            <a:lvl1pPr>
+              <a:defRPr sz="2400"/>
             </a:lvl1pPr>
           </a:lstStyle>
           <a:p>
             <a:r>
-              <a:rPr lang="en-US" smtClean="0"/>
+              <a:rPr lang="en-US"/>
               <a:t>Click to edit Master title style</a:t>
             </a:r>
-            <a:endParaRPr lang="en-US"/>
           </a:p>
         </p:txBody>
       </p:sp>
       <p:sp>
         <p:nvSpPr>
-          <p:cNvPr id="3" name="Content Placeholder 2"/>
+          <p:cNvPr id="3" name="Content Placeholder 2">
+            <a:extLst>
+              <a:ext uri="{FF2B5EF4-FFF2-40B4-BE49-F238E27FC236}">
+                <a16:creationId xmlns:a16="http://schemas.microsoft.com/office/drawing/2014/main" id="{9C5DA461-75EB-C94E-A41A-1280134B9015}"/>
+              </a:ext>
+            </a:extLst>
+          </p:cNvPr>
           <p:cNvSpPr>
             <a:spLocks noGrp="1"/>
           </p:cNvSpPr>
@@ -3970,82 +5148,87 @@
         </p:nvSpPr>
         <p:spPr>
           <a:xfrm>
-            <a:off x="3575050" y="273050"/>
-            <a:ext cx="5111750" cy="5853113"/>
+            <a:off x="3887391" y="740569"/>
+            <a:ext cx="4629150" cy="3655219"/>
           </a:xfrm>
         </p:spPr>
         <p:txBody>
           <a:bodyPr/>
           <a:lstStyle>
             <a:lvl1pPr>
-              <a:defRPr sz="3200"/>
+              <a:defRPr sz="2400"/>
             </a:lvl1pPr>
             <a:lvl2pPr>
-              <a:defRPr sz="2800"/>
+              <a:defRPr sz="2100"/>
             </a:lvl2pPr>
             <a:lvl3pPr>
-              <a:defRPr sz="2400"/>
+              <a:defRPr sz="1800"/>
             </a:lvl3pPr>
             <a:lvl4pPr>
-              <a:defRPr sz="2000"/>
+              <a:defRPr sz="1500"/>
             </a:lvl4pPr>
             <a:lvl5pPr>
-              <a:defRPr sz="2000"/>
+              <a:defRPr sz="1500"/>
             </a:lvl5pPr>
             <a:lvl6pPr>
-              <a:defRPr sz="2000"/>
+              <a:defRPr sz="1500"/>
             </a:lvl6pPr>
             <a:lvl7pPr>
-              <a:defRPr sz="2000"/>
+              <a:defRPr sz="1500"/>
             </a:lvl7pPr>
             <a:lvl8pPr>
-              <a:defRPr sz="2000"/>
+              <a:defRPr sz="1500"/>
             </a:lvl8pPr>
             <a:lvl9pPr>
-              <a:defRPr sz="2000"/>
+              <a:defRPr sz="1500"/>
             </a:lvl9pPr>
           </a:lstStyle>
           <a:p>
             <a:pPr lvl="0"/>
             <a:r>
-              <a:rPr lang="en-US" smtClean="0"/>
+              <a:rPr lang="en-US"/>
               <a:t>Click to edit Master text styles</a:t>
             </a:r>
           </a:p>
           <a:p>
             <a:pPr lvl="1"/>
             <a:r>
-              <a:rPr lang="en-US" smtClean="0"/>
+              <a:rPr lang="en-US"/>
               <a:t>Second level</a:t>
             </a:r>
           </a:p>
           <a:p>
             <a:pPr lvl="2"/>
             <a:r>
-              <a:rPr lang="en-US" smtClean="0"/>
+              <a:rPr lang="en-US"/>
               <a:t>Third level</a:t>
             </a:r>
           </a:p>
           <a:p>
             <a:pPr lvl="3"/>
             <a:r>
-              <a:rPr lang="en-US" smtClean="0"/>
+              <a:rPr lang="en-US"/>
               <a:t>Fourth level</a:t>
             </a:r>
           </a:p>
           <a:p>
             <a:pPr lvl="4"/>
             <a:r>
-              <a:rPr lang="en-US" smtClean="0"/>
+              <a:rPr lang="en-US"/>
               <a:t>Fifth level</a:t>
             </a:r>
-            <a:endParaRPr lang="en-US"/>
           </a:p>
         </p:txBody>
       </p:sp>
       <p:sp>
         <p:nvSpPr>
-          <p:cNvPr id="4" name="Text Placeholder 3"/>
+          <p:cNvPr id="4" name="Text Placeholder 3">
+            <a:extLst>
+              <a:ext uri="{FF2B5EF4-FFF2-40B4-BE49-F238E27FC236}">
+                <a16:creationId xmlns:a16="http://schemas.microsoft.com/office/drawing/2014/main" id="{1A1D39AE-0AA2-2B40-B6F4-B24A10D9AA54}"/>
+              </a:ext>
+            </a:extLst>
+          </p:cNvPr>
           <p:cNvSpPr>
             <a:spLocks noGrp="1"/>
           </p:cNvSpPr>
@@ -4055,8 +5238,8 @@
         </p:nvSpPr>
         <p:spPr>
           <a:xfrm>
-            <a:off x="457200" y="1435100"/>
-            <a:ext cx="3008313" cy="4691063"/>
+            <a:off x="629841" y="1543050"/>
+            <a:ext cx="2949178" cy="2858691"/>
           </a:xfrm>
         </p:spPr>
         <p:txBody>
@@ -4064,45 +5247,45 @@
           <a:lstStyle>
             <a:lvl1pPr marL="0" indent="0">
               <a:buNone/>
-              <a:defRPr sz="1400"/>
+              <a:defRPr sz="1200"/>
             </a:lvl1pPr>
-            <a:lvl2pPr marL="457200" indent="0">
+            <a:lvl2pPr marL="342900" indent="0">
               <a:buNone/>
-              <a:defRPr sz="1200"/>
+              <a:defRPr sz="1050"/>
             </a:lvl2pPr>
-            <a:lvl3pPr marL="914400" indent="0">
-              <a:buNone/>
-              <a:defRPr sz="1000"/>
-            </a:lvl3pPr>
-            <a:lvl4pPr marL="1371600" indent="0">
+            <a:lvl3pPr marL="685800" indent="0">
               <a:buNone/>
               <a:defRPr sz="900"/>
+            </a:lvl3pPr>
+            <a:lvl4pPr marL="1028700" indent="0">
+              <a:buNone/>
+              <a:defRPr sz="750"/>
             </a:lvl4pPr>
-            <a:lvl5pPr marL="1828800" indent="0">
+            <a:lvl5pPr marL="1371600" indent="0">
               <a:buNone/>
-              <a:defRPr sz="900"/>
+              <a:defRPr sz="750"/>
             </a:lvl5pPr>
-            <a:lvl6pPr marL="2286000" indent="0">
+            <a:lvl6pPr marL="1714500" indent="0">
               <a:buNone/>
-              <a:defRPr sz="900"/>
+              <a:defRPr sz="750"/>
             </a:lvl6pPr>
-            <a:lvl7pPr marL="2743200" indent="0">
+            <a:lvl7pPr marL="2057400" indent="0">
               <a:buNone/>
-              <a:defRPr sz="900"/>
+              <a:defRPr sz="750"/>
             </a:lvl7pPr>
-            <a:lvl8pPr marL="3200400" indent="0">
+            <a:lvl8pPr marL="2400300" indent="0">
               <a:buNone/>
-              <a:defRPr sz="900"/>
+              <a:defRPr sz="750"/>
             </a:lvl8pPr>
-            <a:lvl9pPr marL="3657600" indent="0">
+            <a:lvl9pPr marL="2743200" indent="0">
               <a:buNone/>
-              <a:defRPr sz="900"/>
+              <a:defRPr sz="750"/>
             </a:lvl9pPr>
           </a:lstStyle>
           <a:p>
             <a:pPr lvl="0"/>
             <a:r>
-              <a:rPr lang="en-US" smtClean="0"/>
+              <a:rPr lang="en-US"/>
               <a:t>Click to edit Master text styles</a:t>
             </a:r>
           </a:p>
@@ -4110,7 +5293,13 @@
       </p:sp>
       <p:sp>
         <p:nvSpPr>
-          <p:cNvPr id="5" name="Date Placeholder 4"/>
+          <p:cNvPr id="5" name="Date Placeholder 4">
+            <a:extLst>
+              <a:ext uri="{FF2B5EF4-FFF2-40B4-BE49-F238E27FC236}">
+                <a16:creationId xmlns:a16="http://schemas.microsoft.com/office/drawing/2014/main" id="{D7593C8F-B5C1-0D4A-8556-73269A2E3E55}"/>
+              </a:ext>
+            </a:extLst>
+          </p:cNvPr>
           <p:cNvSpPr>
             <a:spLocks noGrp="1"/>
           </p:cNvSpPr>
@@ -4121,16 +5310,11 @@
         <p:spPr/>
         <p:txBody>
           <a:bodyPr/>
-          <a:lstStyle>
-            <a:lvl1pPr>
-              <a:defRPr smtClean="0"/>
-            </a:lvl1pPr>
-          </a:lstStyle>
-          <a:p>
-            <a:fld id="{400BF00B-2AB1-1D40-A857-7809791C997C}" type="datetime1">
-              <a:rPr lang="en-US"/>
-              <a:pPr/>
-              <a:t>16-06-14</a:t>
+          <a:lstStyle/>
+          <a:p>
+            <a:fld id="{303CBBD9-F5FD-F241-BE87-053C809F28DC}" type="datetime1">
+              <a:rPr lang="en-CA" smtClean="0"/>
+              <a:t>2020-09-17</a:t>
             </a:fld>
             <a:endParaRPr lang="en-US"/>
           </a:p>
@@ -4138,7 +5322,13 @@
       </p:sp>
       <p:sp>
         <p:nvSpPr>
-          <p:cNvPr id="6" name="Footer Placeholder 5"/>
+          <p:cNvPr id="6" name="Footer Placeholder 5">
+            <a:extLst>
+              <a:ext uri="{FF2B5EF4-FFF2-40B4-BE49-F238E27FC236}">
+                <a16:creationId xmlns:a16="http://schemas.microsoft.com/office/drawing/2014/main" id="{A19A6773-21F3-7040-BF77-4C1D0B809C23}"/>
+              </a:ext>
+            </a:extLst>
+          </p:cNvPr>
           <p:cNvSpPr>
             <a:spLocks noGrp="1"/>
           </p:cNvSpPr>
@@ -4149,11 +5339,7 @@
         <p:spPr/>
         <p:txBody>
           <a:bodyPr/>
-          <a:lstStyle>
-            <a:lvl1pPr>
-              <a:defRPr/>
-            </a:lvl1pPr>
-          </a:lstStyle>
+          <a:lstStyle/>
           <a:p>
             <a:endParaRPr lang="en-US"/>
           </a:p>
@@ -4161,7 +5347,13 @@
       </p:sp>
       <p:sp>
         <p:nvSpPr>
-          <p:cNvPr id="7" name="Slide Number Placeholder 6"/>
+          <p:cNvPr id="7" name="Slide Number Placeholder 6">
+            <a:extLst>
+              <a:ext uri="{FF2B5EF4-FFF2-40B4-BE49-F238E27FC236}">
+                <a16:creationId xmlns:a16="http://schemas.microsoft.com/office/drawing/2014/main" id="{60652BF5-D92E-A14D-B1B8-704532D275D8}"/>
+              </a:ext>
+            </a:extLst>
+          </p:cNvPr>
           <p:cNvSpPr>
             <a:spLocks noGrp="1"/>
           </p:cNvSpPr>
@@ -4172,15 +5364,10 @@
         <p:spPr/>
         <p:txBody>
           <a:bodyPr/>
-          <a:lstStyle>
-            <a:lvl1pPr>
-              <a:defRPr smtClean="0"/>
-            </a:lvl1pPr>
-          </a:lstStyle>
-          <a:p>
-            <a:fld id="{4D3D27F5-CBBA-6342-98C8-201CE06B1CF9}" type="slidenum">
-              <a:rPr lang="en-US"/>
-              <a:pPr/>
+          <a:lstStyle/>
+          <a:p>
+            <a:fld id="{7B252BF6-6A9C-D04A-BBE8-37A07D64A1C3}" type="slidenum">
+              <a:rPr lang="en-US" smtClean="0"/>
               <a:t>‹#›</a:t>
             </a:fld>
             <a:endParaRPr lang="en-US"/>
@@ -4188,6 +5375,11 @@
         </p:txBody>
       </p:sp>
     </p:spTree>
+    <p:extLst>
+      <p:ext uri="{BB962C8B-B14F-4D97-AF65-F5344CB8AC3E}">
+        <p14:creationId xmlns:p14="http://schemas.microsoft.com/office/powerpoint/2010/main" val="3522759804"/>
+      </p:ext>
+    </p:extLst>
   </p:cSld>
   <p:clrMapOvr>
     <a:masterClrMapping/>
@@ -4214,7 +5406,13 @@
       </p:grpSpPr>
       <p:sp>
         <p:nvSpPr>
-          <p:cNvPr id="2" name="Title 1"/>
+          <p:cNvPr id="2" name="Title 1">
+            <a:extLst>
+              <a:ext uri="{FF2B5EF4-FFF2-40B4-BE49-F238E27FC236}">
+                <a16:creationId xmlns:a16="http://schemas.microsoft.com/office/drawing/2014/main" id="{D6DFB85D-520A-BD48-A297-F7A9EDDB9380}"/>
+              </a:ext>
+            </a:extLst>
+          </p:cNvPr>
           <p:cNvSpPr>
             <a:spLocks noGrp="1"/>
           </p:cNvSpPr>
@@ -4224,29 +5422,34 @@
         </p:nvSpPr>
         <p:spPr>
           <a:xfrm>
-            <a:off x="1792288" y="4800600"/>
-            <a:ext cx="5486400" cy="566738"/>
+            <a:off x="629841" y="342900"/>
+            <a:ext cx="2949178" cy="1200150"/>
           </a:xfrm>
         </p:spPr>
         <p:txBody>
           <a:bodyPr anchor="b"/>
           <a:lstStyle>
-            <a:lvl1pPr algn="l">
-              <a:defRPr sz="2000" b="1"/>
+            <a:lvl1pPr>
+              <a:defRPr sz="2400"/>
             </a:lvl1pPr>
           </a:lstStyle>
           <a:p>
             <a:r>
-              <a:rPr lang="en-US" smtClean="0"/>
+              <a:rPr lang="en-US"/>
               <a:t>Click to edit Master title style</a:t>
             </a:r>
-            <a:endParaRPr lang="en-US"/>
           </a:p>
         </p:txBody>
       </p:sp>
       <p:sp>
         <p:nvSpPr>
-          <p:cNvPr id="3" name="Picture Placeholder 2"/>
+          <p:cNvPr id="3" name="Picture Placeholder 2">
+            <a:extLst>
+              <a:ext uri="{FF2B5EF4-FFF2-40B4-BE49-F238E27FC236}">
+                <a16:creationId xmlns:a16="http://schemas.microsoft.com/office/drawing/2014/main" id="{2A2093CD-6667-AD4E-93F7-F3B21EF98B7C}"/>
+              </a:ext>
+            </a:extLst>
+          </p:cNvPr>
           <p:cNvSpPr>
             <a:spLocks noGrp="1"/>
           </p:cNvSpPr>
@@ -4256,8 +5459,8 @@
         </p:nvSpPr>
         <p:spPr>
           <a:xfrm>
-            <a:off x="1792288" y="612775"/>
-            <a:ext cx="5486400" cy="4114800"/>
+            <a:off x="3887391" y="740569"/>
+            <a:ext cx="4629150" cy="3655219"/>
           </a:xfrm>
         </p:spPr>
         <p:txBody>
@@ -4265,39 +5468,39 @@
           <a:lstStyle>
             <a:lvl1pPr marL="0" indent="0">
               <a:buNone/>
-              <a:defRPr sz="3200"/>
+              <a:defRPr sz="2400"/>
             </a:lvl1pPr>
-            <a:lvl2pPr marL="457200" indent="0">
+            <a:lvl2pPr marL="342900" indent="0">
               <a:buNone/>
-              <a:defRPr sz="2800"/>
+              <a:defRPr sz="2100"/>
             </a:lvl2pPr>
-            <a:lvl3pPr marL="914400" indent="0">
+            <a:lvl3pPr marL="685800" indent="0">
               <a:buNone/>
-              <a:defRPr sz="2400"/>
+              <a:defRPr sz="1800"/>
             </a:lvl3pPr>
-            <a:lvl4pPr marL="1371600" indent="0">
+            <a:lvl4pPr marL="1028700" indent="0">
               <a:buNone/>
-              <a:defRPr sz="2000"/>
+              <a:defRPr sz="1500"/>
             </a:lvl4pPr>
-            <a:lvl5pPr marL="1828800" indent="0">
+            <a:lvl5pPr marL="1371600" indent="0">
               <a:buNone/>
-              <a:defRPr sz="2000"/>
+              <a:defRPr sz="1500"/>
             </a:lvl5pPr>
-            <a:lvl6pPr marL="2286000" indent="0">
+            <a:lvl6pPr marL="1714500" indent="0">
               <a:buNone/>
-              <a:defRPr sz="2000"/>
+              <a:defRPr sz="1500"/>
             </a:lvl6pPr>
-            <a:lvl7pPr marL="2743200" indent="0">
+            <a:lvl7pPr marL="2057400" indent="0">
               <a:buNone/>
-              <a:defRPr sz="2000"/>
+              <a:defRPr sz="1500"/>
             </a:lvl7pPr>
-            <a:lvl8pPr marL="3200400" indent="0">
+            <a:lvl8pPr marL="2400300" indent="0">
               <a:buNone/>
-              <a:defRPr sz="2000"/>
+              <a:defRPr sz="1500"/>
             </a:lvl8pPr>
-            <a:lvl9pPr marL="3657600" indent="0">
+            <a:lvl9pPr marL="2743200" indent="0">
               <a:buNone/>
-              <a:defRPr sz="2000"/>
+              <a:defRPr sz="1500"/>
             </a:lvl9pPr>
           </a:lstStyle>
           <a:p>
@@ -4307,7 +5510,13 @@
       </p:sp>
       <p:sp>
         <p:nvSpPr>
-          <p:cNvPr id="4" name="Text Placeholder 3"/>
+          <p:cNvPr id="4" name="Text Placeholder 3">
+            <a:extLst>
+              <a:ext uri="{FF2B5EF4-FFF2-40B4-BE49-F238E27FC236}">
+                <a16:creationId xmlns:a16="http://schemas.microsoft.com/office/drawing/2014/main" id="{55DCED6C-F32A-6A44-B857-EBD308B3E75E}"/>
+              </a:ext>
+            </a:extLst>
+          </p:cNvPr>
           <p:cNvSpPr>
             <a:spLocks noGrp="1"/>
           </p:cNvSpPr>
@@ -4317,8 +5526,8 @@
         </p:nvSpPr>
         <p:spPr>
           <a:xfrm>
-            <a:off x="1792288" y="5367338"/>
-            <a:ext cx="5486400" cy="804862"/>
+            <a:off x="629841" y="1543050"/>
+            <a:ext cx="2949178" cy="2858691"/>
           </a:xfrm>
         </p:spPr>
         <p:txBody>
@@ -4326,45 +5535,45 @@
           <a:lstStyle>
             <a:lvl1pPr marL="0" indent="0">
               <a:buNone/>
-              <a:defRPr sz="1400"/>
+              <a:defRPr sz="1200"/>
             </a:lvl1pPr>
-            <a:lvl2pPr marL="457200" indent="0">
+            <a:lvl2pPr marL="342900" indent="0">
               <a:buNone/>
-              <a:defRPr sz="1200"/>
+              <a:defRPr sz="1050"/>
             </a:lvl2pPr>
-            <a:lvl3pPr marL="914400" indent="0">
-              <a:buNone/>
-              <a:defRPr sz="1000"/>
-            </a:lvl3pPr>
-            <a:lvl4pPr marL="1371600" indent="0">
+            <a:lvl3pPr marL="685800" indent="0">
               <a:buNone/>
               <a:defRPr sz="900"/>
+            </a:lvl3pPr>
+            <a:lvl4pPr marL="1028700" indent="0">
+              <a:buNone/>
+              <a:defRPr sz="750"/>
             </a:lvl4pPr>
-            <a:lvl5pPr marL="1828800" indent="0">
+            <a:lvl5pPr marL="1371600" indent="0">
               <a:buNone/>
-              <a:defRPr sz="900"/>
+              <a:defRPr sz="750"/>
             </a:lvl5pPr>
-            <a:lvl6pPr marL="2286000" indent="0">
+            <a:lvl6pPr marL="1714500" indent="0">
               <a:buNone/>
-              <a:defRPr sz="900"/>
+              <a:defRPr sz="750"/>
             </a:lvl6pPr>
-            <a:lvl7pPr marL="2743200" indent="0">
+            <a:lvl7pPr marL="2057400" indent="0">
               <a:buNone/>
-              <a:defRPr sz="900"/>
+              <a:defRPr sz="750"/>
             </a:lvl7pPr>
-            <a:lvl8pPr marL="3200400" indent="0">
+            <a:lvl8pPr marL="2400300" indent="0">
               <a:buNone/>
-              <a:defRPr sz="900"/>
+              <a:defRPr sz="750"/>
             </a:lvl8pPr>
-            <a:lvl9pPr marL="3657600" indent="0">
+            <a:lvl9pPr marL="2743200" indent="0">
               <a:buNone/>
-              <a:defRPr sz="900"/>
+              <a:defRPr sz="750"/>
             </a:lvl9pPr>
           </a:lstStyle>
           <a:p>
             <a:pPr lvl="0"/>
             <a:r>
-              <a:rPr lang="en-US" smtClean="0"/>
+              <a:rPr lang="en-US"/>
               <a:t>Click to edit Master text styles</a:t>
             </a:r>
           </a:p>
@@ -4372,7 +5581,13 @@
       </p:sp>
       <p:sp>
         <p:nvSpPr>
-          <p:cNvPr id="5" name="Date Placeholder 4"/>
+          <p:cNvPr id="5" name="Date Placeholder 4">
+            <a:extLst>
+              <a:ext uri="{FF2B5EF4-FFF2-40B4-BE49-F238E27FC236}">
+                <a16:creationId xmlns:a16="http://schemas.microsoft.com/office/drawing/2014/main" id="{36F4EDF9-2E61-C346-AEC1-C5515D5109D5}"/>
+              </a:ext>
+            </a:extLst>
+          </p:cNvPr>
           <p:cNvSpPr>
             <a:spLocks noGrp="1"/>
           </p:cNvSpPr>
@@ -4383,16 +5598,11 @@
         <p:spPr/>
         <p:txBody>
           <a:bodyPr/>
-          <a:lstStyle>
-            <a:lvl1pPr>
-              <a:defRPr smtClean="0"/>
-            </a:lvl1pPr>
-          </a:lstStyle>
-          <a:p>
-            <a:fld id="{181ECB80-1AB7-204B-845E-469E4B4627BD}" type="datetime1">
-              <a:rPr lang="en-US"/>
-              <a:pPr/>
-              <a:t>16-06-14</a:t>
+          <a:lstStyle/>
+          <a:p>
+            <a:fld id="{383CCC1A-E692-5242-99F4-A61A21D69DD4}" type="datetime1">
+              <a:rPr lang="en-CA" smtClean="0"/>
+              <a:t>2020-09-17</a:t>
             </a:fld>
             <a:endParaRPr lang="en-US"/>
           </a:p>
@@ -4400,7 +5610,13 @@
       </p:sp>
       <p:sp>
         <p:nvSpPr>
-          <p:cNvPr id="6" name="Footer Placeholder 5"/>
+          <p:cNvPr id="6" name="Footer Placeholder 5">
+            <a:extLst>
+              <a:ext uri="{FF2B5EF4-FFF2-40B4-BE49-F238E27FC236}">
+                <a16:creationId xmlns:a16="http://schemas.microsoft.com/office/drawing/2014/main" id="{908F289B-5706-A047-960A-6FDB1750F2C8}"/>
+              </a:ext>
+            </a:extLst>
+          </p:cNvPr>
           <p:cNvSpPr>
             <a:spLocks noGrp="1"/>
           </p:cNvSpPr>
@@ -4411,11 +5627,7 @@
         <p:spPr/>
         <p:txBody>
           <a:bodyPr/>
-          <a:lstStyle>
-            <a:lvl1pPr>
-              <a:defRPr/>
-            </a:lvl1pPr>
-          </a:lstStyle>
+          <a:lstStyle/>
           <a:p>
             <a:endParaRPr lang="en-US"/>
           </a:p>
@@ -4423,7 +5635,13 @@
       </p:sp>
       <p:sp>
         <p:nvSpPr>
-          <p:cNvPr id="7" name="Slide Number Placeholder 6"/>
+          <p:cNvPr id="7" name="Slide Number Placeholder 6">
+            <a:extLst>
+              <a:ext uri="{FF2B5EF4-FFF2-40B4-BE49-F238E27FC236}">
+                <a16:creationId xmlns:a16="http://schemas.microsoft.com/office/drawing/2014/main" id="{C2612078-4758-934E-BFE9-86E98A44EE91}"/>
+              </a:ext>
+            </a:extLst>
+          </p:cNvPr>
           <p:cNvSpPr>
             <a:spLocks noGrp="1"/>
           </p:cNvSpPr>
@@ -4434,15 +5652,10 @@
         <p:spPr/>
         <p:txBody>
           <a:bodyPr/>
-          <a:lstStyle>
-            <a:lvl1pPr>
-              <a:defRPr smtClean="0"/>
-            </a:lvl1pPr>
-          </a:lstStyle>
-          <a:p>
-            <a:fld id="{02A55382-392C-CA4B-BA5F-79C80637245D}" type="slidenum">
-              <a:rPr lang="en-US"/>
-              <a:pPr/>
+          <a:lstStyle/>
+          <a:p>
+            <a:fld id="{7B252BF6-6A9C-D04A-BBE8-37A07D64A1C3}" type="slidenum">
+              <a:rPr lang="en-US" smtClean="0"/>
               <a:t>‹#›</a:t>
             </a:fld>
             <a:endParaRPr lang="en-US"/>
@@ -4450,6 +5663,11 @@
         </p:txBody>
       </p:sp>
     </p:spTree>
+    <p:extLst>
+      <p:ext uri="{BB962C8B-B14F-4D97-AF65-F5344CB8AC3E}">
+        <p14:creationId xmlns:p14="http://schemas.microsoft.com/office/powerpoint/2010/main" val="3483566412"/>
+      </p:ext>
+    </p:extLst>
   </p:cSld>
   <p:clrMapOvr>
     <a:masterClrMapping/>
@@ -4458,15 +5676,12 @@
 </file>
 
 <file path=ppt/slideMasters/slideMaster1.xml><?xml version="1.0" encoding="utf-8"?>
-<p:sldMaster xmlns:a="http://schemas.openxmlformats.org/drawingml/2006/main" xmlns:r="http://schemas.openxmlformats.org/officeDocument/2006/relationships" xmlns:p="http://schemas.openxmlformats.org/presentationml/2006/main">
+<p:sldMaster xmlns:a="http://schemas.openxmlformats.org/drawingml/2006/main" xmlns:r="http://schemas.openxmlformats.org/officeDocument/2006/relationships" xmlns:p="http://schemas.openxmlformats.org/presentationml/2006/main" preserve="1">
   <p:cSld>
     <p:bg>
-      <p:bgPr>
-        <a:solidFill>
-          <a:schemeClr val="bg1"/>
-        </a:solidFill>
-        <a:effectLst/>
-      </p:bgPr>
+      <p:bgRef idx="1001">
+        <a:schemeClr val="bg1"/>
+      </p:bgRef>
     </p:bg>
     <p:spTree>
       <p:nvGrpSpPr>
@@ -4484,42 +5699,37 @@
       </p:grpSpPr>
       <p:sp>
         <p:nvSpPr>
-          <p:cNvPr id="1026" name="Rectangle 2"/>
+          <p:cNvPr id="2" name="Title Placeholder 1">
+            <a:extLst>
+              <a:ext uri="{FF2B5EF4-FFF2-40B4-BE49-F238E27FC236}">
+                <a16:creationId xmlns:a16="http://schemas.microsoft.com/office/drawing/2014/main" id="{405FBF36-3AE9-6F4F-9D44-FDF1EDE69171}"/>
+              </a:ext>
+            </a:extLst>
+          </p:cNvPr>
           <p:cNvSpPr>
-            <a:spLocks noGrp="1" noChangeArrowheads="1"/>
+            <a:spLocks noGrp="1"/>
           </p:cNvSpPr>
           <p:nvPr>
             <p:ph type="title"/>
           </p:nvPr>
         </p:nvSpPr>
-        <p:spPr bwMode="auto">
+        <p:spPr>
           <a:xfrm>
-            <a:off x="685800" y="609600"/>
-            <a:ext cx="7772400" cy="1143000"/>
+            <a:off x="628650" y="273844"/>
+            <a:ext cx="7886700" cy="994172"/>
           </a:xfrm>
           <a:prstGeom prst="rect">
             <a:avLst/>
           </a:prstGeom>
-          <a:noFill/>
-          <a:ln w="9525">
-            <a:noFill/>
-            <a:miter lim="800000"/>
-            <a:headEnd/>
-            <a:tailEnd/>
-          </a:ln>
-          <a:effectLst/>
         </p:spPr>
         <p:txBody>
-          <a:bodyPr vert="horz" wrap="square" lIns="91440" tIns="45720" rIns="91440" bIns="45720" numCol="1" anchor="ctr" anchorCtr="0" compatLnSpc="1">
-            <a:prstTxWarp prst="textNoShape">
-              <a:avLst/>
-            </a:prstTxWarp>
+          <a:bodyPr vert="horz" lIns="91440" tIns="45720" rIns="91440" bIns="45720" rtlCol="0" anchor="ctr">
+            <a:normAutofit/>
           </a:bodyPr>
           <a:lstStyle/>
           <a:p>
-            <a:pPr lvl="0"/>
-            <a:r>
-              <a:rPr lang="en-US" dirty="0"/>
+            <a:r>
+              <a:rPr lang="en-US"/>
               <a:t>Click to edit Master title style</a:t>
             </a:r>
           </a:p>
@@ -4527,70 +5737,66 @@
       </p:sp>
       <p:sp>
         <p:nvSpPr>
-          <p:cNvPr id="1027" name="Rectangle 3"/>
+          <p:cNvPr id="3" name="Text Placeholder 2">
+            <a:extLst>
+              <a:ext uri="{FF2B5EF4-FFF2-40B4-BE49-F238E27FC236}">
+                <a16:creationId xmlns:a16="http://schemas.microsoft.com/office/drawing/2014/main" id="{B7433E42-24FB-9E4C-A197-FBE95A39782A}"/>
+              </a:ext>
+            </a:extLst>
+          </p:cNvPr>
           <p:cNvSpPr>
-            <a:spLocks noGrp="1" noChangeArrowheads="1"/>
+            <a:spLocks noGrp="1"/>
           </p:cNvSpPr>
           <p:nvPr>
             <p:ph type="body" idx="1"/>
           </p:nvPr>
         </p:nvSpPr>
-        <p:spPr bwMode="auto">
+        <p:spPr>
           <a:xfrm>
-            <a:off x="685800" y="1981200"/>
-            <a:ext cx="7772400" cy="4114800"/>
+            <a:off x="628650" y="1369219"/>
+            <a:ext cx="7886700" cy="3263504"/>
           </a:xfrm>
           <a:prstGeom prst="rect">
             <a:avLst/>
           </a:prstGeom>
-          <a:noFill/>
-          <a:ln w="9525">
-            <a:noFill/>
-            <a:miter lim="800000"/>
-            <a:headEnd/>
-            <a:tailEnd/>
-          </a:ln>
-          <a:effectLst/>
         </p:spPr>
         <p:txBody>
-          <a:bodyPr vert="horz" wrap="square" lIns="91440" tIns="45720" rIns="91440" bIns="45720" numCol="1" anchor="t" anchorCtr="0" compatLnSpc="1">
-            <a:prstTxWarp prst="textNoShape">
-              <a:avLst/>
-            </a:prstTxWarp>
+          <a:bodyPr vert="horz" lIns="91440" tIns="45720" rIns="91440" bIns="45720" rtlCol="0">
+            <a:normAutofit/>
           </a:bodyPr>
           <a:lstStyle/>
           <a:p>
             <a:pPr lvl="0"/>
             <a:r>
-              <a:rPr lang="en-US" dirty="0"/>
+              <a:rPr lang="en-US"/>
               <a:t>Click to edit Master text styles</a:t>
             </a:r>
           </a:p>
           <a:p>
             <a:pPr lvl="1"/>
             <a:r>
-              <a:rPr lang="en-US" dirty="0"/>
+              <a:rPr lang="en-US"/>
               <a:t>Second level</a:t>
             </a:r>
           </a:p>
           <a:p>
             <a:pPr lvl="2"/>
             <a:r>
-              <a:rPr lang="en-US" dirty="0"/>
+              <a:rPr lang="en-US"/>
               <a:t>Third level</a:t>
             </a:r>
           </a:p>
           <a:p>
             <a:pPr lvl="3"/>
             <a:r>
-              <a:rPr lang="en-US" dirty="0"/>
+              <a:rPr lang="en-US"/>
               <a:t>Fourth level</a:t>
             </a:r>
           </a:p>
           <a:p>
             <a:pPr lvl="4"/>
             <a:r>
-              <a:rPr lang="en-US" dirty="0"/>
+              <a:rPr lang="en-US"/>
               <a:t>Fifth level</a:t>
             </a:r>
           </a:p>
@@ -4598,47 +5804,46 @@
       </p:sp>
       <p:sp>
         <p:nvSpPr>
-          <p:cNvPr id="1028" name="Rectangle 4"/>
+          <p:cNvPr id="4" name="Date Placeholder 3">
+            <a:extLst>
+              <a:ext uri="{FF2B5EF4-FFF2-40B4-BE49-F238E27FC236}">
+                <a16:creationId xmlns:a16="http://schemas.microsoft.com/office/drawing/2014/main" id="{C1A9F3E4-CCFD-A546-BD98-34B6A6B34CAC}"/>
+              </a:ext>
+            </a:extLst>
+          </p:cNvPr>
           <p:cNvSpPr>
-            <a:spLocks noGrp="1" noChangeArrowheads="1"/>
+            <a:spLocks noGrp="1"/>
           </p:cNvSpPr>
           <p:nvPr>
             <p:ph type="dt" sz="half" idx="2"/>
           </p:nvPr>
         </p:nvSpPr>
-        <p:spPr bwMode="auto">
+        <p:spPr>
           <a:xfrm>
-            <a:off x="685800" y="6248400"/>
-            <a:ext cx="1905000" cy="457200"/>
+            <a:off x="628650" y="4767263"/>
+            <a:ext cx="2057400" cy="273844"/>
           </a:xfrm>
           <a:prstGeom prst="rect">
             <a:avLst/>
           </a:prstGeom>
-          <a:noFill/>
-          <a:ln w="9525">
-            <a:noFill/>
-            <a:miter lim="800000"/>
-            <a:headEnd/>
-            <a:tailEnd/>
-          </a:ln>
-          <a:effectLst/>
         </p:spPr>
         <p:txBody>
-          <a:bodyPr vert="horz" wrap="square" lIns="91440" tIns="45720" rIns="91440" bIns="45720" numCol="1" anchor="t" anchorCtr="0" compatLnSpc="1">
-            <a:prstTxWarp prst="textNoShape">
-              <a:avLst/>
-            </a:prstTxWarp>
-          </a:bodyPr>
+          <a:bodyPr vert="horz" lIns="91440" tIns="45720" rIns="91440" bIns="45720" rtlCol="0" anchor="ctr"/>
           <a:lstStyle>
-            <a:lvl1pPr>
-              <a:defRPr sz="1400"/>
+            <a:lvl1pPr algn="l">
+              <a:defRPr sz="900">
+                <a:solidFill>
+                  <a:schemeClr val="tx1">
+                    <a:tint val="75000"/>
+                  </a:schemeClr>
+                </a:solidFill>
+              </a:defRPr>
             </a:lvl1pPr>
           </a:lstStyle>
           <a:p>
-            <a:fld id="{22FBD3C0-B47D-AC4B-A39A-71B5F1354B01}" type="datetime1">
-              <a:rPr lang="en-US"/>
-              <a:pPr/>
-              <a:t>16-06-14</a:t>
+            <a:fld id="{AF948405-5D4C-F94A-94F9-4DA68647E5B6}" type="datetime1">
+              <a:rPr lang="en-CA" smtClean="0"/>
+              <a:t>2020-09-17</a:t>
             </a:fld>
             <a:endParaRPr lang="en-US"/>
           </a:p>
@@ -4646,40 +5851,40 @@
       </p:sp>
       <p:sp>
         <p:nvSpPr>
-          <p:cNvPr id="1029" name="Rectangle 5"/>
+          <p:cNvPr id="5" name="Footer Placeholder 4">
+            <a:extLst>
+              <a:ext uri="{FF2B5EF4-FFF2-40B4-BE49-F238E27FC236}">
+                <a16:creationId xmlns:a16="http://schemas.microsoft.com/office/drawing/2014/main" id="{E88AAA39-D2DE-7B4A-BB24-AAC6C28B6F7B}"/>
+              </a:ext>
+            </a:extLst>
+          </p:cNvPr>
           <p:cNvSpPr>
-            <a:spLocks noGrp="1" noChangeArrowheads="1"/>
+            <a:spLocks noGrp="1"/>
           </p:cNvSpPr>
           <p:nvPr>
             <p:ph type="ftr" sz="quarter" idx="3"/>
           </p:nvPr>
         </p:nvSpPr>
-        <p:spPr bwMode="auto">
+        <p:spPr>
           <a:xfrm>
-            <a:off x="3124200" y="6248400"/>
-            <a:ext cx="2895600" cy="457200"/>
+            <a:off x="3028950" y="4767263"/>
+            <a:ext cx="3086100" cy="273844"/>
           </a:xfrm>
           <a:prstGeom prst="rect">
             <a:avLst/>
           </a:prstGeom>
-          <a:noFill/>
-          <a:ln w="9525">
-            <a:noFill/>
-            <a:miter lim="800000"/>
-            <a:headEnd/>
-            <a:tailEnd/>
-          </a:ln>
-          <a:effectLst/>
         </p:spPr>
         <p:txBody>
-          <a:bodyPr vert="horz" wrap="square" lIns="91440" tIns="45720" rIns="91440" bIns="45720" numCol="1" anchor="t" anchorCtr="0" compatLnSpc="1">
-            <a:prstTxWarp prst="textNoShape">
-              <a:avLst/>
-            </a:prstTxWarp>
-          </a:bodyPr>
+          <a:bodyPr vert="horz" lIns="91440" tIns="45720" rIns="91440" bIns="45720" rtlCol="0" anchor="ctr"/>
           <a:lstStyle>
             <a:lvl1pPr algn="ctr">
-              <a:defRPr sz="1400"/>
+              <a:defRPr sz="900">
+                <a:solidFill>
+                  <a:schemeClr val="tx1">
+                    <a:tint val="75000"/>
+                  </a:schemeClr>
+                </a:solidFill>
+              </a:defRPr>
             </a:lvl1pPr>
           </a:lstStyle>
           <a:p>
@@ -4689,46 +5894,45 @@
       </p:sp>
       <p:sp>
         <p:nvSpPr>
-          <p:cNvPr id="1030" name="Rectangle 6"/>
+          <p:cNvPr id="6" name="Slide Number Placeholder 5">
+            <a:extLst>
+              <a:ext uri="{FF2B5EF4-FFF2-40B4-BE49-F238E27FC236}">
+                <a16:creationId xmlns:a16="http://schemas.microsoft.com/office/drawing/2014/main" id="{5E61F2AD-686E-E445-9758-B74AC410CE64}"/>
+              </a:ext>
+            </a:extLst>
+          </p:cNvPr>
           <p:cNvSpPr>
-            <a:spLocks noGrp="1" noChangeArrowheads="1"/>
+            <a:spLocks noGrp="1"/>
           </p:cNvSpPr>
           <p:nvPr>
             <p:ph type="sldNum" sz="quarter" idx="4"/>
           </p:nvPr>
         </p:nvSpPr>
-        <p:spPr bwMode="auto">
+        <p:spPr>
           <a:xfrm>
-            <a:off x="6553200" y="6248400"/>
-            <a:ext cx="1905000" cy="457200"/>
+            <a:off x="6457950" y="4767263"/>
+            <a:ext cx="2057400" cy="273844"/>
           </a:xfrm>
           <a:prstGeom prst="rect">
             <a:avLst/>
           </a:prstGeom>
-          <a:noFill/>
-          <a:ln w="9525">
-            <a:noFill/>
-            <a:miter lim="800000"/>
-            <a:headEnd/>
-            <a:tailEnd/>
-          </a:ln>
-          <a:effectLst/>
         </p:spPr>
         <p:txBody>
-          <a:bodyPr vert="horz" wrap="square" lIns="91440" tIns="45720" rIns="91440" bIns="45720" numCol="1" anchor="t" anchorCtr="0" compatLnSpc="1">
-            <a:prstTxWarp prst="textNoShape">
-              <a:avLst/>
-            </a:prstTxWarp>
-          </a:bodyPr>
+          <a:bodyPr vert="horz" lIns="91440" tIns="45720" rIns="91440" bIns="45720" rtlCol="0" anchor="ctr"/>
           <a:lstStyle>
             <a:lvl1pPr algn="r">
-              <a:defRPr sz="1400"/>
+              <a:defRPr sz="900">
+                <a:solidFill>
+                  <a:schemeClr val="tx1">
+                    <a:tint val="75000"/>
+                  </a:schemeClr>
+                </a:solidFill>
+              </a:defRPr>
             </a:lvl1pPr>
           </a:lstStyle>
           <a:p>
-            <a:fld id="{EEA40146-FEE2-414A-A65E-E69B99B2065A}" type="slidenum">
-              <a:rPr lang="en-US"/>
-              <a:pPr/>
+            <a:fld id="{7B252BF6-6A9C-D04A-BBE8-37A07D64A1C3}" type="slidenum">
+              <a:rPr lang="en-US" smtClean="0"/>
               <a:t>‹#›</a:t>
             </a:fld>
             <a:endParaRPr lang="en-US"/>
@@ -4736,311 +5940,60 @@
         </p:txBody>
       </p:sp>
     </p:spTree>
+    <p:extLst>
+      <p:ext uri="{BB962C8B-B14F-4D97-AF65-F5344CB8AC3E}">
+        <p14:creationId xmlns:p14="http://schemas.microsoft.com/office/powerpoint/2010/main" val="3751906490"/>
+      </p:ext>
+    </p:extLst>
   </p:cSld>
   <p:clrMap bg1="lt1" tx1="dk1" bg2="lt2" tx2="dk2" accent1="accent1" accent2="accent2" accent3="accent3" accent4="accent4" accent5="accent5" accent6="accent6" hlink="hlink" folHlink="folHlink"/>
   <p:sldLayoutIdLst>
-    <p:sldLayoutId id="2147483649" r:id="rId1"/>
-    <p:sldLayoutId id="2147483650" r:id="rId2"/>
-    <p:sldLayoutId id="2147483651" r:id="rId3"/>
-    <p:sldLayoutId id="2147483652" r:id="rId4"/>
-    <p:sldLayoutId id="2147483653" r:id="rId5"/>
-    <p:sldLayoutId id="2147483654" r:id="rId6"/>
-    <p:sldLayoutId id="2147483655" r:id="rId7"/>
-    <p:sldLayoutId id="2147483656" r:id="rId8"/>
-    <p:sldLayoutId id="2147483657" r:id="rId9"/>
-    <p:sldLayoutId id="2147483658" r:id="rId10"/>
-    <p:sldLayoutId id="2147483659" r:id="rId11"/>
-    <p:sldLayoutId id="2147483660" r:id="rId12"/>
+    <p:sldLayoutId id="2147483662" r:id="rId1"/>
+    <p:sldLayoutId id="2147483663" r:id="rId2"/>
+    <p:sldLayoutId id="2147483664" r:id="rId3"/>
+    <p:sldLayoutId id="2147483665" r:id="rId4"/>
+    <p:sldLayoutId id="2147483666" r:id="rId5"/>
+    <p:sldLayoutId id="2147483667" r:id="rId6"/>
+    <p:sldLayoutId id="2147483668" r:id="rId7"/>
+    <p:sldLayoutId id="2147483669" r:id="rId8"/>
+    <p:sldLayoutId id="2147483670" r:id="rId9"/>
+    <p:sldLayoutId id="2147483671" r:id="rId10"/>
+    <p:sldLayoutId id="2147483672" r:id="rId11"/>
+    <p:sldLayoutId id="2147483673" r:id="rId12"/>
+    <p:sldLayoutId id="2147483674" r:id="rId13"/>
   </p:sldLayoutIdLst>
-  <p:hf hdr="0" ftr="0"/>
+  <p:hf hdr="0" ftr="0" dt="0"/>
   <p:txStyles>
     <p:titleStyle>
-      <a:lvl1pPr algn="ctr" rtl="0" fontAlgn="base">
+      <a:lvl1pPr algn="l" defTabSz="685800" rtl="0" eaLnBrk="1" latinLnBrk="0" hangingPunct="1">
+        <a:lnSpc>
+          <a:spcPct val="90000"/>
+        </a:lnSpc>
         <a:spcBef>
           <a:spcPct val="0"/>
         </a:spcBef>
-        <a:spcAft>
-          <a:spcPct val="0"/>
-        </a:spcAft>
-        <a:defRPr sz="4400">
-          <a:solidFill>
-            <a:schemeClr val="tx2"/>
-          </a:solidFill>
-          <a:latin typeface="Candara"/>
-          <a:ea typeface="+mj-ea"/>
-          <a:cs typeface="Candara"/>
-        </a:defRPr>
-      </a:lvl1pPr>
-      <a:lvl2pPr algn="ctr" rtl="0" fontAlgn="base">
-        <a:spcBef>
-          <a:spcPct val="0"/>
-        </a:spcBef>
-        <a:spcAft>
-          <a:spcPct val="0"/>
-        </a:spcAft>
-        <a:defRPr sz="4400">
-          <a:solidFill>
-            <a:schemeClr val="tx2"/>
-          </a:solidFill>
-          <a:latin typeface="Times" charset="0"/>
-        </a:defRPr>
-      </a:lvl2pPr>
-      <a:lvl3pPr algn="ctr" rtl="0" fontAlgn="base">
-        <a:spcBef>
-          <a:spcPct val="0"/>
-        </a:spcBef>
-        <a:spcAft>
-          <a:spcPct val="0"/>
-        </a:spcAft>
-        <a:defRPr sz="4400">
-          <a:solidFill>
-            <a:schemeClr val="tx2"/>
-          </a:solidFill>
-          <a:latin typeface="Times" charset="0"/>
-        </a:defRPr>
-      </a:lvl3pPr>
-      <a:lvl4pPr algn="ctr" rtl="0" fontAlgn="base">
-        <a:spcBef>
-          <a:spcPct val="0"/>
-        </a:spcBef>
-        <a:spcAft>
-          <a:spcPct val="0"/>
-        </a:spcAft>
-        <a:defRPr sz="4400">
-          <a:solidFill>
-            <a:schemeClr val="tx2"/>
-          </a:solidFill>
-          <a:latin typeface="Times" charset="0"/>
-        </a:defRPr>
-      </a:lvl4pPr>
-      <a:lvl5pPr algn="ctr" rtl="0" fontAlgn="base">
-        <a:spcBef>
-          <a:spcPct val="0"/>
-        </a:spcBef>
-        <a:spcAft>
-          <a:spcPct val="0"/>
-        </a:spcAft>
-        <a:defRPr sz="4400">
-          <a:solidFill>
-            <a:schemeClr val="tx2"/>
-          </a:solidFill>
-          <a:latin typeface="Times" charset="0"/>
-        </a:defRPr>
-      </a:lvl5pPr>
-      <a:lvl6pPr marL="457200" algn="ctr" rtl="0" fontAlgn="base">
-        <a:spcBef>
-          <a:spcPct val="0"/>
-        </a:spcBef>
-        <a:spcAft>
-          <a:spcPct val="0"/>
-        </a:spcAft>
-        <a:defRPr sz="4400">
-          <a:solidFill>
-            <a:schemeClr val="tx2"/>
-          </a:solidFill>
-          <a:latin typeface="Times" charset="0"/>
-        </a:defRPr>
-      </a:lvl6pPr>
-      <a:lvl7pPr marL="914400" algn="ctr" rtl="0" fontAlgn="base">
-        <a:spcBef>
-          <a:spcPct val="0"/>
-        </a:spcBef>
-        <a:spcAft>
-          <a:spcPct val="0"/>
-        </a:spcAft>
-        <a:defRPr sz="4400">
-          <a:solidFill>
-            <a:schemeClr val="tx2"/>
-          </a:solidFill>
-          <a:latin typeface="Times" charset="0"/>
-        </a:defRPr>
-      </a:lvl7pPr>
-      <a:lvl8pPr marL="1371600" algn="ctr" rtl="0" fontAlgn="base">
-        <a:spcBef>
-          <a:spcPct val="0"/>
-        </a:spcBef>
-        <a:spcAft>
-          <a:spcPct val="0"/>
-        </a:spcAft>
-        <a:defRPr sz="4400">
-          <a:solidFill>
-            <a:schemeClr val="tx2"/>
-          </a:solidFill>
-          <a:latin typeface="Times" charset="0"/>
-        </a:defRPr>
-      </a:lvl8pPr>
-      <a:lvl9pPr marL="1828800" algn="ctr" rtl="0" fontAlgn="base">
-        <a:spcBef>
-          <a:spcPct val="0"/>
-        </a:spcBef>
-        <a:spcAft>
-          <a:spcPct val="0"/>
-        </a:spcAft>
-        <a:defRPr sz="4400">
-          <a:solidFill>
-            <a:schemeClr val="tx2"/>
-          </a:solidFill>
-          <a:latin typeface="Times" charset="0"/>
-        </a:defRPr>
-      </a:lvl9pPr>
-    </p:titleStyle>
-    <p:bodyStyle>
-      <a:lvl1pPr marL="342900" indent="-342900" algn="l" rtl="0" fontAlgn="base">
-        <a:spcBef>
-          <a:spcPct val="20000"/>
-        </a:spcBef>
-        <a:spcAft>
-          <a:spcPct val="0"/>
-        </a:spcAft>
-        <a:buChar char="•"/>
-        <a:defRPr sz="3200">
+        <a:buNone/>
+        <a:defRPr sz="3300" kern="1200">
           <a:solidFill>
             <a:schemeClr val="tx1"/>
           </a:solidFill>
-          <a:latin typeface="Candara"/>
-          <a:ea typeface="+mn-ea"/>
-          <a:cs typeface="Candara"/>
+          <a:latin typeface="+mj-lt"/>
+          <a:ea typeface="+mj-ea"/>
+          <a:cs typeface="+mj-cs"/>
         </a:defRPr>
       </a:lvl1pPr>
-      <a:lvl2pPr marL="742950" indent="-285750" algn="l" rtl="0" fontAlgn="base">
+    </p:titleStyle>
+    <p:bodyStyle>
+      <a:lvl1pPr marL="171450" indent="-171450" algn="l" defTabSz="685800" rtl="0" eaLnBrk="1" latinLnBrk="0" hangingPunct="1">
+        <a:lnSpc>
+          <a:spcPct val="90000"/>
+        </a:lnSpc>
         <a:spcBef>
-          <a:spcPct val="20000"/>
+          <a:spcPts val="750"/>
         </a:spcBef>
-        <a:spcAft>
-          <a:spcPct val="0"/>
-        </a:spcAft>
-        <a:buChar char="–"/>
-        <a:defRPr sz="2800">
-          <a:solidFill>
-            <a:schemeClr val="tx1"/>
-          </a:solidFill>
-          <a:latin typeface="Candara"/>
-          <a:ea typeface="ＭＳ Ｐゴシック" charset="-128"/>
-          <a:cs typeface="Candara"/>
-        </a:defRPr>
-      </a:lvl2pPr>
-      <a:lvl3pPr marL="1143000" indent="-228600" algn="l" rtl="0" fontAlgn="base">
-        <a:spcBef>
-          <a:spcPct val="20000"/>
-        </a:spcBef>
-        <a:spcAft>
-          <a:spcPct val="0"/>
-        </a:spcAft>
+        <a:buFont typeface="Arial" panose="020B0604020202020204" pitchFamily="34" charset="0"/>
         <a:buChar char="•"/>
-        <a:defRPr sz="2400">
-          <a:solidFill>
-            <a:schemeClr val="tx1"/>
-          </a:solidFill>
-          <a:latin typeface="Candara"/>
-          <a:ea typeface="ＭＳ Ｐゴシック" charset="-128"/>
-          <a:cs typeface="Candara"/>
-        </a:defRPr>
-      </a:lvl3pPr>
-      <a:lvl4pPr marL="1600200" indent="-228600" algn="l" rtl="0" fontAlgn="base">
-        <a:spcBef>
-          <a:spcPct val="20000"/>
-        </a:spcBef>
-        <a:spcAft>
-          <a:spcPct val="0"/>
-        </a:spcAft>
-        <a:buChar char="–"/>
-        <a:defRPr sz="2000">
-          <a:solidFill>
-            <a:schemeClr val="tx1"/>
-          </a:solidFill>
-          <a:latin typeface="Candara"/>
-          <a:ea typeface="ＭＳ Ｐゴシック" charset="-128"/>
-          <a:cs typeface="Candara"/>
-        </a:defRPr>
-      </a:lvl4pPr>
-      <a:lvl5pPr marL="2057400" indent="-228600" algn="l" rtl="0" fontAlgn="base">
-        <a:spcBef>
-          <a:spcPct val="20000"/>
-        </a:spcBef>
-        <a:spcAft>
-          <a:spcPct val="0"/>
-        </a:spcAft>
-        <a:buChar char="»"/>
-        <a:defRPr sz="2000">
-          <a:solidFill>
-            <a:schemeClr val="tx1"/>
-          </a:solidFill>
-          <a:latin typeface="Candara"/>
-          <a:ea typeface="ＭＳ Ｐゴシック" charset="-128"/>
-          <a:cs typeface="Candara"/>
-        </a:defRPr>
-      </a:lvl5pPr>
-      <a:lvl6pPr marL="2514600" indent="-228600" algn="l" rtl="0" fontAlgn="base">
-        <a:spcBef>
-          <a:spcPct val="20000"/>
-        </a:spcBef>
-        <a:spcAft>
-          <a:spcPct val="0"/>
-        </a:spcAft>
-        <a:buChar char="»"/>
-        <a:defRPr sz="2000">
-          <a:solidFill>
-            <a:schemeClr val="tx1"/>
-          </a:solidFill>
-          <a:latin typeface="+mn-lt"/>
-          <a:ea typeface="ＭＳ Ｐゴシック" charset="-128"/>
-        </a:defRPr>
-      </a:lvl6pPr>
-      <a:lvl7pPr marL="2971800" indent="-228600" algn="l" rtl="0" fontAlgn="base">
-        <a:spcBef>
-          <a:spcPct val="20000"/>
-        </a:spcBef>
-        <a:spcAft>
-          <a:spcPct val="0"/>
-        </a:spcAft>
-        <a:buChar char="»"/>
-        <a:defRPr sz="2000">
-          <a:solidFill>
-            <a:schemeClr val="tx1"/>
-          </a:solidFill>
-          <a:latin typeface="+mn-lt"/>
-          <a:ea typeface="ＭＳ Ｐゴシック" charset="-128"/>
-        </a:defRPr>
-      </a:lvl7pPr>
-      <a:lvl8pPr marL="3429000" indent="-228600" algn="l" rtl="0" fontAlgn="base">
-        <a:spcBef>
-          <a:spcPct val="20000"/>
-        </a:spcBef>
-        <a:spcAft>
-          <a:spcPct val="0"/>
-        </a:spcAft>
-        <a:buChar char="»"/>
-        <a:defRPr sz="2000">
-          <a:solidFill>
-            <a:schemeClr val="tx1"/>
-          </a:solidFill>
-          <a:latin typeface="+mn-lt"/>
-          <a:ea typeface="ＭＳ Ｐゴシック" charset="-128"/>
-        </a:defRPr>
-      </a:lvl8pPr>
-      <a:lvl9pPr marL="3886200" indent="-228600" algn="l" rtl="0" fontAlgn="base">
-        <a:spcBef>
-          <a:spcPct val="20000"/>
-        </a:spcBef>
-        <a:spcAft>
-          <a:spcPct val="0"/>
-        </a:spcAft>
-        <a:buChar char="»"/>
-        <a:defRPr sz="2000">
-          <a:solidFill>
-            <a:schemeClr val="tx1"/>
-          </a:solidFill>
-          <a:latin typeface="+mn-lt"/>
-          <a:ea typeface="ＭＳ Ｐゴシック" charset="-128"/>
-        </a:defRPr>
-      </a:lvl9pPr>
-    </p:bodyStyle>
-    <p:otherStyle>
-      <a:defPPr>
-        <a:defRPr lang="en-US"/>
-      </a:defPPr>
-      <a:lvl1pPr marL="0" algn="l" defTabSz="457200" rtl="0" eaLnBrk="1" latinLnBrk="0" hangingPunct="1">
-        <a:defRPr sz="1800" kern="1200">
+        <a:defRPr sz="2100" kern="1200">
           <a:solidFill>
             <a:schemeClr val="tx1"/>
           </a:solidFill>
@@ -5049,7 +6002,15 @@
           <a:cs typeface="+mn-cs"/>
         </a:defRPr>
       </a:lvl1pPr>
-      <a:lvl2pPr marL="457200" algn="l" defTabSz="457200" rtl="0" eaLnBrk="1" latinLnBrk="0" hangingPunct="1">
+      <a:lvl2pPr marL="514350" indent="-171450" algn="l" defTabSz="685800" rtl="0" eaLnBrk="1" latinLnBrk="0" hangingPunct="1">
+        <a:lnSpc>
+          <a:spcPct val="90000"/>
+        </a:lnSpc>
+        <a:spcBef>
+          <a:spcPts val="375"/>
+        </a:spcBef>
+        <a:buFont typeface="Arial" panose="020B0604020202020204" pitchFamily="34" charset="0"/>
+        <a:buChar char="•"/>
         <a:defRPr sz="1800" kern="1200">
           <a:solidFill>
             <a:schemeClr val="tx1"/>
@@ -5059,8 +6020,16 @@
           <a:cs typeface="+mn-cs"/>
         </a:defRPr>
       </a:lvl2pPr>
-      <a:lvl3pPr marL="914400" algn="l" defTabSz="457200" rtl="0" eaLnBrk="1" latinLnBrk="0" hangingPunct="1">
-        <a:defRPr sz="1800" kern="1200">
+      <a:lvl3pPr marL="857250" indent="-171450" algn="l" defTabSz="685800" rtl="0" eaLnBrk="1" latinLnBrk="0" hangingPunct="1">
+        <a:lnSpc>
+          <a:spcPct val="90000"/>
+        </a:lnSpc>
+        <a:spcBef>
+          <a:spcPts val="375"/>
+        </a:spcBef>
+        <a:buFont typeface="Arial" panose="020B0604020202020204" pitchFamily="34" charset="0"/>
+        <a:buChar char="•"/>
+        <a:defRPr sz="1500" kern="1200">
           <a:solidFill>
             <a:schemeClr val="tx1"/>
           </a:solidFill>
@@ -5069,8 +6038,16 @@
           <a:cs typeface="+mn-cs"/>
         </a:defRPr>
       </a:lvl3pPr>
-      <a:lvl4pPr marL="1371600" algn="l" defTabSz="457200" rtl="0" eaLnBrk="1" latinLnBrk="0" hangingPunct="1">
-        <a:defRPr sz="1800" kern="1200">
+      <a:lvl4pPr marL="1200150" indent="-171450" algn="l" defTabSz="685800" rtl="0" eaLnBrk="1" latinLnBrk="0" hangingPunct="1">
+        <a:lnSpc>
+          <a:spcPct val="90000"/>
+        </a:lnSpc>
+        <a:spcBef>
+          <a:spcPts val="375"/>
+        </a:spcBef>
+        <a:buFont typeface="Arial" panose="020B0604020202020204" pitchFamily="34" charset="0"/>
+        <a:buChar char="•"/>
+        <a:defRPr sz="1350" kern="1200">
           <a:solidFill>
             <a:schemeClr val="tx1"/>
           </a:solidFill>
@@ -5079,8 +6056,16 @@
           <a:cs typeface="+mn-cs"/>
         </a:defRPr>
       </a:lvl4pPr>
-      <a:lvl5pPr marL="1828800" algn="l" defTabSz="457200" rtl="0" eaLnBrk="1" latinLnBrk="0" hangingPunct="1">
-        <a:defRPr sz="1800" kern="1200">
+      <a:lvl5pPr marL="1543050" indent="-171450" algn="l" defTabSz="685800" rtl="0" eaLnBrk="1" latinLnBrk="0" hangingPunct="1">
+        <a:lnSpc>
+          <a:spcPct val="90000"/>
+        </a:lnSpc>
+        <a:spcBef>
+          <a:spcPts val="375"/>
+        </a:spcBef>
+        <a:buFont typeface="Arial" panose="020B0604020202020204" pitchFamily="34" charset="0"/>
+        <a:buChar char="•"/>
+        <a:defRPr sz="1350" kern="1200">
           <a:solidFill>
             <a:schemeClr val="tx1"/>
           </a:solidFill>
@@ -5089,8 +6074,16 @@
           <a:cs typeface="+mn-cs"/>
         </a:defRPr>
       </a:lvl5pPr>
-      <a:lvl6pPr marL="2286000" algn="l" defTabSz="457200" rtl="0" eaLnBrk="1" latinLnBrk="0" hangingPunct="1">
-        <a:defRPr sz="1800" kern="1200">
+      <a:lvl6pPr marL="1885950" indent="-171450" algn="l" defTabSz="685800" rtl="0" eaLnBrk="1" latinLnBrk="0" hangingPunct="1">
+        <a:lnSpc>
+          <a:spcPct val="90000"/>
+        </a:lnSpc>
+        <a:spcBef>
+          <a:spcPts val="375"/>
+        </a:spcBef>
+        <a:buFont typeface="Arial" panose="020B0604020202020204" pitchFamily="34" charset="0"/>
+        <a:buChar char="•"/>
+        <a:defRPr sz="1350" kern="1200">
           <a:solidFill>
             <a:schemeClr val="tx1"/>
           </a:solidFill>
@@ -5099,8 +6092,16 @@
           <a:cs typeface="+mn-cs"/>
         </a:defRPr>
       </a:lvl6pPr>
-      <a:lvl7pPr marL="2743200" algn="l" defTabSz="457200" rtl="0" eaLnBrk="1" latinLnBrk="0" hangingPunct="1">
-        <a:defRPr sz="1800" kern="1200">
+      <a:lvl7pPr marL="2228850" indent="-171450" algn="l" defTabSz="685800" rtl="0" eaLnBrk="1" latinLnBrk="0" hangingPunct="1">
+        <a:lnSpc>
+          <a:spcPct val="90000"/>
+        </a:lnSpc>
+        <a:spcBef>
+          <a:spcPts val="375"/>
+        </a:spcBef>
+        <a:buFont typeface="Arial" panose="020B0604020202020204" pitchFamily="34" charset="0"/>
+        <a:buChar char="•"/>
+        <a:defRPr sz="1350" kern="1200">
           <a:solidFill>
             <a:schemeClr val="tx1"/>
           </a:solidFill>
@@ -5109,8 +6110,16 @@
           <a:cs typeface="+mn-cs"/>
         </a:defRPr>
       </a:lvl7pPr>
-      <a:lvl8pPr marL="3200400" algn="l" defTabSz="457200" rtl="0" eaLnBrk="1" latinLnBrk="0" hangingPunct="1">
-        <a:defRPr sz="1800" kern="1200">
+      <a:lvl8pPr marL="2571750" indent="-171450" algn="l" defTabSz="685800" rtl="0" eaLnBrk="1" latinLnBrk="0" hangingPunct="1">
+        <a:lnSpc>
+          <a:spcPct val="90000"/>
+        </a:lnSpc>
+        <a:spcBef>
+          <a:spcPts val="375"/>
+        </a:spcBef>
+        <a:buFont typeface="Arial" panose="020B0604020202020204" pitchFamily="34" charset="0"/>
+        <a:buChar char="•"/>
+        <a:defRPr sz="1350" kern="1200">
           <a:solidFill>
             <a:schemeClr val="tx1"/>
           </a:solidFill>
@@ -5119,8 +6128,111 @@
           <a:cs typeface="+mn-cs"/>
         </a:defRPr>
       </a:lvl8pPr>
-      <a:lvl9pPr marL="3657600" algn="l" defTabSz="457200" rtl="0" eaLnBrk="1" latinLnBrk="0" hangingPunct="1">
-        <a:defRPr sz="1800" kern="1200">
+      <a:lvl9pPr marL="2914650" indent="-171450" algn="l" defTabSz="685800" rtl="0" eaLnBrk="1" latinLnBrk="0" hangingPunct="1">
+        <a:lnSpc>
+          <a:spcPct val="90000"/>
+        </a:lnSpc>
+        <a:spcBef>
+          <a:spcPts val="375"/>
+        </a:spcBef>
+        <a:buFont typeface="Arial" panose="020B0604020202020204" pitchFamily="34" charset="0"/>
+        <a:buChar char="•"/>
+        <a:defRPr sz="1350" kern="1200">
+          <a:solidFill>
+            <a:schemeClr val="tx1"/>
+          </a:solidFill>
+          <a:latin typeface="+mn-lt"/>
+          <a:ea typeface="+mn-ea"/>
+          <a:cs typeface="+mn-cs"/>
+        </a:defRPr>
+      </a:lvl9pPr>
+    </p:bodyStyle>
+    <p:otherStyle>
+      <a:defPPr>
+        <a:defRPr lang="en-US"/>
+      </a:defPPr>
+      <a:lvl1pPr marL="0" algn="l" defTabSz="685800" rtl="0" eaLnBrk="1" latinLnBrk="0" hangingPunct="1">
+        <a:defRPr sz="1350" kern="1200">
+          <a:solidFill>
+            <a:schemeClr val="tx1"/>
+          </a:solidFill>
+          <a:latin typeface="+mn-lt"/>
+          <a:ea typeface="+mn-ea"/>
+          <a:cs typeface="+mn-cs"/>
+        </a:defRPr>
+      </a:lvl1pPr>
+      <a:lvl2pPr marL="342900" algn="l" defTabSz="685800" rtl="0" eaLnBrk="1" latinLnBrk="0" hangingPunct="1">
+        <a:defRPr sz="1350" kern="1200">
+          <a:solidFill>
+            <a:schemeClr val="tx1"/>
+          </a:solidFill>
+          <a:latin typeface="+mn-lt"/>
+          <a:ea typeface="+mn-ea"/>
+          <a:cs typeface="+mn-cs"/>
+        </a:defRPr>
+      </a:lvl2pPr>
+      <a:lvl3pPr marL="685800" algn="l" defTabSz="685800" rtl="0" eaLnBrk="1" latinLnBrk="0" hangingPunct="1">
+        <a:defRPr sz="1350" kern="1200">
+          <a:solidFill>
+            <a:schemeClr val="tx1"/>
+          </a:solidFill>
+          <a:latin typeface="+mn-lt"/>
+          <a:ea typeface="+mn-ea"/>
+          <a:cs typeface="+mn-cs"/>
+        </a:defRPr>
+      </a:lvl3pPr>
+      <a:lvl4pPr marL="1028700" algn="l" defTabSz="685800" rtl="0" eaLnBrk="1" latinLnBrk="0" hangingPunct="1">
+        <a:defRPr sz="1350" kern="1200">
+          <a:solidFill>
+            <a:schemeClr val="tx1"/>
+          </a:solidFill>
+          <a:latin typeface="+mn-lt"/>
+          <a:ea typeface="+mn-ea"/>
+          <a:cs typeface="+mn-cs"/>
+        </a:defRPr>
+      </a:lvl4pPr>
+      <a:lvl5pPr marL="1371600" algn="l" defTabSz="685800" rtl="0" eaLnBrk="1" latinLnBrk="0" hangingPunct="1">
+        <a:defRPr sz="1350" kern="1200">
+          <a:solidFill>
+            <a:schemeClr val="tx1"/>
+          </a:solidFill>
+          <a:latin typeface="+mn-lt"/>
+          <a:ea typeface="+mn-ea"/>
+          <a:cs typeface="+mn-cs"/>
+        </a:defRPr>
+      </a:lvl5pPr>
+      <a:lvl6pPr marL="1714500" algn="l" defTabSz="685800" rtl="0" eaLnBrk="1" latinLnBrk="0" hangingPunct="1">
+        <a:defRPr sz="1350" kern="1200">
+          <a:solidFill>
+            <a:schemeClr val="tx1"/>
+          </a:solidFill>
+          <a:latin typeface="+mn-lt"/>
+          <a:ea typeface="+mn-ea"/>
+          <a:cs typeface="+mn-cs"/>
+        </a:defRPr>
+      </a:lvl6pPr>
+      <a:lvl7pPr marL="2057400" algn="l" defTabSz="685800" rtl="0" eaLnBrk="1" latinLnBrk="0" hangingPunct="1">
+        <a:defRPr sz="1350" kern="1200">
+          <a:solidFill>
+            <a:schemeClr val="tx1"/>
+          </a:solidFill>
+          <a:latin typeface="+mn-lt"/>
+          <a:ea typeface="+mn-ea"/>
+          <a:cs typeface="+mn-cs"/>
+        </a:defRPr>
+      </a:lvl7pPr>
+      <a:lvl8pPr marL="2400300" algn="l" defTabSz="685800" rtl="0" eaLnBrk="1" latinLnBrk="0" hangingPunct="1">
+        <a:defRPr sz="1350" kern="1200">
+          <a:solidFill>
+            <a:schemeClr val="tx1"/>
+          </a:solidFill>
+          <a:latin typeface="+mn-lt"/>
+          <a:ea typeface="+mn-ea"/>
+          <a:cs typeface="+mn-cs"/>
+        </a:defRPr>
+      </a:lvl8pPr>
+      <a:lvl9pPr marL="2743200" algn="l" defTabSz="685800" rtl="0" eaLnBrk="1" latinLnBrk="0" hangingPunct="1">
+        <a:defRPr sz="1350" kern="1200">
           <a:solidFill>
             <a:schemeClr val="tx1"/>
           </a:solidFill>
@@ -5162,10 +6274,6 @@
           </p:nvPr>
         </p:nvSpPr>
         <p:spPr>
-          <a:xfrm>
-            <a:off x="311708" y="992766"/>
-            <a:ext cx="8520600" cy="2736900"/>
-          </a:xfrm>
           <a:prstGeom prst="rect">
             <a:avLst/>
           </a:prstGeom>
@@ -5175,12 +6283,15 @@
           </a:ln>
         </p:spPr>
         <p:txBody>
-          <a:bodyPr lIns="91425" tIns="45700" rIns="91425" bIns="45700" anchor="ctr" anchorCtr="0">
+          <a:bodyPr vert="horz" wrap="square" lIns="91425" tIns="45700" rIns="91425" bIns="45700" numCol="1" anchor="ctr" anchorCtr="0" compatLnSpc="1">
+            <a:prstTxWarp prst="textNoShape">
+              <a:avLst/>
+            </a:prstTxWarp>
             <a:noAutofit/>
           </a:bodyPr>
           <a:lstStyle/>
           <a:p>
-            <a:pPr marL="0" marR="0" lvl="0" indent="0" algn="ctr" rtl="0">
+            <a:pPr>
               <a:spcBef>
                 <a:spcPts val="0"/>
               </a:spcBef>
@@ -5188,11 +6299,9 @@
                 <a:schemeClr val="dk1"/>
               </a:buClr>
               <a:buSzPct val="25000"/>
-              <a:buFont typeface="Calibri"/>
-              <a:buNone/>
             </a:pPr>
             <a:r>
-              <a:rPr lang="en-US" sz="4400">
+              <a:rPr lang="en-US">
                 <a:latin typeface="Calibri"/>
                 <a:ea typeface="Calibri"/>
                 <a:cs typeface="Calibri"/>
@@ -5214,10 +6323,6 @@
           </p:nvPr>
         </p:nvSpPr>
         <p:spPr>
-          <a:xfrm>
-            <a:off x="311700" y="3778819"/>
-            <a:ext cx="8520600" cy="1734000"/>
-          </a:xfrm>
           <a:prstGeom prst="rect">
             <a:avLst/>
           </a:prstGeom>
@@ -5227,12 +6332,15 @@
           </a:ln>
         </p:spPr>
         <p:txBody>
-          <a:bodyPr lIns="91425" tIns="45700" rIns="91425" bIns="45700" anchor="t" anchorCtr="0">
+          <a:bodyPr vert="horz" wrap="square" lIns="91425" tIns="45700" rIns="91425" bIns="45700" numCol="1" anchor="t" anchorCtr="0" compatLnSpc="1">
+            <a:prstTxWarp prst="textNoShape">
+              <a:avLst/>
+            </a:prstTxWarp>
             <a:noAutofit/>
           </a:bodyPr>
           <a:lstStyle/>
           <a:p>
-            <a:pPr marL="0" marR="0" lvl="0" indent="0" algn="ctr" rtl="0">
+            <a:pPr>
               <a:spcBef>
                 <a:spcPts val="0"/>
               </a:spcBef>
@@ -5243,11 +6351,9 @@
                 <a:srgbClr val="888888"/>
               </a:buClr>
               <a:buSzPct val="25000"/>
-              <a:buFont typeface="Arial"/>
-              <a:buNone/>
             </a:pPr>
             <a:r>
-              <a:rPr lang="en-US" sz="3200" b="0" i="0" u="none" strike="noStrike" cap="none">
+              <a:rPr lang="en-US">
                 <a:solidFill>
                   <a:srgbClr val="888888"/>
                 </a:solidFill>
@@ -5260,7 +6366,7 @@
             </a:r>
           </a:p>
           <a:p>
-            <a:pPr marL="0" marR="0" lvl="0" indent="0" algn="ctr" rtl="0">
+            <a:pPr>
               <a:spcBef>
                 <a:spcPts val="640"/>
               </a:spcBef>
@@ -5268,11 +6374,9 @@
                 <a:srgbClr val="888888"/>
               </a:buClr>
               <a:buSzPct val="25000"/>
-              <a:buFont typeface="Arial"/>
-              <a:buNone/>
             </a:pPr>
             <a:r>
-              <a:rPr lang="en-US" sz="3200" b="0" i="0" u="none" strike="noStrike" cap="none">
+              <a:rPr lang="en-US">
                 <a:solidFill>
                   <a:srgbClr val="888888"/>
                 </a:solidFill>
@@ -5285,7 +6389,7 @@
             </a:r>
           </a:p>
           <a:p>
-            <a:pPr marL="0" marR="0" lvl="0" indent="0" algn="ctr" rtl="0">
+            <a:pPr>
               <a:spcBef>
                 <a:spcPts val="640"/>
               </a:spcBef>
@@ -5293,8 +6397,6 @@
                 <a:srgbClr val="888888"/>
               </a:buClr>
               <a:buSzPct val="25000"/>
-              <a:buFont typeface="Arial"/>
-              <a:buNone/>
             </a:pPr>
             <a:r>
               <a:rPr lang="en-US" sz="2400">
@@ -5319,7 +6421,7 @@
         </p:nvSpPr>
         <p:spPr>
           <a:xfrm>
-            <a:off x="5508104" y="548675"/>
+            <a:off x="5623702" y="339502"/>
             <a:ext cx="3222721" cy="510900"/>
           </a:xfrm>
           <a:prstGeom prst="roundRect">
@@ -5328,7 +6430,10 @@
             </a:avLst>
           </a:prstGeom>
           <a:solidFill>
-            <a:srgbClr val="FFAB40"/>
+            <a:schemeClr val="accent4">
+              <a:lumMod val="60000"/>
+              <a:lumOff val="40000"/>
+            </a:schemeClr>
           </a:solidFill>
           <a:ln w="9525" cap="flat" cmpd="sng">
             <a:solidFill>
@@ -5346,7 +6451,7 @@
           </a:bodyPr>
           <a:lstStyle/>
           <a:p>
-            <a:pPr lvl="0" algn="ctr" rtl="0">
+            <a:pPr algn="ctr">
               <a:spcBef>
                 <a:spcPts val="0"/>
               </a:spcBef>
@@ -5354,11 +6459,9 @@
                 <a:schemeClr val="dk1"/>
               </a:buClr>
               <a:buSzPct val="25000"/>
-              <a:buFont typeface="Times New Roman"/>
-              <a:buNone/>
             </a:pPr>
             <a:r>
-              <a:rPr lang="en-US" sz="2400" dirty="0" smtClean="0">
+              <a:rPr lang="en-US" dirty="0">
                 <a:solidFill>
                   <a:schemeClr val="dk1"/>
                 </a:solidFill>
@@ -5369,15 +6472,35 @@
               </a:rPr>
               <a:t>LEX8: Lexical Analyzer</a:t>
             </a:r>
-            <a:endParaRPr lang="en-US" sz="2400" dirty="0">
-              <a:solidFill>
-                <a:schemeClr val="dk1"/>
-              </a:solidFill>
-              <a:latin typeface="Calibri"/>
-              <a:ea typeface="Calibri"/>
-              <a:cs typeface="Calibri"/>
-              <a:sym typeface="Calibri"/>
-            </a:endParaRPr>
+          </a:p>
+        </p:txBody>
+      </p:sp>
+      <p:sp>
+        <p:nvSpPr>
+          <p:cNvPr id="2" name="Slide Number Placeholder 1">
+            <a:extLst>
+              <a:ext uri="{FF2B5EF4-FFF2-40B4-BE49-F238E27FC236}">
+                <a16:creationId xmlns:a16="http://schemas.microsoft.com/office/drawing/2014/main" id="{4AF70845-0908-5346-AAAE-48C064AFBD1F}"/>
+              </a:ext>
+            </a:extLst>
+          </p:cNvPr>
+          <p:cNvSpPr>
+            <a:spLocks noGrp="1"/>
+          </p:cNvSpPr>
+          <p:nvPr>
+            <p:ph type="sldNum" sz="quarter" idx="12"/>
+          </p:nvPr>
+        </p:nvSpPr>
+        <p:spPr/>
+        <p:txBody>
+          <a:bodyPr/>
+          <a:lstStyle/>
+          <a:p>
+            <a:fld id="{7B252BF6-6A9C-D04A-BBE8-37A07D64A1C3}" type="slidenum">
+              <a:rPr lang="en-US" smtClean="0"/>
+              <a:t>1</a:t>
+            </a:fld>
+            <a:endParaRPr lang="en-US"/>
           </a:p>
         </p:txBody>
       </p:sp>
@@ -5413,12 +6536,12 @@
       </p:grpSpPr>
       <p:sp>
         <p:nvSpPr>
-          <p:cNvPr id="4" name="Date Placeholder 3"/>
+          <p:cNvPr id="345090" name="Rectangle 2"/>
           <p:cNvSpPr>
-            <a:spLocks noGrp="1"/>
+            <a:spLocks noGrp="1" noChangeArrowheads="1"/>
           </p:cNvSpPr>
           <p:nvPr>
-            <p:ph type="dt" sz="half" idx="10"/>
+            <p:ph type="title"/>
           </p:nvPr>
         </p:nvSpPr>
         <p:spPr/>
@@ -5426,12 +6549,172 @@
           <a:bodyPr/>
           <a:lstStyle/>
           <a:p>
-            <a:fld id="{30D3C60B-2EA3-2F47-A01A-79C8BFDF0F1B}" type="datetime1">
+            <a:r>
               <a:rPr lang="en-US"/>
-              <a:pPr/>
-              <a:t>16-06-14</a:t>
-            </a:fld>
-            <a:endParaRPr lang="en-US"/>
+              <a:t>Lexical Analyzer using NFAs</a:t>
+            </a:r>
+          </a:p>
+        </p:txBody>
+      </p:sp>
+      <p:sp>
+        <p:nvSpPr>
+          <p:cNvPr id="345091" name="Rectangle 3"/>
+          <p:cNvSpPr>
+            <a:spLocks noGrp="1" noChangeArrowheads="1"/>
+          </p:cNvSpPr>
+          <p:nvPr>
+            <p:ph idx="1"/>
+          </p:nvPr>
+        </p:nvSpPr>
+        <p:spPr/>
+        <p:txBody>
+          <a:bodyPr>
+            <a:normAutofit fontScale="77500" lnSpcReduction="20000"/>
+          </a:bodyPr>
+          <a:lstStyle/>
+          <a:p>
+            <a:pPr>
+              <a:lnSpc>
+                <a:spcPct val="90000"/>
+              </a:lnSpc>
+            </a:pPr>
+            <a:r>
+              <a:rPr lang="en-US" sz="2400" dirty="0"/>
+              <a:t>For each token convert its </a:t>
+            </a:r>
+            <a:r>
+              <a:rPr lang="en-US" sz="2400" dirty="0" err="1"/>
+              <a:t>regexp</a:t>
+            </a:r>
+            <a:r>
+              <a:rPr lang="en-US" sz="2400" dirty="0"/>
+              <a:t> into a DFA or NFA</a:t>
+            </a:r>
+          </a:p>
+          <a:p>
+            <a:pPr>
+              <a:lnSpc>
+                <a:spcPct val="90000"/>
+              </a:lnSpc>
+            </a:pPr>
+            <a:r>
+              <a:rPr lang="en-US" sz="2400" dirty="0"/>
+              <a:t>Create a new start state and create a transition on </a:t>
+            </a:r>
+            <a:r>
+              <a:rPr lang="en-US" sz="2400" dirty="0">
+                <a:sym typeface="Symbol" charset="2"/>
+              </a:rPr>
+              <a:t></a:t>
+            </a:r>
+            <a:r>
+              <a:rPr lang="en-US" sz="2400" dirty="0"/>
+              <a:t> to the start state of the automaton for each token</a:t>
+            </a:r>
+          </a:p>
+          <a:p>
+            <a:pPr>
+              <a:lnSpc>
+                <a:spcPct val="90000"/>
+              </a:lnSpc>
+            </a:pPr>
+            <a:r>
+              <a:rPr lang="en-US" sz="2400" dirty="0"/>
+              <a:t>For input </a:t>
+            </a:r>
+            <a:r>
+              <a:rPr lang="en-US" sz="2400" i="1" dirty="0"/>
+              <a:t>i</a:t>
+            </a:r>
+            <a:r>
+              <a:rPr lang="en-US" sz="2400" i="1" baseline="-25000" dirty="0"/>
+              <a:t>1</a:t>
+            </a:r>
+            <a:r>
+              <a:rPr lang="en-US" sz="2400" i="1" dirty="0"/>
+              <a:t>, i</a:t>
+            </a:r>
+            <a:r>
+              <a:rPr lang="en-US" sz="2400" i="1" baseline="-25000" dirty="0"/>
+              <a:t>2</a:t>
+            </a:r>
+            <a:r>
+              <a:rPr lang="en-US" sz="2400" i="1" dirty="0"/>
+              <a:t>, …, i</a:t>
+            </a:r>
+            <a:r>
+              <a:rPr lang="en-US" sz="2400" i="1" baseline="-25000" dirty="0"/>
+              <a:t>n</a:t>
+            </a:r>
+            <a:r>
+              <a:rPr lang="en-US" sz="2400" dirty="0"/>
+              <a:t> run NFA simulation which returns some final states (each final state indicates a token)</a:t>
+            </a:r>
+          </a:p>
+          <a:p>
+            <a:pPr>
+              <a:lnSpc>
+                <a:spcPct val="90000"/>
+              </a:lnSpc>
+            </a:pPr>
+            <a:r>
+              <a:rPr lang="en-US" sz="2400" dirty="0"/>
+              <a:t>If no final state is reached then raise an error</a:t>
+            </a:r>
+          </a:p>
+          <a:p>
+            <a:pPr>
+              <a:lnSpc>
+                <a:spcPct val="90000"/>
+              </a:lnSpc>
+            </a:pPr>
+            <a:r>
+              <a:rPr lang="en-US" sz="2400" dirty="0"/>
+              <a:t>Pick the final state (token) that has the longest match in the input, </a:t>
+            </a:r>
+          </a:p>
+          <a:p>
+            <a:pPr lvl="1">
+              <a:lnSpc>
+                <a:spcPct val="90000"/>
+              </a:lnSpc>
+            </a:pPr>
+            <a:r>
+              <a:rPr lang="en-US" sz="2000" dirty="0"/>
+              <a:t>e.g. prefer DFA #8 over all others because it read the input until </a:t>
+            </a:r>
+            <a:r>
+              <a:rPr lang="en-US" sz="2000" i="1" dirty="0"/>
+              <a:t>i</a:t>
+            </a:r>
+            <a:r>
+              <a:rPr lang="en-US" sz="2000" i="1" baseline="-25000" dirty="0"/>
+              <a:t>30</a:t>
+            </a:r>
+            <a:r>
+              <a:rPr lang="en-US" sz="2000" dirty="0"/>
+              <a:t> and none of the other DFAs reached </a:t>
+            </a:r>
+            <a:r>
+              <a:rPr lang="en-US" sz="2000" i="1" dirty="0"/>
+              <a:t>i</a:t>
+            </a:r>
+            <a:r>
+              <a:rPr lang="en-US" sz="2000" i="1" baseline="-25000" dirty="0"/>
+              <a:t>30</a:t>
+            </a:r>
+            <a:endParaRPr lang="en-US" sz="2000" dirty="0"/>
+          </a:p>
+          <a:p>
+            <a:pPr lvl="1">
+              <a:lnSpc>
+                <a:spcPct val="90000"/>
+              </a:lnSpc>
+            </a:pPr>
+            <a:r>
+              <a:rPr lang="en-US" sz="2000" dirty="0"/>
+              <a:t>If two DFAs reach the same input character then pick the one that is listed first in the ordered list</a:t>
+            </a:r>
           </a:p>
         </p:txBody>
       </p:sp>
@@ -5459,180 +6742,6 @@
           </a:p>
         </p:txBody>
       </p:sp>
-      <p:sp>
-        <p:nvSpPr>
-          <p:cNvPr id="345090" name="Rectangle 2"/>
-          <p:cNvSpPr>
-            <a:spLocks noGrp="1" noChangeArrowheads="1"/>
-          </p:cNvSpPr>
-          <p:nvPr>
-            <p:ph type="title"/>
-          </p:nvPr>
-        </p:nvSpPr>
-        <p:spPr/>
-        <p:txBody>
-          <a:bodyPr/>
-          <a:lstStyle/>
-          <a:p>
-            <a:r>
-              <a:rPr lang="en-US"/>
-              <a:t>Lexical Analyzer using NFAs</a:t>
-            </a:r>
-          </a:p>
-        </p:txBody>
-      </p:sp>
-      <p:sp>
-        <p:nvSpPr>
-          <p:cNvPr id="345091" name="Rectangle 3"/>
-          <p:cNvSpPr>
-            <a:spLocks noGrp="1" noChangeArrowheads="1"/>
-          </p:cNvSpPr>
-          <p:nvPr>
-            <p:ph type="body" idx="1"/>
-          </p:nvPr>
-        </p:nvSpPr>
-        <p:spPr/>
-        <p:txBody>
-          <a:bodyPr/>
-          <a:lstStyle/>
-          <a:p>
-            <a:pPr>
-              <a:lnSpc>
-                <a:spcPct val="90000"/>
-              </a:lnSpc>
-            </a:pPr>
-            <a:r>
-              <a:rPr lang="en-US" sz="2400"/>
-              <a:t>For each token convert its regexp into a DFA or NFA</a:t>
-            </a:r>
-          </a:p>
-          <a:p>
-            <a:pPr>
-              <a:lnSpc>
-                <a:spcPct val="90000"/>
-              </a:lnSpc>
-            </a:pPr>
-            <a:r>
-              <a:rPr lang="en-US" sz="2400"/>
-              <a:t>Create a new start state and create a transition on </a:t>
-            </a:r>
-            <a:r>
-              <a:rPr lang="en-US" sz="2400">
-                <a:sym typeface="Symbol" charset="2"/>
-              </a:rPr>
-              <a:t></a:t>
-            </a:r>
-            <a:r>
-              <a:rPr lang="en-US" sz="2400"/>
-              <a:t> to the start state of the automaton for each token</a:t>
-            </a:r>
-          </a:p>
-          <a:p>
-            <a:pPr>
-              <a:lnSpc>
-                <a:spcPct val="90000"/>
-              </a:lnSpc>
-            </a:pPr>
-            <a:r>
-              <a:rPr lang="en-US" sz="2400"/>
-              <a:t>For input </a:t>
-            </a:r>
-            <a:r>
-              <a:rPr lang="en-US" sz="2400" i="1"/>
-              <a:t>i</a:t>
-            </a:r>
-            <a:r>
-              <a:rPr lang="en-US" sz="2400" i="1" baseline="-25000"/>
-              <a:t>1</a:t>
-            </a:r>
-            <a:r>
-              <a:rPr lang="en-US" sz="2400" i="1"/>
-              <a:t>, i</a:t>
-            </a:r>
-            <a:r>
-              <a:rPr lang="en-US" sz="2400" i="1" baseline="-25000"/>
-              <a:t>2</a:t>
-            </a:r>
-            <a:r>
-              <a:rPr lang="en-US" sz="2400" i="1"/>
-              <a:t>, …, i</a:t>
-            </a:r>
-            <a:r>
-              <a:rPr lang="en-US" sz="2400" i="1" baseline="-25000"/>
-              <a:t>n</a:t>
-            </a:r>
-            <a:r>
-              <a:rPr lang="en-US" sz="2400"/>
-              <a:t> run NFA simulation which returns some final states (each final state indicates a token)</a:t>
-            </a:r>
-          </a:p>
-          <a:p>
-            <a:pPr>
-              <a:lnSpc>
-                <a:spcPct val="90000"/>
-              </a:lnSpc>
-            </a:pPr>
-            <a:r>
-              <a:rPr lang="en-US" sz="2400"/>
-              <a:t>If no final state is reached then raise an error</a:t>
-            </a:r>
-          </a:p>
-          <a:p>
-            <a:pPr>
-              <a:lnSpc>
-                <a:spcPct val="90000"/>
-              </a:lnSpc>
-            </a:pPr>
-            <a:r>
-              <a:rPr lang="en-US" sz="2400"/>
-              <a:t>Pick the final state (token) that has the longest match in the input, </a:t>
-            </a:r>
-          </a:p>
-          <a:p>
-            <a:pPr lvl="1">
-              <a:lnSpc>
-                <a:spcPct val="90000"/>
-              </a:lnSpc>
-            </a:pPr>
-            <a:r>
-              <a:rPr lang="en-US" sz="2000"/>
-              <a:t>e.g. prefer DFA #8 over all others because it read the input until </a:t>
-            </a:r>
-            <a:r>
-              <a:rPr lang="en-US" sz="2000" i="1"/>
-              <a:t>i</a:t>
-            </a:r>
-            <a:r>
-              <a:rPr lang="en-US" sz="2000" i="1" baseline="-25000"/>
-              <a:t>30</a:t>
-            </a:r>
-            <a:r>
-              <a:rPr lang="en-US" sz="2000"/>
-              <a:t> and none of the other DFAs reached </a:t>
-            </a:r>
-            <a:r>
-              <a:rPr lang="en-US" sz="2000" i="1"/>
-              <a:t>i</a:t>
-            </a:r>
-            <a:r>
-              <a:rPr lang="en-US" sz="2000" i="1" baseline="-25000"/>
-              <a:t>30</a:t>
-            </a:r>
-            <a:endParaRPr lang="en-US" sz="2000"/>
-          </a:p>
-          <a:p>
-            <a:pPr lvl="1">
-              <a:lnSpc>
-                <a:spcPct val="90000"/>
-              </a:lnSpc>
-            </a:pPr>
-            <a:r>
-              <a:rPr lang="en-US" sz="2000"/>
-              <a:t>If two DFAs reach the same input character then pick the one that is listed first in the ordered list</a:t>
-            </a:r>
-          </a:p>
-        </p:txBody>
-      </p:sp>
     </p:spTree>
     <p:extLst>
       <p:ext uri="{BB962C8B-B14F-4D97-AF65-F5344CB8AC3E}">
@@ -5646,7 +6755,7 @@
   <p:timing>
     <p:tnLst>
       <p:par>
-        <p:cTn xmlns:p14="http://schemas.microsoft.com/office/powerpoint/2010/main" id="1" dur="indefinite" restart="never" nodeType="tmRoot">
+        <p:cTn id="1" dur="indefinite" restart="never" nodeType="tmRoot">
           <p:childTnLst>
             <p:seq concurrent="1" nextAc="seek">
               <p:cTn id="2" dur="indefinite" nodeType="mainSeq">
@@ -6005,12 +7114,12 @@
       </p:grpSpPr>
       <p:sp>
         <p:nvSpPr>
-          <p:cNvPr id="37" name="Date Placeholder 2"/>
+          <p:cNvPr id="347156" name="Rectangle 20"/>
           <p:cNvSpPr>
-            <a:spLocks noGrp="1"/>
+            <a:spLocks noGrp="1" noChangeArrowheads="1"/>
           </p:cNvSpPr>
           <p:nvPr>
-            <p:ph type="dt" sz="half" idx="10"/>
+            <p:ph type="title"/>
           </p:nvPr>
         </p:nvSpPr>
         <p:spPr/>
@@ -6018,12 +7127,10 @@
           <a:bodyPr/>
           <a:lstStyle/>
           <a:p>
-            <a:fld id="{7F44FF3B-10DF-6443-B927-CA87002A8284}" type="datetime1">
+            <a:r>
               <a:rPr lang="en-US"/>
-              <a:pPr/>
-              <a:t>16-06-14</a:t>
-            </a:fld>
-            <a:endParaRPr lang="en-US"/>
+              <a:t>Lexical Analysis using NFAs</a:t>
+            </a:r>
           </a:p>
         </p:txBody>
       </p:sp>
@@ -6051,28 +7158,6 @@
           </a:p>
         </p:txBody>
       </p:sp>
-      <p:sp>
-        <p:nvSpPr>
-          <p:cNvPr id="347156" name="Rectangle 20"/>
-          <p:cNvSpPr>
-            <a:spLocks noGrp="1" noChangeArrowheads="1"/>
-          </p:cNvSpPr>
-          <p:nvPr>
-            <p:ph type="title"/>
-          </p:nvPr>
-        </p:nvSpPr>
-        <p:spPr/>
-        <p:txBody>
-          <a:bodyPr/>
-          <a:lstStyle/>
-          <a:p>
-            <a:r>
-              <a:rPr lang="en-US"/>
-              <a:t>Lexical Analysis using NFAs</a:t>
-            </a:r>
-          </a:p>
-        </p:txBody>
-      </p:sp>
       <p:grpSp>
         <p:nvGrpSpPr>
           <p:cNvPr id="347184" name="Group 48"/>
@@ -6083,7 +7168,7 @@
         </p:nvGrpSpPr>
         <p:grpSpPr bwMode="auto">
           <a:xfrm>
-            <a:off x="1600200" y="1738313"/>
+            <a:off x="1600200" y="881063"/>
             <a:ext cx="1752600" cy="685800"/>
             <a:chOff x="1008" y="1095"/>
             <a:chExt cx="1104" cy="432"/>
@@ -6314,7 +7399,7 @@
         </p:nvGrpSpPr>
         <p:grpSpPr bwMode="auto">
           <a:xfrm>
-            <a:off x="1600200" y="2805113"/>
+            <a:off x="1600200" y="1947863"/>
             <a:ext cx="4191000" cy="685800"/>
             <a:chOff x="1008" y="1767"/>
             <a:chExt cx="2640" cy="432"/>
@@ -6771,7 +7856,7 @@
         </p:nvGrpSpPr>
         <p:grpSpPr bwMode="auto">
           <a:xfrm>
-            <a:off x="1295400" y="3795713"/>
+            <a:off x="1295400" y="2938463"/>
             <a:ext cx="2393950" cy="952500"/>
             <a:chOff x="816" y="2391"/>
             <a:chExt cx="1508" cy="600"/>
@@ -7148,7 +8233,7 @@
         </p:nvSpPr>
         <p:spPr bwMode="auto">
           <a:xfrm>
-            <a:off x="6248400" y="1847850"/>
+            <a:off x="6248400" y="990601"/>
             <a:ext cx="2058988" cy="466725"/>
           </a:xfrm>
           <a:prstGeom prst="rect">
@@ -7193,7 +8278,7 @@
         </p:nvSpPr>
         <p:spPr bwMode="auto">
           <a:xfrm>
-            <a:off x="6248400" y="2914650"/>
+            <a:off x="6248401" y="2057401"/>
             <a:ext cx="2346325" cy="466725"/>
           </a:xfrm>
           <a:prstGeom prst="rect">
@@ -7238,7 +8323,7 @@
         </p:nvSpPr>
         <p:spPr bwMode="auto">
           <a:xfrm>
-            <a:off x="6248400" y="4038600"/>
+            <a:off x="6248401" y="3181351"/>
             <a:ext cx="2517775" cy="466725"/>
           </a:xfrm>
           <a:prstGeom prst="rect">
@@ -7286,7 +8371,7 @@
   <p:timing>
     <p:tnLst>
       <p:par>
-        <p:cTn xmlns:p14="http://schemas.microsoft.com/office/powerpoint/2010/main" id="1" dur="indefinite" restart="never" nodeType="tmRoot">
+        <p:cTn id="1" dur="indefinite" restart="never" nodeType="tmRoot">
           <p:childTnLst>
             <p:seq concurrent="1" nextAc="seek">
               <p:cTn id="2" dur="indefinite" nodeType="mainSeq">
@@ -7610,12 +8695,12 @@
       </p:grpSpPr>
       <p:sp>
         <p:nvSpPr>
-          <p:cNvPr id="69" name="Date Placeholder 2"/>
+          <p:cNvPr id="361474" name="Rectangle 2"/>
           <p:cNvSpPr>
-            <a:spLocks noGrp="1"/>
+            <a:spLocks noGrp="1" noChangeArrowheads="1"/>
           </p:cNvSpPr>
           <p:nvPr>
-            <p:ph type="dt" sz="half" idx="10"/>
+            <p:ph type="title"/>
           </p:nvPr>
         </p:nvSpPr>
         <p:spPr/>
@@ -7623,12 +8708,10 @@
           <a:bodyPr/>
           <a:lstStyle/>
           <a:p>
-            <a:fld id="{D57F02F5-6C6C-B84A-B2BE-4EB6AC7B8603}" type="datetime1">
+            <a:r>
               <a:rPr lang="en-US"/>
-              <a:pPr/>
-              <a:t>16-06-14</a:t>
-            </a:fld>
-            <a:endParaRPr lang="en-US"/>
+              <a:t>Lexical Analysis using NFAs</a:t>
+            </a:r>
           </a:p>
         </p:txBody>
       </p:sp>
@@ -7656,28 +8739,6 @@
           </a:p>
         </p:txBody>
       </p:sp>
-      <p:sp>
-        <p:nvSpPr>
-          <p:cNvPr id="361474" name="Rectangle 2"/>
-          <p:cNvSpPr>
-            <a:spLocks noGrp="1" noChangeArrowheads="1"/>
-          </p:cNvSpPr>
-          <p:nvPr>
-            <p:ph type="title"/>
-          </p:nvPr>
-        </p:nvSpPr>
-        <p:spPr/>
-        <p:txBody>
-          <a:bodyPr/>
-          <a:lstStyle/>
-          <a:p>
-            <a:r>
-              <a:rPr lang="en-US"/>
-              <a:t>Lexical Analysis using NFAs</a:t>
-            </a:r>
-          </a:p>
-        </p:txBody>
-      </p:sp>
       <p:grpSp>
         <p:nvGrpSpPr>
           <p:cNvPr id="361475" name="Group 3"/>
@@ -7688,7 +8749,7 @@
         </p:nvGrpSpPr>
         <p:grpSpPr bwMode="auto">
           <a:xfrm>
-            <a:off x="1600200" y="1738313"/>
+            <a:off x="1600200" y="881063"/>
             <a:ext cx="1752600" cy="685800"/>
             <a:chOff x="1008" y="1200"/>
             <a:chExt cx="1104" cy="432"/>
@@ -7919,7 +8980,7 @@
         </p:nvGrpSpPr>
         <p:grpSpPr bwMode="auto">
           <a:xfrm>
-            <a:off x="1600200" y="2805113"/>
+            <a:off x="1600200" y="1947863"/>
             <a:ext cx="4191000" cy="685800"/>
             <a:chOff x="1008" y="1872"/>
             <a:chExt cx="2640" cy="432"/>
@@ -8376,7 +9437,7 @@
         </p:nvGrpSpPr>
         <p:grpSpPr bwMode="auto">
           <a:xfrm>
-            <a:off x="1295400" y="3795713"/>
+            <a:off x="1295400" y="2938463"/>
             <a:ext cx="2393950" cy="952500"/>
             <a:chOff x="816" y="2496"/>
             <a:chExt cx="1508" cy="600"/>
@@ -8753,7 +9814,7 @@
         </p:nvSpPr>
         <p:spPr bwMode="auto">
           <a:xfrm>
-            <a:off x="6248400" y="1847850"/>
+            <a:off x="6248400" y="990601"/>
             <a:ext cx="2058988" cy="466725"/>
           </a:xfrm>
           <a:prstGeom prst="rect">
@@ -8798,7 +9859,7 @@
         </p:nvSpPr>
         <p:spPr bwMode="auto">
           <a:xfrm>
-            <a:off x="6248400" y="2914650"/>
+            <a:off x="6248401" y="2057401"/>
             <a:ext cx="2346325" cy="466725"/>
           </a:xfrm>
           <a:prstGeom prst="rect">
@@ -8843,7 +9904,7 @@
         </p:nvSpPr>
         <p:spPr bwMode="auto">
           <a:xfrm>
-            <a:off x="6248400" y="4038600"/>
+            <a:off x="6248401" y="3181351"/>
             <a:ext cx="2517775" cy="466725"/>
           </a:xfrm>
           <a:prstGeom prst="rect">
@@ -8888,7 +9949,7 @@
         </p:nvGrpSpPr>
         <p:grpSpPr bwMode="auto">
           <a:xfrm>
-            <a:off x="381000" y="2119313"/>
+            <a:off x="381000" y="1262063"/>
             <a:ext cx="1219200" cy="2057400"/>
             <a:chOff x="240" y="1335"/>
             <a:chExt cx="768" cy="1296"/>
@@ -9170,8 +10231,8 @@
         </p:nvSpPr>
         <p:spPr bwMode="auto">
           <a:xfrm>
-            <a:off x="228600" y="4800600"/>
-            <a:ext cx="1546225" cy="822325"/>
+            <a:off x="228600" y="3943351"/>
+            <a:ext cx="1558440" cy="830997"/>
           </a:xfrm>
           <a:prstGeom prst="rect">
             <a:avLst/>
@@ -9286,7 +10347,7 @@
         </p:nvSpPr>
         <p:spPr bwMode="auto">
           <a:xfrm>
-            <a:off x="1981200" y="4953000"/>
+            <a:off x="1981201" y="4095750"/>
             <a:ext cx="530225" cy="1612900"/>
           </a:xfrm>
           <a:prstGeom prst="roundRect">
@@ -9334,7 +10395,7 @@
         </p:nvSpPr>
         <p:spPr bwMode="auto">
           <a:xfrm>
-            <a:off x="3429000" y="5122863"/>
+            <a:off x="3429001" y="4265614"/>
             <a:ext cx="530225" cy="1273175"/>
           </a:xfrm>
           <a:prstGeom prst="roundRect">
@@ -9382,7 +10443,7 @@
         </p:nvSpPr>
         <p:spPr bwMode="auto">
           <a:xfrm>
-            <a:off x="4876800" y="5505450"/>
+            <a:off x="4876801" y="4648200"/>
             <a:ext cx="530225" cy="508000"/>
           </a:xfrm>
           <a:prstGeom prst="roundRect">
@@ -9430,8 +10491,8 @@
         </p:nvSpPr>
         <p:spPr bwMode="auto">
           <a:xfrm>
-            <a:off x="6326188" y="5491163"/>
-            <a:ext cx="527050" cy="536575"/>
+            <a:off x="6326188" y="4646811"/>
+            <a:ext cx="527050" cy="510778"/>
           </a:xfrm>
           <a:prstGeom prst="roundRect">
             <a:avLst>
@@ -9481,7 +10542,7 @@
         </p:nvGrpSpPr>
         <p:grpSpPr bwMode="auto">
           <a:xfrm>
-            <a:off x="2511425" y="5334000"/>
+            <a:off x="2511426" y="4476750"/>
             <a:ext cx="898525" cy="457200"/>
             <a:chOff x="1582" y="3360"/>
             <a:chExt cx="566" cy="288"/>
@@ -9569,7 +10630,7 @@
         </p:nvGrpSpPr>
         <p:grpSpPr bwMode="auto">
           <a:xfrm>
-            <a:off x="3978275" y="5334000"/>
+            <a:off x="3978276" y="4476750"/>
             <a:ext cx="898525" cy="457200"/>
             <a:chOff x="2506" y="3360"/>
             <a:chExt cx="566" cy="288"/>
@@ -9657,10 +10718,10 @@
         </p:nvGrpSpPr>
         <p:grpSpPr bwMode="auto">
           <a:xfrm>
-            <a:off x="5407025" y="5334000"/>
-            <a:ext cx="900113" cy="457200"/>
+            <a:off x="5407026" y="4476750"/>
+            <a:ext cx="919163" cy="457200"/>
             <a:chOff x="3406" y="3360"/>
-            <a:chExt cx="567" cy="288"/>
+            <a:chExt cx="579" cy="288"/>
           </a:xfrm>
         </p:grpSpPr>
         <p:cxnSp>
@@ -9676,7 +10737,7 @@
           <p:spPr bwMode="auto">
             <a:xfrm>
               <a:off x="3406" y="3628"/>
-              <a:ext cx="567" cy="0"/>
+              <a:ext cx="579" cy="0"/>
             </a:xfrm>
             <a:prstGeom prst="straightConnector1">
               <a:avLst/>
@@ -9745,7 +10806,7 @@
         </p:nvSpPr>
         <p:spPr bwMode="auto">
           <a:xfrm>
-            <a:off x="7618413" y="5505450"/>
+            <a:off x="7618414" y="4648200"/>
             <a:ext cx="1144587" cy="508000"/>
           </a:xfrm>
           <a:prstGeom prst="roundRect">
@@ -9796,10 +10857,10 @@
         </p:nvGrpSpPr>
         <p:grpSpPr bwMode="auto">
           <a:xfrm>
-            <a:off x="6872288" y="5334000"/>
-            <a:ext cx="746125" cy="457200"/>
-            <a:chOff x="4329" y="3360"/>
-            <a:chExt cx="470" cy="288"/>
+            <a:off x="6853239" y="4476750"/>
+            <a:ext cx="765175" cy="457200"/>
+            <a:chOff x="4317" y="3360"/>
+            <a:chExt cx="482" cy="288"/>
           </a:xfrm>
         </p:grpSpPr>
         <p:sp>
@@ -9855,8 +10916,8 @@
           </p:nvCxnSpPr>
           <p:spPr bwMode="auto">
             <a:xfrm>
-              <a:off x="4329" y="3628"/>
-              <a:ext cx="470" cy="0"/>
+              <a:off x="4317" y="3628"/>
+              <a:ext cx="482" cy="0"/>
             </a:xfrm>
             <a:prstGeom prst="straightConnector1">
               <a:avLst/>
@@ -9884,7 +10945,7 @@
         </p:nvSpPr>
         <p:spPr bwMode="auto">
           <a:xfrm>
-            <a:off x="3886200" y="6324600"/>
+            <a:off x="3886201" y="5467351"/>
             <a:ext cx="2632075" cy="396875"/>
           </a:xfrm>
           <a:prstGeom prst="rect">
@@ -9925,7 +10986,7 @@
         </p:nvSpPr>
         <p:spPr bwMode="auto">
           <a:xfrm>
-            <a:off x="6400800" y="4876800"/>
+            <a:off x="6400800" y="4019551"/>
             <a:ext cx="2617788" cy="396875"/>
           </a:xfrm>
           <a:prstGeom prst="rect">
@@ -9966,7 +11027,7 @@
         </p:nvSpPr>
         <p:spPr bwMode="auto">
           <a:xfrm>
-            <a:off x="2514600" y="4781550"/>
+            <a:off x="2514600" y="3924301"/>
             <a:ext cx="311150" cy="396875"/>
           </a:xfrm>
           <a:prstGeom prst="rect">
@@ -10012,7 +11073,7 @@
         </p:nvSpPr>
         <p:spPr bwMode="auto">
           <a:xfrm>
-            <a:off x="3886200" y="4781550"/>
+            <a:off x="3886200" y="3924301"/>
             <a:ext cx="311150" cy="396875"/>
           </a:xfrm>
           <a:prstGeom prst="rect">
@@ -10058,7 +11119,7 @@
         </p:nvSpPr>
         <p:spPr bwMode="auto">
           <a:xfrm>
-            <a:off x="5334000" y="5219700"/>
+            <a:off x="5334000" y="4362451"/>
             <a:ext cx="311150" cy="396875"/>
           </a:xfrm>
           <a:prstGeom prst="rect">
@@ -10104,7 +11165,7 @@
         </p:nvSpPr>
         <p:spPr bwMode="auto">
           <a:xfrm>
-            <a:off x="6781800" y="5219700"/>
+            <a:off x="6781800" y="4362451"/>
             <a:ext cx="311150" cy="396875"/>
           </a:xfrm>
           <a:prstGeom prst="rect">
@@ -10153,7 +11214,7 @@
   <p:timing>
     <p:tnLst>
       <p:par>
-        <p:cTn xmlns:p14="http://schemas.microsoft.com/office/powerpoint/2010/main" id="1" dur="indefinite" restart="never" nodeType="tmRoot">
+        <p:cTn id="1" dur="indefinite" restart="never" nodeType="tmRoot">
           <p:childTnLst>
             <p:seq concurrent="1" nextAc="seek">
               <p:cTn id="2" dur="indefinite" nodeType="mainSeq">
@@ -10936,12 +11997,12 @@
       </p:grpSpPr>
       <p:sp>
         <p:nvSpPr>
-          <p:cNvPr id="59" name="Date Placeholder 2"/>
+          <p:cNvPr id="363522" name="Rectangle 2"/>
           <p:cNvSpPr>
-            <a:spLocks noGrp="1"/>
+            <a:spLocks noGrp="1" noChangeArrowheads="1"/>
           </p:cNvSpPr>
           <p:nvPr>
-            <p:ph type="dt" sz="half" idx="10"/>
+            <p:ph type="title"/>
           </p:nvPr>
         </p:nvSpPr>
         <p:spPr/>
@@ -10949,12 +12010,10 @@
           <a:bodyPr/>
           <a:lstStyle/>
           <a:p>
-            <a:fld id="{5AD293C9-4A18-B84D-A1B7-974C973645D0}" type="datetime1">
+            <a:r>
               <a:rPr lang="en-US"/>
-              <a:pPr/>
-              <a:t>16-06-14</a:t>
-            </a:fld>
-            <a:endParaRPr lang="en-US"/>
+              <a:t>Lexical Analysis using NFAs</a:t>
+            </a:r>
           </a:p>
         </p:txBody>
       </p:sp>
@@ -10982,28 +12041,6 @@
           </a:p>
         </p:txBody>
       </p:sp>
-      <p:sp>
-        <p:nvSpPr>
-          <p:cNvPr id="363522" name="Rectangle 2"/>
-          <p:cNvSpPr>
-            <a:spLocks noGrp="1" noChangeArrowheads="1"/>
-          </p:cNvSpPr>
-          <p:nvPr>
-            <p:ph type="title"/>
-          </p:nvPr>
-        </p:nvSpPr>
-        <p:spPr/>
-        <p:txBody>
-          <a:bodyPr/>
-          <a:lstStyle/>
-          <a:p>
-            <a:r>
-              <a:rPr lang="en-US"/>
-              <a:t>Lexical Analysis using NFAs</a:t>
-            </a:r>
-          </a:p>
-        </p:txBody>
-      </p:sp>
       <p:grpSp>
         <p:nvGrpSpPr>
           <p:cNvPr id="363523" name="Group 3"/>
@@ -11014,7 +12051,7 @@
         </p:nvGrpSpPr>
         <p:grpSpPr bwMode="auto">
           <a:xfrm>
-            <a:off x="1600200" y="1738313"/>
+            <a:off x="1600200" y="881063"/>
             <a:ext cx="1752600" cy="685800"/>
             <a:chOff x="1008" y="1200"/>
             <a:chExt cx="1104" cy="432"/>
@@ -11245,7 +12282,7 @@
         </p:nvGrpSpPr>
         <p:grpSpPr bwMode="auto">
           <a:xfrm>
-            <a:off x="1600200" y="2805113"/>
+            <a:off x="1600200" y="1947863"/>
             <a:ext cx="4191000" cy="685800"/>
             <a:chOff x="1008" y="1872"/>
             <a:chExt cx="2640" cy="432"/>
@@ -11702,7 +12739,7 @@
         </p:nvGrpSpPr>
         <p:grpSpPr bwMode="auto">
           <a:xfrm>
-            <a:off x="1295400" y="3795713"/>
+            <a:off x="1295400" y="2938463"/>
             <a:ext cx="2393950" cy="952500"/>
             <a:chOff x="816" y="2496"/>
             <a:chExt cx="1508" cy="600"/>
@@ -12079,7 +13116,7 @@
         </p:nvSpPr>
         <p:spPr bwMode="auto">
           <a:xfrm>
-            <a:off x="6248400" y="1847850"/>
+            <a:off x="6248400" y="990601"/>
             <a:ext cx="2058988" cy="466725"/>
           </a:xfrm>
           <a:prstGeom prst="rect">
@@ -12124,7 +13161,7 @@
         </p:nvSpPr>
         <p:spPr bwMode="auto">
           <a:xfrm>
-            <a:off x="6248400" y="2914650"/>
+            <a:off x="6248401" y="2057401"/>
             <a:ext cx="2346325" cy="466725"/>
           </a:xfrm>
           <a:prstGeom prst="rect">
@@ -12169,7 +13206,7 @@
         </p:nvSpPr>
         <p:spPr bwMode="auto">
           <a:xfrm>
-            <a:off x="6248400" y="4038600"/>
+            <a:off x="6248401" y="3181351"/>
             <a:ext cx="2517775" cy="466725"/>
           </a:xfrm>
           <a:prstGeom prst="rect">
@@ -12214,7 +13251,7 @@
         </p:nvGrpSpPr>
         <p:grpSpPr bwMode="auto">
           <a:xfrm>
-            <a:off x="381000" y="2119313"/>
+            <a:off x="381000" y="1262063"/>
             <a:ext cx="1219200" cy="2057400"/>
             <a:chOff x="240" y="1335"/>
             <a:chExt cx="768" cy="1296"/>
@@ -12496,8 +13533,8 @@
         </p:nvSpPr>
         <p:spPr bwMode="auto">
           <a:xfrm>
-            <a:off x="228600" y="4800600"/>
-            <a:ext cx="1546225" cy="822325"/>
+            <a:off x="228600" y="3943351"/>
+            <a:ext cx="1558440" cy="830997"/>
           </a:xfrm>
           <a:prstGeom prst="rect">
             <a:avLst/>
@@ -12612,7 +13649,7 @@
         </p:nvSpPr>
         <p:spPr bwMode="auto">
           <a:xfrm>
-            <a:off x="1981200" y="4953000"/>
+            <a:off x="1981201" y="4095750"/>
             <a:ext cx="530225" cy="1612900"/>
           </a:xfrm>
           <a:prstGeom prst="roundRect">
@@ -12660,7 +13697,7 @@
         </p:nvSpPr>
         <p:spPr bwMode="auto">
           <a:xfrm>
-            <a:off x="3429000" y="5122863"/>
+            <a:off x="3429001" y="4265614"/>
             <a:ext cx="530225" cy="1273175"/>
           </a:xfrm>
           <a:prstGeom prst="roundRect">
@@ -12708,7 +13745,7 @@
         </p:nvGrpSpPr>
         <p:grpSpPr bwMode="auto">
           <a:xfrm>
-            <a:off x="2511425" y="5334000"/>
+            <a:off x="2511426" y="4476750"/>
             <a:ext cx="898525" cy="457200"/>
             <a:chOff x="1582" y="3360"/>
             <a:chExt cx="566" cy="288"/>
@@ -12796,7 +13833,7 @@
         </p:nvGrpSpPr>
         <p:grpSpPr bwMode="auto">
           <a:xfrm>
-            <a:off x="3978275" y="5334000"/>
+            <a:off x="3978276" y="4476750"/>
             <a:ext cx="898525" cy="457200"/>
             <a:chOff x="2506" y="3360"/>
             <a:chExt cx="566" cy="288"/>
@@ -12884,7 +13921,7 @@
         </p:nvSpPr>
         <p:spPr bwMode="auto">
           <a:xfrm>
-            <a:off x="4876800" y="5505450"/>
+            <a:off x="4876800" y="4648200"/>
             <a:ext cx="1144588" cy="508000"/>
           </a:xfrm>
           <a:prstGeom prst="roundRect">
@@ -12935,7 +13972,7 @@
         </p:nvSpPr>
         <p:spPr bwMode="auto">
           <a:xfrm>
-            <a:off x="2514600" y="4829175"/>
+            <a:off x="2514600" y="3971926"/>
             <a:ext cx="311150" cy="396875"/>
           </a:xfrm>
           <a:prstGeom prst="rect">
@@ -12981,7 +14018,7 @@
         </p:nvSpPr>
         <p:spPr bwMode="auto">
           <a:xfrm>
-            <a:off x="3962400" y="4829175"/>
+            <a:off x="3962400" y="3971926"/>
             <a:ext cx="311150" cy="396875"/>
           </a:xfrm>
           <a:prstGeom prst="rect">
@@ -13027,7 +14064,7 @@
         </p:nvSpPr>
         <p:spPr bwMode="auto">
           <a:xfrm>
-            <a:off x="3886200" y="6248400"/>
+            <a:off x="3886200" y="5391151"/>
             <a:ext cx="2667000" cy="396875"/>
           </a:xfrm>
           <a:prstGeom prst="rect">
@@ -13068,7 +14105,7 @@
         </p:nvSpPr>
         <p:spPr bwMode="auto">
           <a:xfrm>
-            <a:off x="6324600" y="5029200"/>
+            <a:off x="6324600" y="4171951"/>
             <a:ext cx="2667000" cy="1006475"/>
           </a:xfrm>
           <a:prstGeom prst="rect">
@@ -13124,7 +14161,7 @@
   <p:timing>
     <p:tnLst>
       <p:par>
-        <p:cTn xmlns:p14="http://schemas.microsoft.com/office/powerpoint/2010/main" id="1" dur="indefinite" restart="never" nodeType="tmRoot">
+        <p:cTn id="1" dur="indefinite" restart="never" nodeType="tmRoot">
           <p:childTnLst>
             <p:seq concurrent="1" nextAc="seek">
               <p:cTn id="2" dur="indefinite" nodeType="mainSeq">
@@ -13587,12 +14624,12 @@
       </p:grpSpPr>
       <p:sp>
         <p:nvSpPr>
-          <p:cNvPr id="4" name="Date Placeholder 3"/>
+          <p:cNvPr id="207874" name="Rectangle 2"/>
           <p:cNvSpPr>
-            <a:spLocks noGrp="1"/>
+            <a:spLocks noGrp="1" noChangeArrowheads="1"/>
           </p:cNvSpPr>
           <p:nvPr>
-            <p:ph type="dt" sz="half" idx="10"/>
+            <p:ph type="title"/>
           </p:nvPr>
         </p:nvSpPr>
         <p:spPr/>
@@ -13600,12 +14637,108 @@
           <a:bodyPr/>
           <a:lstStyle/>
           <a:p>
-            <a:fld id="{129CAAA8-8929-FA48-85C2-B07B1010D569}" type="datetime1">
+            <a:r>
               <a:rPr lang="en-US"/>
-              <a:pPr/>
-              <a:t>16-06-14</a:t>
-            </a:fld>
+              <a:t>Lexical Analyzer using DFAs</a:t>
+            </a:r>
+          </a:p>
+        </p:txBody>
+      </p:sp>
+      <p:sp>
+        <p:nvSpPr>
+          <p:cNvPr id="207875" name="Rectangle 3"/>
+          <p:cNvSpPr>
+            <a:spLocks noGrp="1" noChangeArrowheads="1"/>
+          </p:cNvSpPr>
+          <p:nvPr>
+            <p:ph idx="1"/>
+          </p:nvPr>
+        </p:nvSpPr>
+        <p:spPr/>
+        <p:txBody>
+          <a:bodyPr/>
+          <a:lstStyle/>
+          <a:p>
+            <a:r>
+              <a:rPr lang="en-US"/>
+              <a:t>Each token is defined using a regexp </a:t>
+            </a:r>
+            <a:r>
+              <a:rPr lang="en-US" i="1"/>
+              <a:t>r</a:t>
+            </a:r>
+            <a:r>
+              <a:rPr lang="en-US" i="1" baseline="-25000"/>
+              <a:t>i</a:t>
+            </a:r>
             <a:endParaRPr lang="en-US"/>
+          </a:p>
+          <a:p>
+            <a:r>
+              <a:rPr lang="en-US"/>
+              <a:t>Merge all regexps into one big regexp</a:t>
+            </a:r>
+          </a:p>
+          <a:p>
+            <a:pPr lvl="1"/>
+            <a:r>
+              <a:rPr lang="en-US" i="1"/>
+              <a:t>R = (r</a:t>
+            </a:r>
+            <a:r>
+              <a:rPr lang="en-US" i="1" baseline="-25000"/>
+              <a:t>1</a:t>
+            </a:r>
+            <a:r>
+              <a:rPr lang="en-US"/>
+              <a:t> | </a:t>
+            </a:r>
+            <a:r>
+              <a:rPr lang="en-US" i="1"/>
+              <a:t>r</a:t>
+            </a:r>
+            <a:r>
+              <a:rPr lang="en-US" i="1" baseline="-25000"/>
+              <a:t>2</a:t>
+            </a:r>
+            <a:r>
+              <a:rPr lang="en-US"/>
+              <a:t> | … | </a:t>
+            </a:r>
+            <a:r>
+              <a:rPr lang="en-US" i="1"/>
+              <a:t>r</a:t>
+            </a:r>
+            <a:r>
+              <a:rPr lang="en-US" i="1" baseline="-25000"/>
+              <a:t>n</a:t>
+            </a:r>
+            <a:r>
+              <a:rPr lang="en-US" i="1"/>
+              <a:t>)</a:t>
+            </a:r>
+            <a:endParaRPr lang="en-US"/>
+          </a:p>
+          <a:p>
+            <a:r>
+              <a:rPr lang="en-US"/>
+              <a:t>Convert </a:t>
+            </a:r>
+            <a:r>
+              <a:rPr lang="en-US" i="1"/>
+              <a:t>R</a:t>
+            </a:r>
+            <a:r>
+              <a:rPr lang="en-US"/>
+              <a:t> to an NFA, then DFA, then minimize</a:t>
+            </a:r>
+          </a:p>
+          <a:p>
+            <a:pPr lvl="1"/>
+            <a:r>
+              <a:rPr lang="en-US"/>
+              <a:t>remember orig NFA final states with each DFA state</a:t>
+            </a:r>
           </a:p>
         </p:txBody>
       </p:sp>
@@ -13633,126 +14766,6 @@
           </a:p>
         </p:txBody>
       </p:sp>
-      <p:sp>
-        <p:nvSpPr>
-          <p:cNvPr id="207874" name="Rectangle 2"/>
-          <p:cNvSpPr>
-            <a:spLocks noGrp="1" noChangeArrowheads="1"/>
-          </p:cNvSpPr>
-          <p:nvPr>
-            <p:ph type="title"/>
-          </p:nvPr>
-        </p:nvSpPr>
-        <p:spPr/>
-        <p:txBody>
-          <a:bodyPr/>
-          <a:lstStyle/>
-          <a:p>
-            <a:r>
-              <a:rPr lang="en-US"/>
-              <a:t>Lexical Analyzer using DFAs</a:t>
-            </a:r>
-          </a:p>
-        </p:txBody>
-      </p:sp>
-      <p:sp>
-        <p:nvSpPr>
-          <p:cNvPr id="207875" name="Rectangle 3"/>
-          <p:cNvSpPr>
-            <a:spLocks noGrp="1" noChangeArrowheads="1"/>
-          </p:cNvSpPr>
-          <p:nvPr>
-            <p:ph type="body" idx="1"/>
-          </p:nvPr>
-        </p:nvSpPr>
-        <p:spPr/>
-        <p:txBody>
-          <a:bodyPr/>
-          <a:lstStyle/>
-          <a:p>
-            <a:r>
-              <a:rPr lang="en-US"/>
-              <a:t>Each token is defined using a regexp </a:t>
-            </a:r>
-            <a:r>
-              <a:rPr lang="en-US" i="1"/>
-              <a:t>r</a:t>
-            </a:r>
-            <a:r>
-              <a:rPr lang="en-US" i="1" baseline="-25000"/>
-              <a:t>i</a:t>
-            </a:r>
-            <a:endParaRPr lang="en-US"/>
-          </a:p>
-          <a:p>
-            <a:r>
-              <a:rPr lang="en-US"/>
-              <a:t>Merge all regexps into one big regexp</a:t>
-            </a:r>
-          </a:p>
-          <a:p>
-            <a:pPr lvl="1"/>
-            <a:r>
-              <a:rPr lang="en-US" i="1"/>
-              <a:t>R = (r</a:t>
-            </a:r>
-            <a:r>
-              <a:rPr lang="en-US" i="1" baseline="-25000"/>
-              <a:t>1</a:t>
-            </a:r>
-            <a:r>
-              <a:rPr lang="en-US"/>
-              <a:t> | </a:t>
-            </a:r>
-            <a:r>
-              <a:rPr lang="en-US" i="1"/>
-              <a:t>r</a:t>
-            </a:r>
-            <a:r>
-              <a:rPr lang="en-US" i="1" baseline="-25000"/>
-              <a:t>2</a:t>
-            </a:r>
-            <a:r>
-              <a:rPr lang="en-US"/>
-              <a:t> | … | </a:t>
-            </a:r>
-            <a:r>
-              <a:rPr lang="en-US" i="1"/>
-              <a:t>r</a:t>
-            </a:r>
-            <a:r>
-              <a:rPr lang="en-US" i="1" baseline="-25000"/>
-              <a:t>n</a:t>
-            </a:r>
-            <a:r>
-              <a:rPr lang="en-US" i="1"/>
-              <a:t>)</a:t>
-            </a:r>
-            <a:endParaRPr lang="en-US"/>
-          </a:p>
-          <a:p>
-            <a:r>
-              <a:rPr lang="en-US"/>
-              <a:t>Convert </a:t>
-            </a:r>
-            <a:r>
-              <a:rPr lang="en-US" i="1"/>
-              <a:t>R</a:t>
-            </a:r>
-            <a:r>
-              <a:rPr lang="en-US"/>
-              <a:t> to an NFA, then DFA, then minimize</a:t>
-            </a:r>
-          </a:p>
-          <a:p>
-            <a:pPr lvl="1"/>
-            <a:r>
-              <a:rPr lang="en-US"/>
-              <a:t>remember orig NFA final states with each DFA state</a:t>
-            </a:r>
-          </a:p>
-        </p:txBody>
-      </p:sp>
     </p:spTree>
     <p:extLst>
       <p:ext uri="{BB962C8B-B14F-4D97-AF65-F5344CB8AC3E}">
@@ -13766,7 +14779,7 @@
   <p:timing>
     <p:tnLst>
       <p:par>
-        <p:cTn xmlns:p14="http://schemas.microsoft.com/office/powerpoint/2010/main" id="1" dur="indefinite" restart="never" nodeType="tmRoot">
+        <p:cTn id="1" dur="indefinite" restart="never" nodeType="tmRoot">
           <p:childTnLst>
             <p:seq concurrent="1" nextAc="seek">
               <p:cTn id="2" dur="indefinite" nodeType="mainSeq">
@@ -14027,12 +15040,12 @@
       </p:grpSpPr>
       <p:sp>
         <p:nvSpPr>
-          <p:cNvPr id="4" name="Date Placeholder 3"/>
+          <p:cNvPr id="209922" name="Rectangle 2"/>
           <p:cNvSpPr>
-            <a:spLocks noGrp="1"/>
+            <a:spLocks noGrp="1" noChangeArrowheads="1"/>
           </p:cNvSpPr>
           <p:nvPr>
-            <p:ph type="dt" sz="half" idx="10"/>
+            <p:ph type="title"/>
           </p:nvPr>
         </p:nvSpPr>
         <p:spPr/>
@@ -14040,12 +15053,163 @@
           <a:bodyPr/>
           <a:lstStyle/>
           <a:p>
-            <a:fld id="{7D5544F5-B9ED-504E-9C09-41B5BB9CE202}" type="datetime1">
+            <a:r>
               <a:rPr lang="en-US"/>
-              <a:pPr/>
-              <a:t>16-06-14</a:t>
-            </a:fld>
-            <a:endParaRPr lang="en-US"/>
+              <a:t>Lexical Analyzer using DFAs</a:t>
+            </a:r>
+          </a:p>
+        </p:txBody>
+      </p:sp>
+      <p:sp>
+        <p:nvSpPr>
+          <p:cNvPr id="209923" name="Rectangle 3"/>
+          <p:cNvSpPr>
+            <a:spLocks noGrp="1" noChangeArrowheads="1"/>
+          </p:cNvSpPr>
+          <p:nvPr>
+            <p:ph idx="1"/>
+          </p:nvPr>
+        </p:nvSpPr>
+        <p:spPr/>
+        <p:txBody>
+          <a:bodyPr>
+            <a:normAutofit fontScale="85000" lnSpcReduction="20000"/>
+          </a:bodyPr>
+          <a:lstStyle/>
+          <a:p>
+            <a:pPr>
+              <a:lnSpc>
+                <a:spcPct val="90000"/>
+              </a:lnSpc>
+            </a:pPr>
+            <a:r>
+              <a:rPr lang="en-US" sz="2800"/>
+              <a:t>The DFA recognizer has to find the </a:t>
+            </a:r>
+            <a:r>
+              <a:rPr lang="en-US" sz="2800" i="1"/>
+              <a:t>longest leftmost match</a:t>
+            </a:r>
+            <a:r>
+              <a:rPr lang="en-US" sz="2800"/>
+              <a:t> for a token</a:t>
+            </a:r>
+          </a:p>
+          <a:p>
+            <a:pPr lvl="1">
+              <a:lnSpc>
+                <a:spcPct val="90000"/>
+              </a:lnSpc>
+            </a:pPr>
+            <a:r>
+              <a:rPr lang="en-US" sz="2400"/>
+              <a:t>continue matching and report the last final state reached once DFA simulation cannot continue</a:t>
+            </a:r>
+          </a:p>
+          <a:p>
+            <a:pPr lvl="1">
+              <a:lnSpc>
+                <a:spcPct val="90000"/>
+              </a:lnSpc>
+            </a:pPr>
+            <a:r>
+              <a:rPr lang="en-US" sz="2400"/>
+              <a:t>e.g. longest match: &lt;</a:t>
+            </a:r>
+            <a:r>
+              <a:rPr lang="en-US" sz="2400" i="1"/>
+              <a:t>print&gt;</a:t>
+            </a:r>
+            <a:r>
+              <a:rPr lang="en-US" sz="2400"/>
+              <a:t> and not &lt;</a:t>
+            </a:r>
+            <a:r>
+              <a:rPr lang="en-US" sz="2400" i="1"/>
+              <a:t>pr&gt;, &lt;int&gt;</a:t>
+            </a:r>
+          </a:p>
+          <a:p>
+            <a:pPr lvl="1">
+              <a:lnSpc>
+                <a:spcPct val="90000"/>
+              </a:lnSpc>
+            </a:pPr>
+            <a:r>
+              <a:rPr lang="en-US" sz="2400"/>
+              <a:t>e.g. leftmost match: for input string </a:t>
+            </a:r>
+            <a:r>
+              <a:rPr lang="en-US" sz="2400" i="1"/>
+              <a:t>aabaaaaab</a:t>
+            </a:r>
+            <a:r>
+              <a:rPr lang="en-US" sz="2400"/>
+              <a:t> the regexp a</a:t>
+            </a:r>
+            <a:r>
+              <a:rPr lang="en-US" sz="2400" baseline="30000"/>
+              <a:t>+</a:t>
+            </a:r>
+            <a:r>
+              <a:rPr lang="en-US" sz="2400"/>
+              <a:t>b will match </a:t>
+            </a:r>
+            <a:r>
+              <a:rPr lang="en-US" sz="2400" i="1"/>
+              <a:t>aab</a:t>
+            </a:r>
+            <a:r>
+              <a:rPr lang="en-US" sz="2400"/>
+              <a:t> and not </a:t>
+            </a:r>
+            <a:r>
+              <a:rPr lang="en-US" sz="2400" i="1"/>
+              <a:t>aaaaab</a:t>
+            </a:r>
+            <a:endParaRPr lang="en-US" sz="2400"/>
+          </a:p>
+          <a:p>
+            <a:pPr>
+              <a:lnSpc>
+                <a:spcPct val="90000"/>
+              </a:lnSpc>
+            </a:pPr>
+            <a:r>
+              <a:rPr lang="en-US" sz="2800"/>
+              <a:t>If two patterns match the same token, pick the one that was listed earlier in R</a:t>
+            </a:r>
+          </a:p>
+          <a:p>
+            <a:pPr lvl="1">
+              <a:lnSpc>
+                <a:spcPct val="90000"/>
+              </a:lnSpc>
+            </a:pPr>
+            <a:r>
+              <a:rPr lang="en-US" sz="2400"/>
+              <a:t>e.g. prefer final state (in the original NFA) of </a:t>
+            </a:r>
+            <a:r>
+              <a:rPr lang="en-US" sz="2400" i="1"/>
+              <a:t>r</a:t>
+            </a:r>
+            <a:r>
+              <a:rPr lang="en-US" sz="2400" i="1" baseline="-25000"/>
+              <a:t>2</a:t>
+            </a:r>
+            <a:r>
+              <a:rPr lang="en-US" sz="2400"/>
+              <a:t> over </a:t>
+            </a:r>
+            <a:r>
+              <a:rPr lang="en-US" sz="2400" i="1"/>
+              <a:t>r</a:t>
+            </a:r>
+            <a:r>
+              <a:rPr lang="en-US" sz="2400" i="1" baseline="-25000"/>
+              <a:t>3</a:t>
+            </a:r>
           </a:p>
         </p:txBody>
       </p:sp>
@@ -14073,179 +15237,6 @@
           </a:p>
         </p:txBody>
       </p:sp>
-      <p:sp>
-        <p:nvSpPr>
-          <p:cNvPr id="209922" name="Rectangle 2"/>
-          <p:cNvSpPr>
-            <a:spLocks noGrp="1" noChangeArrowheads="1"/>
-          </p:cNvSpPr>
-          <p:nvPr>
-            <p:ph type="title"/>
-          </p:nvPr>
-        </p:nvSpPr>
-        <p:spPr/>
-        <p:txBody>
-          <a:bodyPr/>
-          <a:lstStyle/>
-          <a:p>
-            <a:r>
-              <a:rPr lang="en-US"/>
-              <a:t>Lexical Analyzer using DFAs</a:t>
-            </a:r>
-          </a:p>
-        </p:txBody>
-      </p:sp>
-      <p:sp>
-        <p:nvSpPr>
-          <p:cNvPr id="209923" name="Rectangle 3"/>
-          <p:cNvSpPr>
-            <a:spLocks noGrp="1" noChangeArrowheads="1"/>
-          </p:cNvSpPr>
-          <p:nvPr>
-            <p:ph type="body" idx="1"/>
-          </p:nvPr>
-        </p:nvSpPr>
-        <p:spPr/>
-        <p:txBody>
-          <a:bodyPr/>
-          <a:lstStyle/>
-          <a:p>
-            <a:pPr>
-              <a:lnSpc>
-                <a:spcPct val="90000"/>
-              </a:lnSpc>
-            </a:pPr>
-            <a:r>
-              <a:rPr lang="en-US" sz="2800"/>
-              <a:t>The DFA recognizer has to find the </a:t>
-            </a:r>
-            <a:r>
-              <a:rPr lang="en-US" sz="2800" i="1"/>
-              <a:t>longest leftmost match</a:t>
-            </a:r>
-            <a:r>
-              <a:rPr lang="en-US" sz="2800"/>
-              <a:t> for a token</a:t>
-            </a:r>
-          </a:p>
-          <a:p>
-            <a:pPr lvl="1">
-              <a:lnSpc>
-                <a:spcPct val="90000"/>
-              </a:lnSpc>
-            </a:pPr>
-            <a:r>
-              <a:rPr lang="en-US" sz="2400"/>
-              <a:t>continue matching and report the last final state reached once DFA simulation cannot continue</a:t>
-            </a:r>
-          </a:p>
-          <a:p>
-            <a:pPr lvl="1">
-              <a:lnSpc>
-                <a:spcPct val="90000"/>
-              </a:lnSpc>
-            </a:pPr>
-            <a:r>
-              <a:rPr lang="en-US" sz="2400"/>
-              <a:t>e.g. longest match: &lt;</a:t>
-            </a:r>
-            <a:r>
-              <a:rPr lang="en-US" sz="2400" i="1"/>
-              <a:t>print&gt;</a:t>
-            </a:r>
-            <a:r>
-              <a:rPr lang="en-US" sz="2400"/>
-              <a:t> and not &lt;</a:t>
-            </a:r>
-            <a:r>
-              <a:rPr lang="en-US" sz="2400" i="1"/>
-              <a:t>pr&gt;, &lt;int&gt;</a:t>
-            </a:r>
-          </a:p>
-          <a:p>
-            <a:pPr lvl="1">
-              <a:lnSpc>
-                <a:spcPct val="90000"/>
-              </a:lnSpc>
-            </a:pPr>
-            <a:r>
-              <a:rPr lang="en-US" sz="2400"/>
-              <a:t>e.g. leftmost match: for input string </a:t>
-            </a:r>
-            <a:r>
-              <a:rPr lang="en-US" sz="2400" i="1"/>
-              <a:t>aabaaaaab</a:t>
-            </a:r>
-            <a:r>
-              <a:rPr lang="en-US" sz="2400"/>
-              <a:t> the regexp a</a:t>
-            </a:r>
-            <a:r>
-              <a:rPr lang="en-US" sz="2400" baseline="30000"/>
-              <a:t>+</a:t>
-            </a:r>
-            <a:r>
-              <a:rPr lang="en-US" sz="2400"/>
-              <a:t>b will match </a:t>
-            </a:r>
-            <a:r>
-              <a:rPr lang="en-US" sz="2400" i="1"/>
-              <a:t>aab</a:t>
-            </a:r>
-            <a:r>
-              <a:rPr lang="en-US" sz="2400"/>
-              <a:t> and not </a:t>
-            </a:r>
-            <a:r>
-              <a:rPr lang="en-US" sz="2400" i="1"/>
-              <a:t>aaaaab</a:t>
-            </a:r>
-            <a:endParaRPr lang="en-US" sz="2400"/>
-          </a:p>
-          <a:p>
-            <a:pPr>
-              <a:lnSpc>
-                <a:spcPct val="90000"/>
-              </a:lnSpc>
-            </a:pPr>
-            <a:r>
-              <a:rPr lang="en-US" sz="2800"/>
-              <a:t>If two patterns match the same token, pick the one that was listed earlier in R</a:t>
-            </a:r>
-          </a:p>
-          <a:p>
-            <a:pPr lvl="1">
-              <a:lnSpc>
-                <a:spcPct val="90000"/>
-              </a:lnSpc>
-            </a:pPr>
-            <a:r>
-              <a:rPr lang="en-US" sz="2400"/>
-              <a:t>e.g. prefer final state (in the original NFA) of </a:t>
-            </a:r>
-            <a:r>
-              <a:rPr lang="en-US" sz="2400" i="1"/>
-              <a:t>r</a:t>
-            </a:r>
-            <a:r>
-              <a:rPr lang="en-US" sz="2400" i="1" baseline="-25000"/>
-              <a:t>2</a:t>
-            </a:r>
-            <a:r>
-              <a:rPr lang="en-US" sz="2400"/>
-              <a:t> over </a:t>
-            </a:r>
-            <a:r>
-              <a:rPr lang="en-US" sz="2400" i="1"/>
-              <a:t>r</a:t>
-            </a:r>
-            <a:r>
-              <a:rPr lang="en-US" sz="2400" i="1" baseline="-25000"/>
-              <a:t>3</a:t>
-            </a:r>
-          </a:p>
-        </p:txBody>
-      </p:sp>
     </p:spTree>
     <p:extLst>
       <p:ext uri="{BB962C8B-B14F-4D97-AF65-F5344CB8AC3E}">
@@ -14259,7 +15250,7 @@
   <p:timing>
     <p:tnLst>
       <p:par>
-        <p:cTn xmlns:p14="http://schemas.microsoft.com/office/powerpoint/2010/main" id="1" dur="indefinite" restart="never" nodeType="tmRoot">
+        <p:cTn id="1" dur="indefinite" restart="never" nodeType="tmRoot">
           <p:childTnLst>
             <p:seq concurrent="1" nextAc="seek">
               <p:cTn id="2" dur="indefinite" nodeType="mainSeq">
@@ -14533,12 +15524,12 @@
       </p:grpSpPr>
       <p:sp>
         <p:nvSpPr>
-          <p:cNvPr id="4" name="Date Placeholder 3"/>
+          <p:cNvPr id="365570" name="Rectangle 2"/>
           <p:cNvSpPr>
-            <a:spLocks noGrp="1"/>
+            <a:spLocks noGrp="1" noChangeArrowheads="1"/>
           </p:cNvSpPr>
           <p:nvPr>
-            <p:ph type="dt" sz="half" idx="10"/>
+            <p:ph type="title"/>
           </p:nvPr>
         </p:nvSpPr>
         <p:spPr/>
@@ -14546,12 +15537,166 @@
           <a:bodyPr/>
           <a:lstStyle/>
           <a:p>
-            <a:fld id="{D0C423A5-2AF3-8D45-8BFD-BB019DEDEDC4}" type="datetime1">
+            <a:r>
               <a:rPr lang="en-US"/>
-              <a:pPr/>
-              <a:t>16-06-14</a:t>
-            </a:fld>
-            <a:endParaRPr lang="en-US"/>
+              <a:t>Lookahead operator</a:t>
+            </a:r>
+          </a:p>
+        </p:txBody>
+      </p:sp>
+      <p:sp>
+        <p:nvSpPr>
+          <p:cNvPr id="365571" name="Rectangle 3"/>
+          <p:cNvSpPr>
+            <a:spLocks noGrp="1" noChangeArrowheads="1"/>
+          </p:cNvSpPr>
+          <p:nvPr>
+            <p:ph idx="1"/>
+          </p:nvPr>
+        </p:nvSpPr>
+        <p:spPr/>
+        <p:txBody>
+          <a:bodyPr>
+            <a:normAutofit lnSpcReduction="10000"/>
+          </a:bodyPr>
+          <a:lstStyle/>
+          <a:p>
+            <a:r>
+              <a:rPr lang="en-US" sz="2800"/>
+              <a:t>Implementing r</a:t>
+            </a:r>
+            <a:r>
+              <a:rPr lang="en-US" sz="2800" baseline="-25000"/>
+              <a:t>1</a:t>
+            </a:r>
+            <a:r>
+              <a:rPr lang="en-US" sz="2800"/>
+              <a:t>/r</a:t>
+            </a:r>
+            <a:r>
+              <a:rPr lang="en-US" sz="2800" baseline="-25000"/>
+              <a:t>2</a:t>
+            </a:r>
+            <a:r>
+              <a:rPr lang="en-US" sz="2800"/>
+              <a:t> : match r</a:t>
+            </a:r>
+            <a:r>
+              <a:rPr lang="en-US" sz="2800" baseline="-25000"/>
+              <a:t>1</a:t>
+            </a:r>
+            <a:r>
+              <a:rPr lang="en-US" sz="2800"/>
+              <a:t> when followed by r</a:t>
+            </a:r>
+            <a:r>
+              <a:rPr lang="en-US" sz="2800" baseline="-25000"/>
+              <a:t>2</a:t>
+            </a:r>
+            <a:r>
+              <a:rPr lang="en-US" sz="2800"/>
+              <a:t> </a:t>
+            </a:r>
+          </a:p>
+          <a:p>
+            <a:r>
+              <a:rPr lang="en-US" sz="2800"/>
+              <a:t>e.g. </a:t>
+            </a:r>
+            <a:r>
+              <a:rPr lang="en-US" sz="2800" i="1"/>
+              <a:t>a*b+/a*c</a:t>
+            </a:r>
+            <a:r>
+              <a:rPr lang="en-US" sz="2800"/>
+              <a:t> accepts a string </a:t>
+            </a:r>
+            <a:r>
+              <a:rPr lang="en-US" sz="2800" i="1"/>
+              <a:t>bac</a:t>
+            </a:r>
+            <a:r>
+              <a:rPr lang="en-US" sz="2800"/>
+              <a:t> but not </a:t>
+            </a:r>
+            <a:r>
+              <a:rPr lang="en-US" sz="2800" i="1"/>
+              <a:t>abd</a:t>
+            </a:r>
+            <a:endParaRPr lang="en-US" sz="2800"/>
+          </a:p>
+          <a:p>
+            <a:r>
+              <a:rPr lang="en-US" sz="2800"/>
+              <a:t>The lexical analyzer matches r</a:t>
+            </a:r>
+            <a:r>
+              <a:rPr lang="en-US" sz="2800" baseline="-25000"/>
+              <a:t>1</a:t>
+            </a:r>
+            <a:r>
+              <a:rPr lang="en-US" sz="2800">
+                <a:sym typeface="Symbol" charset="2"/>
+              </a:rPr>
+              <a:t></a:t>
+            </a:r>
+            <a:r>
+              <a:rPr lang="en-US" sz="2800"/>
+              <a:t>r</a:t>
+            </a:r>
+            <a:r>
+              <a:rPr lang="en-US" sz="2800" baseline="-25000"/>
+              <a:t>2</a:t>
+            </a:r>
+            <a:r>
+              <a:rPr lang="en-US" sz="2800"/>
+              <a:t> up to position </a:t>
+            </a:r>
+            <a:r>
+              <a:rPr lang="en-US" sz="2800" i="1"/>
+              <a:t>q</a:t>
+            </a:r>
+            <a:r>
+              <a:rPr lang="en-US" sz="2800"/>
+              <a:t> in the input</a:t>
+            </a:r>
+          </a:p>
+          <a:p>
+            <a:r>
+              <a:rPr lang="en-US" sz="2800"/>
+              <a:t>But remembers the position </a:t>
+            </a:r>
+            <a:r>
+              <a:rPr lang="en-US" sz="2800" i="1"/>
+              <a:t>p</a:t>
+            </a:r>
+            <a:r>
+              <a:rPr lang="en-US" sz="2800"/>
+              <a:t> in the input where r</a:t>
+            </a:r>
+            <a:r>
+              <a:rPr lang="en-US" sz="2800" baseline="-25000"/>
+              <a:t>1</a:t>
+            </a:r>
+            <a:r>
+              <a:rPr lang="en-US" sz="2800"/>
+              <a:t> matched but not r</a:t>
+            </a:r>
+            <a:r>
+              <a:rPr lang="en-US" sz="2800" baseline="-25000"/>
+              <a:t>2</a:t>
+            </a:r>
+            <a:endParaRPr lang="en-US" sz="2800"/>
+          </a:p>
+          <a:p>
+            <a:r>
+              <a:rPr lang="en-US" sz="2800"/>
+              <a:t>Reset to start state and start from position </a:t>
+            </a:r>
+            <a:r>
+              <a:rPr lang="en-US" sz="2800" i="1"/>
+              <a:t>p</a:t>
+            </a:r>
           </a:p>
         </p:txBody>
       </p:sp>
@@ -14579,182 +15724,6 @@
           </a:p>
         </p:txBody>
       </p:sp>
-      <p:sp>
-        <p:nvSpPr>
-          <p:cNvPr id="365570" name="Rectangle 2"/>
-          <p:cNvSpPr>
-            <a:spLocks noGrp="1" noChangeArrowheads="1"/>
-          </p:cNvSpPr>
-          <p:nvPr>
-            <p:ph type="title"/>
-          </p:nvPr>
-        </p:nvSpPr>
-        <p:spPr/>
-        <p:txBody>
-          <a:bodyPr/>
-          <a:lstStyle/>
-          <a:p>
-            <a:r>
-              <a:rPr lang="en-US"/>
-              <a:t>Lookahead operator</a:t>
-            </a:r>
-          </a:p>
-        </p:txBody>
-      </p:sp>
-      <p:sp>
-        <p:nvSpPr>
-          <p:cNvPr id="365571" name="Rectangle 3"/>
-          <p:cNvSpPr>
-            <a:spLocks noGrp="1" noChangeArrowheads="1"/>
-          </p:cNvSpPr>
-          <p:nvPr>
-            <p:ph type="body" idx="1"/>
-          </p:nvPr>
-        </p:nvSpPr>
-        <p:spPr/>
-        <p:txBody>
-          <a:bodyPr/>
-          <a:lstStyle/>
-          <a:p>
-            <a:r>
-              <a:rPr lang="en-US" sz="2800"/>
-              <a:t>Implementing r</a:t>
-            </a:r>
-            <a:r>
-              <a:rPr lang="en-US" sz="2800" baseline="-25000"/>
-              <a:t>1</a:t>
-            </a:r>
-            <a:r>
-              <a:rPr lang="en-US" sz="2800"/>
-              <a:t>/r</a:t>
-            </a:r>
-            <a:r>
-              <a:rPr lang="en-US" sz="2800" baseline="-25000"/>
-              <a:t>2</a:t>
-            </a:r>
-            <a:r>
-              <a:rPr lang="en-US" sz="2800"/>
-              <a:t> : match r</a:t>
-            </a:r>
-            <a:r>
-              <a:rPr lang="en-US" sz="2800" baseline="-25000"/>
-              <a:t>1</a:t>
-            </a:r>
-            <a:r>
-              <a:rPr lang="en-US" sz="2800"/>
-              <a:t> when followed by r</a:t>
-            </a:r>
-            <a:r>
-              <a:rPr lang="en-US" sz="2800" baseline="-25000"/>
-              <a:t>2</a:t>
-            </a:r>
-            <a:r>
-              <a:rPr lang="en-US" sz="2800"/>
-              <a:t> </a:t>
-            </a:r>
-          </a:p>
-          <a:p>
-            <a:r>
-              <a:rPr lang="en-US" sz="2800"/>
-              <a:t>e.g. </a:t>
-            </a:r>
-            <a:r>
-              <a:rPr lang="en-US" sz="2800" i="1"/>
-              <a:t>a*b+/a*c</a:t>
-            </a:r>
-            <a:r>
-              <a:rPr lang="en-US" sz="2800"/>
-              <a:t> accepts a string </a:t>
-            </a:r>
-            <a:r>
-              <a:rPr lang="en-US" sz="2800" i="1"/>
-              <a:t>bac</a:t>
-            </a:r>
-            <a:r>
-              <a:rPr lang="en-US" sz="2800"/>
-              <a:t> but not </a:t>
-            </a:r>
-            <a:r>
-              <a:rPr lang="en-US" sz="2800" i="1"/>
-              <a:t>abd</a:t>
-            </a:r>
-            <a:endParaRPr lang="en-US" sz="2800"/>
-          </a:p>
-          <a:p>
-            <a:r>
-              <a:rPr lang="en-US" sz="2800"/>
-              <a:t>The lexical analyzer matches r</a:t>
-            </a:r>
-            <a:r>
-              <a:rPr lang="en-US" sz="2800" baseline="-25000"/>
-              <a:t>1</a:t>
-            </a:r>
-            <a:r>
-              <a:rPr lang="en-US" sz="2800">
-                <a:sym typeface="Symbol" charset="2"/>
-              </a:rPr>
-              <a:t></a:t>
-            </a:r>
-            <a:r>
-              <a:rPr lang="en-US" sz="2800"/>
-              <a:t>r</a:t>
-            </a:r>
-            <a:r>
-              <a:rPr lang="en-US" sz="2800" baseline="-25000"/>
-              <a:t>2</a:t>
-            </a:r>
-            <a:r>
-              <a:rPr lang="en-US" sz="2800"/>
-              <a:t> up to position </a:t>
-            </a:r>
-            <a:r>
-              <a:rPr lang="en-US" sz="2800" i="1"/>
-              <a:t>q</a:t>
-            </a:r>
-            <a:r>
-              <a:rPr lang="en-US" sz="2800"/>
-              <a:t> in the input</a:t>
-            </a:r>
-          </a:p>
-          <a:p>
-            <a:r>
-              <a:rPr lang="en-US" sz="2800"/>
-              <a:t>But remembers the position </a:t>
-            </a:r>
-            <a:r>
-              <a:rPr lang="en-US" sz="2800" i="1"/>
-              <a:t>p</a:t>
-            </a:r>
-            <a:r>
-              <a:rPr lang="en-US" sz="2800"/>
-              <a:t> in the input where r</a:t>
-            </a:r>
-            <a:r>
-              <a:rPr lang="en-US" sz="2800" baseline="-25000"/>
-              <a:t>1</a:t>
-            </a:r>
-            <a:r>
-              <a:rPr lang="en-US" sz="2800"/>
-              <a:t> matched but not r</a:t>
-            </a:r>
-            <a:r>
-              <a:rPr lang="en-US" sz="2800" baseline="-25000"/>
-              <a:t>2</a:t>
-            </a:r>
-            <a:endParaRPr lang="en-US" sz="2800"/>
-          </a:p>
-          <a:p>
-            <a:r>
-              <a:rPr lang="en-US" sz="2800"/>
-              <a:t>Reset to start state and start from position </a:t>
-            </a:r>
-            <a:r>
-              <a:rPr lang="en-US" sz="2800" i="1"/>
-              <a:t>p</a:t>
-            </a:r>
-          </a:p>
-        </p:txBody>
-      </p:sp>
     </p:spTree>
     <p:extLst>
       <p:ext uri="{BB962C8B-B14F-4D97-AF65-F5344CB8AC3E}">
@@ -14768,7 +15737,7 @@
   <p:timing>
     <p:tnLst>
       <p:par>
-        <p:cTn xmlns:p14="http://schemas.microsoft.com/office/powerpoint/2010/main" id="1" dur="indefinite" restart="never" nodeType="tmRoot">
+        <p:cTn id="1" dur="indefinite" restart="never" nodeType="tmRoot">
           <p:childTnLst>
             <p:seq concurrent="1" nextAc="seek">
               <p:cTn id="2" dur="indefinite" nodeType="mainSeq">
@@ -15065,12 +16034,12 @@
       </p:grpSpPr>
       <p:sp>
         <p:nvSpPr>
-          <p:cNvPr id="4" name="Date Placeholder 3"/>
+          <p:cNvPr id="222210" name="Rectangle 2"/>
           <p:cNvSpPr>
-            <a:spLocks noGrp="1"/>
+            <a:spLocks noGrp="1" noChangeArrowheads="1"/>
           </p:cNvSpPr>
           <p:nvPr>
-            <p:ph type="dt" sz="half" idx="10"/>
+            <p:ph type="title"/>
           </p:nvPr>
         </p:nvSpPr>
         <p:spPr/>
@@ -15078,12 +16047,175 @@
           <a:bodyPr/>
           <a:lstStyle/>
           <a:p>
-            <a:fld id="{328C760F-C1B7-3E46-8106-B2CF160723EC}" type="datetime1">
+            <a:r>
               <a:rPr lang="en-US"/>
-              <a:pPr/>
-              <a:t>16-06-14</a:t>
-            </a:fld>
-            <a:endParaRPr lang="en-US"/>
+              <a:t>Summary</a:t>
+            </a:r>
+          </a:p>
+        </p:txBody>
+      </p:sp>
+      <p:sp>
+        <p:nvSpPr>
+          <p:cNvPr id="222211" name="Rectangle 3"/>
+          <p:cNvSpPr>
+            <a:spLocks noGrp="1" noChangeArrowheads="1"/>
+          </p:cNvSpPr>
+          <p:nvPr>
+            <p:ph idx="1"/>
+          </p:nvPr>
+        </p:nvSpPr>
+        <p:spPr/>
+        <p:txBody>
+          <a:bodyPr>
+            <a:normAutofit fontScale="70000" lnSpcReduction="20000"/>
+          </a:bodyPr>
+          <a:lstStyle/>
+          <a:p>
+            <a:pPr>
+              <a:lnSpc>
+                <a:spcPct val="90000"/>
+              </a:lnSpc>
+            </a:pPr>
+            <a:r>
+              <a:rPr lang="en-US" sz="2800" dirty="0"/>
+              <a:t>Token  </a:t>
+            </a:r>
+            <a:r>
+              <a:rPr lang="en-US" sz="2800" dirty="0">
+                <a:sym typeface="Symbol" charset="2"/>
+              </a:rPr>
+              <a:t> </a:t>
+            </a:r>
+            <a:r>
+              <a:rPr lang="en-US" sz="2800" dirty="0"/>
+              <a:t>Pattern</a:t>
+            </a:r>
+          </a:p>
+          <a:p>
+            <a:pPr>
+              <a:lnSpc>
+                <a:spcPct val="90000"/>
+              </a:lnSpc>
+            </a:pPr>
+            <a:r>
+              <a:rPr lang="en-US" sz="2800" dirty="0"/>
+              <a:t>Pattern </a:t>
+            </a:r>
+            <a:r>
+              <a:rPr lang="en-US" sz="2800" dirty="0">
+                <a:sym typeface="Symbol" charset="2"/>
+              </a:rPr>
+              <a:t> </a:t>
+            </a:r>
+            <a:r>
+              <a:rPr lang="en-US" sz="2800" dirty="0"/>
+              <a:t>Regular Expression</a:t>
+            </a:r>
+          </a:p>
+          <a:p>
+            <a:pPr>
+              <a:lnSpc>
+                <a:spcPct val="90000"/>
+              </a:lnSpc>
+            </a:pPr>
+            <a:r>
+              <a:rPr lang="en-US" sz="2800" dirty="0"/>
+              <a:t>Regular Expression </a:t>
+            </a:r>
+            <a:r>
+              <a:rPr lang="en-US" sz="2800" dirty="0">
+                <a:sym typeface="Symbol" charset="2"/>
+              </a:rPr>
+              <a:t> </a:t>
+            </a:r>
+            <a:r>
+              <a:rPr lang="en-US" sz="2800" dirty="0"/>
+              <a:t>NFA</a:t>
+            </a:r>
+          </a:p>
+          <a:p>
+            <a:pPr lvl="1">
+              <a:lnSpc>
+                <a:spcPct val="90000"/>
+              </a:lnSpc>
+            </a:pPr>
+            <a:r>
+              <a:rPr lang="en-US" sz="2400" dirty="0"/>
+              <a:t>Thompson’s Rules</a:t>
+            </a:r>
+          </a:p>
+          <a:p>
+            <a:pPr>
+              <a:lnSpc>
+                <a:spcPct val="90000"/>
+              </a:lnSpc>
+            </a:pPr>
+            <a:r>
+              <a:rPr lang="en-US" sz="2800" dirty="0"/>
+              <a:t>NFA </a:t>
+            </a:r>
+            <a:r>
+              <a:rPr lang="en-US" sz="2800" dirty="0">
+                <a:sym typeface="Symbol" charset="2"/>
+              </a:rPr>
+              <a:t> DFA</a:t>
+            </a:r>
+          </a:p>
+          <a:p>
+            <a:pPr lvl="1">
+              <a:lnSpc>
+                <a:spcPct val="90000"/>
+              </a:lnSpc>
+            </a:pPr>
+            <a:r>
+              <a:rPr lang="en-US" sz="2400" dirty="0"/>
+              <a:t>Subset construction</a:t>
+            </a:r>
+          </a:p>
+          <a:p>
+            <a:pPr>
+              <a:lnSpc>
+                <a:spcPct val="90000"/>
+              </a:lnSpc>
+            </a:pPr>
+            <a:r>
+              <a:rPr lang="en-US" sz="2800" dirty="0"/>
+              <a:t>DFA </a:t>
+            </a:r>
+            <a:r>
+              <a:rPr lang="en-US" sz="2800" dirty="0">
+                <a:sym typeface="Symbol" charset="2"/>
+              </a:rPr>
+              <a:t> minimal DFA</a:t>
+            </a:r>
+          </a:p>
+          <a:p>
+            <a:pPr lvl="1">
+              <a:lnSpc>
+                <a:spcPct val="90000"/>
+              </a:lnSpc>
+            </a:pPr>
+            <a:r>
+              <a:rPr lang="en-US" sz="2400" dirty="0">
+                <a:sym typeface="Symbol" charset="2"/>
+              </a:rPr>
+              <a:t>Minimization</a:t>
+            </a:r>
+          </a:p>
+          <a:p>
+            <a:pPr>
+              <a:lnSpc>
+                <a:spcPct val="90000"/>
+              </a:lnSpc>
+              <a:buFontTx/>
+              <a:buNone/>
+            </a:pPr>
+            <a:r>
+              <a:rPr lang="en-US" b="1" dirty="0">
+                <a:sym typeface="Symbol" charset="2"/>
+              </a:rPr>
+              <a:t> Lexical Analyzer (multiple patterns)</a:t>
+            </a:r>
           </a:p>
         </p:txBody>
       </p:sp>
@@ -15111,191 +16243,6 @@
           </a:p>
         </p:txBody>
       </p:sp>
-      <p:sp>
-        <p:nvSpPr>
-          <p:cNvPr id="222210" name="Rectangle 2"/>
-          <p:cNvSpPr>
-            <a:spLocks noGrp="1" noChangeArrowheads="1"/>
-          </p:cNvSpPr>
-          <p:nvPr>
-            <p:ph type="title"/>
-          </p:nvPr>
-        </p:nvSpPr>
-        <p:spPr/>
-        <p:txBody>
-          <a:bodyPr/>
-          <a:lstStyle/>
-          <a:p>
-            <a:r>
-              <a:rPr lang="en-US"/>
-              <a:t>Summary</a:t>
-            </a:r>
-          </a:p>
-        </p:txBody>
-      </p:sp>
-      <p:sp>
-        <p:nvSpPr>
-          <p:cNvPr id="222211" name="Rectangle 3"/>
-          <p:cNvSpPr>
-            <a:spLocks noGrp="1" noChangeArrowheads="1"/>
-          </p:cNvSpPr>
-          <p:nvPr>
-            <p:ph type="body" idx="1"/>
-          </p:nvPr>
-        </p:nvSpPr>
-        <p:spPr/>
-        <p:txBody>
-          <a:bodyPr/>
-          <a:lstStyle/>
-          <a:p>
-            <a:pPr>
-              <a:lnSpc>
-                <a:spcPct val="90000"/>
-              </a:lnSpc>
-            </a:pPr>
-            <a:r>
-              <a:rPr lang="en-US" sz="2800" dirty="0"/>
-              <a:t>Token  </a:t>
-            </a:r>
-            <a:r>
-              <a:rPr lang="en-US" sz="2800" dirty="0">
-                <a:sym typeface="Symbol" charset="2"/>
-              </a:rPr>
-              <a:t> </a:t>
-            </a:r>
-            <a:r>
-              <a:rPr lang="en-US" sz="2800" dirty="0"/>
-              <a:t>Pattern</a:t>
-            </a:r>
-          </a:p>
-          <a:p>
-            <a:pPr>
-              <a:lnSpc>
-                <a:spcPct val="90000"/>
-              </a:lnSpc>
-            </a:pPr>
-            <a:r>
-              <a:rPr lang="en-US" sz="2800" dirty="0"/>
-              <a:t>Pattern </a:t>
-            </a:r>
-            <a:r>
-              <a:rPr lang="en-US" sz="2800" dirty="0">
-                <a:sym typeface="Symbol" charset="2"/>
-              </a:rPr>
-              <a:t> </a:t>
-            </a:r>
-            <a:r>
-              <a:rPr lang="en-US" sz="2800" dirty="0"/>
-              <a:t>Regular Expression</a:t>
-            </a:r>
-          </a:p>
-          <a:p>
-            <a:pPr>
-              <a:lnSpc>
-                <a:spcPct val="90000"/>
-              </a:lnSpc>
-            </a:pPr>
-            <a:r>
-              <a:rPr lang="en-US" sz="2800" dirty="0"/>
-              <a:t>Regular Expression </a:t>
-            </a:r>
-            <a:r>
-              <a:rPr lang="en-US" sz="2800" dirty="0">
-                <a:sym typeface="Symbol" charset="2"/>
-              </a:rPr>
-              <a:t> </a:t>
-            </a:r>
-            <a:r>
-              <a:rPr lang="en-US" sz="2800" dirty="0"/>
-              <a:t>NFA</a:t>
-            </a:r>
-          </a:p>
-          <a:p>
-            <a:pPr lvl="1">
-              <a:lnSpc>
-                <a:spcPct val="90000"/>
-              </a:lnSpc>
-            </a:pPr>
-            <a:r>
-              <a:rPr lang="en-US" sz="2400" dirty="0"/>
-              <a:t>Thompson’s Rules</a:t>
-            </a:r>
-          </a:p>
-          <a:p>
-            <a:pPr>
-              <a:lnSpc>
-                <a:spcPct val="90000"/>
-              </a:lnSpc>
-            </a:pPr>
-            <a:r>
-              <a:rPr lang="en-US" sz="2800" dirty="0"/>
-              <a:t>NFA </a:t>
-            </a:r>
-            <a:r>
-              <a:rPr lang="en-US" sz="2800" dirty="0">
-                <a:sym typeface="Symbol" charset="2"/>
-              </a:rPr>
-              <a:t> DFA</a:t>
-            </a:r>
-          </a:p>
-          <a:p>
-            <a:pPr lvl="1">
-              <a:lnSpc>
-                <a:spcPct val="90000"/>
-              </a:lnSpc>
-            </a:pPr>
-            <a:r>
-              <a:rPr lang="en-US" sz="2400" dirty="0"/>
-              <a:t>Subset construction</a:t>
-            </a:r>
-          </a:p>
-          <a:p>
-            <a:pPr>
-              <a:lnSpc>
-                <a:spcPct val="90000"/>
-              </a:lnSpc>
-            </a:pPr>
-            <a:r>
-              <a:rPr lang="en-US" sz="2800" dirty="0"/>
-              <a:t>DFA </a:t>
-            </a:r>
-            <a:r>
-              <a:rPr lang="en-US" sz="2800" dirty="0">
-                <a:sym typeface="Symbol" charset="2"/>
-              </a:rPr>
-              <a:t> minimal DFA</a:t>
-            </a:r>
-          </a:p>
-          <a:p>
-            <a:pPr lvl="1">
-              <a:lnSpc>
-                <a:spcPct val="90000"/>
-              </a:lnSpc>
-            </a:pPr>
-            <a:r>
-              <a:rPr lang="en-US" sz="2400" dirty="0">
-                <a:sym typeface="Symbol" charset="2"/>
-              </a:rPr>
-              <a:t>Minimization</a:t>
-            </a:r>
-          </a:p>
-          <a:p>
-            <a:pPr>
-              <a:lnSpc>
-                <a:spcPct val="90000"/>
-              </a:lnSpc>
-              <a:buFontTx/>
-              <a:buNone/>
-            </a:pPr>
-            <a:r>
-              <a:rPr lang="en-US" b="1" dirty="0">
-                <a:sym typeface="Symbol" charset="2"/>
-              </a:rPr>
-              <a:t> Lexical Analyzer (multiple patterns)</a:t>
-            </a:r>
-          </a:p>
-        </p:txBody>
-      </p:sp>
     </p:spTree>
     <p:extLst>
       <p:ext uri="{BB962C8B-B14F-4D97-AF65-F5344CB8AC3E}">
@@ -15309,7 +16256,7 @@
   <p:timing>
     <p:tnLst>
       <p:par>
-        <p:cTn xmlns:p14="http://schemas.microsoft.com/office/powerpoint/2010/main" id="1" dur="indefinite" restart="never" nodeType="tmRoot">
+        <p:cTn id="1" dur="indefinite" restart="never" nodeType="tmRoot">
           <p:childTnLst>
             <p:seq concurrent="1" nextAc="seek">
               <p:cTn id="2" dur="indefinite" nodeType="mainSeq">
@@ -15730,56 +16677,150 @@
 </file>
 
 <file path=ppt/theme/theme1.xml><?xml version="1.0" encoding="utf-8"?>
-<a:theme xmlns:a="http://schemas.openxmlformats.org/drawingml/2006/main" name="Blank Presentation">
+<a:theme xmlns:a="http://schemas.openxmlformats.org/drawingml/2006/main" name="Office Theme">
   <a:themeElements>
-    <a:clrScheme name="Blank Presentation 1">
+    <a:clrScheme name="Office">
       <a:dk1>
-        <a:srgbClr val="000000"/>
+        <a:sysClr val="windowText" lastClr="000000"/>
       </a:dk1>
       <a:lt1>
-        <a:srgbClr val="FFFFFF"/>
+        <a:sysClr val="window" lastClr="FFFFFF"/>
       </a:lt1>
       <a:dk2>
-        <a:srgbClr val="000000"/>
+        <a:srgbClr val="44546A"/>
       </a:dk2>
       <a:lt2>
-        <a:srgbClr val="808080"/>
+        <a:srgbClr val="E7E6E6"/>
       </a:lt2>
       <a:accent1>
-        <a:srgbClr val="BBE0E3"/>
+        <a:srgbClr val="4472C4"/>
       </a:accent1>
       <a:accent2>
-        <a:srgbClr val="333399"/>
+        <a:srgbClr val="ED7D31"/>
       </a:accent2>
       <a:accent3>
-        <a:srgbClr val="FFFFFF"/>
+        <a:srgbClr val="A5A5A5"/>
       </a:accent3>
       <a:accent4>
-        <a:srgbClr val="000000"/>
+        <a:srgbClr val="FFC000"/>
       </a:accent4>
       <a:accent5>
-        <a:srgbClr val="DAEDEF"/>
+        <a:srgbClr val="5B9BD5"/>
       </a:accent5>
       <a:accent6>
-        <a:srgbClr val="2D2D8A"/>
+        <a:srgbClr val="70AD47"/>
       </a:accent6>
       <a:hlink>
-        <a:srgbClr val="009999"/>
+        <a:srgbClr val="0563C1"/>
       </a:hlink>
       <a:folHlink>
-        <a:srgbClr val="99CC00"/>
+        <a:srgbClr val="954F72"/>
       </a:folHlink>
     </a:clrScheme>
-    <a:fontScheme name="Blank Presentation">
+    <a:fontScheme name="Office">
       <a:majorFont>
-        <a:latin typeface="Times"/>
+        <a:latin typeface="Calibri Light" panose="020F0302020204030204"/>
         <a:ea typeface=""/>
         <a:cs typeface=""/>
+        <a:font script="Jpan" typeface="游ゴシック Light"/>
+        <a:font script="Hang" typeface="맑은 고딕"/>
+        <a:font script="Hans" typeface="等线 Light"/>
+        <a:font script="Hant" typeface="新細明體"/>
+        <a:font script="Arab" typeface="Times New Roman"/>
+        <a:font script="Hebr" typeface="Times New Roman"/>
+        <a:font script="Thai" typeface="Angsana New"/>
+        <a:font script="Ethi" typeface="Nyala"/>
+        <a:font script="Beng" typeface="Vrinda"/>
+        <a:font script="Gujr" typeface="Shruti"/>
+        <a:font script="Khmr" typeface="MoolBoran"/>
+        <a:font script="Knda" typeface="Tunga"/>
+        <a:font script="Guru" typeface="Raavi"/>
+        <a:font script="Cans" typeface="Euphemia"/>
+        <a:font script="Cher" typeface="Plantagenet Cherokee"/>
+        <a:font script="Yiii" typeface="Microsoft Yi Baiti"/>
+        <a:font script="Tibt" typeface="Microsoft Himalaya"/>
+        <a:font script="Thaa" typeface="MV Boli"/>
+        <a:font script="Deva" typeface="Mangal"/>
+        <a:font script="Telu" typeface="Gautami"/>
+        <a:font script="Taml" typeface="Latha"/>
+        <a:font script="Syrc" typeface="Estrangelo Edessa"/>
+        <a:font script="Orya" typeface="Kalinga"/>
+        <a:font script="Mlym" typeface="Kartika"/>
+        <a:font script="Laoo" typeface="DokChampa"/>
+        <a:font script="Sinh" typeface="Iskoola Pota"/>
+        <a:font script="Mong" typeface="Mongolian Baiti"/>
+        <a:font script="Viet" typeface="Times New Roman"/>
+        <a:font script="Uigh" typeface="Microsoft Uighur"/>
+        <a:font script="Geor" typeface="Sylfaen"/>
+        <a:font script="Armn" typeface="Arial"/>
+        <a:font script="Bugi" typeface="Leelawadee UI"/>
+        <a:font script="Bopo" typeface="Microsoft JhengHei"/>
+        <a:font script="Java" typeface="Javanese Text"/>
+        <a:font script="Lisu" typeface="Segoe UI"/>
+        <a:font script="Mymr" typeface="Myanmar Text"/>
+        <a:font script="Nkoo" typeface="Ebrima"/>
+        <a:font script="Olck" typeface="Nirmala UI"/>
+        <a:font script="Osma" typeface="Ebrima"/>
+        <a:font script="Phag" typeface="Phagspa"/>
+        <a:font script="Syrn" typeface="Estrangelo Edessa"/>
+        <a:font script="Syrj" typeface="Estrangelo Edessa"/>
+        <a:font script="Syre" typeface="Estrangelo Edessa"/>
+        <a:font script="Sora" typeface="Nirmala UI"/>
+        <a:font script="Tale" typeface="Microsoft Tai Le"/>
+        <a:font script="Talu" typeface="Microsoft New Tai Lue"/>
+        <a:font script="Tfng" typeface="Ebrima"/>
       </a:majorFont>
       <a:minorFont>
-        <a:latin typeface="Times"/>
+        <a:latin typeface="Calibri" panose="020F0502020204030204"/>
         <a:ea typeface=""/>
         <a:cs typeface=""/>
+        <a:font script="Jpan" typeface="游ゴシック"/>
+        <a:font script="Hang" typeface="맑은 고딕"/>
+        <a:font script="Hans" typeface="等线"/>
+        <a:font script="Hant" typeface="新細明體"/>
+        <a:font script="Arab" typeface="Arial"/>
+        <a:font script="Hebr" typeface="Arial"/>
+        <a:font script="Thai" typeface="Cordia New"/>
+        <a:font script="Ethi" typeface="Nyala"/>
+        <a:font script="Beng" typeface="Vrinda"/>
+        <a:font script="Gujr" typeface="Shruti"/>
+        <a:font script="Khmr" typeface="DaunPenh"/>
+        <a:font script="Knda" typeface="Tunga"/>
+        <a:font script="Guru" typeface="Raavi"/>
+        <a:font script="Cans" typeface="Euphemia"/>
+        <a:font script="Cher" typeface="Plantagenet Cherokee"/>
+        <a:font script="Yiii" typeface="Microsoft Yi Baiti"/>
+        <a:font script="Tibt" typeface="Microsoft Himalaya"/>
+        <a:font script="Thaa" typeface="MV Boli"/>
+        <a:font script="Deva" typeface="Mangal"/>
+        <a:font script="Telu" typeface="Gautami"/>
+        <a:font script="Taml" typeface="Latha"/>
+        <a:font script="Syrc" typeface="Estrangelo Edessa"/>
+        <a:font script="Orya" typeface="Kalinga"/>
+        <a:font script="Mlym" typeface="Kartika"/>
+        <a:font script="Laoo" typeface="DokChampa"/>
+        <a:font script="Sinh" typeface="Iskoola Pota"/>
+        <a:font script="Mong" typeface="Mongolian Baiti"/>
+        <a:font script="Viet" typeface="Arial"/>
+        <a:font script="Uigh" typeface="Microsoft Uighur"/>
+        <a:font script="Geor" typeface="Sylfaen"/>
+        <a:font script="Armn" typeface="Arial"/>
+        <a:font script="Bugi" typeface="Leelawadee UI"/>
+        <a:font script="Bopo" typeface="Microsoft JhengHei"/>
+        <a:font script="Java" typeface="Javanese Text"/>
+        <a:font script="Lisu" typeface="Segoe UI"/>
+        <a:font script="Mymr" typeface="Myanmar Text"/>
+        <a:font script="Nkoo" typeface="Ebrima"/>
+        <a:font script="Olck" typeface="Nirmala UI"/>
+        <a:font script="Osma" typeface="Ebrima"/>
+        <a:font script="Phag" typeface="Phagspa"/>
+        <a:font script="Syrn" typeface="Estrangelo Edessa"/>
+        <a:font script="Syrj" typeface="Estrangelo Edessa"/>
+        <a:font script="Syre" typeface="Estrangelo Edessa"/>
+        <a:font script="Sora" typeface="Nirmala UI"/>
+        <a:font script="Tale" typeface="Microsoft Tai Le"/>
+        <a:font script="Talu" typeface="Microsoft New Tai Lue"/>
+        <a:font script="Tfng" typeface="Ebrima"/>
       </a:minorFont>
     </a:fontScheme>
     <a:fmtScheme name="Office">
@@ -15791,780 +16832,142 @@
           <a:gsLst>
             <a:gs pos="0">
               <a:schemeClr val="phClr">
-                <a:tint val="50000"/>
-                <a:satMod val="300000"/>
+                <a:lumMod val="110000"/>
+                <a:satMod val="105000"/>
+                <a:tint val="67000"/>
               </a:schemeClr>
             </a:gs>
-            <a:gs pos="35000">
+            <a:gs pos="50000">
               <a:schemeClr val="phClr">
-                <a:tint val="37000"/>
-                <a:satMod val="300000"/>
+                <a:lumMod val="105000"/>
+                <a:satMod val="103000"/>
+                <a:tint val="73000"/>
               </a:schemeClr>
             </a:gs>
             <a:gs pos="100000">
               <a:schemeClr val="phClr">
-                <a:tint val="15000"/>
-                <a:satMod val="350000"/>
+                <a:lumMod val="105000"/>
+                <a:satMod val="109000"/>
+                <a:tint val="81000"/>
               </a:schemeClr>
             </a:gs>
           </a:gsLst>
-          <a:lin ang="16200000" scaled="1"/>
+          <a:lin ang="5400000" scaled="0"/>
         </a:gradFill>
         <a:gradFill rotWithShape="1">
           <a:gsLst>
             <a:gs pos="0">
               <a:schemeClr val="phClr">
-                <a:tint val="100000"/>
+                <a:satMod val="103000"/>
+                <a:lumMod val="102000"/>
+                <a:tint val="94000"/>
+              </a:schemeClr>
+            </a:gs>
+            <a:gs pos="50000">
+              <a:schemeClr val="phClr">
+                <a:satMod val="110000"/>
+                <a:lumMod val="100000"/>
                 <a:shade val="100000"/>
-                <a:satMod val="130000"/>
               </a:schemeClr>
             </a:gs>
             <a:gs pos="100000">
               <a:schemeClr val="phClr">
-                <a:tint val="50000"/>
-                <a:shade val="100000"/>
-                <a:satMod val="350000"/>
+                <a:lumMod val="99000"/>
+                <a:satMod val="120000"/>
+                <a:shade val="78000"/>
               </a:schemeClr>
             </a:gs>
           </a:gsLst>
-          <a:lin ang="16200000" scaled="0"/>
+          <a:lin ang="5400000" scaled="0"/>
         </a:gradFill>
       </a:fillStyleLst>
       <a:lnStyleLst>
-        <a:ln w="9525" cap="flat" cmpd="sng" algn="ctr">
-          <a:solidFill>
-            <a:schemeClr val="phClr">
-              <a:shade val="95000"/>
-              <a:satMod val="105000"/>
-            </a:schemeClr>
-          </a:solidFill>
-          <a:prstDash val="solid"/>
-        </a:ln>
-        <a:ln w="25400" cap="flat" cmpd="sng" algn="ctr">
+        <a:ln w="6350" cap="flat" cmpd="sng" algn="ctr">
           <a:solidFill>
             <a:schemeClr val="phClr"/>
           </a:solidFill>
           <a:prstDash val="solid"/>
+          <a:miter lim="800000"/>
         </a:ln>
-        <a:ln w="38100" cap="flat" cmpd="sng" algn="ctr">
+        <a:ln w="12700" cap="flat" cmpd="sng" algn="ctr">
           <a:solidFill>
             <a:schemeClr val="phClr"/>
           </a:solidFill>
           <a:prstDash val="solid"/>
+          <a:miter lim="800000"/>
+        </a:ln>
+        <a:ln w="19050" cap="flat" cmpd="sng" algn="ctr">
+          <a:solidFill>
+            <a:schemeClr val="phClr"/>
+          </a:solidFill>
+          <a:prstDash val="solid"/>
+          <a:miter lim="800000"/>
         </a:ln>
       </a:lnStyleLst>
       <a:effectStyleLst>
         <a:effectStyle>
+          <a:effectLst/>
+        </a:effectStyle>
+        <a:effectStyle>
+          <a:effectLst/>
+        </a:effectStyle>
+        <a:effectStyle>
           <a:effectLst>
-            <a:outerShdw blurRad="40000" dist="20000" dir="5400000" rotWithShape="0">
+            <a:outerShdw blurRad="57150" dist="19050" dir="5400000" algn="ctr" rotWithShape="0">
               <a:srgbClr val="000000">
-                <a:alpha val="38000"/>
+                <a:alpha val="63000"/>
               </a:srgbClr>
             </a:outerShdw>
           </a:effectLst>
-        </a:effectStyle>
-        <a:effectStyle>
-          <a:effectLst>
-            <a:outerShdw blurRad="40000" dist="23000" dir="5400000" rotWithShape="0">
-              <a:srgbClr val="000000">
-                <a:alpha val="35000"/>
-              </a:srgbClr>
-            </a:outerShdw>
-          </a:effectLst>
-        </a:effectStyle>
-        <a:effectStyle>
-          <a:effectLst>
-            <a:outerShdw blurRad="40000" dist="23000" dir="5400000" rotWithShape="0">
-              <a:srgbClr val="000000">
-                <a:alpha val="35000"/>
-              </a:srgbClr>
-            </a:outerShdw>
-          </a:effectLst>
-          <a:scene3d>
-            <a:camera prst="orthographicFront">
-              <a:rot lat="0" lon="0" rev="0"/>
-            </a:camera>
-            <a:lightRig rig="threePt" dir="t">
-              <a:rot lat="0" lon="0" rev="1200000"/>
-            </a:lightRig>
-          </a:scene3d>
-          <a:sp3d>
-            <a:bevelT w="63500" h="25400"/>
-          </a:sp3d>
         </a:effectStyle>
       </a:effectStyleLst>
       <a:bgFillStyleLst>
         <a:solidFill>
           <a:schemeClr val="phClr"/>
         </a:solidFill>
+        <a:solidFill>
+          <a:schemeClr val="phClr">
+            <a:tint val="95000"/>
+            <a:satMod val="170000"/>
+          </a:schemeClr>
+        </a:solidFill>
         <a:gradFill rotWithShape="1">
           <a:gsLst>
             <a:gs pos="0">
               <a:schemeClr val="phClr">
-                <a:tint val="40000"/>
-                <a:satMod val="350000"/>
+                <a:tint val="93000"/>
+                <a:satMod val="150000"/>
+                <a:shade val="98000"/>
+                <a:lumMod val="102000"/>
               </a:schemeClr>
             </a:gs>
-            <a:gs pos="40000">
+            <a:gs pos="50000">
               <a:schemeClr val="phClr">
-                <a:tint val="45000"/>
-                <a:shade val="99000"/>
-                <a:satMod val="350000"/>
+                <a:tint val="98000"/>
+                <a:satMod val="130000"/>
+                <a:shade val="90000"/>
+                <a:lumMod val="103000"/>
               </a:schemeClr>
             </a:gs>
             <a:gs pos="100000">
               <a:schemeClr val="phClr">
-                <a:shade val="20000"/>
-                <a:satMod val="255000"/>
+                <a:shade val="63000"/>
+                <a:satMod val="120000"/>
               </a:schemeClr>
             </a:gs>
           </a:gsLst>
-          <a:path path="circle">
-            <a:fillToRect l="50000" t="-80000" r="50000" b="180000"/>
-          </a:path>
-        </a:gradFill>
-        <a:gradFill rotWithShape="1">
-          <a:gsLst>
-            <a:gs pos="0">
-              <a:schemeClr val="phClr">
-                <a:tint val="80000"/>
-                <a:satMod val="300000"/>
-              </a:schemeClr>
-            </a:gs>
-            <a:gs pos="100000">
-              <a:schemeClr val="phClr">
-                <a:shade val="30000"/>
-                <a:satMod val="200000"/>
-              </a:schemeClr>
-            </a:gs>
-          </a:gsLst>
-          <a:path path="circle">
-            <a:fillToRect l="50000" t="50000" r="50000" b="50000"/>
-          </a:path>
+          <a:lin ang="5400000" scaled="0"/>
         </a:gradFill>
       </a:bgFillStyleLst>
     </a:fmtScheme>
   </a:themeElements>
-  <a:objectDefaults>
-    <a:spDef>
-      <a:spPr bwMode="auto">
-        <a:xfrm>
-          <a:off x="0" y="0"/>
-          <a:ext cx="1" cy="1"/>
-        </a:xfrm>
-        <a:custGeom>
-          <a:avLst/>
-          <a:gdLst/>
-          <a:ahLst/>
-          <a:cxnLst/>
-          <a:rect l="0" t="0" r="0" b="0"/>
-          <a:pathLst/>
-        </a:custGeom>
-        <a:solidFill>
-          <a:schemeClr val="accent1"/>
-        </a:solidFill>
-        <a:ln w="9525" cap="flat" cmpd="sng" algn="ctr">
-          <a:solidFill>
-            <a:schemeClr val="tx1"/>
-          </a:solidFill>
-          <a:prstDash val="solid"/>
-          <a:round/>
-          <a:headEnd type="none" w="med" len="med"/>
-          <a:tailEnd type="none" w="med" len="med"/>
-        </a:ln>
-        <a:effectLst/>
-      </a:spPr>
-      <a:bodyPr vert="horz" wrap="square" lIns="91440" tIns="45720" rIns="91440" bIns="45720" numCol="1" anchor="t" anchorCtr="0" compatLnSpc="1">
-        <a:prstTxWarp prst="textNoShape">
-          <a:avLst/>
-        </a:prstTxWarp>
-      </a:bodyPr>
-      <a:lstStyle>
-        <a:defPPr marL="0" marR="0" indent="0" algn="l" defTabSz="914400" rtl="0" eaLnBrk="0" fontAlgn="base" latinLnBrk="0" hangingPunct="0">
-          <a:lnSpc>
-            <a:spcPct val="100000"/>
-          </a:lnSpc>
-          <a:spcBef>
-            <a:spcPct val="0"/>
-          </a:spcBef>
-          <a:spcAft>
-            <a:spcPct val="0"/>
-          </a:spcAft>
-          <a:buClrTx/>
-          <a:buSzTx/>
-          <a:buFontTx/>
-          <a:buNone/>
-          <a:tabLst/>
-          <a:defRPr kumimoji="0" lang="en-US" sz="2400" b="0" i="0" u="none" strike="noStrike" cap="none" normalizeH="0" baseline="0">
-            <a:ln>
-              <a:noFill/>
-            </a:ln>
-            <a:solidFill>
-              <a:schemeClr val="tx1"/>
-            </a:solidFill>
-            <a:effectLst/>
-            <a:latin typeface="Times" charset="0"/>
-          </a:defRPr>
-        </a:defPPr>
-      </a:lstStyle>
-    </a:spDef>
-    <a:lnDef>
-      <a:spPr bwMode="auto">
-        <a:xfrm>
-          <a:off x="0" y="0"/>
-          <a:ext cx="1" cy="1"/>
-        </a:xfrm>
-        <a:custGeom>
-          <a:avLst/>
-          <a:gdLst/>
-          <a:ahLst/>
-          <a:cxnLst/>
-          <a:rect l="0" t="0" r="0" b="0"/>
-          <a:pathLst/>
-        </a:custGeom>
-        <a:solidFill>
-          <a:schemeClr val="accent1"/>
-        </a:solidFill>
-        <a:ln w="9525" cap="flat" cmpd="sng" algn="ctr">
-          <a:solidFill>
-            <a:schemeClr val="tx1"/>
-          </a:solidFill>
-          <a:prstDash val="solid"/>
-          <a:round/>
-          <a:headEnd type="none" w="med" len="med"/>
-          <a:tailEnd type="none" w="med" len="med"/>
-        </a:ln>
-        <a:effectLst/>
-      </a:spPr>
-      <a:bodyPr vert="horz" wrap="square" lIns="91440" tIns="45720" rIns="91440" bIns="45720" numCol="1" anchor="t" anchorCtr="0" compatLnSpc="1">
-        <a:prstTxWarp prst="textNoShape">
-          <a:avLst/>
-        </a:prstTxWarp>
-      </a:bodyPr>
-      <a:lstStyle>
-        <a:defPPr marL="0" marR="0" indent="0" algn="l" defTabSz="914400" rtl="0" eaLnBrk="0" fontAlgn="base" latinLnBrk="0" hangingPunct="0">
-          <a:lnSpc>
-            <a:spcPct val="100000"/>
-          </a:lnSpc>
-          <a:spcBef>
-            <a:spcPct val="0"/>
-          </a:spcBef>
-          <a:spcAft>
-            <a:spcPct val="0"/>
-          </a:spcAft>
-          <a:buClrTx/>
-          <a:buSzTx/>
-          <a:buFontTx/>
-          <a:buNone/>
-          <a:tabLst/>
-          <a:defRPr kumimoji="0" lang="en-US" sz="2400" b="0" i="0" u="none" strike="noStrike" cap="none" normalizeH="0" baseline="0">
-            <a:ln>
-              <a:noFill/>
-            </a:ln>
-            <a:solidFill>
-              <a:schemeClr val="tx1"/>
-            </a:solidFill>
-            <a:effectLst/>
-            <a:latin typeface="Times" charset="0"/>
-          </a:defRPr>
-        </a:defPPr>
-      </a:lstStyle>
-    </a:lnDef>
-  </a:objectDefaults>
-  <a:extraClrSchemeLst>
-    <a:extraClrScheme>
-      <a:clrScheme name="Blank Presentation 1">
-        <a:dk1>
-          <a:srgbClr val="000000"/>
-        </a:dk1>
-        <a:lt1>
-          <a:srgbClr val="FFFFFF"/>
-        </a:lt1>
-        <a:dk2>
-          <a:srgbClr val="000000"/>
-        </a:dk2>
-        <a:lt2>
-          <a:srgbClr val="808080"/>
-        </a:lt2>
-        <a:accent1>
-          <a:srgbClr val="BBE0E3"/>
-        </a:accent1>
-        <a:accent2>
-          <a:srgbClr val="333399"/>
-        </a:accent2>
-        <a:accent3>
-          <a:srgbClr val="FFFFFF"/>
-        </a:accent3>
-        <a:accent4>
-          <a:srgbClr val="000000"/>
-        </a:accent4>
-        <a:accent5>
-          <a:srgbClr val="DAEDEF"/>
-        </a:accent5>
-        <a:accent6>
-          <a:srgbClr val="2D2D8A"/>
-        </a:accent6>
-        <a:hlink>
-          <a:srgbClr val="009999"/>
-        </a:hlink>
-        <a:folHlink>
-          <a:srgbClr val="99CC00"/>
-        </a:folHlink>
-      </a:clrScheme>
-      <a:clrMap bg1="lt1" tx1="dk1" bg2="lt2" tx2="dk2" accent1="accent1" accent2="accent2" accent3="accent3" accent4="accent4" accent5="accent5" accent6="accent6" hlink="hlink" folHlink="folHlink"/>
-    </a:extraClrScheme>
-    <a:extraClrScheme>
-      <a:clrScheme name="Blank Presentation 2">
-        <a:dk1>
-          <a:srgbClr val="000000"/>
-        </a:dk1>
-        <a:lt1>
-          <a:srgbClr val="FFFFFF"/>
-        </a:lt1>
-        <a:dk2>
-          <a:srgbClr val="000000"/>
-        </a:dk2>
-        <a:lt2>
-          <a:srgbClr val="969696"/>
-        </a:lt2>
-        <a:accent1>
-          <a:srgbClr val="FBDF53"/>
-        </a:accent1>
-        <a:accent2>
-          <a:srgbClr val="FF9966"/>
-        </a:accent2>
-        <a:accent3>
-          <a:srgbClr val="FFFFFF"/>
-        </a:accent3>
-        <a:accent4>
-          <a:srgbClr val="000000"/>
-        </a:accent4>
-        <a:accent5>
-          <a:srgbClr val="FDECB3"/>
-        </a:accent5>
-        <a:accent6>
-          <a:srgbClr val="E78A5C"/>
-        </a:accent6>
-        <a:hlink>
-          <a:srgbClr val="CC3300"/>
-        </a:hlink>
-        <a:folHlink>
-          <a:srgbClr val="996600"/>
-        </a:folHlink>
-      </a:clrScheme>
-      <a:clrMap bg1="lt1" tx1="dk1" bg2="lt2" tx2="dk2" accent1="accent1" accent2="accent2" accent3="accent3" accent4="accent4" accent5="accent5" accent6="accent6" hlink="hlink" folHlink="folHlink"/>
-    </a:extraClrScheme>
-    <a:extraClrScheme>
-      <a:clrScheme name="Blank Presentation 3">
-        <a:dk1>
-          <a:srgbClr val="000000"/>
-        </a:dk1>
-        <a:lt1>
-          <a:srgbClr val="FFFFFF"/>
-        </a:lt1>
-        <a:dk2>
-          <a:srgbClr val="000000"/>
-        </a:dk2>
-        <a:lt2>
-          <a:srgbClr val="808080"/>
-        </a:lt2>
-        <a:accent1>
-          <a:srgbClr val="99CCFF"/>
-        </a:accent1>
-        <a:accent2>
-          <a:srgbClr val="CCCCFF"/>
-        </a:accent2>
-        <a:accent3>
-          <a:srgbClr val="FFFFFF"/>
-        </a:accent3>
-        <a:accent4>
-          <a:srgbClr val="000000"/>
-        </a:accent4>
-        <a:accent5>
-          <a:srgbClr val="CAE2FF"/>
-        </a:accent5>
-        <a:accent6>
-          <a:srgbClr val="B9B9E7"/>
-        </a:accent6>
-        <a:hlink>
-          <a:srgbClr val="3333CC"/>
-        </a:hlink>
-        <a:folHlink>
-          <a:srgbClr val="AF67FF"/>
-        </a:folHlink>
-      </a:clrScheme>
-      <a:clrMap bg1="lt1" tx1="dk1" bg2="lt2" tx2="dk2" accent1="accent1" accent2="accent2" accent3="accent3" accent4="accent4" accent5="accent5" accent6="accent6" hlink="hlink" folHlink="folHlink"/>
-    </a:extraClrScheme>
-    <a:extraClrScheme>
-      <a:clrScheme name="Blank Presentation 4">
-        <a:dk1>
-          <a:srgbClr val="000000"/>
-        </a:dk1>
-        <a:lt1>
-          <a:srgbClr val="DEF6F1"/>
-        </a:lt1>
-        <a:dk2>
-          <a:srgbClr val="000000"/>
-        </a:dk2>
-        <a:lt2>
-          <a:srgbClr val="969696"/>
-        </a:lt2>
-        <a:accent1>
-          <a:srgbClr val="FFFFFF"/>
-        </a:accent1>
-        <a:accent2>
-          <a:srgbClr val="8DC6FF"/>
-        </a:accent2>
-        <a:accent3>
-          <a:srgbClr val="ECFAF7"/>
-        </a:accent3>
-        <a:accent4>
-          <a:srgbClr val="000000"/>
-        </a:accent4>
-        <a:accent5>
-          <a:srgbClr val="FFFFFF"/>
-        </a:accent5>
-        <a:accent6>
-          <a:srgbClr val="7FB3E7"/>
-        </a:accent6>
-        <a:hlink>
-          <a:srgbClr val="0066CC"/>
-        </a:hlink>
-        <a:folHlink>
-          <a:srgbClr val="00A800"/>
-        </a:folHlink>
-      </a:clrScheme>
-      <a:clrMap bg1="lt1" tx1="dk1" bg2="lt2" tx2="dk2" accent1="accent1" accent2="accent2" accent3="accent3" accent4="accent4" accent5="accent5" accent6="accent6" hlink="hlink" folHlink="folHlink"/>
-    </a:extraClrScheme>
-    <a:extraClrScheme>
-      <a:clrScheme name="Blank Presentation 5">
-        <a:dk1>
-          <a:srgbClr val="000000"/>
-        </a:dk1>
-        <a:lt1>
-          <a:srgbClr val="FFFFD9"/>
-        </a:lt1>
-        <a:dk2>
-          <a:srgbClr val="000000"/>
-        </a:dk2>
-        <a:lt2>
-          <a:srgbClr val="777777"/>
-        </a:lt2>
-        <a:accent1>
-          <a:srgbClr val="FFFFF7"/>
-        </a:accent1>
-        <a:accent2>
-          <a:srgbClr val="33CCCC"/>
-        </a:accent2>
-        <a:accent3>
-          <a:srgbClr val="FFFFE9"/>
-        </a:accent3>
-        <a:accent4>
-          <a:srgbClr val="000000"/>
-        </a:accent4>
-        <a:accent5>
-          <a:srgbClr val="FFFFFA"/>
-        </a:accent5>
-        <a:accent6>
-          <a:srgbClr val="2DB9B9"/>
-        </a:accent6>
-        <a:hlink>
-          <a:srgbClr val="FF5050"/>
-        </a:hlink>
-        <a:folHlink>
-          <a:srgbClr val="FF9900"/>
-        </a:folHlink>
-      </a:clrScheme>
-      <a:clrMap bg1="lt1" tx1="dk1" bg2="lt2" tx2="dk2" accent1="accent1" accent2="accent2" accent3="accent3" accent4="accent4" accent5="accent5" accent6="accent6" hlink="hlink" folHlink="folHlink"/>
-    </a:extraClrScheme>
-    <a:extraClrScheme>
-      <a:clrScheme name="Blank Presentation 6">
-        <a:dk1>
-          <a:srgbClr val="005A58"/>
-        </a:dk1>
-        <a:lt1>
-          <a:srgbClr val="FFFFFF"/>
-        </a:lt1>
-        <a:dk2>
-          <a:srgbClr val="008080"/>
-        </a:dk2>
-        <a:lt2>
-          <a:srgbClr val="FFFF99"/>
-        </a:lt2>
-        <a:accent1>
-          <a:srgbClr val="006462"/>
-        </a:accent1>
-        <a:accent2>
-          <a:srgbClr val="6D6FC7"/>
-        </a:accent2>
-        <a:accent3>
-          <a:srgbClr val="AAC0C0"/>
-        </a:accent3>
-        <a:accent4>
-          <a:srgbClr val="DADADA"/>
-        </a:accent4>
-        <a:accent5>
-          <a:srgbClr val="AAB8B7"/>
-        </a:accent5>
-        <a:accent6>
-          <a:srgbClr val="6264B4"/>
-        </a:accent6>
-        <a:hlink>
-          <a:srgbClr val="00FFFF"/>
-        </a:hlink>
-        <a:folHlink>
-          <a:srgbClr val="00FF00"/>
-        </a:folHlink>
-      </a:clrScheme>
-      <a:clrMap bg1="dk2" tx1="lt1" bg2="dk1" tx2="lt2" accent1="accent1" accent2="accent2" accent3="accent3" accent4="accent4" accent5="accent5" accent6="accent6" hlink="hlink" folHlink="folHlink"/>
-    </a:extraClrScheme>
-    <a:extraClrScheme>
-      <a:clrScheme name="Blank Presentation 7">
-        <a:dk1>
-          <a:srgbClr val="5C1F00"/>
-        </a:dk1>
-        <a:lt1>
-          <a:srgbClr val="FFFFFF"/>
-        </a:lt1>
-        <a:dk2>
-          <a:srgbClr val="800000"/>
-        </a:dk2>
-        <a:lt2>
-          <a:srgbClr val="DFD293"/>
-        </a:lt2>
-        <a:accent1>
-          <a:srgbClr val="713E39"/>
-        </a:accent1>
-        <a:accent2>
-          <a:srgbClr val="BE7960"/>
-        </a:accent2>
-        <a:accent3>
-          <a:srgbClr val="C0AAAA"/>
-        </a:accent3>
-        <a:accent4>
-          <a:srgbClr val="DADADA"/>
-        </a:accent4>
-        <a:accent5>
-          <a:srgbClr val="BBAFAE"/>
-        </a:accent5>
-        <a:accent6>
-          <a:srgbClr val="AC6D56"/>
-        </a:accent6>
-        <a:hlink>
-          <a:srgbClr val="FFFF99"/>
-        </a:hlink>
-        <a:folHlink>
-          <a:srgbClr val="D3A219"/>
-        </a:folHlink>
-      </a:clrScheme>
-      <a:clrMap bg1="dk2" tx1="lt1" bg2="dk1" tx2="lt2" accent1="accent1" accent2="accent2" accent3="accent3" accent4="accent4" accent5="accent5" accent6="accent6" hlink="hlink" folHlink="folHlink"/>
-    </a:extraClrScheme>
-    <a:extraClrScheme>
-      <a:clrScheme name="Blank Presentation 8">
-        <a:dk1>
-          <a:srgbClr val="003366"/>
-        </a:dk1>
-        <a:lt1>
-          <a:srgbClr val="FFFFFF"/>
-        </a:lt1>
-        <a:dk2>
-          <a:srgbClr val="000099"/>
-        </a:dk2>
-        <a:lt2>
-          <a:srgbClr val="CCFFFF"/>
-        </a:lt2>
-        <a:accent1>
-          <a:srgbClr val="3366CC"/>
-        </a:accent1>
-        <a:accent2>
-          <a:srgbClr val="00B000"/>
-        </a:accent2>
-        <a:accent3>
-          <a:srgbClr val="AAAACA"/>
-        </a:accent3>
-        <a:accent4>
-          <a:srgbClr val="DADADA"/>
-        </a:accent4>
-        <a:accent5>
-          <a:srgbClr val="ADB8E2"/>
-        </a:accent5>
-        <a:accent6>
-          <a:srgbClr val="009F00"/>
-        </a:accent6>
-        <a:hlink>
-          <a:srgbClr val="66CCFF"/>
-        </a:hlink>
-        <a:folHlink>
-          <a:srgbClr val="FFE701"/>
-        </a:folHlink>
-      </a:clrScheme>
-      <a:clrMap bg1="dk2" tx1="lt1" bg2="dk1" tx2="lt2" accent1="accent1" accent2="accent2" accent3="accent3" accent4="accent4" accent5="accent5" accent6="accent6" hlink="hlink" folHlink="folHlink"/>
-    </a:extraClrScheme>
-    <a:extraClrScheme>
-      <a:clrScheme name="Blank Presentation 9">
-        <a:dk1>
-          <a:srgbClr val="336699"/>
-        </a:dk1>
-        <a:lt1>
-          <a:srgbClr val="FFFFFF"/>
-        </a:lt1>
-        <a:dk2>
-          <a:srgbClr val="000000"/>
-        </a:dk2>
-        <a:lt2>
-          <a:srgbClr val="E3EBF1"/>
-        </a:lt2>
-        <a:accent1>
-          <a:srgbClr val="003399"/>
-        </a:accent1>
-        <a:accent2>
-          <a:srgbClr val="468A4B"/>
-        </a:accent2>
-        <a:accent3>
-          <a:srgbClr val="AAAAAA"/>
-        </a:accent3>
-        <a:accent4>
-          <a:srgbClr val="DADADA"/>
-        </a:accent4>
-        <a:accent5>
-          <a:srgbClr val="AAADCA"/>
-        </a:accent5>
-        <a:accent6>
-          <a:srgbClr val="3F7D43"/>
-        </a:accent6>
-        <a:hlink>
-          <a:srgbClr val="66CCFF"/>
-        </a:hlink>
-        <a:folHlink>
-          <a:srgbClr val="F0E500"/>
-        </a:folHlink>
-      </a:clrScheme>
-      <a:clrMap bg1="dk2" tx1="lt1" bg2="dk1" tx2="lt2" accent1="accent1" accent2="accent2" accent3="accent3" accent4="accent4" accent5="accent5" accent6="accent6" hlink="hlink" folHlink="folHlink"/>
-    </a:extraClrScheme>
-    <a:extraClrScheme>
-      <a:clrScheme name="Blank Presentation 10">
-        <a:dk1>
-          <a:srgbClr val="777777"/>
-        </a:dk1>
-        <a:lt1>
-          <a:srgbClr val="FFFFFF"/>
-        </a:lt1>
-        <a:dk2>
-          <a:srgbClr val="686B5D"/>
-        </a:dk2>
-        <a:lt2>
-          <a:srgbClr val="D1D1CB"/>
-        </a:lt2>
-        <a:accent1>
-          <a:srgbClr val="909082"/>
-        </a:accent1>
-        <a:accent2>
-          <a:srgbClr val="809EA8"/>
-        </a:accent2>
-        <a:accent3>
-          <a:srgbClr val="B9BAB6"/>
-        </a:accent3>
-        <a:accent4>
-          <a:srgbClr val="DADADA"/>
-        </a:accent4>
-        <a:accent5>
-          <a:srgbClr val="C6C6C1"/>
-        </a:accent5>
-        <a:accent6>
-          <a:srgbClr val="738F98"/>
-        </a:accent6>
-        <a:hlink>
-          <a:srgbClr val="FFCC66"/>
-        </a:hlink>
-        <a:folHlink>
-          <a:srgbClr val="E9DCB9"/>
-        </a:folHlink>
-      </a:clrScheme>
-      <a:clrMap bg1="dk2" tx1="lt1" bg2="dk1" tx2="lt2" accent1="accent1" accent2="accent2" accent3="accent3" accent4="accent4" accent5="accent5" accent6="accent6" hlink="hlink" folHlink="folHlink"/>
-    </a:extraClrScheme>
-    <a:extraClrScheme>
-      <a:clrScheme name="Blank Presentation 11">
-        <a:dk1>
-          <a:srgbClr val="3E3E5C"/>
-        </a:dk1>
-        <a:lt1>
-          <a:srgbClr val="FFFFFF"/>
-        </a:lt1>
-        <a:dk2>
-          <a:srgbClr val="666699"/>
-        </a:dk2>
-        <a:lt2>
-          <a:srgbClr val="FFFFFF"/>
-        </a:lt2>
-        <a:accent1>
-          <a:srgbClr val="60597B"/>
-        </a:accent1>
-        <a:accent2>
-          <a:srgbClr val="6666FF"/>
-        </a:accent2>
-        <a:accent3>
-          <a:srgbClr val="B8B8CA"/>
-        </a:accent3>
-        <a:accent4>
-          <a:srgbClr val="DADADA"/>
-        </a:accent4>
-        <a:accent5>
-          <a:srgbClr val="B6B5BF"/>
-        </a:accent5>
-        <a:accent6>
-          <a:srgbClr val="5C5CE7"/>
-        </a:accent6>
-        <a:hlink>
-          <a:srgbClr val="99CCFF"/>
-        </a:hlink>
-        <a:folHlink>
-          <a:srgbClr val="FFFF99"/>
-        </a:folHlink>
-      </a:clrScheme>
-      <a:clrMap bg1="dk2" tx1="lt1" bg2="dk1" tx2="lt2" accent1="accent1" accent2="accent2" accent3="accent3" accent4="accent4" accent5="accent5" accent6="accent6" hlink="hlink" folHlink="folHlink"/>
-    </a:extraClrScheme>
-    <a:extraClrScheme>
-      <a:clrScheme name="Blank Presentation 12">
-        <a:dk1>
-          <a:srgbClr val="2D2015"/>
-        </a:dk1>
-        <a:lt1>
-          <a:srgbClr val="FFFFFF"/>
-        </a:lt1>
-        <a:dk2>
-          <a:srgbClr val="523E26"/>
-        </a:dk2>
-        <a:lt2>
-          <a:srgbClr val="DFC08D"/>
-        </a:lt2>
-        <a:accent1>
-          <a:srgbClr val="8C7B70"/>
-        </a:accent1>
-        <a:accent2>
-          <a:srgbClr val="8F5F2F"/>
-        </a:accent2>
-        <a:accent3>
-          <a:srgbClr val="B3AFAC"/>
-        </a:accent3>
-        <a:accent4>
-          <a:srgbClr val="DADADA"/>
-        </a:accent4>
-        <a:accent5>
-          <a:srgbClr val="C5BFBB"/>
-        </a:accent5>
-        <a:accent6>
-          <a:srgbClr val="81552A"/>
-        </a:accent6>
-        <a:hlink>
-          <a:srgbClr val="CCB400"/>
-        </a:hlink>
-        <a:folHlink>
-          <a:srgbClr val="8C9EA0"/>
-        </a:folHlink>
-      </a:clrScheme>
-      <a:clrMap bg1="dk2" tx1="lt1" bg2="dk1" tx2="lt2" accent1="accent1" accent2="accent2" accent3="accent3" accent4="accent4" accent5="accent5" accent6="accent6" hlink="hlink" folHlink="folHlink"/>
-    </a:extraClrScheme>
-  </a:extraClrSchemeLst>
+  <a:objectDefaults/>
+  <a:extraClrSchemeLst/>
+  <a:extLst>
+    <a:ext uri="{05A4C25C-085E-4340-85A3-A5531E510DB2}">
+      <thm15:themeFamily xmlns:thm15="http://schemas.microsoft.com/office/thememl/2012/main" name="Office Theme" id="{62F939B6-93AF-4DB8-9C6B-D6C7DFDC589F}" vid="{4A3C46E8-61CC-4603-A589-7422A47A8E4A}"/>
+    </a:ext>
+  </a:extLst>
 </a:theme>
 </file>
 

--- a/assets/ppt/lex/lex8-lexical-analyzer.pptx
+++ b/assets/ppt/lex/lex8-lexical-analyzer.pptx
@@ -1434,7 +1434,7 @@
           <a:p>
             <a:fld id="{3C0679B9-4DA6-4E45-855B-59F13A1B7473}" type="datetime1">
               <a:rPr lang="en-CA" smtClean="0"/>
-              <a:t>2020-09-17</a:t>
+              <a:t>2020-09-18</a:t>
             </a:fld>
             <a:endParaRPr lang="en-US"/>
           </a:p>
@@ -1632,7 +1632,7 @@
           <a:p>
             <a:fld id="{F2D3159D-461F-2247-85AA-C390F00A6570}" type="datetime1">
               <a:rPr lang="en-CA" smtClean="0"/>
-              <a:t>2020-09-17</a:t>
+              <a:t>2020-09-18</a:t>
             </a:fld>
             <a:endParaRPr lang="en-US"/>
           </a:p>
@@ -1840,7 +1840,7 @@
           <a:p>
             <a:fld id="{B614B57E-8019-7F4C-A6A4-81AD5BADA0B8}" type="datetime1">
               <a:rPr lang="en-CA" smtClean="0"/>
-              <a:t>2020-09-17</a:t>
+              <a:t>2020-09-18</a:t>
             </a:fld>
             <a:endParaRPr lang="en-US"/>
           </a:p>
@@ -2903,7 +2903,7 @@
           <a:p>
             <a:fld id="{928B75D4-12CD-F643-ADF1-0075E919921C}" type="datetime1">
               <a:rPr lang="en-CA" smtClean="0"/>
-              <a:t>2020-09-17</a:t>
+              <a:t>2020-09-18</a:t>
             </a:fld>
             <a:endParaRPr/>
           </a:p>
@@ -3319,7 +3319,7 @@
           <a:p>
             <a:fld id="{6374075A-185D-6547-A5D9-CFEC8800EEB2}" type="datetime1">
               <a:rPr lang="en-CA" smtClean="0"/>
-              <a:t>2020-09-17</a:t>
+              <a:t>2020-09-18</a:t>
             </a:fld>
             <a:endParaRPr lang="en-US"/>
           </a:p>
@@ -3594,7 +3594,7 @@
           <a:p>
             <a:fld id="{E22B8DA6-0F0B-2944-AE18-217EB722D717}" type="datetime1">
               <a:rPr lang="en-CA" smtClean="0"/>
-              <a:t>2020-09-17</a:t>
+              <a:t>2020-09-18</a:t>
             </a:fld>
             <a:endParaRPr lang="en-US"/>
           </a:p>
@@ -3859,7 +3859,7 @@
           <a:p>
             <a:fld id="{8D754B4B-7078-304B-B6B3-1076ED77DF84}" type="datetime1">
               <a:rPr lang="en-CA" smtClean="0"/>
-              <a:t>2020-09-17</a:t>
+              <a:t>2020-09-18</a:t>
             </a:fld>
             <a:endParaRPr lang="en-US"/>
           </a:p>
@@ -4271,7 +4271,7 @@
           <a:p>
             <a:fld id="{07A1679B-08F1-614F-8F8C-B9F475DDC652}" type="datetime1">
               <a:rPr lang="en-CA" smtClean="0"/>
-              <a:t>2020-09-17</a:t>
+              <a:t>2020-09-18</a:t>
             </a:fld>
             <a:endParaRPr lang="en-US"/>
           </a:p>
@@ -4412,7 +4412,7 @@
           <a:p>
             <a:fld id="{05FDA25B-9B77-E845-8DAF-E7967F755354}" type="datetime1">
               <a:rPr lang="en-CA" smtClean="0"/>
-              <a:t>2020-09-17</a:t>
+              <a:t>2020-09-18</a:t>
             </a:fld>
             <a:endParaRPr lang="en-US"/>
           </a:p>
@@ -4525,7 +4525,7 @@
           <a:p>
             <a:fld id="{BE1F8DDC-0DCB-644B-951B-B2ED14584CB6}" type="datetime1">
               <a:rPr lang="en-CA" smtClean="0"/>
-              <a:t>2020-09-17</a:t>
+              <a:t>2020-09-18</a:t>
             </a:fld>
             <a:endParaRPr lang="en-US"/>
           </a:p>
@@ -4836,7 +4836,7 @@
           <a:p>
             <a:fld id="{303CBBD9-F5FD-F241-BE87-053C809F28DC}" type="datetime1">
               <a:rPr lang="en-CA" smtClean="0"/>
-              <a:t>2020-09-17</a:t>
+              <a:t>2020-09-18</a:t>
             </a:fld>
             <a:endParaRPr lang="en-US"/>
           </a:p>
@@ -5124,7 +5124,7 @@
           <a:p>
             <a:fld id="{383CCC1A-E692-5242-99F4-A61A21D69DD4}" type="datetime1">
               <a:rPr lang="en-CA" smtClean="0"/>
-              <a:t>2020-09-17</a:t>
+              <a:t>2020-09-18</a:t>
             </a:fld>
             <a:endParaRPr lang="en-US"/>
           </a:p>
@@ -5365,7 +5365,7 @@
           <a:p>
             <a:fld id="{AF948405-5D4C-F94A-94F9-4DA68647E5B6}" type="datetime1">
               <a:rPr lang="en-CA" smtClean="0"/>
-              <a:t>2020-09-17</a:t>
+              <a:t>2020-09-18</a:t>
             </a:fld>
             <a:endParaRPr lang="en-US"/>
           </a:p>
@@ -17475,7 +17475,9 @@
         </p:nvSpPr>
         <p:spPr/>
         <p:txBody>
-          <a:bodyPr/>
+          <a:bodyPr>
+            <a:normAutofit/>
+          </a:bodyPr>
           <a:lstStyle/>
           <a:p>
             <a:pPr>
@@ -17491,34 +17493,70 @@
             </a:pPr>
             <a:r>
               <a:rPr lang="en-US" sz="2400" dirty="0"/>
-              <a:t>Implementing r</a:t>
-            </a:r>
-            <a:r>
-              <a:rPr lang="en-US" sz="2400" baseline="-25000" dirty="0"/>
+              <a:t>Implementing </a:t>
+            </a:r>
+            <a:r>
+              <a:rPr lang="en-US" sz="2400" dirty="0">
+                <a:latin typeface="Consolas" panose="020B0609020204030204" pitchFamily="49" charset="0"/>
+                <a:cs typeface="Consolas" panose="020B0609020204030204" pitchFamily="49" charset="0"/>
+              </a:rPr>
+              <a:t>r</a:t>
+            </a:r>
+            <a:r>
+              <a:rPr lang="en-US" sz="2400" baseline="-25000" dirty="0">
+                <a:latin typeface="Consolas" panose="020B0609020204030204" pitchFamily="49" charset="0"/>
+                <a:cs typeface="Consolas" panose="020B0609020204030204" pitchFamily="49" charset="0"/>
+              </a:rPr>
               <a:t>1</a:t>
             </a:r>
             <a:r>
+              <a:rPr lang="en-US" sz="2400" dirty="0">
+                <a:latin typeface="Consolas" panose="020B0609020204030204" pitchFamily="49" charset="0"/>
+                <a:cs typeface="Consolas" panose="020B0609020204030204" pitchFamily="49" charset="0"/>
+              </a:rPr>
+              <a:t>/r</a:t>
+            </a:r>
+            <a:r>
+              <a:rPr lang="en-US" sz="2400" baseline="-25000" dirty="0">
+                <a:latin typeface="Consolas" panose="020B0609020204030204" pitchFamily="49" charset="0"/>
+                <a:cs typeface="Consolas" panose="020B0609020204030204" pitchFamily="49" charset="0"/>
+              </a:rPr>
+              <a:t>2</a:t>
+            </a:r>
+            <a:r>
               <a:rPr lang="en-US" sz="2400" dirty="0"/>
-              <a:t>/r</a:t>
-            </a:r>
-            <a:r>
-              <a:rPr lang="en-US" sz="2400" baseline="-25000" dirty="0"/>
-              <a:t>2</a:t>
+              <a:t>: match </a:t>
+            </a:r>
+            <a:r>
+              <a:rPr lang="en-US" sz="2400" dirty="0">
+                <a:latin typeface="Consolas" panose="020B0609020204030204" pitchFamily="49" charset="0"/>
+                <a:cs typeface="Consolas" panose="020B0609020204030204" pitchFamily="49" charset="0"/>
+              </a:rPr>
+              <a:t>r</a:t>
+            </a:r>
+            <a:r>
+              <a:rPr lang="en-US" sz="2400" baseline="-25000" dirty="0">
+                <a:latin typeface="Consolas" panose="020B0609020204030204" pitchFamily="49" charset="0"/>
+                <a:cs typeface="Consolas" panose="020B0609020204030204" pitchFamily="49" charset="0"/>
+              </a:rPr>
+              <a:t>1</a:t>
             </a:r>
             <a:r>
               <a:rPr lang="en-US" sz="2400" dirty="0"/>
-              <a:t> : match r</a:t>
-            </a:r>
-            <a:r>
-              <a:rPr lang="en-US" sz="2400" baseline="-25000" dirty="0"/>
-              <a:t>1</a:t>
-            </a:r>
-            <a:r>
-              <a:rPr lang="en-US" sz="2400" dirty="0"/>
-              <a:t> when followed by r</a:t>
-            </a:r>
-            <a:r>
-              <a:rPr lang="en-US" sz="2400" baseline="-25000" dirty="0"/>
+              <a:t> when followed by string in </a:t>
+            </a:r>
+            <a:r>
+              <a:rPr lang="en-US" sz="2400" dirty="0">
+                <a:latin typeface="Consolas" panose="020B0609020204030204" pitchFamily="49" charset="0"/>
+                <a:cs typeface="Consolas" panose="020B0609020204030204" pitchFamily="49" charset="0"/>
+              </a:rPr>
+              <a:t>r</a:t>
+            </a:r>
+            <a:r>
+              <a:rPr lang="en-US" sz="2400" baseline="-25000" dirty="0">
+                <a:latin typeface="Consolas" panose="020B0609020204030204" pitchFamily="49" charset="0"/>
+                <a:cs typeface="Consolas" panose="020B0609020204030204" pitchFamily="49" charset="0"/>
+              </a:rPr>
               <a:t>2</a:t>
             </a:r>
             <a:r>
@@ -17543,26 +17581,58 @@
               <a:t>e.g. </a:t>
             </a:r>
             <a:r>
-              <a:rPr lang="en-US" sz="2400" i="1" dirty="0"/>
-              <a:t>a*b+/a*c</a:t>
+              <a:rPr lang="en-US" sz="2400" dirty="0">
+                <a:latin typeface="Consolas" panose="020B0609020204030204" pitchFamily="49" charset="0"/>
+                <a:cs typeface="Consolas" panose="020B0609020204030204" pitchFamily="49" charset="0"/>
+              </a:rPr>
+              <a:t>a*b+/a*c </a:t>
             </a:r>
             <a:r>
               <a:rPr lang="en-US" sz="2400" dirty="0"/>
-              <a:t> accepts a string </a:t>
-            </a:r>
-            <a:r>
-              <a:rPr lang="en-US" sz="2400" i="1" dirty="0"/>
+              <a:t>accepts a string </a:t>
+            </a:r>
+            <a:r>
+              <a:rPr lang="en-US" sz="2400" dirty="0">
+                <a:solidFill>
+                  <a:srgbClr val="7030A0"/>
+                </a:solidFill>
+                <a:latin typeface="Consolas" panose="020B0609020204030204" pitchFamily="49" charset="0"/>
+                <a:cs typeface="Consolas" panose="020B0609020204030204" pitchFamily="49" charset="0"/>
+              </a:rPr>
               <a:t>bac</a:t>
             </a:r>
             <a:r>
               <a:rPr lang="en-US" sz="2400" dirty="0"/>
-              <a:t> but not </a:t>
-            </a:r>
-            <a:r>
-              <a:rPr lang="en-US" sz="2400" i="1" dirty="0" err="1"/>
+              <a:t> (token=</a:t>
+            </a:r>
+            <a:r>
+              <a:rPr lang="en-US" sz="2400" dirty="0">
+                <a:latin typeface="Consolas" panose="020B0609020204030204" pitchFamily="49" charset="0"/>
+                <a:cs typeface="Consolas" panose="020B0609020204030204" pitchFamily="49" charset="0"/>
+              </a:rPr>
+              <a:t>b</a:t>
+            </a:r>
+            <a:r>
+              <a:rPr lang="en-US" sz="2400" dirty="0"/>
+              <a:t>) but not </a:t>
+            </a:r>
+            <a:r>
+              <a:rPr lang="en-US" sz="2400" dirty="0" err="1">
+                <a:solidFill>
+                  <a:srgbClr val="C00000"/>
+                </a:solidFill>
+                <a:latin typeface="Consolas" panose="020B0609020204030204" pitchFamily="49" charset="0"/>
+                <a:cs typeface="Consolas" panose="020B0609020204030204" pitchFamily="49" charset="0"/>
+              </a:rPr>
               <a:t>abd</a:t>
             </a:r>
-            <a:endParaRPr lang="en-US" sz="2400" dirty="0"/>
+            <a:endParaRPr lang="en-US" sz="2400" dirty="0">
+              <a:solidFill>
+                <a:srgbClr val="C00000"/>
+              </a:solidFill>
+              <a:latin typeface="Consolas" panose="020B0609020204030204" pitchFamily="49" charset="0"/>
+              <a:cs typeface="Consolas" panose="020B0609020204030204" pitchFamily="49" charset="0"/>
+            </a:endParaRPr>
           </a:p>
           <a:p>
             <a:pPr>
@@ -17578,10 +17648,20 @@
             </a:pPr>
             <a:r>
               <a:rPr lang="en-US" sz="2400" dirty="0"/>
-              <a:t>The lexical analyzer matches r</a:t>
-            </a:r>
-            <a:r>
-              <a:rPr lang="en-US" sz="2400" baseline="-25000" dirty="0"/>
+              <a:t>The lexical analyzer matches </a:t>
+            </a:r>
+            <a:r>
+              <a:rPr lang="en-US" sz="2400" dirty="0">
+                <a:latin typeface="Consolas" panose="020B0609020204030204" pitchFamily="49" charset="0"/>
+                <a:cs typeface="Consolas" panose="020B0609020204030204" pitchFamily="49" charset="0"/>
+              </a:rPr>
+              <a:t>r</a:t>
+            </a:r>
+            <a:r>
+              <a:rPr lang="en-US" sz="2400" baseline="-25000" dirty="0">
+                <a:latin typeface="Consolas" panose="020B0609020204030204" pitchFamily="49" charset="0"/>
+                <a:cs typeface="Consolas" panose="020B0609020204030204" pitchFamily="49" charset="0"/>
+              </a:rPr>
               <a:t>1</a:t>
             </a:r>
             <a:r>
@@ -17591,11 +17671,17 @@
               <a:t></a:t>
             </a:r>
             <a:r>
-              <a:rPr lang="en-US" sz="2400" dirty="0"/>
+              <a:rPr lang="en-US" sz="2400" dirty="0">
+                <a:latin typeface="Consolas" panose="020B0609020204030204" pitchFamily="49" charset="0"/>
+                <a:cs typeface="Consolas" panose="020B0609020204030204" pitchFamily="49" charset="0"/>
+              </a:rPr>
               <a:t>r</a:t>
             </a:r>
             <a:r>
-              <a:rPr lang="en-US" sz="2400" baseline="-25000" dirty="0"/>
+              <a:rPr lang="en-US" sz="2400" baseline="-25000" dirty="0">
+                <a:latin typeface="Consolas" panose="020B0609020204030204" pitchFamily="49" charset="0"/>
+                <a:cs typeface="Consolas" panose="020B0609020204030204" pitchFamily="49" charset="0"/>
+              </a:rPr>
               <a:t>2</a:t>
             </a:r>
             <a:r>
@@ -17633,21 +17719,26 @@
             </a:r>
             <a:r>
               <a:rPr lang="en-US" sz="2400" dirty="0"/>
-              <a:t> in the input where r</a:t>
-            </a:r>
-            <a:r>
-              <a:rPr lang="en-US" sz="2400" baseline="-25000" dirty="0"/>
+              <a:t> in the input for the </a:t>
+            </a:r>
+            <a:r>
+              <a:rPr lang="en-US" sz="2400" dirty="0">
+                <a:latin typeface="Consolas" panose="020B0609020204030204" pitchFamily="49" charset="0"/>
+                <a:cs typeface="Consolas" panose="020B0609020204030204" pitchFamily="49" charset="0"/>
+              </a:rPr>
+              <a:t>r</a:t>
+            </a:r>
+            <a:r>
+              <a:rPr lang="en-US" sz="2400" baseline="-25000" dirty="0">
+                <a:latin typeface="Consolas" panose="020B0609020204030204" pitchFamily="49" charset="0"/>
+                <a:cs typeface="Consolas" panose="020B0609020204030204" pitchFamily="49" charset="0"/>
+              </a:rPr>
               <a:t>1</a:t>
             </a:r>
             <a:r>
               <a:rPr lang="en-US" sz="2400" dirty="0"/>
-              <a:t> matched but not r</a:t>
-            </a:r>
-            <a:r>
-              <a:rPr lang="en-US" sz="2400" baseline="-25000" dirty="0"/>
-              <a:t>2</a:t>
-            </a:r>
-            <a:endParaRPr lang="en-US" sz="2400" dirty="0"/>
+              <a:t> match</a:t>
+            </a:r>
           </a:p>
           <a:p>
             <a:pPr>
@@ -17663,11 +17754,15 @@
             </a:pPr>
             <a:r>
               <a:rPr lang="en-US" sz="2400" dirty="0"/>
-              <a:t>Reset to start state and start from position </a:t>
+              <a:t>Reset and start from position </a:t>
             </a:r>
             <a:r>
               <a:rPr lang="en-US" sz="2400" i="1" dirty="0"/>
-              <a:t>p</a:t>
+              <a:t>p </a:t>
+            </a:r>
+            <a:r>
+              <a:rPr lang="en-US" sz="2400" dirty="0"/>
+              <a:t>for next token</a:t>
             </a:r>
             <a:endParaRPr lang="en-US" dirty="0"/>
           </a:p>
@@ -17702,6 +17797,214 @@
           </a:p>
         </p:txBody>
       </p:sp>
+      <p:grpSp>
+        <p:nvGrpSpPr>
+          <p:cNvPr id="9" name="Group 8">
+            <a:extLst>
+              <a:ext uri="{FF2B5EF4-FFF2-40B4-BE49-F238E27FC236}">
+                <a16:creationId xmlns:a16="http://schemas.microsoft.com/office/drawing/2014/main" id="{4E7ED2FA-E912-D24B-8F74-200A3C8B4E99}"/>
+              </a:ext>
+            </a:extLst>
+          </p:cNvPr>
+          <p:cNvGrpSpPr/>
+          <p:nvPr/>
+        </p:nvGrpSpPr>
+        <p:grpSpPr>
+          <a:xfrm>
+            <a:off x="4649204" y="2715766"/>
+            <a:ext cx="277640" cy="436250"/>
+            <a:chOff x="4649204" y="2715766"/>
+            <a:chExt cx="277640" cy="436250"/>
+          </a:xfrm>
+        </p:grpSpPr>
+        <p:sp>
+          <p:nvSpPr>
+            <p:cNvPr id="5" name="Up Arrow 4">
+              <a:extLst>
+                <a:ext uri="{FF2B5EF4-FFF2-40B4-BE49-F238E27FC236}">
+                  <a16:creationId xmlns:a16="http://schemas.microsoft.com/office/drawing/2014/main" id="{A8B17931-76CA-7B49-8103-D9584C84DDA8}"/>
+                </a:ext>
+              </a:extLst>
+            </p:cNvPr>
+            <p:cNvSpPr/>
+            <p:nvPr/>
+          </p:nvSpPr>
+          <p:spPr>
+            <a:xfrm>
+              <a:off x="4716016" y="2715766"/>
+              <a:ext cx="144016" cy="144016"/>
+            </a:xfrm>
+            <a:prstGeom prst="upArrow">
+              <a:avLst/>
+            </a:prstGeom>
+          </p:spPr>
+          <p:style>
+            <a:lnRef idx="2">
+              <a:schemeClr val="accent1">
+                <a:shade val="50000"/>
+              </a:schemeClr>
+            </a:lnRef>
+            <a:fillRef idx="1">
+              <a:schemeClr val="accent1"/>
+            </a:fillRef>
+            <a:effectRef idx="0">
+              <a:schemeClr val="accent1"/>
+            </a:effectRef>
+            <a:fontRef idx="minor">
+              <a:schemeClr val="lt1"/>
+            </a:fontRef>
+          </p:style>
+          <p:txBody>
+            <a:bodyPr rtlCol="0" anchor="ctr"/>
+            <a:lstStyle/>
+            <a:p>
+              <a:pPr algn="ctr"/>
+              <a:endParaRPr lang="en-US"/>
+            </a:p>
+          </p:txBody>
+        </p:sp>
+        <p:sp>
+          <p:nvSpPr>
+            <p:cNvPr id="7" name="TextBox 6">
+              <a:extLst>
+                <a:ext uri="{FF2B5EF4-FFF2-40B4-BE49-F238E27FC236}">
+                  <a16:creationId xmlns:a16="http://schemas.microsoft.com/office/drawing/2014/main" id="{47336608-45D8-2249-8B79-65C1589F3887}"/>
+                </a:ext>
+              </a:extLst>
+            </p:cNvPr>
+            <p:cNvSpPr txBox="1"/>
+            <p:nvPr/>
+          </p:nvSpPr>
+          <p:spPr>
+            <a:xfrm>
+              <a:off x="4649204" y="2844239"/>
+              <a:ext cx="277640" cy="307777"/>
+            </a:xfrm>
+            <a:prstGeom prst="rect">
+              <a:avLst/>
+            </a:prstGeom>
+            <a:noFill/>
+          </p:spPr>
+          <p:txBody>
+            <a:bodyPr wrap="none" rtlCol="0">
+              <a:spAutoFit/>
+            </a:bodyPr>
+            <a:lstStyle/>
+            <a:p>
+              <a:r>
+                <a:rPr lang="en-US" sz="1400" i="1" dirty="0">
+                  <a:latin typeface="+mn-lt"/>
+                </a:rPr>
+                <a:t>p</a:t>
+              </a:r>
+            </a:p>
+          </p:txBody>
+        </p:sp>
+      </p:grpSp>
+      <p:grpSp>
+        <p:nvGrpSpPr>
+          <p:cNvPr id="10" name="Group 9">
+            <a:extLst>
+              <a:ext uri="{FF2B5EF4-FFF2-40B4-BE49-F238E27FC236}">
+                <a16:creationId xmlns:a16="http://schemas.microsoft.com/office/drawing/2014/main" id="{4A320E5A-78B9-C643-9332-B8F53B7422F7}"/>
+              </a:ext>
+            </a:extLst>
+          </p:cNvPr>
+          <p:cNvGrpSpPr/>
+          <p:nvPr/>
+        </p:nvGrpSpPr>
+        <p:grpSpPr>
+          <a:xfrm>
+            <a:off x="5081252" y="2715766"/>
+            <a:ext cx="277640" cy="439093"/>
+            <a:chOff x="5081252" y="2715766"/>
+            <a:chExt cx="277640" cy="439093"/>
+          </a:xfrm>
+        </p:grpSpPr>
+        <p:sp>
+          <p:nvSpPr>
+            <p:cNvPr id="6" name="Up Arrow 5">
+              <a:extLst>
+                <a:ext uri="{FF2B5EF4-FFF2-40B4-BE49-F238E27FC236}">
+                  <a16:creationId xmlns:a16="http://schemas.microsoft.com/office/drawing/2014/main" id="{6D790458-80F8-404E-AD6B-90625D9FC746}"/>
+                </a:ext>
+              </a:extLst>
+            </p:cNvPr>
+            <p:cNvSpPr/>
+            <p:nvPr/>
+          </p:nvSpPr>
+          <p:spPr>
+            <a:xfrm>
+              <a:off x="5148064" y="2715766"/>
+              <a:ext cx="144016" cy="144016"/>
+            </a:xfrm>
+            <a:prstGeom prst="upArrow">
+              <a:avLst/>
+            </a:prstGeom>
+          </p:spPr>
+          <p:style>
+            <a:lnRef idx="2">
+              <a:schemeClr val="accent1">
+                <a:shade val="50000"/>
+              </a:schemeClr>
+            </a:lnRef>
+            <a:fillRef idx="1">
+              <a:schemeClr val="accent1"/>
+            </a:fillRef>
+            <a:effectRef idx="0">
+              <a:schemeClr val="accent1"/>
+            </a:effectRef>
+            <a:fontRef idx="minor">
+              <a:schemeClr val="lt1"/>
+            </a:fontRef>
+          </p:style>
+          <p:txBody>
+            <a:bodyPr rtlCol="0" anchor="ctr"/>
+            <a:lstStyle/>
+            <a:p>
+              <a:pPr algn="ctr"/>
+              <a:endParaRPr lang="en-US"/>
+            </a:p>
+          </p:txBody>
+        </p:sp>
+        <p:sp>
+          <p:nvSpPr>
+            <p:cNvPr id="8" name="TextBox 7">
+              <a:extLst>
+                <a:ext uri="{FF2B5EF4-FFF2-40B4-BE49-F238E27FC236}">
+                  <a16:creationId xmlns:a16="http://schemas.microsoft.com/office/drawing/2014/main" id="{99E8A8A4-A9E3-E348-9FDB-DAC0D4965A95}"/>
+                </a:ext>
+              </a:extLst>
+            </p:cNvPr>
+            <p:cNvSpPr txBox="1"/>
+            <p:nvPr/>
+          </p:nvSpPr>
+          <p:spPr>
+            <a:xfrm>
+              <a:off x="5081252" y="2847082"/>
+              <a:ext cx="277640" cy="307777"/>
+            </a:xfrm>
+            <a:prstGeom prst="rect">
+              <a:avLst/>
+            </a:prstGeom>
+            <a:noFill/>
+          </p:spPr>
+          <p:txBody>
+            <a:bodyPr wrap="none" rtlCol="0">
+              <a:spAutoFit/>
+            </a:bodyPr>
+            <a:lstStyle/>
+            <a:p>
+              <a:r>
+                <a:rPr lang="en-US" sz="1400" i="1" dirty="0">
+                  <a:latin typeface="+mn-lt"/>
+                </a:rPr>
+                <a:t>q</a:t>
+              </a:r>
+            </a:p>
+          </p:txBody>
+        </p:sp>
+      </p:grpSp>
     </p:spTree>
     <p:extLst>
       <p:ext uri="{BB962C8B-B14F-4D97-AF65-F5344CB8AC3E}">
@@ -17712,6 +18015,374 @@
   <p:clrMapOvr>
     <a:masterClrMapping/>
   </p:clrMapOvr>
+  <p:timing>
+    <p:tnLst>
+      <p:par>
+        <p:cTn id="1" dur="indefinite" restart="never" nodeType="tmRoot">
+          <p:childTnLst>
+            <p:seq concurrent="1" nextAc="seek">
+              <p:cTn id="2" dur="indefinite" nodeType="mainSeq">
+                <p:childTnLst>
+                  <p:par>
+                    <p:cTn id="3" fill="hold">
+                      <p:stCondLst>
+                        <p:cond delay="indefinite"/>
+                      </p:stCondLst>
+                      <p:childTnLst>
+                        <p:par>
+                          <p:cTn id="4" fill="hold">
+                            <p:stCondLst>
+                              <p:cond delay="0"/>
+                            </p:stCondLst>
+                            <p:childTnLst>
+                              <p:par>
+                                <p:cTn id="5" presetID="1" presetClass="entr" presetSubtype="0" fill="hold" grpId="0" nodeType="clickEffect">
+                                  <p:stCondLst>
+                                    <p:cond delay="0"/>
+                                  </p:stCondLst>
+                                  <p:childTnLst>
+                                    <p:set>
+                                      <p:cBhvr>
+                                        <p:cTn id="6" dur="1" fill="hold">
+                                          <p:stCondLst>
+                                            <p:cond delay="0"/>
+                                          </p:stCondLst>
+                                        </p:cTn>
+                                        <p:tgtEl>
+                                          <p:spTgt spid="3">
+                                            <p:txEl>
+                                              <p:pRg st="0" end="0"/>
+                                            </p:txEl>
+                                          </p:spTgt>
+                                        </p:tgtEl>
+                                        <p:attrNameLst>
+                                          <p:attrName>style.visibility</p:attrName>
+                                        </p:attrNameLst>
+                                      </p:cBhvr>
+                                      <p:to>
+                                        <p:strVal val="visible"/>
+                                      </p:to>
+                                    </p:set>
+                                  </p:childTnLst>
+                                </p:cTn>
+                              </p:par>
+                            </p:childTnLst>
+                          </p:cTn>
+                        </p:par>
+                      </p:childTnLst>
+                    </p:cTn>
+                  </p:par>
+                  <p:par>
+                    <p:cTn id="7" fill="hold">
+                      <p:stCondLst>
+                        <p:cond delay="indefinite"/>
+                      </p:stCondLst>
+                      <p:childTnLst>
+                        <p:par>
+                          <p:cTn id="8" fill="hold">
+                            <p:stCondLst>
+                              <p:cond delay="0"/>
+                            </p:stCondLst>
+                            <p:childTnLst>
+                              <p:par>
+                                <p:cTn id="9" presetID="1" presetClass="entr" presetSubtype="0" fill="hold" grpId="0" nodeType="clickEffect">
+                                  <p:stCondLst>
+                                    <p:cond delay="0"/>
+                                  </p:stCondLst>
+                                  <p:childTnLst>
+                                    <p:set>
+                                      <p:cBhvr>
+                                        <p:cTn id="10" dur="1" fill="hold">
+                                          <p:stCondLst>
+                                            <p:cond delay="0"/>
+                                          </p:stCondLst>
+                                        </p:cTn>
+                                        <p:tgtEl>
+                                          <p:spTgt spid="3">
+                                            <p:txEl>
+                                              <p:pRg st="1" end="1"/>
+                                            </p:txEl>
+                                          </p:spTgt>
+                                        </p:tgtEl>
+                                        <p:attrNameLst>
+                                          <p:attrName>style.visibility</p:attrName>
+                                        </p:attrNameLst>
+                                      </p:cBhvr>
+                                      <p:to>
+                                        <p:strVal val="visible"/>
+                                      </p:to>
+                                    </p:set>
+                                  </p:childTnLst>
+                                </p:cTn>
+                              </p:par>
+                            </p:childTnLst>
+                          </p:cTn>
+                        </p:par>
+                      </p:childTnLst>
+                    </p:cTn>
+                  </p:par>
+                  <p:par>
+                    <p:cTn id="11" fill="hold">
+                      <p:stCondLst>
+                        <p:cond delay="indefinite"/>
+                      </p:stCondLst>
+                      <p:childTnLst>
+                        <p:par>
+                          <p:cTn id="12" fill="hold">
+                            <p:stCondLst>
+                              <p:cond delay="0"/>
+                            </p:stCondLst>
+                            <p:childTnLst>
+                              <p:par>
+                                <p:cTn id="13" presetID="1" presetClass="entr" presetSubtype="0" fill="hold" grpId="0" nodeType="clickEffect">
+                                  <p:stCondLst>
+                                    <p:cond delay="0"/>
+                                  </p:stCondLst>
+                                  <p:childTnLst>
+                                    <p:set>
+                                      <p:cBhvr>
+                                        <p:cTn id="14" dur="1" fill="hold">
+                                          <p:stCondLst>
+                                            <p:cond delay="0"/>
+                                          </p:stCondLst>
+                                        </p:cTn>
+                                        <p:tgtEl>
+                                          <p:spTgt spid="3">
+                                            <p:txEl>
+                                              <p:pRg st="2" end="2"/>
+                                            </p:txEl>
+                                          </p:spTgt>
+                                        </p:tgtEl>
+                                        <p:attrNameLst>
+                                          <p:attrName>style.visibility</p:attrName>
+                                        </p:attrNameLst>
+                                      </p:cBhvr>
+                                      <p:to>
+                                        <p:strVal val="visible"/>
+                                      </p:to>
+                                    </p:set>
+                                  </p:childTnLst>
+                                </p:cTn>
+                              </p:par>
+                            </p:childTnLst>
+                          </p:cTn>
+                        </p:par>
+                      </p:childTnLst>
+                    </p:cTn>
+                  </p:par>
+                  <p:par>
+                    <p:cTn id="15" fill="hold">
+                      <p:stCondLst>
+                        <p:cond delay="indefinite"/>
+                      </p:stCondLst>
+                      <p:childTnLst>
+                        <p:par>
+                          <p:cTn id="16" fill="hold">
+                            <p:stCondLst>
+                              <p:cond delay="0"/>
+                            </p:stCondLst>
+                            <p:childTnLst>
+                              <p:par>
+                                <p:cTn id="17" presetID="1" presetClass="entr" presetSubtype="0" fill="hold" nodeType="clickEffect">
+                                  <p:stCondLst>
+                                    <p:cond delay="0"/>
+                                  </p:stCondLst>
+                                  <p:childTnLst>
+                                    <p:set>
+                                      <p:cBhvr>
+                                        <p:cTn id="18" dur="1" fill="hold">
+                                          <p:stCondLst>
+                                            <p:cond delay="0"/>
+                                          </p:stCondLst>
+                                        </p:cTn>
+                                        <p:tgtEl>
+                                          <p:spTgt spid="9"/>
+                                        </p:tgtEl>
+                                        <p:attrNameLst>
+                                          <p:attrName>style.visibility</p:attrName>
+                                        </p:attrNameLst>
+                                      </p:cBhvr>
+                                      <p:to>
+                                        <p:strVal val="visible"/>
+                                      </p:to>
+                                    </p:set>
+                                  </p:childTnLst>
+                                </p:cTn>
+                              </p:par>
+                            </p:childTnLst>
+                          </p:cTn>
+                        </p:par>
+                      </p:childTnLst>
+                    </p:cTn>
+                  </p:par>
+                  <p:par>
+                    <p:cTn id="19" fill="hold">
+                      <p:stCondLst>
+                        <p:cond delay="indefinite"/>
+                      </p:stCondLst>
+                      <p:childTnLst>
+                        <p:par>
+                          <p:cTn id="20" fill="hold">
+                            <p:stCondLst>
+                              <p:cond delay="0"/>
+                            </p:stCondLst>
+                            <p:childTnLst>
+                              <p:par>
+                                <p:cTn id="21" presetID="1" presetClass="entr" presetSubtype="0" fill="hold" nodeType="clickEffect">
+                                  <p:stCondLst>
+                                    <p:cond delay="0"/>
+                                  </p:stCondLst>
+                                  <p:childTnLst>
+                                    <p:set>
+                                      <p:cBhvr>
+                                        <p:cTn id="22" dur="1" fill="hold">
+                                          <p:stCondLst>
+                                            <p:cond delay="0"/>
+                                          </p:stCondLst>
+                                        </p:cTn>
+                                        <p:tgtEl>
+                                          <p:spTgt spid="10"/>
+                                        </p:tgtEl>
+                                        <p:attrNameLst>
+                                          <p:attrName>style.visibility</p:attrName>
+                                        </p:attrNameLst>
+                                      </p:cBhvr>
+                                      <p:to>
+                                        <p:strVal val="visible"/>
+                                      </p:to>
+                                    </p:set>
+                                  </p:childTnLst>
+                                </p:cTn>
+                              </p:par>
+                            </p:childTnLst>
+                          </p:cTn>
+                        </p:par>
+                      </p:childTnLst>
+                    </p:cTn>
+                  </p:par>
+                  <p:par>
+                    <p:cTn id="23" fill="hold">
+                      <p:stCondLst>
+                        <p:cond delay="indefinite"/>
+                      </p:stCondLst>
+                      <p:childTnLst>
+                        <p:par>
+                          <p:cTn id="24" fill="hold">
+                            <p:stCondLst>
+                              <p:cond delay="0"/>
+                            </p:stCondLst>
+                            <p:childTnLst>
+                              <p:par>
+                                <p:cTn id="25" presetID="1" presetClass="entr" presetSubtype="0" fill="hold" grpId="0" nodeType="clickEffect">
+                                  <p:stCondLst>
+                                    <p:cond delay="0"/>
+                                  </p:stCondLst>
+                                  <p:childTnLst>
+                                    <p:set>
+                                      <p:cBhvr>
+                                        <p:cTn id="26" dur="1" fill="hold">
+                                          <p:stCondLst>
+                                            <p:cond delay="0"/>
+                                          </p:stCondLst>
+                                        </p:cTn>
+                                        <p:tgtEl>
+                                          <p:spTgt spid="3">
+                                            <p:txEl>
+                                              <p:pRg st="3" end="3"/>
+                                            </p:txEl>
+                                          </p:spTgt>
+                                        </p:tgtEl>
+                                        <p:attrNameLst>
+                                          <p:attrName>style.visibility</p:attrName>
+                                        </p:attrNameLst>
+                                      </p:cBhvr>
+                                      <p:to>
+                                        <p:strVal val="visible"/>
+                                      </p:to>
+                                    </p:set>
+                                  </p:childTnLst>
+                                </p:cTn>
+                              </p:par>
+                            </p:childTnLst>
+                          </p:cTn>
+                        </p:par>
+                      </p:childTnLst>
+                    </p:cTn>
+                  </p:par>
+                  <p:par>
+                    <p:cTn id="27" fill="hold">
+                      <p:stCondLst>
+                        <p:cond delay="indefinite"/>
+                      </p:stCondLst>
+                      <p:childTnLst>
+                        <p:par>
+                          <p:cTn id="28" fill="hold">
+                            <p:stCondLst>
+                              <p:cond delay="0"/>
+                            </p:stCondLst>
+                            <p:childTnLst>
+                              <p:par>
+                                <p:cTn id="29" presetID="1" presetClass="entr" presetSubtype="0" fill="hold" grpId="0" nodeType="clickEffect">
+                                  <p:stCondLst>
+                                    <p:cond delay="0"/>
+                                  </p:stCondLst>
+                                  <p:childTnLst>
+                                    <p:set>
+                                      <p:cBhvr>
+                                        <p:cTn id="30" dur="1" fill="hold">
+                                          <p:stCondLst>
+                                            <p:cond delay="0"/>
+                                          </p:stCondLst>
+                                        </p:cTn>
+                                        <p:tgtEl>
+                                          <p:spTgt spid="3">
+                                            <p:txEl>
+                                              <p:pRg st="4" end="4"/>
+                                            </p:txEl>
+                                          </p:spTgt>
+                                        </p:tgtEl>
+                                        <p:attrNameLst>
+                                          <p:attrName>style.visibility</p:attrName>
+                                        </p:attrNameLst>
+                                      </p:cBhvr>
+                                      <p:to>
+                                        <p:strVal val="visible"/>
+                                      </p:to>
+                                    </p:set>
+                                  </p:childTnLst>
+                                </p:cTn>
+                              </p:par>
+                            </p:childTnLst>
+                          </p:cTn>
+                        </p:par>
+                      </p:childTnLst>
+                    </p:cTn>
+                  </p:par>
+                </p:childTnLst>
+              </p:cTn>
+              <p:prevCondLst>
+                <p:cond evt="onPrev" delay="0">
+                  <p:tgtEl>
+                    <p:sldTgt/>
+                  </p:tgtEl>
+                </p:cond>
+              </p:prevCondLst>
+              <p:nextCondLst>
+                <p:cond evt="onNext" delay="0">
+                  <p:tgtEl>
+                    <p:sldTgt/>
+                  </p:tgtEl>
+                </p:cond>
+              </p:nextCondLst>
+            </p:seq>
+          </p:childTnLst>
+        </p:cTn>
+      </p:par>
+    </p:tnLst>
+    <p:bldLst>
+      <p:bldP spid="3" grpId="0" uiExpand="1" build="p"/>
+    </p:bldLst>
+  </p:timing>
 </p:sld>
 </file>
 

--- a/assets/ppt/lex/lex8-lexical-analyzer.pptx
+++ b/assets/ppt/lex/lex8-lexical-analyzer.pptx
@@ -1177,7 +1177,7 @@
           <a:bodyPr/>
           <a:lstStyle/>
           <a:p>
-            <a:endParaRPr lang="en-US"/>
+            <a:endParaRPr lang="en-US" dirty="0"/>
           </a:p>
         </p:txBody>
       </p:sp>
@@ -13268,7 +13268,7 @@
                                           </p:stCondLst>
                                         </p:cTn>
                                         <p:tgtEl>
-                                          <p:spTgt spid="75"/>
+                                          <p:spTgt spid="115"/>
                                         </p:tgtEl>
                                         <p:attrNameLst>
                                           <p:attrName>style.visibility</p:attrName>
@@ -13313,7 +13313,7 @@
                                           </p:stCondLst>
                                         </p:cTn>
                                         <p:tgtEl>
-                                          <p:spTgt spid="76"/>
+                                          <p:spTgt spid="116"/>
                                         </p:tgtEl>
                                         <p:attrNameLst>
                                           <p:attrName>style.visibility</p:attrName>
@@ -13358,7 +13358,7 @@
                                           </p:stCondLst>
                                         </p:cTn>
                                         <p:tgtEl>
-                                          <p:spTgt spid="95"/>
+                                          <p:spTgt spid="117"/>
                                         </p:tgtEl>
                                         <p:attrNameLst>
                                           <p:attrName>style.visibility</p:attrName>
@@ -13403,7 +13403,7 @@
                                           </p:stCondLst>
                                         </p:cTn>
                                         <p:tgtEl>
-                                          <p:spTgt spid="77"/>
+                                          <p:spTgt spid="75"/>
                                         </p:tgtEl>
                                         <p:attrNameLst>
                                           <p:attrName>style.visibility</p:attrName>
@@ -13448,7 +13448,7 @@
                                           </p:stCondLst>
                                         </p:cTn>
                                         <p:tgtEl>
-                                          <p:spTgt spid="96"/>
+                                          <p:spTgt spid="76"/>
                                         </p:tgtEl>
                                         <p:attrNameLst>
                                           <p:attrName>style.visibility</p:attrName>
@@ -13493,7 +13493,7 @@
                                           </p:stCondLst>
                                         </p:cTn>
                                         <p:tgtEl>
-                                          <p:spTgt spid="78"/>
+                                          <p:spTgt spid="95"/>
                                         </p:tgtEl>
                                         <p:attrNameLst>
                                           <p:attrName>style.visibility</p:attrName>
@@ -13525,7 +13525,7 @@
                             </p:stCondLst>
                             <p:childTnLst>
                               <p:par>
-                                <p:cTn id="29" presetID="1" presetClass="entr" presetSubtype="0" fill="hold" grpId="0" nodeType="clickEffect">
+                                <p:cTn id="29" presetID="1" presetClass="entr" presetSubtype="0" fill="hold" nodeType="clickEffect">
                                   <p:stCondLst>
                                     <p:cond delay="0"/>
                                   </p:stCondLst>
@@ -13538,7 +13538,7 @@
                                           </p:stCondLst>
                                         </p:cTn>
                                         <p:tgtEl>
-                                          <p:spTgt spid="97"/>
+                                          <p:spTgt spid="17"/>
                                         </p:tgtEl>
                                         <p:attrNameLst>
                                           <p:attrName>style.visibility</p:attrName>
@@ -13583,7 +13583,7 @@
                                           </p:stCondLst>
                                         </p:cTn>
                                         <p:tgtEl>
-                                          <p:spTgt spid="79"/>
+                                          <p:spTgt spid="77"/>
                                         </p:tgtEl>
                                         <p:attrNameLst>
                                           <p:attrName>style.visibility</p:attrName>
@@ -13628,7 +13628,7 @@
                                           </p:stCondLst>
                                         </p:cTn>
                                         <p:tgtEl>
-                                          <p:spTgt spid="98"/>
+                                          <p:spTgt spid="96"/>
                                         </p:tgtEl>
                                         <p:attrNameLst>
                                           <p:attrName>style.visibility</p:attrName>
@@ -13660,7 +13660,7 @@
                             </p:stCondLst>
                             <p:childTnLst>
                               <p:par>
-                                <p:cTn id="41" presetID="1" presetClass="entr" presetSubtype="0" fill="hold" grpId="0" nodeType="clickEffect">
+                                <p:cTn id="41" presetID="1" presetClass="entr" presetSubtype="0" fill="hold" nodeType="clickEffect">
                                   <p:stCondLst>
                                     <p:cond delay="0"/>
                                   </p:stCondLst>
@@ -13673,7 +13673,7 @@
                                           </p:stCondLst>
                                         </p:cTn>
                                         <p:tgtEl>
-                                          <p:spTgt spid="89"/>
+                                          <p:spTgt spid="18"/>
                                         </p:tgtEl>
                                         <p:attrNameLst>
                                           <p:attrName>style.visibility</p:attrName>
@@ -13718,7 +13718,7 @@
                                           </p:stCondLst>
                                         </p:cTn>
                                         <p:tgtEl>
-                                          <p:spTgt spid="93"/>
+                                          <p:spTgt spid="78"/>
                                         </p:tgtEl>
                                         <p:attrNameLst>
                                           <p:attrName>style.visibility</p:attrName>
@@ -13763,7 +13763,7 @@
                                           </p:stCondLst>
                                         </p:cTn>
                                         <p:tgtEl>
-                                          <p:spTgt spid="94"/>
+                                          <p:spTgt spid="97"/>
                                         </p:tgtEl>
                                         <p:attrNameLst>
                                           <p:attrName>style.visibility</p:attrName>
@@ -13795,7 +13795,7 @@
                             </p:stCondLst>
                             <p:childTnLst>
                               <p:par>
-                                <p:cTn id="53" presetID="1" presetClass="entr" presetSubtype="0" fill="hold" grpId="0" nodeType="clickEffect">
+                                <p:cTn id="53" presetID="1" presetClass="entr" presetSubtype="0" fill="hold" nodeType="clickEffect">
                                   <p:stCondLst>
                                     <p:cond delay="0"/>
                                   </p:stCondLst>
@@ -13808,7 +13808,7 @@
                                           </p:stCondLst>
                                         </p:cTn>
                                         <p:tgtEl>
-                                          <p:spTgt spid="115"/>
+                                          <p:spTgt spid="19"/>
                                         </p:tgtEl>
                                         <p:attrNameLst>
                                           <p:attrName>style.visibility</p:attrName>
@@ -13853,7 +13853,7 @@
                                           </p:stCondLst>
                                         </p:cTn>
                                         <p:tgtEl>
-                                          <p:spTgt spid="116"/>
+                                          <p:spTgt spid="79"/>
                                         </p:tgtEl>
                                         <p:attrNameLst>
                                           <p:attrName>style.visibility</p:attrName>
@@ -13898,7 +13898,187 @@
                                           </p:stCondLst>
                                         </p:cTn>
                                         <p:tgtEl>
-                                          <p:spTgt spid="117"/>
+                                          <p:spTgt spid="98"/>
+                                        </p:tgtEl>
+                                        <p:attrNameLst>
+                                          <p:attrName>style.visibility</p:attrName>
+                                        </p:attrNameLst>
+                                      </p:cBhvr>
+                                      <p:to>
+                                        <p:strVal val="visible"/>
+                                      </p:to>
+                                    </p:set>
+                                  </p:childTnLst>
+                                </p:cTn>
+                              </p:par>
+                            </p:childTnLst>
+                          </p:cTn>
+                        </p:par>
+                      </p:childTnLst>
+                    </p:cTn>
+                  </p:par>
+                  <p:par>
+                    <p:cTn id="63" fill="hold">
+                      <p:stCondLst>
+                        <p:cond delay="indefinite"/>
+                      </p:stCondLst>
+                      <p:childTnLst>
+                        <p:par>
+                          <p:cTn id="64" fill="hold">
+                            <p:stCondLst>
+                              <p:cond delay="0"/>
+                            </p:stCondLst>
+                            <p:childTnLst>
+                              <p:par>
+                                <p:cTn id="65" presetID="1" presetClass="entr" presetSubtype="0" fill="hold" nodeType="clickEffect">
+                                  <p:stCondLst>
+                                    <p:cond delay="0"/>
+                                  </p:stCondLst>
+                                  <p:childTnLst>
+                                    <p:set>
+                                      <p:cBhvr>
+                                        <p:cTn id="66" dur="1" fill="hold">
+                                          <p:stCondLst>
+                                            <p:cond delay="0"/>
+                                          </p:stCondLst>
+                                        </p:cTn>
+                                        <p:tgtEl>
+                                          <p:spTgt spid="20"/>
+                                        </p:tgtEl>
+                                        <p:attrNameLst>
+                                          <p:attrName>style.visibility</p:attrName>
+                                        </p:attrNameLst>
+                                      </p:cBhvr>
+                                      <p:to>
+                                        <p:strVal val="visible"/>
+                                      </p:to>
+                                    </p:set>
+                                  </p:childTnLst>
+                                </p:cTn>
+                              </p:par>
+                            </p:childTnLst>
+                          </p:cTn>
+                        </p:par>
+                      </p:childTnLst>
+                    </p:cTn>
+                  </p:par>
+                  <p:par>
+                    <p:cTn id="67" fill="hold">
+                      <p:stCondLst>
+                        <p:cond delay="indefinite"/>
+                      </p:stCondLst>
+                      <p:childTnLst>
+                        <p:par>
+                          <p:cTn id="68" fill="hold">
+                            <p:stCondLst>
+                              <p:cond delay="0"/>
+                            </p:stCondLst>
+                            <p:childTnLst>
+                              <p:par>
+                                <p:cTn id="69" presetID="1" presetClass="entr" presetSubtype="0" fill="hold" grpId="0" nodeType="clickEffect">
+                                  <p:stCondLst>
+                                    <p:cond delay="0"/>
+                                  </p:stCondLst>
+                                  <p:childTnLst>
+                                    <p:set>
+                                      <p:cBhvr>
+                                        <p:cTn id="70" dur="1" fill="hold">
+                                          <p:stCondLst>
+                                            <p:cond delay="0"/>
+                                          </p:stCondLst>
+                                        </p:cTn>
+                                        <p:tgtEl>
+                                          <p:spTgt spid="89"/>
+                                        </p:tgtEl>
+                                        <p:attrNameLst>
+                                          <p:attrName>style.visibility</p:attrName>
+                                        </p:attrNameLst>
+                                      </p:cBhvr>
+                                      <p:to>
+                                        <p:strVal val="visible"/>
+                                      </p:to>
+                                    </p:set>
+                                  </p:childTnLst>
+                                </p:cTn>
+                              </p:par>
+                            </p:childTnLst>
+                          </p:cTn>
+                        </p:par>
+                      </p:childTnLst>
+                    </p:cTn>
+                  </p:par>
+                  <p:par>
+                    <p:cTn id="71" fill="hold">
+                      <p:stCondLst>
+                        <p:cond delay="indefinite"/>
+                      </p:stCondLst>
+                      <p:childTnLst>
+                        <p:par>
+                          <p:cTn id="72" fill="hold">
+                            <p:stCondLst>
+                              <p:cond delay="0"/>
+                            </p:stCondLst>
+                            <p:childTnLst>
+                              <p:par>
+                                <p:cTn id="73" presetID="1" presetClass="entr" presetSubtype="0" fill="hold" grpId="0" nodeType="clickEffect">
+                                  <p:stCondLst>
+                                    <p:cond delay="0"/>
+                                  </p:stCondLst>
+                                  <p:childTnLst>
+                                    <p:set>
+                                      <p:cBhvr>
+                                        <p:cTn id="74" dur="1" fill="hold">
+                                          <p:stCondLst>
+                                            <p:cond delay="0"/>
+                                          </p:stCondLst>
+                                        </p:cTn>
+                                        <p:tgtEl>
+                                          <p:spTgt spid="93"/>
+                                        </p:tgtEl>
+                                        <p:attrNameLst>
+                                          <p:attrName>style.visibility</p:attrName>
+                                        </p:attrNameLst>
+                                      </p:cBhvr>
+                                      <p:to>
+                                        <p:strVal val="visible"/>
+                                      </p:to>
+                                    </p:set>
+                                  </p:childTnLst>
+                                </p:cTn>
+                              </p:par>
+                            </p:childTnLst>
+                          </p:cTn>
+                        </p:par>
+                      </p:childTnLst>
+                    </p:cTn>
+                  </p:par>
+                  <p:par>
+                    <p:cTn id="75" fill="hold">
+                      <p:stCondLst>
+                        <p:cond delay="indefinite"/>
+                      </p:stCondLst>
+                      <p:childTnLst>
+                        <p:par>
+                          <p:cTn id="76" fill="hold">
+                            <p:stCondLst>
+                              <p:cond delay="0"/>
+                            </p:stCondLst>
+                            <p:childTnLst>
+                              <p:par>
+                                <p:cTn id="77" presetID="1" presetClass="entr" presetSubtype="0" fill="hold" grpId="0" nodeType="clickEffect">
+                                  <p:stCondLst>
+                                    <p:cond delay="0"/>
+                                  </p:stCondLst>
+                                  <p:childTnLst>
+                                    <p:set>
+                                      <p:cBhvr>
+                                        <p:cTn id="78" dur="1" fill="hold">
+                                          <p:stCondLst>
+                                            <p:cond delay="0"/>
+                                          </p:stCondLst>
+                                        </p:cTn>
+                                        <p:tgtEl>
+                                          <p:spTgt spid="94"/>
                                         </p:tgtEl>
                                         <p:attrNameLst>
                                           <p:attrName>style.visibility</p:attrName>
@@ -16298,7 +16478,7 @@
                                           </p:stCondLst>
                                         </p:cTn>
                                         <p:tgtEl>
-                                          <p:spTgt spid="48"/>
+                                          <p:spTgt spid="66"/>
                                         </p:tgtEl>
                                         <p:attrNameLst>
                                           <p:attrName>style.visibility</p:attrName>
@@ -16343,7 +16523,7 @@
                                           </p:stCondLst>
                                         </p:cTn>
                                         <p:tgtEl>
-                                          <p:spTgt spid="57"/>
+                                          <p:spTgt spid="67"/>
                                         </p:tgtEl>
                                         <p:attrNameLst>
                                           <p:attrName>style.visibility</p:attrName>
@@ -16375,7 +16555,7 @@
                             </p:stCondLst>
                             <p:childTnLst>
                               <p:par>
-                                <p:cTn id="13" presetID="1" presetClass="entr" presetSubtype="0" fill="hold" nodeType="clickEffect">
+                                <p:cTn id="13" presetID="1" presetClass="entr" presetSubtype="0" fill="hold" grpId="0" nodeType="clickEffect">
                                   <p:stCondLst>
                                     <p:cond delay="0"/>
                                   </p:stCondLst>
@@ -16388,7 +16568,7 @@
                                           </p:stCondLst>
                                         </p:cTn>
                                         <p:tgtEl>
-                                          <p:spTgt spid="50"/>
+                                          <p:spTgt spid="68"/>
                                         </p:tgtEl>
                                         <p:attrNameLst>
                                           <p:attrName>style.visibility</p:attrName>
@@ -16433,7 +16613,7 @@
                                           </p:stCondLst>
                                         </p:cTn>
                                         <p:tgtEl>
-                                          <p:spTgt spid="49"/>
+                                          <p:spTgt spid="47"/>
                                         </p:tgtEl>
                                         <p:attrNameLst>
                                           <p:attrName>style.visibility</p:attrName>
@@ -16478,7 +16658,7 @@
                                           </p:stCondLst>
                                         </p:cTn>
                                         <p:tgtEl>
-                                          <p:spTgt spid="58"/>
+                                          <p:spTgt spid="48"/>
                                         </p:tgtEl>
                                         <p:attrNameLst>
                                           <p:attrName>style.visibility</p:attrName>
@@ -16510,7 +16690,7 @@
                             </p:stCondLst>
                             <p:childTnLst>
                               <p:par>
-                                <p:cTn id="25" presetID="1" presetClass="entr" presetSubtype="0" fill="hold" nodeType="clickEffect">
+                                <p:cTn id="25" presetID="1" presetClass="entr" presetSubtype="0" fill="hold" grpId="0" nodeType="clickEffect">
                                   <p:stCondLst>
                                     <p:cond delay="0"/>
                                   </p:stCondLst>
@@ -16523,7 +16703,7 @@
                                           </p:stCondLst>
                                         </p:cTn>
                                         <p:tgtEl>
-                                          <p:spTgt spid="53"/>
+                                          <p:spTgt spid="57"/>
                                         </p:tgtEl>
                                         <p:attrNameLst>
                                           <p:attrName>style.visibility</p:attrName>
@@ -16555,7 +16735,7 @@
                             </p:stCondLst>
                             <p:childTnLst>
                               <p:par>
-                                <p:cTn id="29" presetID="1" presetClass="entr" presetSubtype="0" fill="hold" grpId="0" nodeType="clickEffect">
+                                <p:cTn id="29" presetID="1" presetClass="entr" presetSubtype="0" fill="hold" nodeType="clickEffect">
                                   <p:stCondLst>
                                     <p:cond delay="0"/>
                                   </p:stCondLst>
@@ -16568,7 +16748,7 @@
                                           </p:stCondLst>
                                         </p:cTn>
                                         <p:tgtEl>
-                                          <p:spTgt spid="56"/>
+                                          <p:spTgt spid="50"/>
                                         </p:tgtEl>
                                         <p:attrNameLst>
                                           <p:attrName>style.visibility</p:attrName>
@@ -16613,7 +16793,7 @@
                                           </p:stCondLst>
                                         </p:cTn>
                                         <p:tgtEl>
-                                          <p:spTgt spid="59"/>
+                                          <p:spTgt spid="49"/>
                                         </p:tgtEl>
                                         <p:attrNameLst>
                                           <p:attrName>style.visibility</p:attrName>
@@ -16658,7 +16838,7 @@
                                           </p:stCondLst>
                                         </p:cTn>
                                         <p:tgtEl>
-                                          <p:spTgt spid="60"/>
+                                          <p:spTgt spid="58"/>
                                         </p:tgtEl>
                                         <p:attrNameLst>
                                           <p:attrName>style.visibility</p:attrName>
@@ -16690,7 +16870,7 @@
                             </p:stCondLst>
                             <p:childTnLst>
                               <p:par>
-                                <p:cTn id="41" presetID="1" presetClass="entr" presetSubtype="0" fill="hold" grpId="0" nodeType="clickEffect">
+                                <p:cTn id="41" presetID="1" presetClass="entr" presetSubtype="0" fill="hold" nodeType="clickEffect">
                                   <p:stCondLst>
                                     <p:cond delay="0"/>
                                   </p:stCondLst>
@@ -16703,7 +16883,7 @@
                                           </p:stCondLst>
                                         </p:cTn>
                                         <p:tgtEl>
-                                          <p:spTgt spid="66"/>
+                                          <p:spTgt spid="53"/>
                                         </p:tgtEl>
                                         <p:attrNameLst>
                                           <p:attrName>style.visibility</p:attrName>
@@ -16748,7 +16928,7 @@
                                           </p:stCondLst>
                                         </p:cTn>
                                         <p:tgtEl>
-                                          <p:spTgt spid="67"/>
+                                          <p:spTgt spid="56"/>
                                         </p:tgtEl>
                                         <p:attrNameLst>
                                           <p:attrName>style.visibility</p:attrName>
@@ -16793,7 +16973,52 @@
                                           </p:stCondLst>
                                         </p:cTn>
                                         <p:tgtEl>
-                                          <p:spTgt spid="68"/>
+                                          <p:spTgt spid="59"/>
+                                        </p:tgtEl>
+                                        <p:attrNameLst>
+                                          <p:attrName>style.visibility</p:attrName>
+                                        </p:attrNameLst>
+                                      </p:cBhvr>
+                                      <p:to>
+                                        <p:strVal val="visible"/>
+                                      </p:to>
+                                    </p:set>
+                                  </p:childTnLst>
+                                </p:cTn>
+                              </p:par>
+                            </p:childTnLst>
+                          </p:cTn>
+                        </p:par>
+                      </p:childTnLst>
+                    </p:cTn>
+                  </p:par>
+                  <p:par>
+                    <p:cTn id="51" fill="hold">
+                      <p:stCondLst>
+                        <p:cond delay="indefinite"/>
+                      </p:stCondLst>
+                      <p:childTnLst>
+                        <p:par>
+                          <p:cTn id="52" fill="hold">
+                            <p:stCondLst>
+                              <p:cond delay="0"/>
+                            </p:stCondLst>
+                            <p:childTnLst>
+                              <p:par>
+                                <p:cTn id="53" presetID="1" presetClass="entr" presetSubtype="0" fill="hold" grpId="0" nodeType="clickEffect">
+                                  <p:stCondLst>
+                                    <p:cond delay="0"/>
+                                  </p:stCondLst>
+                                  <p:childTnLst>
+                                    <p:set>
+                                      <p:cBhvr>
+                                        <p:cTn id="54" dur="1" fill="hold">
+                                          <p:stCondLst>
+                                            <p:cond delay="0"/>
+                                          </p:stCondLst>
+                                        </p:cTn>
+                                        <p:tgtEl>
+                                          <p:spTgt spid="60"/>
                                         </p:tgtEl>
                                         <p:attrNameLst>
                                           <p:attrName>style.visibility</p:attrName>
@@ -16834,6 +17059,7 @@
       </p:par>
     </p:tnLst>
     <p:bldLst>
+      <p:bldP spid="47" grpId="0"/>
       <p:bldP spid="48" grpId="0" animBg="1"/>
       <p:bldP spid="49" grpId="0" animBg="1"/>
       <p:bldP spid="56" grpId="0" animBg="1"/>
